--- a/Meilenstein 2/Präsentation/Präsentation MS2.pptx
+++ b/Meilenstein 2/Präsentation/Präsentation MS2.pptx
@@ -5,7 +5,7 @@
     <p:sldMasterId id="2147483756" r:id="rId1"/>
   </p:sldMasterIdLst>
   <p:notesMasterIdLst>
-    <p:notesMasterId r:id="rId12"/>
+    <p:notesMasterId r:id="rId16"/>
   </p:notesMasterIdLst>
   <p:sldIdLst>
     <p:sldId id="256" r:id="rId2"/>
@@ -18,6 +18,10 @@
     <p:sldId id="287" r:id="rId9"/>
     <p:sldId id="272" r:id="rId10"/>
     <p:sldId id="286" r:id="rId11"/>
+    <p:sldId id="275" r:id="rId12"/>
+    <p:sldId id="276" r:id="rId13"/>
+    <p:sldId id="274" r:id="rId14"/>
+    <p:sldId id="279" r:id="rId15"/>
   </p:sldIdLst>
   <p:sldSz cx="12192000" cy="6858000"/>
   <p:notesSz cx="6858000" cy="9144000"/>
@@ -4153,6 +4157,1049 @@
     <p:extLst>
       <p:ext uri="{BB962C8B-B14F-4D97-AF65-F5344CB8AC3E}">
         <p14:creationId xmlns:p14="http://schemas.microsoft.com/office/powerpoint/2010/main" val="129705907"/>
+      </p:ext>
+    </p:extLst>
+  </p:cSld>
+  <p:clrMapOvr>
+    <a:masterClrMapping/>
+  </p:clrMapOvr>
+</p:sld>
+</file>
+
+<file path=ppt/slides/slide11.xml><?xml version="1.0" encoding="utf-8"?>
+<p:sld xmlns:a="http://schemas.openxmlformats.org/drawingml/2006/main" xmlns:r="http://schemas.openxmlformats.org/officeDocument/2006/relationships" xmlns:p="http://schemas.openxmlformats.org/presentationml/2006/main">
+  <p:cSld>
+    <p:spTree>
+      <p:nvGrpSpPr>
+        <p:cNvPr id="1" name=""/>
+        <p:cNvGrpSpPr/>
+        <p:nvPr/>
+      </p:nvGrpSpPr>
+      <p:grpSpPr>
+        <a:xfrm>
+          <a:off x="0" y="0"/>
+          <a:ext cx="0" cy="0"/>
+          <a:chOff x="0" y="0"/>
+          <a:chExt cx="0" cy="0"/>
+        </a:xfrm>
+      </p:grpSpPr>
+      <p:sp>
+        <p:nvSpPr>
+          <p:cNvPr id="2" name="Textfeld 1">
+            <a:extLst>
+              <a:ext uri="{FF2B5EF4-FFF2-40B4-BE49-F238E27FC236}">
+                <a16:creationId xmlns:a16="http://schemas.microsoft.com/office/drawing/2014/main" id="{91CF4895-9E43-4451-AD30-62BB9C62C0DB}"/>
+              </a:ext>
+            </a:extLst>
+          </p:cNvPr>
+          <p:cNvSpPr txBox="1"/>
+          <p:nvPr/>
+        </p:nvSpPr>
+        <p:spPr>
+          <a:xfrm>
+            <a:off x="908436" y="859138"/>
+            <a:ext cx="184731" cy="369332"/>
+          </a:xfrm>
+          <a:prstGeom prst="rect">
+            <a:avLst/>
+          </a:prstGeom>
+          <a:noFill/>
+        </p:spPr>
+        <p:txBody>
+          <a:bodyPr wrap="none" rtlCol="0">
+            <a:spAutoFit/>
+          </a:bodyPr>
+          <a:lstStyle/>
+          <a:p>
+            <a:endParaRPr lang="de-DE" dirty="0"/>
+          </a:p>
+        </p:txBody>
+      </p:sp>
+      <p:sp>
+        <p:nvSpPr>
+          <p:cNvPr id="19" name="Rectangle 4">
+            <a:extLst>
+              <a:ext uri="{FF2B5EF4-FFF2-40B4-BE49-F238E27FC236}">
+                <a16:creationId xmlns:a16="http://schemas.microsoft.com/office/drawing/2014/main" id="{684E42DA-56F2-4FDE-9B8B-ACCE96074478}"/>
+              </a:ext>
+            </a:extLst>
+          </p:cNvPr>
+          <p:cNvSpPr>
+            <a:spLocks noChangeArrowheads="1"/>
+          </p:cNvSpPr>
+          <p:nvPr/>
+        </p:nvSpPr>
+        <p:spPr bwMode="auto">
+          <a:xfrm>
+            <a:off x="4114207" y="2832243"/>
+            <a:ext cx="12192000" cy="457200"/>
+          </a:xfrm>
+          <a:prstGeom prst="rect">
+            <a:avLst/>
+          </a:prstGeom>
+          <a:noFill/>
+          <a:ln>
+            <a:noFill/>
+          </a:ln>
+          <a:effectLst/>
+          <a:extLst>
+            <a:ext uri="{909E8E84-426E-40DD-AFC4-6F175D3DCCD1}">
+              <a14:hiddenFill xmlns:a14="http://schemas.microsoft.com/office/drawing/2010/main">
+                <a:solidFill>
+                  <a:schemeClr val="accent1"/>
+                </a:solidFill>
+              </a14:hiddenFill>
+            </a:ext>
+            <a:ext uri="{91240B29-F687-4F45-9708-019B960494DF}">
+              <a14:hiddenLine xmlns:a14="http://schemas.microsoft.com/office/drawing/2010/main" w="9525">
+                <a:solidFill>
+                  <a:schemeClr val="tx1"/>
+                </a:solidFill>
+                <a:miter lim="800000"/>
+                <a:headEnd/>
+                <a:tailEnd/>
+              </a14:hiddenLine>
+            </a:ext>
+            <a:ext uri="{AF507438-7753-43E0-B8FC-AC1667EBCBE1}">
+              <a14:hiddenEffects xmlns:a14="http://schemas.microsoft.com/office/drawing/2010/main">
+                <a:effectLst>
+                  <a:outerShdw dist="35921" dir="2700000" algn="ctr" rotWithShape="0">
+                    <a:schemeClr val="bg2"/>
+                  </a:outerShdw>
+                </a:effectLst>
+              </a14:hiddenEffects>
+            </a:ext>
+          </a:extLst>
+        </p:spPr>
+        <p:txBody>
+          <a:bodyPr vert="horz" wrap="none" lIns="91440" tIns="45720" rIns="91440" bIns="45720" numCol="1" anchor="ctr" anchorCtr="0" compatLnSpc="1">
+            <a:prstTxWarp prst="textNoShape">
+              <a:avLst/>
+            </a:prstTxWarp>
+            <a:spAutoFit/>
+          </a:bodyPr>
+          <a:lstStyle/>
+          <a:p>
+            <a:endParaRPr lang="de-DE"/>
+          </a:p>
+        </p:txBody>
+      </p:sp>
+      <p:pic>
+        <p:nvPicPr>
+          <p:cNvPr id="5" name="Grafik 4">
+            <a:extLst>
+              <a:ext uri="{FF2B5EF4-FFF2-40B4-BE49-F238E27FC236}">
+                <a16:creationId xmlns:a16="http://schemas.microsoft.com/office/drawing/2014/main" id="{2A3D4D93-84C6-4CC0-8DF4-660C9C40A9D2}"/>
+              </a:ext>
+            </a:extLst>
+          </p:cNvPr>
+          <p:cNvPicPr>
+            <a:picLocks noChangeAspect="1"/>
+          </p:cNvPicPr>
+          <p:nvPr/>
+        </p:nvPicPr>
+        <p:blipFill>
+          <a:blip r:embed="rId2"/>
+          <a:stretch>
+            <a:fillRect/>
+          </a:stretch>
+        </p:blipFill>
+        <p:spPr>
+          <a:xfrm>
+            <a:off x="4995954" y="859138"/>
+            <a:ext cx="6615983" cy="4961987"/>
+          </a:xfrm>
+          <a:prstGeom prst="rect">
+            <a:avLst/>
+          </a:prstGeom>
+        </p:spPr>
+      </p:pic>
+      <p:pic>
+        <p:nvPicPr>
+          <p:cNvPr id="6" name="Grafik 5">
+            <a:extLst>
+              <a:ext uri="{FF2B5EF4-FFF2-40B4-BE49-F238E27FC236}">
+                <a16:creationId xmlns:a16="http://schemas.microsoft.com/office/drawing/2014/main" id="{65CC6C71-9470-458C-B5F9-CF66DB3204B2}"/>
+              </a:ext>
+            </a:extLst>
+          </p:cNvPr>
+          <p:cNvPicPr>
+            <a:picLocks noChangeAspect="1"/>
+          </p:cNvPicPr>
+          <p:nvPr/>
+        </p:nvPicPr>
+        <p:blipFill>
+          <a:blip r:embed="rId3"/>
+          <a:stretch>
+            <a:fillRect/>
+          </a:stretch>
+        </p:blipFill>
+        <p:spPr>
+          <a:xfrm>
+            <a:off x="1093167" y="1131298"/>
+            <a:ext cx="3181350" cy="952500"/>
+          </a:xfrm>
+          <a:prstGeom prst="roundRect">
+            <a:avLst>
+              <a:gd name="adj" fmla="val 8594"/>
+            </a:avLst>
+          </a:prstGeom>
+          <a:solidFill>
+            <a:srgbClr val="FFFFFF">
+              <a:shade val="85000"/>
+            </a:srgbClr>
+          </a:solidFill>
+          <a:ln>
+            <a:noFill/>
+          </a:ln>
+          <a:effectLst>
+            <a:reflection blurRad="12700" stA="38000" endPos="28000" dist="5000" dir="5400000" sy="-100000" algn="bl" rotWithShape="0"/>
+          </a:effectLst>
+        </p:spPr>
+      </p:pic>
+      <p:pic>
+        <p:nvPicPr>
+          <p:cNvPr id="8" name="Grafik 7">
+            <a:extLst>
+              <a:ext uri="{FF2B5EF4-FFF2-40B4-BE49-F238E27FC236}">
+                <a16:creationId xmlns:a16="http://schemas.microsoft.com/office/drawing/2014/main" id="{71CC943F-D564-4934-8317-63388ADD76FF}"/>
+              </a:ext>
+            </a:extLst>
+          </p:cNvPr>
+          <p:cNvPicPr>
+            <a:picLocks noChangeAspect="1"/>
+          </p:cNvPicPr>
+          <p:nvPr/>
+        </p:nvPicPr>
+        <p:blipFill>
+          <a:blip r:embed="rId4">
+            <a:extLst>
+              <a:ext uri="{BEBA8EAE-BF5A-486C-A8C5-ECC9F3942E4B}">
+                <a14:imgProps xmlns:a14="http://schemas.microsoft.com/office/drawing/2010/main">
+                  <a14:imgLayer r:embed="rId5">
+                    <a14:imgEffect>
+                      <a14:saturation sat="33000"/>
+                    </a14:imgEffect>
+                  </a14:imgLayer>
+                </a14:imgProps>
+              </a:ext>
+            </a:extLst>
+          </a:blip>
+          <a:stretch>
+            <a:fillRect/>
+          </a:stretch>
+        </p:blipFill>
+        <p:spPr>
+          <a:xfrm>
+            <a:off x="932857" y="2737930"/>
+            <a:ext cx="3488671" cy="3333750"/>
+          </a:xfrm>
+          <a:prstGeom prst="rect">
+            <a:avLst/>
+          </a:prstGeom>
+          <a:solidFill>
+            <a:srgbClr val="FFFFFF">
+              <a:shade val="85000"/>
+            </a:srgbClr>
+          </a:solidFill>
+          <a:ln w="190500" cap="sq">
+            <a:solidFill>
+              <a:srgbClr val="FFFFFF"/>
+            </a:solidFill>
+            <a:miter lim="800000"/>
+          </a:ln>
+          <a:effectLst>
+            <a:outerShdw blurRad="65000" dist="50800" dir="12900000" kx="195000" ky="145000" algn="tl" rotWithShape="0">
+              <a:srgbClr val="000000">
+                <a:alpha val="30000"/>
+              </a:srgbClr>
+            </a:outerShdw>
+          </a:effectLst>
+          <a:scene3d>
+            <a:camera prst="orthographicFront">
+              <a:rot lat="0" lon="0" rev="360000"/>
+            </a:camera>
+            <a:lightRig rig="twoPt" dir="t">
+              <a:rot lat="0" lon="0" rev="7200000"/>
+            </a:lightRig>
+          </a:scene3d>
+          <a:sp3d contourW="12700">
+            <a:bevelT w="25400" h="19050"/>
+            <a:contourClr>
+              <a:srgbClr val="969696"/>
+            </a:contourClr>
+          </a:sp3d>
+        </p:spPr>
+      </p:pic>
+    </p:spTree>
+    <p:extLst>
+      <p:ext uri="{BB962C8B-B14F-4D97-AF65-F5344CB8AC3E}">
+        <p14:creationId xmlns:p14="http://schemas.microsoft.com/office/powerpoint/2010/main" val="2733980996"/>
+      </p:ext>
+    </p:extLst>
+  </p:cSld>
+  <p:clrMapOvr>
+    <a:masterClrMapping/>
+  </p:clrMapOvr>
+</p:sld>
+</file>
+
+<file path=ppt/slides/slide12.xml><?xml version="1.0" encoding="utf-8"?>
+<p:sld xmlns:a="http://schemas.openxmlformats.org/drawingml/2006/main" xmlns:r="http://schemas.openxmlformats.org/officeDocument/2006/relationships" xmlns:p="http://schemas.openxmlformats.org/presentationml/2006/main">
+  <p:cSld>
+    <p:spTree>
+      <p:nvGrpSpPr>
+        <p:cNvPr id="1" name=""/>
+        <p:cNvGrpSpPr/>
+        <p:nvPr/>
+      </p:nvGrpSpPr>
+      <p:grpSpPr>
+        <a:xfrm>
+          <a:off x="0" y="0"/>
+          <a:ext cx="0" cy="0"/>
+          <a:chOff x="0" y="0"/>
+          <a:chExt cx="0" cy="0"/>
+        </a:xfrm>
+      </p:grpSpPr>
+      <p:sp>
+        <p:nvSpPr>
+          <p:cNvPr id="2" name="Textfeld 1">
+            <a:extLst>
+              <a:ext uri="{FF2B5EF4-FFF2-40B4-BE49-F238E27FC236}">
+                <a16:creationId xmlns:a16="http://schemas.microsoft.com/office/drawing/2014/main" id="{91CF4895-9E43-4451-AD30-62BB9C62C0DB}"/>
+              </a:ext>
+            </a:extLst>
+          </p:cNvPr>
+          <p:cNvSpPr txBox="1"/>
+          <p:nvPr/>
+        </p:nvSpPr>
+        <p:spPr>
+          <a:xfrm>
+            <a:off x="685800" y="795528"/>
+            <a:ext cx="184731" cy="369332"/>
+          </a:xfrm>
+          <a:prstGeom prst="rect">
+            <a:avLst/>
+          </a:prstGeom>
+          <a:noFill/>
+        </p:spPr>
+        <p:txBody>
+          <a:bodyPr wrap="none" rtlCol="0">
+            <a:spAutoFit/>
+          </a:bodyPr>
+          <a:lstStyle/>
+          <a:p>
+            <a:endParaRPr lang="de-DE" dirty="0"/>
+          </a:p>
+        </p:txBody>
+      </p:sp>
+      <p:sp>
+        <p:nvSpPr>
+          <p:cNvPr id="8" name="Textfeld 7">
+            <a:extLst>
+              <a:ext uri="{FF2B5EF4-FFF2-40B4-BE49-F238E27FC236}">
+                <a16:creationId xmlns:a16="http://schemas.microsoft.com/office/drawing/2014/main" id="{2F19C88A-07F7-4F3D-B848-47DCC38A9975}"/>
+              </a:ext>
+            </a:extLst>
+          </p:cNvPr>
+          <p:cNvSpPr txBox="1"/>
+          <p:nvPr/>
+        </p:nvSpPr>
+        <p:spPr>
+          <a:xfrm>
+            <a:off x="8054623" y="860931"/>
+            <a:ext cx="2274003" cy="923330"/>
+          </a:xfrm>
+          <a:prstGeom prst="rect">
+            <a:avLst/>
+          </a:prstGeom>
+          <a:noFill/>
+        </p:spPr>
+        <p:txBody>
+          <a:bodyPr wrap="square">
+            <a:spAutoFit/>
+          </a:bodyPr>
+          <a:lstStyle/>
+          <a:p>
+            <a:r>
+              <a:rPr lang="de-DE" sz="3600" dirty="0" err="1"/>
+              <a:t>Flügeltang</a:t>
+            </a:r>
+            <a:endParaRPr lang="de-DE" sz="3600" dirty="0"/>
+          </a:p>
+          <a:p>
+            <a:r>
+              <a:rPr lang="de-DE" sz="1800" dirty="0">
+                <a:effectLst/>
+                <a:latin typeface="Calibri" panose="020F0502020204030204" pitchFamily="34" charset="0"/>
+                <a:ea typeface="Calibri" panose="020F0502020204030204" pitchFamily="34" charset="0"/>
+                <a:cs typeface="Times New Roman" panose="02020603050405020304" pitchFamily="18" charset="0"/>
+              </a:rPr>
+              <a:t>(</a:t>
+            </a:r>
+            <a:r>
+              <a:rPr lang="de-DE" sz="1800" i="1" dirty="0" err="1">
+                <a:effectLst/>
+                <a:latin typeface="Calibri" panose="020F0502020204030204" pitchFamily="34" charset="0"/>
+                <a:ea typeface="Calibri" panose="020F0502020204030204" pitchFamily="34" charset="0"/>
+                <a:cs typeface="Times New Roman" panose="02020603050405020304" pitchFamily="18" charset="0"/>
+              </a:rPr>
+              <a:t>Alaria</a:t>
+            </a:r>
+            <a:r>
+              <a:rPr lang="de-DE" sz="1800" i="1" dirty="0">
+                <a:effectLst/>
+                <a:latin typeface="Calibri" panose="020F0502020204030204" pitchFamily="34" charset="0"/>
+                <a:ea typeface="Calibri" panose="020F0502020204030204" pitchFamily="34" charset="0"/>
+                <a:cs typeface="Times New Roman" panose="02020603050405020304" pitchFamily="18" charset="0"/>
+              </a:rPr>
+              <a:t> </a:t>
+            </a:r>
+            <a:r>
+              <a:rPr lang="de-DE" sz="1800" i="1" dirty="0" err="1">
+                <a:effectLst/>
+                <a:latin typeface="Calibri" panose="020F0502020204030204" pitchFamily="34" charset="0"/>
+                <a:ea typeface="Calibri" panose="020F0502020204030204" pitchFamily="34" charset="0"/>
+                <a:cs typeface="Times New Roman" panose="02020603050405020304" pitchFamily="18" charset="0"/>
+              </a:rPr>
+              <a:t>esculenta</a:t>
+            </a:r>
+            <a:r>
+              <a:rPr lang="de-DE" sz="1800" dirty="0">
+                <a:effectLst/>
+                <a:latin typeface="Calibri" panose="020F0502020204030204" pitchFamily="34" charset="0"/>
+                <a:ea typeface="Calibri" panose="020F0502020204030204" pitchFamily="34" charset="0"/>
+                <a:cs typeface="Times New Roman" panose="02020603050405020304" pitchFamily="18" charset="0"/>
+              </a:rPr>
+              <a:t>)</a:t>
+            </a:r>
+            <a:endParaRPr lang="de-DE" sz="3600" dirty="0"/>
+          </a:p>
+        </p:txBody>
+      </p:sp>
+      <p:sp>
+        <p:nvSpPr>
+          <p:cNvPr id="12" name="Textfeld 11">
+            <a:extLst>
+              <a:ext uri="{FF2B5EF4-FFF2-40B4-BE49-F238E27FC236}">
+                <a16:creationId xmlns:a16="http://schemas.microsoft.com/office/drawing/2014/main" id="{B4803796-90B2-4875-835B-CE7D321C5928}"/>
+              </a:ext>
+            </a:extLst>
+          </p:cNvPr>
+          <p:cNvSpPr txBox="1"/>
+          <p:nvPr/>
+        </p:nvSpPr>
+        <p:spPr>
+          <a:xfrm>
+            <a:off x="1297902" y="795528"/>
+            <a:ext cx="3051633" cy="923330"/>
+          </a:xfrm>
+          <a:prstGeom prst="rect">
+            <a:avLst/>
+          </a:prstGeom>
+          <a:noFill/>
+        </p:spPr>
+        <p:txBody>
+          <a:bodyPr wrap="square">
+            <a:spAutoFit/>
+          </a:bodyPr>
+          <a:lstStyle/>
+          <a:p>
+            <a:r>
+              <a:rPr lang="de-DE" sz="3600" dirty="0" err="1"/>
+              <a:t>Zuckertang</a:t>
+            </a:r>
+            <a:endParaRPr lang="de-DE" sz="3600" dirty="0"/>
+          </a:p>
+          <a:p>
+            <a:r>
+              <a:rPr lang="de-DE" sz="1800" dirty="0">
+                <a:effectLst/>
+                <a:latin typeface="Calibri" panose="020F0502020204030204" pitchFamily="34" charset="0"/>
+                <a:ea typeface="Calibri" panose="020F0502020204030204" pitchFamily="34" charset="0"/>
+                <a:cs typeface="Times New Roman" panose="02020603050405020304" pitchFamily="18" charset="0"/>
+              </a:rPr>
+              <a:t>(</a:t>
+            </a:r>
+            <a:r>
+              <a:rPr lang="de-DE" sz="1800" i="1" dirty="0" err="1">
+                <a:effectLst/>
+                <a:latin typeface="Calibri" panose="020F0502020204030204" pitchFamily="34" charset="0"/>
+                <a:ea typeface="Calibri" panose="020F0502020204030204" pitchFamily="34" charset="0"/>
+                <a:cs typeface="Times New Roman" panose="02020603050405020304" pitchFamily="18" charset="0"/>
+              </a:rPr>
+              <a:t>Saccharina</a:t>
+            </a:r>
+            <a:r>
+              <a:rPr lang="de-DE" sz="1800" i="1" dirty="0">
+                <a:effectLst/>
+                <a:latin typeface="Calibri" panose="020F0502020204030204" pitchFamily="34" charset="0"/>
+                <a:ea typeface="Calibri" panose="020F0502020204030204" pitchFamily="34" charset="0"/>
+                <a:cs typeface="Times New Roman" panose="02020603050405020304" pitchFamily="18" charset="0"/>
+              </a:rPr>
+              <a:t> </a:t>
+            </a:r>
+            <a:r>
+              <a:rPr lang="de-DE" sz="1800" i="1" dirty="0" err="1">
+                <a:effectLst/>
+                <a:latin typeface="Calibri" panose="020F0502020204030204" pitchFamily="34" charset="0"/>
+                <a:ea typeface="Calibri" panose="020F0502020204030204" pitchFamily="34" charset="0"/>
+                <a:cs typeface="Times New Roman" panose="02020603050405020304" pitchFamily="18" charset="0"/>
+              </a:rPr>
+              <a:t>latissima</a:t>
+            </a:r>
+            <a:r>
+              <a:rPr lang="de-DE" sz="1800" dirty="0">
+                <a:effectLst/>
+                <a:latin typeface="Calibri" panose="020F0502020204030204" pitchFamily="34" charset="0"/>
+                <a:ea typeface="Calibri" panose="020F0502020204030204" pitchFamily="34" charset="0"/>
+                <a:cs typeface="Times New Roman" panose="02020603050405020304" pitchFamily="18" charset="0"/>
+              </a:rPr>
+              <a:t>) </a:t>
+            </a:r>
+            <a:endParaRPr lang="de-DE" sz="3600" dirty="0"/>
+          </a:p>
+        </p:txBody>
+      </p:sp>
+      <p:pic>
+        <p:nvPicPr>
+          <p:cNvPr id="4" name="Grafik 3">
+            <a:extLst>
+              <a:ext uri="{FF2B5EF4-FFF2-40B4-BE49-F238E27FC236}">
+                <a16:creationId xmlns:a16="http://schemas.microsoft.com/office/drawing/2014/main" id="{683FC059-36E7-4129-8577-C885E4CF3A80}"/>
+              </a:ext>
+            </a:extLst>
+          </p:cNvPr>
+          <p:cNvPicPr>
+            <a:picLocks noChangeAspect="1"/>
+          </p:cNvPicPr>
+          <p:nvPr/>
+        </p:nvPicPr>
+        <p:blipFill>
+          <a:blip r:embed="rId2"/>
+          <a:stretch>
+            <a:fillRect/>
+          </a:stretch>
+        </p:blipFill>
+        <p:spPr>
+          <a:xfrm>
+            <a:off x="976557" y="2082842"/>
+            <a:ext cx="3376612" cy="3722645"/>
+          </a:xfrm>
+          <a:prstGeom prst="roundRect">
+            <a:avLst>
+              <a:gd name="adj" fmla="val 8594"/>
+            </a:avLst>
+          </a:prstGeom>
+          <a:solidFill>
+            <a:srgbClr val="FFFFFF">
+              <a:shade val="85000"/>
+            </a:srgbClr>
+          </a:solidFill>
+          <a:ln>
+            <a:noFill/>
+          </a:ln>
+          <a:effectLst>
+            <a:reflection blurRad="12700" stA="38000" endPos="28000" dist="5000" dir="5400000" sy="-100000" algn="bl" rotWithShape="0"/>
+          </a:effectLst>
+        </p:spPr>
+      </p:pic>
+      <p:pic>
+        <p:nvPicPr>
+          <p:cNvPr id="5" name="Grafik 4">
+            <a:extLst>
+              <a:ext uri="{FF2B5EF4-FFF2-40B4-BE49-F238E27FC236}">
+                <a16:creationId xmlns:a16="http://schemas.microsoft.com/office/drawing/2014/main" id="{244E6A4A-8455-43C7-A46C-4F3A480DA439}"/>
+              </a:ext>
+            </a:extLst>
+          </p:cNvPr>
+          <p:cNvPicPr>
+            <a:picLocks noChangeAspect="1"/>
+          </p:cNvPicPr>
+          <p:nvPr/>
+        </p:nvPicPr>
+        <p:blipFill>
+          <a:blip r:embed="rId3"/>
+          <a:stretch>
+            <a:fillRect/>
+          </a:stretch>
+        </p:blipFill>
+        <p:spPr>
+          <a:xfrm>
+            <a:off x="7458075" y="2534464"/>
+            <a:ext cx="3467100" cy="2819400"/>
+          </a:xfrm>
+          <a:prstGeom prst="roundRect">
+            <a:avLst>
+              <a:gd name="adj" fmla="val 8594"/>
+            </a:avLst>
+          </a:prstGeom>
+          <a:solidFill>
+            <a:srgbClr val="FFFFFF">
+              <a:shade val="85000"/>
+            </a:srgbClr>
+          </a:solidFill>
+          <a:ln>
+            <a:noFill/>
+          </a:ln>
+          <a:effectLst>
+            <a:reflection blurRad="12700" stA="38000" endPos="28000" dist="5000" dir="5400000" sy="-100000" algn="bl" rotWithShape="0"/>
+          </a:effectLst>
+        </p:spPr>
+      </p:pic>
+      <p:cxnSp>
+        <p:nvCxnSpPr>
+          <p:cNvPr id="7" name="Gerader Verbinder 6">
+            <a:extLst>
+              <a:ext uri="{FF2B5EF4-FFF2-40B4-BE49-F238E27FC236}">
+                <a16:creationId xmlns:a16="http://schemas.microsoft.com/office/drawing/2014/main" id="{F7A41CD5-48C2-42DC-9C74-019A4FE8DA4A}"/>
+              </a:ext>
+            </a:extLst>
+          </p:cNvPr>
+          <p:cNvCxnSpPr>
+            <a:cxnSpLocks/>
+          </p:cNvCxnSpPr>
+          <p:nvPr/>
+        </p:nvCxnSpPr>
+        <p:spPr>
+          <a:xfrm>
+            <a:off x="5783956" y="1164860"/>
+            <a:ext cx="0" cy="4720125"/>
+          </a:xfrm>
+          <a:prstGeom prst="line">
+            <a:avLst/>
+          </a:prstGeom>
+        </p:spPr>
+        <p:style>
+          <a:lnRef idx="1">
+            <a:schemeClr val="accent1"/>
+          </a:lnRef>
+          <a:fillRef idx="0">
+            <a:schemeClr val="accent1"/>
+          </a:fillRef>
+          <a:effectRef idx="0">
+            <a:schemeClr val="accent1"/>
+          </a:effectRef>
+          <a:fontRef idx="minor">
+            <a:schemeClr val="tx1"/>
+          </a:fontRef>
+        </p:style>
+      </p:cxnSp>
+    </p:spTree>
+    <p:extLst>
+      <p:ext uri="{BB962C8B-B14F-4D97-AF65-F5344CB8AC3E}">
+        <p14:creationId xmlns:p14="http://schemas.microsoft.com/office/powerpoint/2010/main" val="1052160411"/>
+      </p:ext>
+    </p:extLst>
+  </p:cSld>
+  <p:clrMapOvr>
+    <a:masterClrMapping/>
+  </p:clrMapOvr>
+</p:sld>
+</file>
+
+<file path=ppt/slides/slide13.xml><?xml version="1.0" encoding="utf-8"?>
+<p:sld xmlns:a="http://schemas.openxmlformats.org/drawingml/2006/main" xmlns:r="http://schemas.openxmlformats.org/officeDocument/2006/relationships" xmlns:p="http://schemas.openxmlformats.org/presentationml/2006/main">
+  <p:cSld>
+    <p:spTree>
+      <p:nvGrpSpPr>
+        <p:cNvPr id="1" name=""/>
+        <p:cNvGrpSpPr/>
+        <p:nvPr/>
+      </p:nvGrpSpPr>
+      <p:grpSpPr>
+        <a:xfrm>
+          <a:off x="0" y="0"/>
+          <a:ext cx="0" cy="0"/>
+          <a:chOff x="0" y="0"/>
+          <a:chExt cx="0" cy="0"/>
+        </a:xfrm>
+      </p:grpSpPr>
+      <p:sp>
+        <p:nvSpPr>
+          <p:cNvPr id="2" name="Textfeld 1">
+            <a:extLst>
+              <a:ext uri="{FF2B5EF4-FFF2-40B4-BE49-F238E27FC236}">
+                <a16:creationId xmlns:a16="http://schemas.microsoft.com/office/drawing/2014/main" id="{91CF4895-9E43-4451-AD30-62BB9C62C0DB}"/>
+              </a:ext>
+            </a:extLst>
+          </p:cNvPr>
+          <p:cNvSpPr txBox="1"/>
+          <p:nvPr/>
+        </p:nvSpPr>
+        <p:spPr>
+          <a:xfrm>
+            <a:off x="685800" y="795528"/>
+            <a:ext cx="184731" cy="369332"/>
+          </a:xfrm>
+          <a:prstGeom prst="rect">
+            <a:avLst/>
+          </a:prstGeom>
+          <a:noFill/>
+        </p:spPr>
+        <p:txBody>
+          <a:bodyPr wrap="none" rtlCol="0">
+            <a:spAutoFit/>
+          </a:bodyPr>
+          <a:lstStyle/>
+          <a:p>
+            <a:endParaRPr lang="de-DE" dirty="0"/>
+          </a:p>
+        </p:txBody>
+      </p:sp>
+      <p:graphicFrame>
+        <p:nvGraphicFramePr>
+          <p:cNvPr id="3" name="Objekt 2">
+            <a:extLst>
+              <a:ext uri="{FF2B5EF4-FFF2-40B4-BE49-F238E27FC236}">
+                <a16:creationId xmlns:a16="http://schemas.microsoft.com/office/drawing/2014/main" id="{25504CA2-5BBA-48A2-83F5-9CF22072CE3C}"/>
+              </a:ext>
+            </a:extLst>
+          </p:cNvPr>
+          <p:cNvGraphicFramePr>
+            <a:graphicFrameLocks noChangeAspect="1"/>
+          </p:cNvGraphicFramePr>
+          <p:nvPr/>
+        </p:nvGraphicFramePr>
+        <p:xfrm>
+          <a:off x="-23447" y="-902825"/>
+          <a:ext cx="12663001" cy="10162572"/>
+        </p:xfrm>
+        <a:graphic>
+          <a:graphicData uri="http://schemas.openxmlformats.org/presentationml/2006/ole">
+            <mc:AlternateContent xmlns:mc="http://schemas.openxmlformats.org/markup-compatibility/2006">
+              <mc:Choice xmlns:v="urn:schemas-microsoft-com:vml" Requires="v">
+                <p:oleObj spid="_x0000_s1026" name="Acrobat Document" r:id="rId3" imgW="6415686" imgH="4533529" progId="AcroExch.Document.DC">
+                  <p:embed/>
+                </p:oleObj>
+              </mc:Choice>
+              <mc:Fallback>
+                <p:oleObj name="Acrobat Document" r:id="rId3" imgW="6415686" imgH="4533529" progId="AcroExch.Document.DC">
+                  <p:embed/>
+                  <p:pic>
+                    <p:nvPicPr>
+                      <p:cNvPr id="3" name="Objekt 2">
+                        <a:extLst>
+                          <a:ext uri="{FF2B5EF4-FFF2-40B4-BE49-F238E27FC236}">
+                            <a16:creationId xmlns:a16="http://schemas.microsoft.com/office/drawing/2014/main" id="{25504CA2-5BBA-48A2-83F5-9CF22072CE3C}"/>
+                          </a:ext>
+                        </a:extLst>
+                      </p:cNvPr>
+                      <p:cNvPicPr/>
+                      <p:nvPr/>
+                    </p:nvPicPr>
+                    <p:blipFill>
+                      <a:blip r:embed="rId4"/>
+                      <a:stretch>
+                        <a:fillRect/>
+                      </a:stretch>
+                    </p:blipFill>
+                    <p:spPr>
+                      <a:xfrm>
+                        <a:off x="-23447" y="-902825"/>
+                        <a:ext cx="12663001" cy="10162572"/>
+                      </a:xfrm>
+                      <a:prstGeom prst="rect">
+                        <a:avLst/>
+                      </a:prstGeom>
+                    </p:spPr>
+                  </p:pic>
+                </p:oleObj>
+              </mc:Fallback>
+            </mc:AlternateContent>
+          </a:graphicData>
+        </a:graphic>
+      </p:graphicFrame>
+    </p:spTree>
+    <p:extLst>
+      <p:ext uri="{BB962C8B-B14F-4D97-AF65-F5344CB8AC3E}">
+        <p14:creationId xmlns:p14="http://schemas.microsoft.com/office/powerpoint/2010/main" val="3516916557"/>
+      </p:ext>
+    </p:extLst>
+  </p:cSld>
+  <p:clrMapOvr>
+    <a:masterClrMapping/>
+  </p:clrMapOvr>
+</p:sld>
+</file>
+
+<file path=ppt/slides/slide14.xml><?xml version="1.0" encoding="utf-8"?>
+<p:sld xmlns:a="http://schemas.openxmlformats.org/drawingml/2006/main" xmlns:r="http://schemas.openxmlformats.org/officeDocument/2006/relationships" xmlns:p="http://schemas.openxmlformats.org/presentationml/2006/main">
+  <p:cSld>
+    <p:spTree>
+      <p:nvGrpSpPr>
+        <p:cNvPr id="1" name=""/>
+        <p:cNvGrpSpPr/>
+        <p:nvPr/>
+      </p:nvGrpSpPr>
+      <p:grpSpPr>
+        <a:xfrm>
+          <a:off x="0" y="0"/>
+          <a:ext cx="0" cy="0"/>
+          <a:chOff x="0" y="0"/>
+          <a:chExt cx="0" cy="0"/>
+        </a:xfrm>
+      </p:grpSpPr>
+      <p:sp>
+        <p:nvSpPr>
+          <p:cNvPr id="2" name="Textfeld 1">
+            <a:extLst>
+              <a:ext uri="{FF2B5EF4-FFF2-40B4-BE49-F238E27FC236}">
+                <a16:creationId xmlns:a16="http://schemas.microsoft.com/office/drawing/2014/main" id="{91CF4895-9E43-4451-AD30-62BB9C62C0DB}"/>
+              </a:ext>
+            </a:extLst>
+          </p:cNvPr>
+          <p:cNvSpPr txBox="1"/>
+          <p:nvPr/>
+        </p:nvSpPr>
+        <p:spPr>
+          <a:xfrm>
+            <a:off x="685800" y="795528"/>
+            <a:ext cx="184731" cy="369332"/>
+          </a:xfrm>
+          <a:prstGeom prst="rect">
+            <a:avLst/>
+          </a:prstGeom>
+          <a:noFill/>
+        </p:spPr>
+        <p:txBody>
+          <a:bodyPr wrap="none" rtlCol="0">
+            <a:spAutoFit/>
+          </a:bodyPr>
+          <a:lstStyle/>
+          <a:p>
+            <a:endParaRPr lang="de-DE" dirty="0"/>
+          </a:p>
+        </p:txBody>
+      </p:sp>
+      <p:sp>
+        <p:nvSpPr>
+          <p:cNvPr id="7" name="Textfeld 6">
+            <a:extLst>
+              <a:ext uri="{FF2B5EF4-FFF2-40B4-BE49-F238E27FC236}">
+                <a16:creationId xmlns:a16="http://schemas.microsoft.com/office/drawing/2014/main" id="{A44EBC54-9BC9-4E74-9B20-FFD9DDE22B16}"/>
+              </a:ext>
+            </a:extLst>
+          </p:cNvPr>
+          <p:cNvSpPr txBox="1"/>
+          <p:nvPr/>
+        </p:nvSpPr>
+        <p:spPr>
+          <a:xfrm>
+            <a:off x="908436" y="859138"/>
+            <a:ext cx="184731" cy="369332"/>
+          </a:xfrm>
+          <a:prstGeom prst="rect">
+            <a:avLst/>
+          </a:prstGeom>
+          <a:noFill/>
+        </p:spPr>
+        <p:txBody>
+          <a:bodyPr wrap="none" rtlCol="0">
+            <a:spAutoFit/>
+          </a:bodyPr>
+          <a:lstStyle/>
+          <a:p>
+            <a:endParaRPr lang="de-DE" dirty="0"/>
+          </a:p>
+        </p:txBody>
+      </p:sp>
+      <p:pic>
+        <p:nvPicPr>
+          <p:cNvPr id="9" name="Grafik 8" descr="Asien mit einfarbiger Füllung">
+            <a:extLst>
+              <a:ext uri="{FF2B5EF4-FFF2-40B4-BE49-F238E27FC236}">
+                <a16:creationId xmlns:a16="http://schemas.microsoft.com/office/drawing/2014/main" id="{CFED7C80-8680-4ADE-AD9F-63B31E684111}"/>
+              </a:ext>
+            </a:extLst>
+          </p:cNvPr>
+          <p:cNvPicPr>
+            <a:picLocks noChangeAspect="1"/>
+          </p:cNvPicPr>
+          <p:nvPr/>
+        </p:nvPicPr>
+        <p:blipFill>
+          <a:blip r:embed="rId2">
+            <a:extLst>
+              <a:ext uri="{28A0092B-C50C-407E-A947-70E740481C1C}">
+                <a14:useLocalDpi xmlns:a14="http://schemas.microsoft.com/office/drawing/2010/main" val="0"/>
+              </a:ext>
+              <a:ext uri="{96DAC541-7B7A-43D3-8B79-37D633B846F1}">
+                <asvg:svgBlip xmlns:asvg="http://schemas.microsoft.com/office/drawing/2016/SVG/main" r:embed="rId3"/>
+              </a:ext>
+            </a:extLst>
+          </a:blip>
+          <a:stretch>
+            <a:fillRect/>
+          </a:stretch>
+        </p:blipFill>
+        <p:spPr>
+          <a:xfrm>
+            <a:off x="7353771" y="2053242"/>
+            <a:ext cx="3030632" cy="3030632"/>
+          </a:xfrm>
+          <a:prstGeom prst="rect">
+            <a:avLst/>
+          </a:prstGeom>
+        </p:spPr>
+      </p:pic>
+      <p:pic>
+        <p:nvPicPr>
+          <p:cNvPr id="10" name="Grafik 9" descr="Europa mit einfarbiger Füllung">
+            <a:extLst>
+              <a:ext uri="{FF2B5EF4-FFF2-40B4-BE49-F238E27FC236}">
+                <a16:creationId xmlns:a16="http://schemas.microsoft.com/office/drawing/2014/main" id="{C615EA59-02AA-423E-8656-E5DDE01312A0}"/>
+              </a:ext>
+            </a:extLst>
+          </p:cNvPr>
+          <p:cNvPicPr>
+            <a:picLocks noChangeAspect="1"/>
+          </p:cNvPicPr>
+          <p:nvPr/>
+        </p:nvPicPr>
+        <p:blipFill>
+          <a:blip r:embed="rId4">
+            <a:extLst>
+              <a:ext uri="{28A0092B-C50C-407E-A947-70E740481C1C}">
+                <a14:useLocalDpi xmlns:a14="http://schemas.microsoft.com/office/drawing/2010/main" val="0"/>
+              </a:ext>
+              <a:ext uri="{96DAC541-7B7A-43D3-8B79-37D633B846F1}">
+                <asvg:svgBlip xmlns:asvg="http://schemas.microsoft.com/office/drawing/2016/SVG/main" r:embed="rId5"/>
+              </a:ext>
+            </a:extLst>
+          </a:blip>
+          <a:stretch>
+            <a:fillRect/>
+          </a:stretch>
+        </p:blipFill>
+        <p:spPr>
+          <a:xfrm>
+            <a:off x="1456484" y="2121022"/>
+            <a:ext cx="2430516" cy="2430516"/>
+          </a:xfrm>
+          <a:prstGeom prst="rect">
+            <a:avLst/>
+          </a:prstGeom>
+        </p:spPr>
+      </p:pic>
+      <p:sp>
+        <p:nvSpPr>
+          <p:cNvPr id="11" name="Textfeld 10">
+            <a:extLst>
+              <a:ext uri="{FF2B5EF4-FFF2-40B4-BE49-F238E27FC236}">
+                <a16:creationId xmlns:a16="http://schemas.microsoft.com/office/drawing/2014/main" id="{827852CF-D446-4B39-9BF2-A3C14EDC75A9}"/>
+              </a:ext>
+            </a:extLst>
+          </p:cNvPr>
+          <p:cNvSpPr txBox="1"/>
+          <p:nvPr/>
+        </p:nvSpPr>
+        <p:spPr>
+          <a:xfrm>
+            <a:off x="1807597" y="4545265"/>
+            <a:ext cx="1873857" cy="1077218"/>
+          </a:xfrm>
+          <a:prstGeom prst="rect">
+            <a:avLst/>
+          </a:prstGeom>
+          <a:noFill/>
+        </p:spPr>
+        <p:txBody>
+          <a:bodyPr wrap="square" rtlCol="0">
+            <a:spAutoFit/>
+          </a:bodyPr>
+          <a:lstStyle/>
+          <a:p>
+            <a:r>
+              <a:rPr lang="de-DE" sz="3600" dirty="0"/>
+              <a:t>Europa </a:t>
+            </a:r>
+          </a:p>
+          <a:p>
+            <a:endParaRPr lang="de-DE" sz="2800" dirty="0"/>
+          </a:p>
+        </p:txBody>
+      </p:sp>
+      <p:sp>
+        <p:nvSpPr>
+          <p:cNvPr id="12" name="Textfeld 11">
+            <a:extLst>
+              <a:ext uri="{FF2B5EF4-FFF2-40B4-BE49-F238E27FC236}">
+                <a16:creationId xmlns:a16="http://schemas.microsoft.com/office/drawing/2014/main" id="{36601E80-7131-427E-A40F-EDE9F1138D9C}"/>
+              </a:ext>
+            </a:extLst>
+          </p:cNvPr>
+          <p:cNvSpPr txBox="1"/>
+          <p:nvPr/>
+        </p:nvSpPr>
+        <p:spPr>
+          <a:xfrm>
+            <a:off x="5923722" y="4545265"/>
+            <a:ext cx="5414837" cy="1077218"/>
+          </a:xfrm>
+          <a:prstGeom prst="rect">
+            <a:avLst/>
+          </a:prstGeom>
+          <a:noFill/>
+        </p:spPr>
+        <p:txBody>
+          <a:bodyPr wrap="square" rtlCol="0">
+            <a:spAutoFit/>
+          </a:bodyPr>
+          <a:lstStyle/>
+          <a:p>
+            <a:r>
+              <a:rPr lang="de-DE" sz="3600" dirty="0"/>
+              <a:t>Asien (insbesondere China) </a:t>
+            </a:r>
+          </a:p>
+          <a:p>
+            <a:endParaRPr lang="de-DE" sz="2800" dirty="0"/>
+          </a:p>
+        </p:txBody>
+      </p:sp>
+      <p:sp>
+        <p:nvSpPr>
+          <p:cNvPr id="13" name="Textfeld 12">
+            <a:extLst>
+              <a:ext uri="{FF2B5EF4-FFF2-40B4-BE49-F238E27FC236}">
+                <a16:creationId xmlns:a16="http://schemas.microsoft.com/office/drawing/2014/main" id="{DE9C8E4E-8E8E-4AB9-8FC9-D3A3ED01FD3B}"/>
+              </a:ext>
+            </a:extLst>
+          </p:cNvPr>
+          <p:cNvSpPr txBox="1"/>
+          <p:nvPr/>
+        </p:nvSpPr>
+        <p:spPr>
+          <a:xfrm>
+            <a:off x="988315" y="654304"/>
+            <a:ext cx="6251784" cy="1077218"/>
+          </a:xfrm>
+          <a:prstGeom prst="rect">
+            <a:avLst/>
+          </a:prstGeom>
+          <a:noFill/>
+        </p:spPr>
+        <p:txBody>
+          <a:bodyPr wrap="square" rtlCol="0">
+            <a:spAutoFit/>
+          </a:bodyPr>
+          <a:lstStyle/>
+          <a:p>
+            <a:r>
+              <a:rPr lang="de-DE" sz="3600" dirty="0"/>
+              <a:t>Zukünftige Kunden: </a:t>
+            </a:r>
+          </a:p>
+          <a:p>
+            <a:endParaRPr lang="de-DE" sz="2800" dirty="0"/>
+          </a:p>
+        </p:txBody>
+      </p:sp>
+    </p:spTree>
+    <p:extLst>
+      <p:ext uri="{BB962C8B-B14F-4D97-AF65-F5344CB8AC3E}">
+        <p14:creationId xmlns:p14="http://schemas.microsoft.com/office/powerpoint/2010/main" val="2295576788"/>
       </p:ext>
     </p:extLst>
   </p:cSld>

--- a/Meilenstein 2/Präsentation/Präsentation MS2.pptx
+++ b/Meilenstein 2/Präsentation/Präsentation MS2.pptx
@@ -4869,7 +4869,7 @@
           <a:graphicData uri="http://schemas.openxmlformats.org/presentationml/2006/ole">
             <mc:AlternateContent xmlns:mc="http://schemas.openxmlformats.org/markup-compatibility/2006">
               <mc:Choice xmlns:v="urn:schemas-microsoft-com:vml" Requires="v">
-                <p:oleObj spid="_x0000_s1026" name="Acrobat Document" r:id="rId3" imgW="6415686" imgH="4533529" progId="AcroExch.Document.DC">
+                <p:oleObj spid="_x0000_s1027" name="Acrobat Document" r:id="rId3" imgW="6415686" imgH="4533529" progId="AcroExch.Document.DC">
                   <p:embed/>
                 </p:oleObj>
               </mc:Choice>
@@ -6701,10 +6701,10 @@
       </p:grpSpPr>
       <p:pic>
         <p:nvPicPr>
-          <p:cNvPr id="6" name="Grafik 5">
+          <p:cNvPr id="4" name="Grafik 3">
             <a:extLst>
               <a:ext uri="{FF2B5EF4-FFF2-40B4-BE49-F238E27FC236}">
-                <a16:creationId xmlns:a16="http://schemas.microsoft.com/office/drawing/2014/main" id="{284377E6-4EA8-4475-A4D2-EF3EDBF8C04A}"/>
+                <a16:creationId xmlns:a16="http://schemas.microsoft.com/office/drawing/2014/main" id="{D943377C-E668-459C-B85A-35BCC84F47C4}"/>
               </a:ext>
             </a:extLst>
           </p:cNvPr>
@@ -6727,8 +6727,8 @@
         </p:blipFill>
         <p:spPr>
           <a:xfrm>
-            <a:off x="825889" y="95655"/>
-            <a:ext cx="10540222" cy="6666690"/>
+            <a:off x="840000" y="98275"/>
+            <a:ext cx="10511999" cy="6661450"/>
           </a:xfrm>
           <a:prstGeom prst="rect">
             <a:avLst/>

--- a/Meilenstein 2/Präsentation/Präsentation MS2.pptx
+++ b/Meilenstein 2/Präsentation/Präsentation MS2.pptx
@@ -5,7 +5,7 @@
     <p:sldMasterId id="2147483756" r:id="rId1"/>
   </p:sldMasterIdLst>
   <p:notesMasterIdLst>
-    <p:notesMasterId r:id="rId16"/>
+    <p:notesMasterId r:id="rId21"/>
   </p:notesMasterIdLst>
   <p:sldIdLst>
     <p:sldId id="256" r:id="rId2"/>
@@ -13,15 +13,20 @@
     <p:sldId id="265" r:id="rId4"/>
     <p:sldId id="282" r:id="rId5"/>
     <p:sldId id="283" r:id="rId6"/>
-    <p:sldId id="285" r:id="rId7"/>
-    <p:sldId id="284" r:id="rId8"/>
-    <p:sldId id="287" r:id="rId9"/>
-    <p:sldId id="272" r:id="rId10"/>
-    <p:sldId id="286" r:id="rId11"/>
-    <p:sldId id="275" r:id="rId12"/>
-    <p:sldId id="276" r:id="rId13"/>
-    <p:sldId id="274" r:id="rId14"/>
-    <p:sldId id="279" r:id="rId15"/>
+    <p:sldId id="292" r:id="rId7"/>
+    <p:sldId id="275" r:id="rId8"/>
+    <p:sldId id="276" r:id="rId9"/>
+    <p:sldId id="274" r:id="rId10"/>
+    <p:sldId id="279" r:id="rId11"/>
+    <p:sldId id="288" r:id="rId12"/>
+    <p:sldId id="291" r:id="rId13"/>
+    <p:sldId id="290" r:id="rId14"/>
+    <p:sldId id="289" r:id="rId15"/>
+    <p:sldId id="285" r:id="rId16"/>
+    <p:sldId id="284" r:id="rId17"/>
+    <p:sldId id="287" r:id="rId18"/>
+    <p:sldId id="286" r:id="rId19"/>
+    <p:sldId id="272" r:id="rId20"/>
   </p:sldIdLst>
   <p:sldSz cx="12192000" cy="6858000"/>
   <p:notesSz cx="6858000" cy="9144000"/>
@@ -3856,16 +3861,8 @@
 </file>
 
 <file path=ppt/slides/slide10.xml><?xml version="1.0" encoding="utf-8"?>
-<p:sld xmlns:a="http://schemas.openxmlformats.org/drawingml/2006/main" xmlns:r="http://schemas.openxmlformats.org/officeDocument/2006/relationships" xmlns:p="http://schemas.openxmlformats.org/presentationml/2006/main" show="0">
+<p:sld xmlns:a="http://schemas.openxmlformats.org/drawingml/2006/main" xmlns:r="http://schemas.openxmlformats.org/officeDocument/2006/relationships" xmlns:p="http://schemas.openxmlformats.org/presentationml/2006/main">
   <p:cSld>
-    <p:bg>
-      <p:bgPr>
-        <a:solidFill>
-          <a:schemeClr val="bg1"/>
-        </a:solidFill>
-        <a:effectLst/>
-      </p:bgPr>
-    </p:bg>
     <p:spTree>
       <p:nvGrpSpPr>
         <p:cNvPr id="1" name=""/>
@@ -3880,283 +3877,266 @@
           <a:chExt cx="0" cy="0"/>
         </a:xfrm>
       </p:grpSpPr>
-      <p:cxnSp>
-        <p:nvCxnSpPr>
-          <p:cNvPr id="7" name="Straight Connector 6">
+      <p:sp>
+        <p:nvSpPr>
+          <p:cNvPr id="2" name="Textfeld 1">
             <a:extLst>
               <a:ext uri="{FF2B5EF4-FFF2-40B4-BE49-F238E27FC236}">
-                <a16:creationId xmlns:a16="http://schemas.microsoft.com/office/drawing/2014/main" id="{8CED2307-F79F-42F9-B81B-91F768E72BFC}"/>
-              </a:ext>
-              <a:ext uri="{C183D7F6-B498-43B3-948B-1728B52AA6E4}">
-                <adec:decorative xmlns:adec="http://schemas.microsoft.com/office/drawing/2017/decorative" val="1"/>
+                <a16:creationId xmlns:a16="http://schemas.microsoft.com/office/drawing/2014/main" id="{91CF4895-9E43-4451-AD30-62BB9C62C0DB}"/>
               </a:ext>
             </a:extLst>
           </p:cNvPr>
-          <p:cNvCxnSpPr>
-            <a:cxnSpLocks noGrp="1" noRot="1" noChangeAspect="1" noMove="1" noResize="1" noEditPoints="1" noAdjustHandles="1" noChangeArrowheads="1" noChangeShapeType="1"/>
-          </p:cNvCxnSpPr>
-          <p:nvPr>
-            <p:extLst>
-              <p:ext uri="{386F3935-93C4-4BCD-93E2-E3B085C9AB24}">
-                <p16:designElem xmlns:p16="http://schemas.microsoft.com/office/powerpoint/2015/main" val="1"/>
-              </p:ext>
-            </p:extLst>
-          </p:nvPr>
-        </p:nvCxnSpPr>
-        <p:spPr>
-          <a:xfrm flipV="1">
-            <a:off x="8386842" y="5264106"/>
-            <a:ext cx="0" cy="914400"/>
-          </a:xfrm>
-          <a:prstGeom prst="line">
-            <a:avLst/>
-          </a:prstGeom>
-          <a:ln w="19050">
-            <a:solidFill>
-              <a:schemeClr val="accent2"/>
-            </a:solidFill>
-          </a:ln>
-        </p:spPr>
-        <p:style>
-          <a:lnRef idx="1">
-            <a:schemeClr val="accent1"/>
-          </a:lnRef>
-          <a:fillRef idx="0">
-            <a:schemeClr val="accent1"/>
-          </a:fillRef>
-          <a:effectRef idx="0">
-            <a:schemeClr val="accent1"/>
-          </a:effectRef>
-          <a:fontRef idx="minor">
-            <a:schemeClr val="tx1"/>
-          </a:fontRef>
-        </p:style>
-      </p:cxnSp>
-      <p:sp>
-        <p:nvSpPr>
-          <p:cNvPr id="9" name="Rectangle 8">
-            <a:extLst>
-              <a:ext uri="{FF2B5EF4-FFF2-40B4-BE49-F238E27FC236}">
-                <a16:creationId xmlns:a16="http://schemas.microsoft.com/office/drawing/2014/main" id="{E5DB38FF-CE38-4D82-B9F2-DFE28A0194E1}"/>
-              </a:ext>
-              <a:ext uri="{C183D7F6-B498-43B3-948B-1728B52AA6E4}">
-                <adec:decorative xmlns:adec="http://schemas.microsoft.com/office/drawing/2017/decorative" val="1"/>
-              </a:ext>
-            </a:extLst>
-          </p:cNvPr>
-          <p:cNvSpPr>
-            <a:spLocks noGrp="1" noRot="1" noChangeAspect="1" noMove="1" noResize="1" noEditPoints="1" noAdjustHandles="1" noChangeArrowheads="1" noChangeShapeType="1" noTextEdit="1"/>
-          </p:cNvSpPr>
-          <p:nvPr>
-            <p:extLst>
-              <p:ext uri="{386F3935-93C4-4BCD-93E2-E3B085C9AB24}">
-                <p16:designElem xmlns:p16="http://schemas.microsoft.com/office/powerpoint/2015/main" val="1"/>
-              </p:ext>
-            </p:extLst>
-          </p:nvPr>
-        </p:nvSpPr>
-        <p:spPr>
-          <a:xfrm>
-            <a:off x="0" y="-1"/>
-            <a:ext cx="12192000" cy="4572001"/>
+          <p:cNvSpPr txBox="1"/>
+          <p:nvPr/>
+        </p:nvSpPr>
+        <p:spPr>
+          <a:xfrm>
+            <a:off x="685800" y="795528"/>
+            <a:ext cx="184731" cy="369332"/>
           </a:xfrm>
           <a:prstGeom prst="rect">
             <a:avLst/>
           </a:prstGeom>
-          <a:solidFill>
-            <a:schemeClr val="accent2"/>
-          </a:solidFill>
-          <a:ln>
-            <a:noFill/>
-          </a:ln>
-        </p:spPr>
-        <p:style>
-          <a:lnRef idx="2">
-            <a:schemeClr val="accent1">
-              <a:shade val="50000"/>
-            </a:schemeClr>
-          </a:lnRef>
-          <a:fillRef idx="1">
-            <a:schemeClr val="accent1"/>
-          </a:fillRef>
-          <a:effectRef idx="0">
-            <a:schemeClr val="accent1"/>
-          </a:effectRef>
-          <a:fontRef idx="minor">
-            <a:schemeClr val="lt1"/>
-          </a:fontRef>
-        </p:style>
-      </p:sp>
-      <p:sp useBgFill="1">
-        <p:nvSpPr>
-          <p:cNvPr id="11" name="Rectangle 10">
+          <a:noFill/>
+        </p:spPr>
+        <p:txBody>
+          <a:bodyPr wrap="none" rtlCol="0">
+            <a:spAutoFit/>
+          </a:bodyPr>
+          <a:lstStyle/>
+          <a:p>
+            <a:endParaRPr lang="de-DE" dirty="0"/>
+          </a:p>
+        </p:txBody>
+      </p:sp>
+      <p:sp>
+        <p:nvSpPr>
+          <p:cNvPr id="7" name="Textfeld 6">
             <a:extLst>
               <a:ext uri="{FF2B5EF4-FFF2-40B4-BE49-F238E27FC236}">
-                <a16:creationId xmlns:a16="http://schemas.microsoft.com/office/drawing/2014/main" id="{0BA28970-3E8F-46CD-A302-42EE83668B0A}"/>
-              </a:ext>
-              <a:ext uri="{C183D7F6-B498-43B3-948B-1728B52AA6E4}">
-                <adec:decorative xmlns:adec="http://schemas.microsoft.com/office/drawing/2017/decorative" val="1"/>
+                <a16:creationId xmlns:a16="http://schemas.microsoft.com/office/drawing/2014/main" id="{A44EBC54-9BC9-4E74-9B20-FFD9DDE22B16}"/>
               </a:ext>
             </a:extLst>
           </p:cNvPr>
-          <p:cNvSpPr>
-            <a:spLocks noGrp="1" noRot="1" noChangeAspect="1" noMove="1" noResize="1" noEditPoints="1" noAdjustHandles="1" noChangeArrowheads="1" noChangeShapeType="1" noTextEdit="1"/>
-          </p:cNvSpPr>
-          <p:nvPr>
-            <p:extLst>
-              <p:ext uri="{386F3935-93C4-4BCD-93E2-E3B085C9AB24}">
-                <p16:designElem xmlns:p16="http://schemas.microsoft.com/office/powerpoint/2015/main" val="1"/>
-              </p:ext>
-            </p:extLst>
-          </p:nvPr>
-        </p:nvSpPr>
-        <p:spPr>
-          <a:xfrm>
-            <a:off x="0" y="0"/>
-            <a:ext cx="12192000" cy="6858000"/>
+          <p:cNvSpPr txBox="1"/>
+          <p:nvPr/>
+        </p:nvSpPr>
+        <p:spPr>
+          <a:xfrm>
+            <a:off x="908436" y="859138"/>
+            <a:ext cx="184731" cy="369332"/>
           </a:xfrm>
           <a:prstGeom prst="rect">
             <a:avLst/>
           </a:prstGeom>
-          <a:ln>
-            <a:noFill/>
-          </a:ln>
-        </p:spPr>
-        <p:style>
-          <a:lnRef idx="2">
-            <a:schemeClr val="accent1">
-              <a:shade val="50000"/>
-            </a:schemeClr>
-          </a:lnRef>
-          <a:fillRef idx="1">
-            <a:schemeClr val="accent1"/>
-          </a:fillRef>
-          <a:effectRef idx="0">
-            <a:schemeClr val="accent1"/>
-          </a:effectRef>
-          <a:fontRef idx="minor">
-            <a:schemeClr val="lt1"/>
-          </a:fontRef>
-        </p:style>
-        <p:txBody>
-          <a:bodyPr rtlCol="0" anchor="ctr"/>
-          <a:lstStyle/>
-          <a:p>
-            <a:pPr algn="ctr"/>
-            <a:endParaRPr lang="en-US"/>
-          </a:p>
-        </p:txBody>
-      </p:sp>
-      <p:sp>
-        <p:nvSpPr>
-          <p:cNvPr id="2" name="Titel 1">
+          <a:noFill/>
+        </p:spPr>
+        <p:txBody>
+          <a:bodyPr wrap="none" rtlCol="0">
+            <a:spAutoFit/>
+          </a:bodyPr>
+          <a:lstStyle/>
+          <a:p>
+            <a:endParaRPr lang="de-DE" dirty="0"/>
+          </a:p>
+        </p:txBody>
+      </p:sp>
+      <p:pic>
+        <p:nvPicPr>
+          <p:cNvPr id="9" name="Grafik 8" descr="Asien mit einfarbiger Füllung">
             <a:extLst>
               <a:ext uri="{FF2B5EF4-FFF2-40B4-BE49-F238E27FC236}">
-                <a16:creationId xmlns:a16="http://schemas.microsoft.com/office/drawing/2014/main" id="{9EE936F0-62E4-40F1-BA06-11DDD134B512}"/>
+                <a16:creationId xmlns:a16="http://schemas.microsoft.com/office/drawing/2014/main" id="{CFED7C80-8680-4ADE-AD9F-63B31E684111}"/>
               </a:ext>
             </a:extLst>
           </p:cNvPr>
-          <p:cNvSpPr>
-            <a:spLocks noGrp="1"/>
-          </p:cNvSpPr>
-          <p:nvPr>
-            <p:ph type="title" idx="4294967295"/>
-          </p:nvPr>
-        </p:nvSpPr>
-        <p:spPr>
-          <a:xfrm>
-            <a:off x="643467" y="643467"/>
-            <a:ext cx="7164674" cy="5571066"/>
-          </a:xfrm>
-        </p:spPr>
-        <p:txBody>
-          <a:bodyPr vert="horz" lIns="91440" tIns="45720" rIns="91440" bIns="45720" rtlCol="0" anchor="ctr">
-            <a:normAutofit/>
-          </a:bodyPr>
-          <a:lstStyle/>
-          <a:p>
-            <a:pPr algn="r"/>
-            <a:r>
-              <a:rPr lang="en-US" sz="6600" spc="200" dirty="0" err="1">
-                <a:solidFill>
-                  <a:schemeClr val="tx1">
-                    <a:alpha val="80000"/>
-                  </a:schemeClr>
-                </a:solidFill>
-              </a:rPr>
-              <a:t>Nutzerorientierte</a:t>
-            </a:r>
-            <a:r>
-              <a:rPr lang="en-US" sz="6600" spc="200" dirty="0">
-                <a:solidFill>
-                  <a:schemeClr val="tx1">
-                    <a:alpha val="80000"/>
-                  </a:schemeClr>
-                </a:solidFill>
-              </a:rPr>
-              <a:t> funktionsstruktur</a:t>
-            </a:r>
-          </a:p>
-        </p:txBody>
-      </p:sp>
-      <p:cxnSp>
-        <p:nvCxnSpPr>
-          <p:cNvPr id="13" name="Straight Connector 12">
+          <p:cNvPicPr>
+            <a:picLocks noChangeAspect="1"/>
+          </p:cNvPicPr>
+          <p:nvPr/>
+        </p:nvPicPr>
+        <p:blipFill>
+          <a:blip r:embed="rId2">
+            <a:extLst>
+              <a:ext uri="{28A0092B-C50C-407E-A947-70E740481C1C}">
+                <a14:useLocalDpi xmlns:a14="http://schemas.microsoft.com/office/drawing/2010/main" val="0"/>
+              </a:ext>
+              <a:ext uri="{96DAC541-7B7A-43D3-8B79-37D633B846F1}">
+                <asvg:svgBlip xmlns:asvg="http://schemas.microsoft.com/office/drawing/2016/SVG/main" r:embed="rId3"/>
+              </a:ext>
+            </a:extLst>
+          </a:blip>
+          <a:stretch>
+            <a:fillRect/>
+          </a:stretch>
+        </p:blipFill>
+        <p:spPr>
+          <a:xfrm>
+            <a:off x="7353771" y="2053242"/>
+            <a:ext cx="3030632" cy="3030632"/>
+          </a:xfrm>
+          <a:prstGeom prst="rect">
+            <a:avLst/>
+          </a:prstGeom>
+        </p:spPr>
+      </p:pic>
+      <p:pic>
+        <p:nvPicPr>
+          <p:cNvPr id="10" name="Grafik 9" descr="Europa mit einfarbiger Füllung">
             <a:extLst>
               <a:ext uri="{FF2B5EF4-FFF2-40B4-BE49-F238E27FC236}">
-                <a16:creationId xmlns:a16="http://schemas.microsoft.com/office/drawing/2014/main" id="{47AE7893-212D-45CB-A5B0-AE377389AB3F}"/>
-              </a:ext>
-              <a:ext uri="{C183D7F6-B498-43B3-948B-1728B52AA6E4}">
-                <adec:decorative xmlns:adec="http://schemas.microsoft.com/office/drawing/2017/decorative" val="1"/>
+                <a16:creationId xmlns:a16="http://schemas.microsoft.com/office/drawing/2014/main" id="{C615EA59-02AA-423E-8656-E5DDE01312A0}"/>
               </a:ext>
             </a:extLst>
           </p:cNvPr>
-          <p:cNvCxnSpPr>
-            <a:cxnSpLocks noGrp="1" noRot="1" noChangeAspect="1" noMove="1" noResize="1" noEditPoints="1" noAdjustHandles="1" noChangeArrowheads="1" noChangeShapeType="1"/>
-          </p:cNvCxnSpPr>
-          <p:nvPr>
-            <p:extLst>
-              <p:ext uri="{386F3935-93C4-4BCD-93E2-E3B085C9AB24}">
-                <p16:designElem xmlns:p16="http://schemas.microsoft.com/office/powerpoint/2015/main" val="1"/>
-              </p:ext>
-            </p:extLst>
-          </p:nvPr>
-        </p:nvCxnSpPr>
-        <p:spPr>
-          <a:xfrm>
-            <a:off x="8139605" y="1600200"/>
-            <a:ext cx="0" cy="3657600"/>
-          </a:xfrm>
-          <a:prstGeom prst="line">
+          <p:cNvPicPr>
+            <a:picLocks noChangeAspect="1"/>
+          </p:cNvPicPr>
+          <p:nvPr/>
+        </p:nvPicPr>
+        <p:blipFill>
+          <a:blip r:embed="rId4">
+            <a:extLst>
+              <a:ext uri="{28A0092B-C50C-407E-A947-70E740481C1C}">
+                <a14:useLocalDpi xmlns:a14="http://schemas.microsoft.com/office/drawing/2010/main" val="0"/>
+              </a:ext>
+              <a:ext uri="{96DAC541-7B7A-43D3-8B79-37D633B846F1}">
+                <asvg:svgBlip xmlns:asvg="http://schemas.microsoft.com/office/drawing/2016/SVG/main" r:embed="rId5"/>
+              </a:ext>
+            </a:extLst>
+          </a:blip>
+          <a:stretch>
+            <a:fillRect/>
+          </a:stretch>
+        </p:blipFill>
+        <p:spPr>
+          <a:xfrm>
+            <a:off x="1456484" y="2121022"/>
+            <a:ext cx="2430516" cy="2430516"/>
+          </a:xfrm>
+          <a:prstGeom prst="rect">
             <a:avLst/>
           </a:prstGeom>
-          <a:ln w="19050">
-            <a:solidFill>
-              <a:schemeClr val="accent1">
-                <a:lumMod val="75000"/>
-              </a:schemeClr>
-            </a:solidFill>
-          </a:ln>
-        </p:spPr>
-        <p:style>
-          <a:lnRef idx="1">
-            <a:schemeClr val="accent1"/>
-          </a:lnRef>
-          <a:fillRef idx="0">
-            <a:schemeClr val="accent1"/>
-          </a:fillRef>
-          <a:effectRef idx="0">
-            <a:schemeClr val="accent1"/>
-          </a:effectRef>
-          <a:fontRef idx="minor">
-            <a:schemeClr val="tx1"/>
-          </a:fontRef>
-        </p:style>
-      </p:cxnSp>
+        </p:spPr>
+      </p:pic>
+      <p:sp>
+        <p:nvSpPr>
+          <p:cNvPr id="11" name="Textfeld 10">
+            <a:extLst>
+              <a:ext uri="{FF2B5EF4-FFF2-40B4-BE49-F238E27FC236}">
+                <a16:creationId xmlns:a16="http://schemas.microsoft.com/office/drawing/2014/main" id="{827852CF-D446-4B39-9BF2-A3C14EDC75A9}"/>
+              </a:ext>
+            </a:extLst>
+          </p:cNvPr>
+          <p:cNvSpPr txBox="1"/>
+          <p:nvPr/>
+        </p:nvSpPr>
+        <p:spPr>
+          <a:xfrm>
+            <a:off x="1807597" y="4545265"/>
+            <a:ext cx="1873857" cy="1077218"/>
+          </a:xfrm>
+          <a:prstGeom prst="rect">
+            <a:avLst/>
+          </a:prstGeom>
+          <a:noFill/>
+        </p:spPr>
+        <p:txBody>
+          <a:bodyPr wrap="square" rtlCol="0">
+            <a:spAutoFit/>
+          </a:bodyPr>
+          <a:lstStyle/>
+          <a:p>
+            <a:r>
+              <a:rPr lang="de-DE" sz="3600" dirty="0"/>
+              <a:t>Europa </a:t>
+            </a:r>
+          </a:p>
+          <a:p>
+            <a:endParaRPr lang="de-DE" sz="2800" dirty="0"/>
+          </a:p>
+        </p:txBody>
+      </p:sp>
+      <p:sp>
+        <p:nvSpPr>
+          <p:cNvPr id="12" name="Textfeld 11">
+            <a:extLst>
+              <a:ext uri="{FF2B5EF4-FFF2-40B4-BE49-F238E27FC236}">
+                <a16:creationId xmlns:a16="http://schemas.microsoft.com/office/drawing/2014/main" id="{36601E80-7131-427E-A40F-EDE9F1138D9C}"/>
+              </a:ext>
+            </a:extLst>
+          </p:cNvPr>
+          <p:cNvSpPr txBox="1"/>
+          <p:nvPr/>
+        </p:nvSpPr>
+        <p:spPr>
+          <a:xfrm>
+            <a:off x="5923722" y="4545265"/>
+            <a:ext cx="5414837" cy="1077218"/>
+          </a:xfrm>
+          <a:prstGeom prst="rect">
+            <a:avLst/>
+          </a:prstGeom>
+          <a:noFill/>
+        </p:spPr>
+        <p:txBody>
+          <a:bodyPr wrap="square" rtlCol="0">
+            <a:spAutoFit/>
+          </a:bodyPr>
+          <a:lstStyle/>
+          <a:p>
+            <a:r>
+              <a:rPr lang="de-DE" sz="3600" dirty="0"/>
+              <a:t>Asien (insbesondere China) </a:t>
+            </a:r>
+          </a:p>
+          <a:p>
+            <a:endParaRPr lang="de-DE" sz="2800" dirty="0"/>
+          </a:p>
+        </p:txBody>
+      </p:sp>
+      <p:sp>
+        <p:nvSpPr>
+          <p:cNvPr id="13" name="Textfeld 12">
+            <a:extLst>
+              <a:ext uri="{FF2B5EF4-FFF2-40B4-BE49-F238E27FC236}">
+                <a16:creationId xmlns:a16="http://schemas.microsoft.com/office/drawing/2014/main" id="{DE9C8E4E-8E8E-4AB9-8FC9-D3A3ED01FD3B}"/>
+              </a:ext>
+            </a:extLst>
+          </p:cNvPr>
+          <p:cNvSpPr txBox="1"/>
+          <p:nvPr/>
+        </p:nvSpPr>
+        <p:spPr>
+          <a:xfrm>
+            <a:off x="988315" y="654304"/>
+            <a:ext cx="6251784" cy="1077218"/>
+          </a:xfrm>
+          <a:prstGeom prst="rect">
+            <a:avLst/>
+          </a:prstGeom>
+          <a:noFill/>
+        </p:spPr>
+        <p:txBody>
+          <a:bodyPr wrap="square" rtlCol="0">
+            <a:spAutoFit/>
+          </a:bodyPr>
+          <a:lstStyle/>
+          <a:p>
+            <a:r>
+              <a:rPr lang="de-DE" sz="3600" dirty="0"/>
+              <a:t>Zukünftige Kunden: </a:t>
+            </a:r>
+          </a:p>
+          <a:p>
+            <a:endParaRPr lang="de-DE" sz="2800" dirty="0"/>
+          </a:p>
+        </p:txBody>
+      </p:sp>
     </p:spTree>
     <p:extLst>
       <p:ext uri="{BB962C8B-B14F-4D97-AF65-F5344CB8AC3E}">
-        <p14:creationId xmlns:p14="http://schemas.microsoft.com/office/powerpoint/2010/main" val="129705907"/>
+        <p14:creationId xmlns:p14="http://schemas.microsoft.com/office/powerpoint/2010/main" val="2295576788"/>
       </p:ext>
     </p:extLst>
   </p:cSld>
@@ -4183,113 +4163,12 @@
           <a:chExt cx="0" cy="0"/>
         </a:xfrm>
       </p:grpSpPr>
-      <p:sp>
-        <p:nvSpPr>
-          <p:cNvPr id="2" name="Textfeld 1">
+      <p:pic>
+        <p:nvPicPr>
+          <p:cNvPr id="3" name="Grafik 2">
             <a:extLst>
               <a:ext uri="{FF2B5EF4-FFF2-40B4-BE49-F238E27FC236}">
-                <a16:creationId xmlns:a16="http://schemas.microsoft.com/office/drawing/2014/main" id="{91CF4895-9E43-4451-AD30-62BB9C62C0DB}"/>
-              </a:ext>
-            </a:extLst>
-          </p:cNvPr>
-          <p:cNvSpPr txBox="1"/>
-          <p:nvPr/>
-        </p:nvSpPr>
-        <p:spPr>
-          <a:xfrm>
-            <a:off x="908436" y="859138"/>
-            <a:ext cx="184731" cy="369332"/>
-          </a:xfrm>
-          <a:prstGeom prst="rect">
-            <a:avLst/>
-          </a:prstGeom>
-          <a:noFill/>
-        </p:spPr>
-        <p:txBody>
-          <a:bodyPr wrap="none" rtlCol="0">
-            <a:spAutoFit/>
-          </a:bodyPr>
-          <a:lstStyle/>
-          <a:p>
-            <a:endParaRPr lang="de-DE" dirty="0"/>
-          </a:p>
-        </p:txBody>
-      </p:sp>
-      <p:sp>
-        <p:nvSpPr>
-          <p:cNvPr id="19" name="Rectangle 4">
-            <a:extLst>
-              <a:ext uri="{FF2B5EF4-FFF2-40B4-BE49-F238E27FC236}">
-                <a16:creationId xmlns:a16="http://schemas.microsoft.com/office/drawing/2014/main" id="{684E42DA-56F2-4FDE-9B8B-ACCE96074478}"/>
-              </a:ext>
-            </a:extLst>
-          </p:cNvPr>
-          <p:cNvSpPr>
-            <a:spLocks noChangeArrowheads="1"/>
-          </p:cNvSpPr>
-          <p:nvPr/>
-        </p:nvSpPr>
-        <p:spPr bwMode="auto">
-          <a:xfrm>
-            <a:off x="4114207" y="2832243"/>
-            <a:ext cx="12192000" cy="457200"/>
-          </a:xfrm>
-          <a:prstGeom prst="rect">
-            <a:avLst/>
-          </a:prstGeom>
-          <a:noFill/>
-          <a:ln>
-            <a:noFill/>
-          </a:ln>
-          <a:effectLst/>
-          <a:extLst>
-            <a:ext uri="{909E8E84-426E-40DD-AFC4-6F175D3DCCD1}">
-              <a14:hiddenFill xmlns:a14="http://schemas.microsoft.com/office/drawing/2010/main">
-                <a:solidFill>
-                  <a:schemeClr val="accent1"/>
-                </a:solidFill>
-              </a14:hiddenFill>
-            </a:ext>
-            <a:ext uri="{91240B29-F687-4F45-9708-019B960494DF}">
-              <a14:hiddenLine xmlns:a14="http://schemas.microsoft.com/office/drawing/2010/main" w="9525">
-                <a:solidFill>
-                  <a:schemeClr val="tx1"/>
-                </a:solidFill>
-                <a:miter lim="800000"/>
-                <a:headEnd/>
-                <a:tailEnd/>
-              </a14:hiddenLine>
-            </a:ext>
-            <a:ext uri="{AF507438-7753-43E0-B8FC-AC1667EBCBE1}">
-              <a14:hiddenEffects xmlns:a14="http://schemas.microsoft.com/office/drawing/2010/main">
-                <a:effectLst>
-                  <a:outerShdw dist="35921" dir="2700000" algn="ctr" rotWithShape="0">
-                    <a:schemeClr val="bg2"/>
-                  </a:outerShdw>
-                </a:effectLst>
-              </a14:hiddenEffects>
-            </a:ext>
-          </a:extLst>
-        </p:spPr>
-        <p:txBody>
-          <a:bodyPr vert="horz" wrap="none" lIns="91440" tIns="45720" rIns="91440" bIns="45720" numCol="1" anchor="ctr" anchorCtr="0" compatLnSpc="1">
-            <a:prstTxWarp prst="textNoShape">
-              <a:avLst/>
-            </a:prstTxWarp>
-            <a:spAutoFit/>
-          </a:bodyPr>
-          <a:lstStyle/>
-          <a:p>
-            <a:endParaRPr lang="de-DE"/>
-          </a:p>
-        </p:txBody>
-      </p:sp>
-      <p:pic>
-        <p:nvPicPr>
-          <p:cNvPr id="5" name="Grafik 4">
-            <a:extLst>
-              <a:ext uri="{FF2B5EF4-FFF2-40B4-BE49-F238E27FC236}">
-                <a16:creationId xmlns:a16="http://schemas.microsoft.com/office/drawing/2014/main" id="{2A3D4D93-84C6-4CC0-8DF4-660C9C40A9D2}"/>
+                <a16:creationId xmlns:a16="http://schemas.microsoft.com/office/drawing/2014/main" id="{784464B4-777A-44D4-9F5C-587DA8526A47}"/>
               </a:ext>
             </a:extLst>
           </p:cNvPr>
@@ -4299,89 +4178,10 @@
           <p:nvPr/>
         </p:nvPicPr>
         <p:blipFill>
-          <a:blip r:embed="rId2"/>
-          <a:stretch>
-            <a:fillRect/>
-          </a:stretch>
-        </p:blipFill>
-        <p:spPr>
-          <a:xfrm>
-            <a:off x="4995954" y="859138"/>
-            <a:ext cx="6615983" cy="4961987"/>
-          </a:xfrm>
-          <a:prstGeom prst="rect">
-            <a:avLst/>
-          </a:prstGeom>
-        </p:spPr>
-      </p:pic>
-      <p:pic>
-        <p:nvPicPr>
-          <p:cNvPr id="6" name="Grafik 5">
+          <a:blip r:embed="rId2">
             <a:extLst>
-              <a:ext uri="{FF2B5EF4-FFF2-40B4-BE49-F238E27FC236}">
-                <a16:creationId xmlns:a16="http://schemas.microsoft.com/office/drawing/2014/main" id="{65CC6C71-9470-458C-B5F9-CF66DB3204B2}"/>
-              </a:ext>
-            </a:extLst>
-          </p:cNvPr>
-          <p:cNvPicPr>
-            <a:picLocks noChangeAspect="1"/>
-          </p:cNvPicPr>
-          <p:nvPr/>
-        </p:nvPicPr>
-        <p:blipFill>
-          <a:blip r:embed="rId3"/>
-          <a:stretch>
-            <a:fillRect/>
-          </a:stretch>
-        </p:blipFill>
-        <p:spPr>
-          <a:xfrm>
-            <a:off x="1093167" y="1131298"/>
-            <a:ext cx="3181350" cy="952500"/>
-          </a:xfrm>
-          <a:prstGeom prst="roundRect">
-            <a:avLst>
-              <a:gd name="adj" fmla="val 8594"/>
-            </a:avLst>
-          </a:prstGeom>
-          <a:solidFill>
-            <a:srgbClr val="FFFFFF">
-              <a:shade val="85000"/>
-            </a:srgbClr>
-          </a:solidFill>
-          <a:ln>
-            <a:noFill/>
-          </a:ln>
-          <a:effectLst>
-            <a:reflection blurRad="12700" stA="38000" endPos="28000" dist="5000" dir="5400000" sy="-100000" algn="bl" rotWithShape="0"/>
-          </a:effectLst>
-        </p:spPr>
-      </p:pic>
-      <p:pic>
-        <p:nvPicPr>
-          <p:cNvPr id="8" name="Grafik 7">
-            <a:extLst>
-              <a:ext uri="{FF2B5EF4-FFF2-40B4-BE49-F238E27FC236}">
-                <a16:creationId xmlns:a16="http://schemas.microsoft.com/office/drawing/2014/main" id="{71CC943F-D564-4934-8317-63388ADD76FF}"/>
-              </a:ext>
-            </a:extLst>
-          </p:cNvPr>
-          <p:cNvPicPr>
-            <a:picLocks noChangeAspect="1"/>
-          </p:cNvPicPr>
-          <p:nvPr/>
-        </p:nvPicPr>
-        <p:blipFill>
-          <a:blip r:embed="rId4">
-            <a:extLst>
-              <a:ext uri="{BEBA8EAE-BF5A-486C-A8C5-ECC9F3942E4B}">
-                <a14:imgProps xmlns:a14="http://schemas.microsoft.com/office/drawing/2010/main">
-                  <a14:imgLayer r:embed="rId5">
-                    <a14:imgEffect>
-                      <a14:saturation sat="33000"/>
-                    </a14:imgEffect>
-                  </a14:imgLayer>
-                </a14:imgProps>
+              <a:ext uri="{28A0092B-C50C-407E-A947-70E740481C1C}">
+                <a14:useLocalDpi xmlns:a14="http://schemas.microsoft.com/office/drawing/2010/main" val="0"/>
               </a:ext>
             </a:extLst>
           </a:blip>
@@ -4391,50 +4191,53 @@
         </p:blipFill>
         <p:spPr>
           <a:xfrm>
-            <a:off x="932857" y="2737930"/>
-            <a:ext cx="3488671" cy="3333750"/>
+            <a:off x="1219200" y="657225"/>
+            <a:ext cx="9753600" cy="5543550"/>
           </a:xfrm>
           <a:prstGeom prst="rect">
             <a:avLst/>
           </a:prstGeom>
-          <a:solidFill>
-            <a:srgbClr val="FFFFFF">
-              <a:shade val="85000"/>
-            </a:srgbClr>
-          </a:solidFill>
-          <a:ln w="190500" cap="sq">
-            <a:solidFill>
-              <a:srgbClr val="FFFFFF"/>
-            </a:solidFill>
-            <a:miter lim="800000"/>
-          </a:ln>
-          <a:effectLst>
-            <a:outerShdw blurRad="65000" dist="50800" dir="12900000" kx="195000" ky="145000" algn="tl" rotWithShape="0">
-              <a:srgbClr val="000000">
-                <a:alpha val="30000"/>
-              </a:srgbClr>
-            </a:outerShdw>
-          </a:effectLst>
-          <a:scene3d>
-            <a:camera prst="orthographicFront">
-              <a:rot lat="0" lon="0" rev="360000"/>
-            </a:camera>
-            <a:lightRig rig="twoPt" dir="t">
-              <a:rot lat="0" lon="0" rev="7200000"/>
-            </a:lightRig>
-          </a:scene3d>
-          <a:sp3d contourW="12700">
-            <a:bevelT w="25400" h="19050"/>
-            <a:contourClr>
-              <a:srgbClr val="969696"/>
-            </a:contourClr>
-          </a:sp3d>
         </p:spPr>
       </p:pic>
+      <p:sp>
+        <p:nvSpPr>
+          <p:cNvPr id="4" name="Textfeld 3">
+            <a:extLst>
+              <a:ext uri="{FF2B5EF4-FFF2-40B4-BE49-F238E27FC236}">
+                <a16:creationId xmlns:a16="http://schemas.microsoft.com/office/drawing/2014/main" id="{BDF764C8-922E-4FBA-9D65-9BA3FBAD2990}"/>
+              </a:ext>
+            </a:extLst>
+          </p:cNvPr>
+          <p:cNvSpPr txBox="1"/>
+          <p:nvPr/>
+        </p:nvSpPr>
+        <p:spPr>
+          <a:xfrm>
+            <a:off x="4661647" y="259976"/>
+            <a:ext cx="1698863" cy="369332"/>
+          </a:xfrm>
+          <a:prstGeom prst="rect">
+            <a:avLst/>
+          </a:prstGeom>
+          <a:noFill/>
+        </p:spPr>
+        <p:txBody>
+          <a:bodyPr wrap="none" rtlCol="0">
+            <a:spAutoFit/>
+          </a:bodyPr>
+          <a:lstStyle/>
+          <a:p>
+            <a:r>
+              <a:rPr lang="de-DE" dirty="0"/>
+              <a:t>System Footprint</a:t>
+            </a:r>
+          </a:p>
+        </p:txBody>
+      </p:sp>
     </p:spTree>
     <p:extLst>
       <p:ext uri="{BB962C8B-B14F-4D97-AF65-F5344CB8AC3E}">
-        <p14:creationId xmlns:p14="http://schemas.microsoft.com/office/powerpoint/2010/main" val="2733980996"/>
+        <p14:creationId xmlns:p14="http://schemas.microsoft.com/office/powerpoint/2010/main" val="3174009246"/>
       </p:ext>
     </p:extLst>
   </p:cSld>
@@ -4466,7 +4269,7 @@
           <p:cNvPr id="2" name="Textfeld 1">
             <a:extLst>
               <a:ext uri="{FF2B5EF4-FFF2-40B4-BE49-F238E27FC236}">
-                <a16:creationId xmlns:a16="http://schemas.microsoft.com/office/drawing/2014/main" id="{91CF4895-9E43-4451-AD30-62BB9C62C0DB}"/>
+                <a16:creationId xmlns:a16="http://schemas.microsoft.com/office/drawing/2014/main" id="{DFB60143-C16E-4826-9195-35C149AAC8A8}"/>
               </a:ext>
             </a:extLst>
           </p:cNvPr>
@@ -4475,8 +4278,8 @@
         </p:nvSpPr>
         <p:spPr>
           <a:xfrm>
-            <a:off x="685800" y="795528"/>
-            <a:ext cx="184731" cy="369332"/>
+            <a:off x="5319088" y="3244334"/>
+            <a:ext cx="1553823" cy="369332"/>
           </a:xfrm>
           <a:prstGeom prst="rect">
             <a:avLst/>
@@ -4489,306 +4292,17 @@
           </a:bodyPr>
           <a:lstStyle/>
           <a:p>
-            <a:endParaRPr lang="de-DE" dirty="0"/>
-          </a:p>
-        </p:txBody>
-      </p:sp>
-      <p:sp>
-        <p:nvSpPr>
-          <p:cNvPr id="8" name="Textfeld 7">
-            <a:extLst>
-              <a:ext uri="{FF2B5EF4-FFF2-40B4-BE49-F238E27FC236}">
-                <a16:creationId xmlns:a16="http://schemas.microsoft.com/office/drawing/2014/main" id="{2F19C88A-07F7-4F3D-B848-47DCC38A9975}"/>
-              </a:ext>
-            </a:extLst>
-          </p:cNvPr>
-          <p:cNvSpPr txBox="1"/>
-          <p:nvPr/>
-        </p:nvSpPr>
-        <p:spPr>
-          <a:xfrm>
-            <a:off x="8054623" y="860931"/>
-            <a:ext cx="2274003" cy="923330"/>
-          </a:xfrm>
-          <a:prstGeom prst="rect">
-            <a:avLst/>
-          </a:prstGeom>
-          <a:noFill/>
-        </p:spPr>
-        <p:txBody>
-          <a:bodyPr wrap="square">
-            <a:spAutoFit/>
-          </a:bodyPr>
-          <a:lstStyle/>
-          <a:p>
-            <a:r>
-              <a:rPr lang="de-DE" sz="3600" dirty="0" err="1"/>
-              <a:t>Flügeltang</a:t>
-            </a:r>
-            <a:endParaRPr lang="de-DE" sz="3600" dirty="0"/>
-          </a:p>
-          <a:p>
-            <a:r>
-              <a:rPr lang="de-DE" sz="1800" dirty="0">
-                <a:effectLst/>
-                <a:latin typeface="Calibri" panose="020F0502020204030204" pitchFamily="34" charset="0"/>
-                <a:ea typeface="Calibri" panose="020F0502020204030204" pitchFamily="34" charset="0"/>
-                <a:cs typeface="Times New Roman" panose="02020603050405020304" pitchFamily="18" charset="0"/>
-              </a:rPr>
-              <a:t>(</a:t>
-            </a:r>
-            <a:r>
-              <a:rPr lang="de-DE" sz="1800" i="1" dirty="0" err="1">
-                <a:effectLst/>
-                <a:latin typeface="Calibri" panose="020F0502020204030204" pitchFamily="34" charset="0"/>
-                <a:ea typeface="Calibri" panose="020F0502020204030204" pitchFamily="34" charset="0"/>
-                <a:cs typeface="Times New Roman" panose="02020603050405020304" pitchFamily="18" charset="0"/>
-              </a:rPr>
-              <a:t>Alaria</a:t>
-            </a:r>
-            <a:r>
-              <a:rPr lang="de-DE" sz="1800" i="1" dirty="0">
-                <a:effectLst/>
-                <a:latin typeface="Calibri" panose="020F0502020204030204" pitchFamily="34" charset="0"/>
-                <a:ea typeface="Calibri" panose="020F0502020204030204" pitchFamily="34" charset="0"/>
-                <a:cs typeface="Times New Roman" panose="02020603050405020304" pitchFamily="18" charset="0"/>
-              </a:rPr>
-              <a:t> </a:t>
-            </a:r>
-            <a:r>
-              <a:rPr lang="de-DE" sz="1800" i="1" dirty="0" err="1">
-                <a:effectLst/>
-                <a:latin typeface="Calibri" panose="020F0502020204030204" pitchFamily="34" charset="0"/>
-                <a:ea typeface="Calibri" panose="020F0502020204030204" pitchFamily="34" charset="0"/>
-                <a:cs typeface="Times New Roman" panose="02020603050405020304" pitchFamily="18" charset="0"/>
-              </a:rPr>
-              <a:t>esculenta</a:t>
-            </a:r>
-            <a:r>
-              <a:rPr lang="de-DE" sz="1800" dirty="0">
-                <a:effectLst/>
-                <a:latin typeface="Calibri" panose="020F0502020204030204" pitchFamily="34" charset="0"/>
-                <a:ea typeface="Calibri" panose="020F0502020204030204" pitchFamily="34" charset="0"/>
-                <a:cs typeface="Times New Roman" panose="02020603050405020304" pitchFamily="18" charset="0"/>
-              </a:rPr>
-              <a:t>)</a:t>
-            </a:r>
-            <a:endParaRPr lang="de-DE" sz="3600" dirty="0"/>
-          </a:p>
-        </p:txBody>
-      </p:sp>
-      <p:sp>
-        <p:nvSpPr>
-          <p:cNvPr id="12" name="Textfeld 11">
-            <a:extLst>
-              <a:ext uri="{FF2B5EF4-FFF2-40B4-BE49-F238E27FC236}">
-                <a16:creationId xmlns:a16="http://schemas.microsoft.com/office/drawing/2014/main" id="{B4803796-90B2-4875-835B-CE7D321C5928}"/>
-              </a:ext>
-            </a:extLst>
-          </p:cNvPr>
-          <p:cNvSpPr txBox="1"/>
-          <p:nvPr/>
-        </p:nvSpPr>
-        <p:spPr>
-          <a:xfrm>
-            <a:off x="1297902" y="795528"/>
-            <a:ext cx="3051633" cy="923330"/>
-          </a:xfrm>
-          <a:prstGeom prst="rect">
-            <a:avLst/>
-          </a:prstGeom>
-          <a:noFill/>
-        </p:spPr>
-        <p:txBody>
-          <a:bodyPr wrap="square">
-            <a:spAutoFit/>
-          </a:bodyPr>
-          <a:lstStyle/>
-          <a:p>
-            <a:r>
-              <a:rPr lang="de-DE" sz="3600" dirty="0" err="1"/>
-              <a:t>Zuckertang</a:t>
-            </a:r>
-            <a:endParaRPr lang="de-DE" sz="3600" dirty="0"/>
-          </a:p>
-          <a:p>
-            <a:r>
-              <a:rPr lang="de-DE" sz="1800" dirty="0">
-                <a:effectLst/>
-                <a:latin typeface="Calibri" panose="020F0502020204030204" pitchFamily="34" charset="0"/>
-                <a:ea typeface="Calibri" panose="020F0502020204030204" pitchFamily="34" charset="0"/>
-                <a:cs typeface="Times New Roman" panose="02020603050405020304" pitchFamily="18" charset="0"/>
-              </a:rPr>
-              <a:t>(</a:t>
-            </a:r>
-            <a:r>
-              <a:rPr lang="de-DE" sz="1800" i="1" dirty="0" err="1">
-                <a:effectLst/>
-                <a:latin typeface="Calibri" panose="020F0502020204030204" pitchFamily="34" charset="0"/>
-                <a:ea typeface="Calibri" panose="020F0502020204030204" pitchFamily="34" charset="0"/>
-                <a:cs typeface="Times New Roman" panose="02020603050405020304" pitchFamily="18" charset="0"/>
-              </a:rPr>
-              <a:t>Saccharina</a:t>
-            </a:r>
-            <a:r>
-              <a:rPr lang="de-DE" sz="1800" i="1" dirty="0">
-                <a:effectLst/>
-                <a:latin typeface="Calibri" panose="020F0502020204030204" pitchFamily="34" charset="0"/>
-                <a:ea typeface="Calibri" panose="020F0502020204030204" pitchFamily="34" charset="0"/>
-                <a:cs typeface="Times New Roman" panose="02020603050405020304" pitchFamily="18" charset="0"/>
-              </a:rPr>
-              <a:t> </a:t>
-            </a:r>
-            <a:r>
-              <a:rPr lang="de-DE" sz="1800" i="1" dirty="0" err="1">
-                <a:effectLst/>
-                <a:latin typeface="Calibri" panose="020F0502020204030204" pitchFamily="34" charset="0"/>
-                <a:ea typeface="Calibri" panose="020F0502020204030204" pitchFamily="34" charset="0"/>
-                <a:cs typeface="Times New Roman" panose="02020603050405020304" pitchFamily="18" charset="0"/>
-              </a:rPr>
-              <a:t>latissima</a:t>
-            </a:r>
-            <a:r>
-              <a:rPr lang="de-DE" sz="1800" dirty="0">
-                <a:effectLst/>
-                <a:latin typeface="Calibri" panose="020F0502020204030204" pitchFamily="34" charset="0"/>
-                <a:ea typeface="Calibri" panose="020F0502020204030204" pitchFamily="34" charset="0"/>
-                <a:cs typeface="Times New Roman" panose="02020603050405020304" pitchFamily="18" charset="0"/>
-              </a:rPr>
-              <a:t>) </a:t>
-            </a:r>
-            <a:endParaRPr lang="de-DE" sz="3600" dirty="0"/>
-          </a:p>
-        </p:txBody>
-      </p:sp>
-      <p:pic>
-        <p:nvPicPr>
-          <p:cNvPr id="4" name="Grafik 3">
-            <a:extLst>
-              <a:ext uri="{FF2B5EF4-FFF2-40B4-BE49-F238E27FC236}">
-                <a16:creationId xmlns:a16="http://schemas.microsoft.com/office/drawing/2014/main" id="{683FC059-36E7-4129-8577-C885E4CF3A80}"/>
-              </a:ext>
-            </a:extLst>
-          </p:cNvPr>
-          <p:cNvPicPr>
-            <a:picLocks noChangeAspect="1"/>
-          </p:cNvPicPr>
-          <p:nvPr/>
-        </p:nvPicPr>
-        <p:blipFill>
-          <a:blip r:embed="rId2"/>
-          <a:stretch>
-            <a:fillRect/>
-          </a:stretch>
-        </p:blipFill>
-        <p:spPr>
-          <a:xfrm>
-            <a:off x="976557" y="2082842"/>
-            <a:ext cx="3376612" cy="3722645"/>
-          </a:xfrm>
-          <a:prstGeom prst="roundRect">
-            <a:avLst>
-              <a:gd name="adj" fmla="val 8594"/>
-            </a:avLst>
-          </a:prstGeom>
-          <a:solidFill>
-            <a:srgbClr val="FFFFFF">
-              <a:shade val="85000"/>
-            </a:srgbClr>
-          </a:solidFill>
-          <a:ln>
-            <a:noFill/>
-          </a:ln>
-          <a:effectLst>
-            <a:reflection blurRad="12700" stA="38000" endPos="28000" dist="5000" dir="5400000" sy="-100000" algn="bl" rotWithShape="0"/>
-          </a:effectLst>
-        </p:spPr>
-      </p:pic>
-      <p:pic>
-        <p:nvPicPr>
-          <p:cNvPr id="5" name="Grafik 4">
-            <a:extLst>
-              <a:ext uri="{FF2B5EF4-FFF2-40B4-BE49-F238E27FC236}">
-                <a16:creationId xmlns:a16="http://schemas.microsoft.com/office/drawing/2014/main" id="{244E6A4A-8455-43C7-A46C-4F3A480DA439}"/>
-              </a:ext>
-            </a:extLst>
-          </p:cNvPr>
-          <p:cNvPicPr>
-            <a:picLocks noChangeAspect="1"/>
-          </p:cNvPicPr>
-          <p:nvPr/>
-        </p:nvPicPr>
-        <p:blipFill>
-          <a:blip r:embed="rId3"/>
-          <a:stretch>
-            <a:fillRect/>
-          </a:stretch>
-        </p:blipFill>
-        <p:spPr>
-          <a:xfrm>
-            <a:off x="7458075" y="2534464"/>
-            <a:ext cx="3467100" cy="2819400"/>
-          </a:xfrm>
-          <a:prstGeom prst="roundRect">
-            <a:avLst>
-              <a:gd name="adj" fmla="val 8594"/>
-            </a:avLst>
-          </a:prstGeom>
-          <a:solidFill>
-            <a:srgbClr val="FFFFFF">
-              <a:shade val="85000"/>
-            </a:srgbClr>
-          </a:solidFill>
-          <a:ln>
-            <a:noFill/>
-          </a:ln>
-          <a:effectLst>
-            <a:reflection blurRad="12700" stA="38000" endPos="28000" dist="5000" dir="5400000" sy="-100000" algn="bl" rotWithShape="0"/>
-          </a:effectLst>
-        </p:spPr>
-      </p:pic>
-      <p:cxnSp>
-        <p:nvCxnSpPr>
-          <p:cNvPr id="7" name="Gerader Verbinder 6">
-            <a:extLst>
-              <a:ext uri="{FF2B5EF4-FFF2-40B4-BE49-F238E27FC236}">
-                <a16:creationId xmlns:a16="http://schemas.microsoft.com/office/drawing/2014/main" id="{F7A41CD5-48C2-42DC-9C74-019A4FE8DA4A}"/>
-              </a:ext>
-            </a:extLst>
-          </p:cNvPr>
-          <p:cNvCxnSpPr>
-            <a:cxnSpLocks/>
-          </p:cNvCxnSpPr>
-          <p:nvPr/>
-        </p:nvCxnSpPr>
-        <p:spPr>
-          <a:xfrm>
-            <a:off x="5783956" y="1164860"/>
-            <a:ext cx="0" cy="4720125"/>
-          </a:xfrm>
-          <a:prstGeom prst="line">
-            <a:avLst/>
-          </a:prstGeom>
-        </p:spPr>
-        <p:style>
-          <a:lnRef idx="1">
-            <a:schemeClr val="accent1"/>
-          </a:lnRef>
-          <a:fillRef idx="0">
-            <a:schemeClr val="accent1"/>
-          </a:fillRef>
-          <a:effectRef idx="0">
-            <a:schemeClr val="accent1"/>
-          </a:effectRef>
-          <a:fontRef idx="minor">
-            <a:schemeClr val="tx1"/>
-          </a:fontRef>
-        </p:style>
-      </p:cxnSp>
+            <a:r>
+              <a:rPr lang="de-DE" dirty="0"/>
+              <a:t>Anforderungen</a:t>
+            </a:r>
+          </a:p>
+        </p:txBody>
+      </p:sp>
     </p:spTree>
     <p:extLst>
       <p:ext uri="{BB962C8B-B14F-4D97-AF65-F5344CB8AC3E}">
-        <p14:creationId xmlns:p14="http://schemas.microsoft.com/office/powerpoint/2010/main" val="1052160411"/>
+        <p14:creationId xmlns:p14="http://schemas.microsoft.com/office/powerpoint/2010/main" val="3594215452"/>
       </p:ext>
     </p:extLst>
   </p:cSld>
@@ -4820,7 +4334,7 @@
           <p:cNvPr id="2" name="Textfeld 1">
             <a:extLst>
               <a:ext uri="{FF2B5EF4-FFF2-40B4-BE49-F238E27FC236}">
-                <a16:creationId xmlns:a16="http://schemas.microsoft.com/office/drawing/2014/main" id="{91CF4895-9E43-4451-AD30-62BB9C62C0DB}"/>
+                <a16:creationId xmlns:a16="http://schemas.microsoft.com/office/drawing/2014/main" id="{D3211B05-7243-4EA5-9891-97FB775B4504}"/>
               </a:ext>
             </a:extLst>
           </p:cNvPr>
@@ -4829,8 +4343,8 @@
         </p:nvSpPr>
         <p:spPr>
           <a:xfrm>
-            <a:off x="685800" y="795528"/>
-            <a:ext cx="184731" cy="369332"/>
+            <a:off x="5794475" y="3244334"/>
+            <a:ext cx="603050" cy="369332"/>
           </a:xfrm>
           <a:prstGeom prst="rect">
             <a:avLst/>
@@ -4843,77 +4357,17 @@
           </a:bodyPr>
           <a:lstStyle/>
           <a:p>
-            <a:endParaRPr lang="de-DE" dirty="0"/>
-          </a:p>
-        </p:txBody>
-      </p:sp>
-      <p:graphicFrame>
-        <p:nvGraphicFramePr>
-          <p:cNvPr id="3" name="Objekt 2">
-            <a:extLst>
-              <a:ext uri="{FF2B5EF4-FFF2-40B4-BE49-F238E27FC236}">
-                <a16:creationId xmlns:a16="http://schemas.microsoft.com/office/drawing/2014/main" id="{25504CA2-5BBA-48A2-83F5-9CF22072CE3C}"/>
-              </a:ext>
-            </a:extLst>
-          </p:cNvPr>
-          <p:cNvGraphicFramePr>
-            <a:graphicFrameLocks noChangeAspect="1"/>
-          </p:cNvGraphicFramePr>
-          <p:nvPr/>
-        </p:nvGraphicFramePr>
-        <p:xfrm>
-          <a:off x="-23447" y="-902825"/>
-          <a:ext cx="12663001" cy="10162572"/>
-        </p:xfrm>
-        <a:graphic>
-          <a:graphicData uri="http://schemas.openxmlformats.org/presentationml/2006/ole">
-            <mc:AlternateContent xmlns:mc="http://schemas.openxmlformats.org/markup-compatibility/2006">
-              <mc:Choice xmlns:v="urn:schemas-microsoft-com:vml" Requires="v">
-                <p:oleObj spid="_x0000_s1027" name="Acrobat Document" r:id="rId3" imgW="6415686" imgH="4533529" progId="AcroExch.Document.DC">
-                  <p:embed/>
-                </p:oleObj>
-              </mc:Choice>
-              <mc:Fallback>
-                <p:oleObj name="Acrobat Document" r:id="rId3" imgW="6415686" imgH="4533529" progId="AcroExch.Document.DC">
-                  <p:embed/>
-                  <p:pic>
-                    <p:nvPicPr>
-                      <p:cNvPr id="3" name="Objekt 2">
-                        <a:extLst>
-                          <a:ext uri="{FF2B5EF4-FFF2-40B4-BE49-F238E27FC236}">
-                            <a16:creationId xmlns:a16="http://schemas.microsoft.com/office/drawing/2014/main" id="{25504CA2-5BBA-48A2-83F5-9CF22072CE3C}"/>
-                          </a:ext>
-                        </a:extLst>
-                      </p:cNvPr>
-                      <p:cNvPicPr/>
-                      <p:nvPr/>
-                    </p:nvPicPr>
-                    <p:blipFill>
-                      <a:blip r:embed="rId4"/>
-                      <a:stretch>
-                        <a:fillRect/>
-                      </a:stretch>
-                    </p:blipFill>
-                    <p:spPr>
-                      <a:xfrm>
-                        <a:off x="-23447" y="-902825"/>
-                        <a:ext cx="12663001" cy="10162572"/>
-                      </a:xfrm>
-                      <a:prstGeom prst="rect">
-                        <a:avLst/>
-                      </a:prstGeom>
-                    </p:spPr>
-                  </p:pic>
-                </p:oleObj>
-              </mc:Fallback>
-            </mc:AlternateContent>
-          </a:graphicData>
-        </a:graphic>
-      </p:graphicFrame>
+            <a:r>
+              <a:rPr lang="de-DE" dirty="0"/>
+              <a:t>QFD</a:t>
+            </a:r>
+          </a:p>
+        </p:txBody>
+      </p:sp>
     </p:spTree>
     <p:extLst>
       <p:ext uri="{BB962C8B-B14F-4D97-AF65-F5344CB8AC3E}">
-        <p14:creationId xmlns:p14="http://schemas.microsoft.com/office/powerpoint/2010/main" val="3516916557"/>
+        <p14:creationId xmlns:p14="http://schemas.microsoft.com/office/powerpoint/2010/main" val="1869568478"/>
       </p:ext>
     </p:extLst>
   </p:cSld>
@@ -4945,7 +4399,7 @@
           <p:cNvPr id="2" name="Textfeld 1">
             <a:extLst>
               <a:ext uri="{FF2B5EF4-FFF2-40B4-BE49-F238E27FC236}">
-                <a16:creationId xmlns:a16="http://schemas.microsoft.com/office/drawing/2014/main" id="{91CF4895-9E43-4451-AD30-62BB9C62C0DB}"/>
+                <a16:creationId xmlns:a16="http://schemas.microsoft.com/office/drawing/2014/main" id="{7135CF50-9DB2-4326-B939-CB698082CBC3}"/>
               </a:ext>
             </a:extLst>
           </p:cNvPr>
@@ -4954,8 +4408,8 @@
         </p:nvSpPr>
         <p:spPr>
           <a:xfrm>
-            <a:off x="685800" y="795528"/>
-            <a:ext cx="184731" cy="369332"/>
+            <a:off x="5718845" y="3244334"/>
+            <a:ext cx="754309" cy="369332"/>
           </a:xfrm>
           <a:prstGeom prst="rect">
             <a:avLst/>
@@ -4968,238 +4422,17 @@
           </a:bodyPr>
           <a:lstStyle/>
           <a:p>
-            <a:endParaRPr lang="de-DE" dirty="0"/>
-          </a:p>
-        </p:txBody>
-      </p:sp>
-      <p:sp>
-        <p:nvSpPr>
-          <p:cNvPr id="7" name="Textfeld 6">
-            <a:extLst>
-              <a:ext uri="{FF2B5EF4-FFF2-40B4-BE49-F238E27FC236}">
-                <a16:creationId xmlns:a16="http://schemas.microsoft.com/office/drawing/2014/main" id="{A44EBC54-9BC9-4E74-9B20-FFD9DDE22B16}"/>
-              </a:ext>
-            </a:extLst>
-          </p:cNvPr>
-          <p:cNvSpPr txBox="1"/>
-          <p:nvPr/>
-        </p:nvSpPr>
-        <p:spPr>
-          <a:xfrm>
-            <a:off x="908436" y="859138"/>
-            <a:ext cx="184731" cy="369332"/>
-          </a:xfrm>
-          <a:prstGeom prst="rect">
-            <a:avLst/>
-          </a:prstGeom>
-          <a:noFill/>
-        </p:spPr>
-        <p:txBody>
-          <a:bodyPr wrap="none" rtlCol="0">
-            <a:spAutoFit/>
-          </a:bodyPr>
-          <a:lstStyle/>
-          <a:p>
-            <a:endParaRPr lang="de-DE" dirty="0"/>
-          </a:p>
-        </p:txBody>
-      </p:sp>
-      <p:pic>
-        <p:nvPicPr>
-          <p:cNvPr id="9" name="Grafik 8" descr="Asien mit einfarbiger Füllung">
-            <a:extLst>
-              <a:ext uri="{FF2B5EF4-FFF2-40B4-BE49-F238E27FC236}">
-                <a16:creationId xmlns:a16="http://schemas.microsoft.com/office/drawing/2014/main" id="{CFED7C80-8680-4ADE-AD9F-63B31E684111}"/>
-              </a:ext>
-            </a:extLst>
-          </p:cNvPr>
-          <p:cNvPicPr>
-            <a:picLocks noChangeAspect="1"/>
-          </p:cNvPicPr>
-          <p:nvPr/>
-        </p:nvPicPr>
-        <p:blipFill>
-          <a:blip r:embed="rId2">
-            <a:extLst>
-              <a:ext uri="{28A0092B-C50C-407E-A947-70E740481C1C}">
-                <a14:useLocalDpi xmlns:a14="http://schemas.microsoft.com/office/drawing/2010/main" val="0"/>
-              </a:ext>
-              <a:ext uri="{96DAC541-7B7A-43D3-8B79-37D633B846F1}">
-                <asvg:svgBlip xmlns:asvg="http://schemas.microsoft.com/office/drawing/2016/SVG/main" r:embed="rId3"/>
-              </a:ext>
-            </a:extLst>
-          </a:blip>
-          <a:stretch>
-            <a:fillRect/>
-          </a:stretch>
-        </p:blipFill>
-        <p:spPr>
-          <a:xfrm>
-            <a:off x="7353771" y="2053242"/>
-            <a:ext cx="3030632" cy="3030632"/>
-          </a:xfrm>
-          <a:prstGeom prst="rect">
-            <a:avLst/>
-          </a:prstGeom>
-        </p:spPr>
-      </p:pic>
-      <p:pic>
-        <p:nvPicPr>
-          <p:cNvPr id="10" name="Grafik 9" descr="Europa mit einfarbiger Füllung">
-            <a:extLst>
-              <a:ext uri="{FF2B5EF4-FFF2-40B4-BE49-F238E27FC236}">
-                <a16:creationId xmlns:a16="http://schemas.microsoft.com/office/drawing/2014/main" id="{C615EA59-02AA-423E-8656-E5DDE01312A0}"/>
-              </a:ext>
-            </a:extLst>
-          </p:cNvPr>
-          <p:cNvPicPr>
-            <a:picLocks noChangeAspect="1"/>
-          </p:cNvPicPr>
-          <p:nvPr/>
-        </p:nvPicPr>
-        <p:blipFill>
-          <a:blip r:embed="rId4">
-            <a:extLst>
-              <a:ext uri="{28A0092B-C50C-407E-A947-70E740481C1C}">
-                <a14:useLocalDpi xmlns:a14="http://schemas.microsoft.com/office/drawing/2010/main" val="0"/>
-              </a:ext>
-              <a:ext uri="{96DAC541-7B7A-43D3-8B79-37D633B846F1}">
-                <asvg:svgBlip xmlns:asvg="http://schemas.microsoft.com/office/drawing/2016/SVG/main" r:embed="rId5"/>
-              </a:ext>
-            </a:extLst>
-          </a:blip>
-          <a:stretch>
-            <a:fillRect/>
-          </a:stretch>
-        </p:blipFill>
-        <p:spPr>
-          <a:xfrm>
-            <a:off x="1456484" y="2121022"/>
-            <a:ext cx="2430516" cy="2430516"/>
-          </a:xfrm>
-          <a:prstGeom prst="rect">
-            <a:avLst/>
-          </a:prstGeom>
-        </p:spPr>
-      </p:pic>
-      <p:sp>
-        <p:nvSpPr>
-          <p:cNvPr id="11" name="Textfeld 10">
-            <a:extLst>
-              <a:ext uri="{FF2B5EF4-FFF2-40B4-BE49-F238E27FC236}">
-                <a16:creationId xmlns:a16="http://schemas.microsoft.com/office/drawing/2014/main" id="{827852CF-D446-4B39-9BF2-A3C14EDC75A9}"/>
-              </a:ext>
-            </a:extLst>
-          </p:cNvPr>
-          <p:cNvSpPr txBox="1"/>
-          <p:nvPr/>
-        </p:nvSpPr>
-        <p:spPr>
-          <a:xfrm>
-            <a:off x="1807597" y="4545265"/>
-            <a:ext cx="1873857" cy="1077218"/>
-          </a:xfrm>
-          <a:prstGeom prst="rect">
-            <a:avLst/>
-          </a:prstGeom>
-          <a:noFill/>
-        </p:spPr>
-        <p:txBody>
-          <a:bodyPr wrap="square" rtlCol="0">
-            <a:spAutoFit/>
-          </a:bodyPr>
-          <a:lstStyle/>
-          <a:p>
-            <a:r>
-              <a:rPr lang="de-DE" sz="3600" dirty="0"/>
-              <a:t>Europa </a:t>
-            </a:r>
-          </a:p>
-          <a:p>
-            <a:endParaRPr lang="de-DE" sz="2800" dirty="0"/>
-          </a:p>
-        </p:txBody>
-      </p:sp>
-      <p:sp>
-        <p:nvSpPr>
-          <p:cNvPr id="12" name="Textfeld 11">
-            <a:extLst>
-              <a:ext uri="{FF2B5EF4-FFF2-40B4-BE49-F238E27FC236}">
-                <a16:creationId xmlns:a16="http://schemas.microsoft.com/office/drawing/2014/main" id="{36601E80-7131-427E-A40F-EDE9F1138D9C}"/>
-              </a:ext>
-            </a:extLst>
-          </p:cNvPr>
-          <p:cNvSpPr txBox="1"/>
-          <p:nvPr/>
-        </p:nvSpPr>
-        <p:spPr>
-          <a:xfrm>
-            <a:off x="5923722" y="4545265"/>
-            <a:ext cx="5414837" cy="1077218"/>
-          </a:xfrm>
-          <a:prstGeom prst="rect">
-            <a:avLst/>
-          </a:prstGeom>
-          <a:noFill/>
-        </p:spPr>
-        <p:txBody>
-          <a:bodyPr wrap="square" rtlCol="0">
-            <a:spAutoFit/>
-          </a:bodyPr>
-          <a:lstStyle/>
-          <a:p>
-            <a:r>
-              <a:rPr lang="de-DE" sz="3600" dirty="0"/>
-              <a:t>Asien (insbesondere China) </a:t>
-            </a:r>
-          </a:p>
-          <a:p>
-            <a:endParaRPr lang="de-DE" sz="2800" dirty="0"/>
-          </a:p>
-        </p:txBody>
-      </p:sp>
-      <p:sp>
-        <p:nvSpPr>
-          <p:cNvPr id="13" name="Textfeld 12">
-            <a:extLst>
-              <a:ext uri="{FF2B5EF4-FFF2-40B4-BE49-F238E27FC236}">
-                <a16:creationId xmlns:a16="http://schemas.microsoft.com/office/drawing/2014/main" id="{DE9C8E4E-8E8E-4AB9-8FC9-D3A3ED01FD3B}"/>
-              </a:ext>
-            </a:extLst>
-          </p:cNvPr>
-          <p:cNvSpPr txBox="1"/>
-          <p:nvPr/>
-        </p:nvSpPr>
-        <p:spPr>
-          <a:xfrm>
-            <a:off x="988315" y="654304"/>
-            <a:ext cx="6251784" cy="1077218"/>
-          </a:xfrm>
-          <a:prstGeom prst="rect">
-            <a:avLst/>
-          </a:prstGeom>
-          <a:noFill/>
-        </p:spPr>
-        <p:txBody>
-          <a:bodyPr wrap="square" rtlCol="0">
-            <a:spAutoFit/>
-          </a:bodyPr>
-          <a:lstStyle/>
-          <a:p>
-            <a:r>
-              <a:rPr lang="de-DE" sz="3600" dirty="0"/>
-              <a:t>Zukünftige Kunden: </a:t>
-            </a:r>
-          </a:p>
-          <a:p>
-            <a:endParaRPr lang="de-DE" sz="2800" dirty="0"/>
+            <a:r>
+              <a:rPr lang="de-DE" dirty="0"/>
+              <a:t>Patent</a:t>
+            </a:r>
           </a:p>
         </p:txBody>
       </p:sp>
     </p:spTree>
     <p:extLst>
       <p:ext uri="{BB962C8B-B14F-4D97-AF65-F5344CB8AC3E}">
-        <p14:creationId xmlns:p14="http://schemas.microsoft.com/office/powerpoint/2010/main" val="2295576788"/>
+        <p14:creationId xmlns:p14="http://schemas.microsoft.com/office/powerpoint/2010/main" val="3214145619"/>
       </p:ext>
     </p:extLst>
   </p:cSld>
@@ -5209,1286 +4442,7 @@
 </p:sld>
 </file>
 
-<file path=ppt/slides/slide2.xml><?xml version="1.0" encoding="utf-8"?>
-<p:sld xmlns:a="http://schemas.openxmlformats.org/drawingml/2006/main" xmlns:r="http://schemas.openxmlformats.org/officeDocument/2006/relationships" xmlns:p="http://schemas.openxmlformats.org/presentationml/2006/main">
-  <p:cSld>
-    <p:bg>
-      <p:bgPr>
-        <a:solidFill>
-          <a:srgbClr val="4960A6"/>
-        </a:solidFill>
-        <a:effectLst/>
-      </p:bgPr>
-    </p:bg>
-    <p:spTree>
-      <p:nvGrpSpPr>
-        <p:cNvPr id="1" name=""/>
-        <p:cNvGrpSpPr/>
-        <p:nvPr/>
-      </p:nvGrpSpPr>
-      <p:grpSpPr>
-        <a:xfrm>
-          <a:off x="0" y="0"/>
-          <a:ext cx="0" cy="0"/>
-          <a:chOff x="0" y="0"/>
-          <a:chExt cx="0" cy="0"/>
-        </a:xfrm>
-      </p:grpSpPr>
-      <p:cxnSp>
-        <p:nvCxnSpPr>
-          <p:cNvPr id="7" name="Straight Connector 6">
-            <a:extLst>
-              <a:ext uri="{FF2B5EF4-FFF2-40B4-BE49-F238E27FC236}">
-                <a16:creationId xmlns:a16="http://schemas.microsoft.com/office/drawing/2014/main" id="{8CED2307-F79F-42F9-B81B-91F768E72BFC}"/>
-              </a:ext>
-              <a:ext uri="{C183D7F6-B498-43B3-948B-1728B52AA6E4}">
-                <adec:decorative xmlns:adec="http://schemas.microsoft.com/office/drawing/2017/decorative" val="1"/>
-              </a:ext>
-            </a:extLst>
-          </p:cNvPr>
-          <p:cNvCxnSpPr>
-            <a:cxnSpLocks noGrp="1" noRot="1" noChangeAspect="1" noMove="1" noResize="1" noEditPoints="1" noAdjustHandles="1" noChangeArrowheads="1" noChangeShapeType="1"/>
-          </p:cNvCxnSpPr>
-          <p:nvPr>
-            <p:extLst>
-              <p:ext uri="{386F3935-93C4-4BCD-93E2-E3B085C9AB24}">
-                <p16:designElem xmlns:p16="http://schemas.microsoft.com/office/powerpoint/2015/main" val="1"/>
-              </p:ext>
-            </p:extLst>
-          </p:nvPr>
-        </p:nvCxnSpPr>
-        <p:spPr>
-          <a:xfrm flipV="1">
-            <a:off x="8386842" y="5264106"/>
-            <a:ext cx="0" cy="914400"/>
-          </a:xfrm>
-          <a:prstGeom prst="line">
-            <a:avLst/>
-          </a:prstGeom>
-          <a:ln w="19050">
-            <a:solidFill>
-              <a:schemeClr val="accent2"/>
-            </a:solidFill>
-          </a:ln>
-        </p:spPr>
-        <p:style>
-          <a:lnRef idx="1">
-            <a:schemeClr val="accent1"/>
-          </a:lnRef>
-          <a:fillRef idx="0">
-            <a:schemeClr val="accent1"/>
-          </a:fillRef>
-          <a:effectRef idx="0">
-            <a:schemeClr val="accent1"/>
-          </a:effectRef>
-          <a:fontRef idx="minor">
-            <a:schemeClr val="tx1"/>
-          </a:fontRef>
-        </p:style>
-      </p:cxnSp>
-      <p:sp>
-        <p:nvSpPr>
-          <p:cNvPr id="9" name="Rectangle 8">
-            <a:extLst>
-              <a:ext uri="{FF2B5EF4-FFF2-40B4-BE49-F238E27FC236}">
-                <a16:creationId xmlns:a16="http://schemas.microsoft.com/office/drawing/2014/main" id="{E5DB38FF-CE38-4D82-B9F2-DFE28A0194E1}"/>
-              </a:ext>
-              <a:ext uri="{C183D7F6-B498-43B3-948B-1728B52AA6E4}">
-                <adec:decorative xmlns:adec="http://schemas.microsoft.com/office/drawing/2017/decorative" val="1"/>
-              </a:ext>
-            </a:extLst>
-          </p:cNvPr>
-          <p:cNvSpPr>
-            <a:spLocks noGrp="1" noRot="1" noChangeAspect="1" noMove="1" noResize="1" noEditPoints="1" noAdjustHandles="1" noChangeArrowheads="1" noChangeShapeType="1" noTextEdit="1"/>
-          </p:cNvSpPr>
-          <p:nvPr>
-            <p:extLst>
-              <p:ext uri="{386F3935-93C4-4BCD-93E2-E3B085C9AB24}">
-                <p16:designElem xmlns:p16="http://schemas.microsoft.com/office/powerpoint/2015/main" val="1"/>
-              </p:ext>
-            </p:extLst>
-          </p:nvPr>
-        </p:nvSpPr>
-        <p:spPr>
-          <a:xfrm>
-            <a:off x="0" y="-1"/>
-            <a:ext cx="12192000" cy="4572001"/>
-          </a:xfrm>
-          <a:prstGeom prst="rect">
-            <a:avLst/>
-          </a:prstGeom>
-          <a:solidFill>
-            <a:schemeClr val="accent2"/>
-          </a:solidFill>
-          <a:ln>
-            <a:noFill/>
-          </a:ln>
-        </p:spPr>
-        <p:style>
-          <a:lnRef idx="2">
-            <a:schemeClr val="accent1">
-              <a:shade val="50000"/>
-            </a:schemeClr>
-          </a:lnRef>
-          <a:fillRef idx="1">
-            <a:schemeClr val="accent1"/>
-          </a:fillRef>
-          <a:effectRef idx="0">
-            <a:schemeClr val="accent1"/>
-          </a:effectRef>
-          <a:fontRef idx="minor">
-            <a:schemeClr val="lt1"/>
-          </a:fontRef>
-        </p:style>
-      </p:sp>
-      <p:sp useBgFill="1">
-        <p:nvSpPr>
-          <p:cNvPr id="11" name="Rectangle 10">
-            <a:extLst>
-              <a:ext uri="{FF2B5EF4-FFF2-40B4-BE49-F238E27FC236}">
-                <a16:creationId xmlns:a16="http://schemas.microsoft.com/office/drawing/2014/main" id="{0BA28970-3E8F-46CD-A302-42EE83668B0A}"/>
-              </a:ext>
-              <a:ext uri="{C183D7F6-B498-43B3-948B-1728B52AA6E4}">
-                <adec:decorative xmlns:adec="http://schemas.microsoft.com/office/drawing/2017/decorative" val="1"/>
-              </a:ext>
-            </a:extLst>
-          </p:cNvPr>
-          <p:cNvSpPr>
-            <a:spLocks noGrp="1" noRot="1" noChangeAspect="1" noMove="1" noResize="1" noEditPoints="1" noAdjustHandles="1" noChangeArrowheads="1" noChangeShapeType="1" noTextEdit="1"/>
-          </p:cNvSpPr>
-          <p:nvPr>
-            <p:extLst>
-              <p:ext uri="{386F3935-93C4-4BCD-93E2-E3B085C9AB24}">
-                <p16:designElem xmlns:p16="http://schemas.microsoft.com/office/powerpoint/2015/main" val="1"/>
-              </p:ext>
-            </p:extLst>
-          </p:nvPr>
-        </p:nvSpPr>
-        <p:spPr>
-          <a:xfrm>
-            <a:off x="0" y="0"/>
-            <a:ext cx="12192000" cy="6858000"/>
-          </a:xfrm>
-          <a:prstGeom prst="rect">
-            <a:avLst/>
-          </a:prstGeom>
-          <a:ln>
-            <a:noFill/>
-          </a:ln>
-        </p:spPr>
-        <p:style>
-          <a:lnRef idx="2">
-            <a:schemeClr val="accent1">
-              <a:shade val="50000"/>
-            </a:schemeClr>
-          </a:lnRef>
-          <a:fillRef idx="1">
-            <a:schemeClr val="accent1"/>
-          </a:fillRef>
-          <a:effectRef idx="0">
-            <a:schemeClr val="accent1"/>
-          </a:effectRef>
-          <a:fontRef idx="minor">
-            <a:schemeClr val="lt1"/>
-          </a:fontRef>
-        </p:style>
-        <p:txBody>
-          <a:bodyPr rtlCol="0" anchor="ctr"/>
-          <a:lstStyle/>
-          <a:p>
-            <a:pPr algn="ctr"/>
-            <a:endParaRPr lang="en-US"/>
-          </a:p>
-        </p:txBody>
-      </p:sp>
-      <p:sp>
-        <p:nvSpPr>
-          <p:cNvPr id="2" name="Titel 1">
-            <a:extLst>
-              <a:ext uri="{FF2B5EF4-FFF2-40B4-BE49-F238E27FC236}">
-                <a16:creationId xmlns:a16="http://schemas.microsoft.com/office/drawing/2014/main" id="{9EE936F0-62E4-40F1-BA06-11DDD134B512}"/>
-              </a:ext>
-            </a:extLst>
-          </p:cNvPr>
-          <p:cNvSpPr>
-            <a:spLocks noGrp="1"/>
-          </p:cNvSpPr>
-          <p:nvPr>
-            <p:ph type="title" idx="4294967295"/>
-          </p:nvPr>
-        </p:nvSpPr>
-        <p:spPr>
-          <a:xfrm>
-            <a:off x="643467" y="643467"/>
-            <a:ext cx="7164674" cy="5571066"/>
-          </a:xfrm>
-        </p:spPr>
-        <p:txBody>
-          <a:bodyPr vert="horz" lIns="91440" tIns="45720" rIns="91440" bIns="45720" rtlCol="0" anchor="ctr">
-            <a:normAutofit/>
-          </a:bodyPr>
-          <a:lstStyle/>
-          <a:p>
-            <a:pPr algn="r"/>
-            <a:r>
-              <a:rPr lang="en-US" sz="6600" spc="200" dirty="0" err="1">
-                <a:solidFill>
-                  <a:schemeClr val="tx1">
-                    <a:alpha val="80000"/>
-                  </a:schemeClr>
-                </a:solidFill>
-              </a:rPr>
-              <a:t>Wer</a:t>
-            </a:r>
-            <a:r>
-              <a:rPr lang="en-US" sz="6600" spc="200" dirty="0">
-                <a:solidFill>
-                  <a:schemeClr val="tx1">
-                    <a:alpha val="80000"/>
-                  </a:schemeClr>
-                </a:solidFill>
-              </a:rPr>
-              <a:t> </a:t>
-            </a:r>
-            <a:r>
-              <a:rPr lang="en-US" sz="6600" spc="200" dirty="0" err="1">
-                <a:solidFill>
-                  <a:schemeClr val="tx1">
-                    <a:alpha val="80000"/>
-                  </a:schemeClr>
-                </a:solidFill>
-              </a:rPr>
-              <a:t>sind</a:t>
-            </a:r>
-            <a:r>
-              <a:rPr lang="en-US" sz="6600" spc="200" dirty="0">
-                <a:solidFill>
-                  <a:schemeClr val="tx1">
-                    <a:alpha val="80000"/>
-                  </a:schemeClr>
-                </a:solidFill>
-              </a:rPr>
-              <a:t> </a:t>
-            </a:r>
-            <a:r>
-              <a:rPr lang="en-US" sz="6600" spc="200" dirty="0" err="1">
-                <a:solidFill>
-                  <a:schemeClr val="tx1">
-                    <a:alpha val="80000"/>
-                  </a:schemeClr>
-                </a:solidFill>
-              </a:rPr>
-              <a:t>wir</a:t>
-            </a:r>
-            <a:r>
-              <a:rPr lang="en-US" sz="6600" spc="200" dirty="0">
-                <a:solidFill>
-                  <a:schemeClr val="tx1">
-                    <a:alpha val="80000"/>
-                  </a:schemeClr>
-                </a:solidFill>
-              </a:rPr>
-              <a:t>?</a:t>
-            </a:r>
-          </a:p>
-        </p:txBody>
-      </p:sp>
-      <p:cxnSp>
-        <p:nvCxnSpPr>
-          <p:cNvPr id="13" name="Straight Connector 12">
-            <a:extLst>
-              <a:ext uri="{FF2B5EF4-FFF2-40B4-BE49-F238E27FC236}">
-                <a16:creationId xmlns:a16="http://schemas.microsoft.com/office/drawing/2014/main" id="{47AE7893-212D-45CB-A5B0-AE377389AB3F}"/>
-              </a:ext>
-              <a:ext uri="{C183D7F6-B498-43B3-948B-1728B52AA6E4}">
-                <adec:decorative xmlns:adec="http://schemas.microsoft.com/office/drawing/2017/decorative" val="1"/>
-              </a:ext>
-            </a:extLst>
-          </p:cNvPr>
-          <p:cNvCxnSpPr>
-            <a:cxnSpLocks noGrp="1" noRot="1" noChangeAspect="1" noMove="1" noResize="1" noEditPoints="1" noAdjustHandles="1" noChangeArrowheads="1" noChangeShapeType="1"/>
-          </p:cNvCxnSpPr>
-          <p:nvPr>
-            <p:extLst>
-              <p:ext uri="{386F3935-93C4-4BCD-93E2-E3B085C9AB24}">
-                <p16:designElem xmlns:p16="http://schemas.microsoft.com/office/powerpoint/2015/main" val="1"/>
-              </p:ext>
-            </p:extLst>
-          </p:nvPr>
-        </p:nvCxnSpPr>
-        <p:spPr>
-          <a:xfrm>
-            <a:off x="8139605" y="1600200"/>
-            <a:ext cx="0" cy="3657600"/>
-          </a:xfrm>
-          <a:prstGeom prst="line">
-            <a:avLst/>
-          </a:prstGeom>
-          <a:ln w="19050">
-            <a:solidFill>
-              <a:schemeClr val="accent1">
-                <a:lumMod val="75000"/>
-              </a:schemeClr>
-            </a:solidFill>
-          </a:ln>
-        </p:spPr>
-        <p:style>
-          <a:lnRef idx="1">
-            <a:schemeClr val="accent1"/>
-          </a:lnRef>
-          <a:fillRef idx="0">
-            <a:schemeClr val="accent1"/>
-          </a:fillRef>
-          <a:effectRef idx="0">
-            <a:schemeClr val="accent1"/>
-          </a:effectRef>
-          <a:fontRef idx="minor">
-            <a:schemeClr val="tx1"/>
-          </a:fontRef>
-        </p:style>
-      </p:cxnSp>
-    </p:spTree>
-    <p:extLst>
-      <p:ext uri="{BB962C8B-B14F-4D97-AF65-F5344CB8AC3E}">
-        <p14:creationId xmlns:p14="http://schemas.microsoft.com/office/powerpoint/2010/main" val="2522807781"/>
-      </p:ext>
-    </p:extLst>
-  </p:cSld>
-  <p:clrMapOvr>
-    <a:masterClrMapping/>
-  </p:clrMapOvr>
-</p:sld>
-</file>
-
-<file path=ppt/slides/slide3.xml><?xml version="1.0" encoding="utf-8"?>
-<p:sld xmlns:a="http://schemas.openxmlformats.org/drawingml/2006/main" xmlns:r="http://schemas.openxmlformats.org/officeDocument/2006/relationships" xmlns:p="http://schemas.openxmlformats.org/presentationml/2006/main">
-  <p:cSld>
-    <p:bg>
-      <p:bgPr>
-        <a:solidFill>
-          <a:srgbClr val="C17F63"/>
-        </a:solidFill>
-        <a:effectLst/>
-      </p:bgPr>
-    </p:bg>
-    <p:spTree>
-      <p:nvGrpSpPr>
-        <p:cNvPr id="1" name=""/>
-        <p:cNvGrpSpPr/>
-        <p:nvPr/>
-      </p:nvGrpSpPr>
-      <p:grpSpPr>
-        <a:xfrm>
-          <a:off x="0" y="0"/>
-          <a:ext cx="0" cy="0"/>
-          <a:chOff x="0" y="0"/>
-          <a:chExt cx="0" cy="0"/>
-        </a:xfrm>
-      </p:grpSpPr>
-      <p:sp>
-        <p:nvSpPr>
-          <p:cNvPr id="22" name="Rectangle 21">
-            <a:extLst>
-              <a:ext uri="{FF2B5EF4-FFF2-40B4-BE49-F238E27FC236}">
-                <a16:creationId xmlns:a16="http://schemas.microsoft.com/office/drawing/2014/main" id="{44B3F5F5-166C-4694-B20A-3F8218AF7D03}"/>
-              </a:ext>
-              <a:ext uri="{C183D7F6-B498-43B3-948B-1728B52AA6E4}">
-                <adec:decorative xmlns:adec="http://schemas.microsoft.com/office/drawing/2017/decorative" val="1"/>
-              </a:ext>
-            </a:extLst>
-          </p:cNvPr>
-          <p:cNvSpPr>
-            <a:spLocks noGrp="1" noRot="1" noChangeAspect="1" noMove="1" noResize="1" noEditPoints="1" noAdjustHandles="1" noChangeArrowheads="1" noChangeShapeType="1" noTextEdit="1"/>
-          </p:cNvSpPr>
-          <p:nvPr>
-            <p:extLst>
-              <p:ext uri="{386F3935-93C4-4BCD-93E2-E3B085C9AB24}">
-                <p16:designElem xmlns:p16="http://schemas.microsoft.com/office/powerpoint/2015/main" val="1"/>
-              </p:ext>
-            </p:extLst>
-          </p:nvPr>
-        </p:nvSpPr>
-        <p:spPr>
-          <a:xfrm>
-            <a:off x="0" y="0"/>
-            <a:ext cx="12192000" cy="6858000"/>
-          </a:xfrm>
-          <a:prstGeom prst="rect">
-            <a:avLst/>
-          </a:prstGeom>
-          <a:solidFill>
-            <a:schemeClr val="bg2"/>
-          </a:solidFill>
-          <a:ln>
-            <a:noFill/>
-          </a:ln>
-        </p:spPr>
-        <p:style>
-          <a:lnRef idx="2">
-            <a:schemeClr val="accent1">
-              <a:shade val="50000"/>
-            </a:schemeClr>
-          </a:lnRef>
-          <a:fillRef idx="1">
-            <a:schemeClr val="accent1"/>
-          </a:fillRef>
-          <a:effectRef idx="0">
-            <a:schemeClr val="accent1"/>
-          </a:effectRef>
-          <a:fontRef idx="minor">
-            <a:schemeClr val="lt1"/>
-          </a:fontRef>
-        </p:style>
-        <p:txBody>
-          <a:bodyPr rtlCol="0" anchor="ctr"/>
-          <a:lstStyle/>
-          <a:p>
-            <a:pPr algn="ctr"/>
-            <a:endParaRPr lang="en-US"/>
-          </a:p>
-        </p:txBody>
-      </p:sp>
-      <p:sp>
-        <p:nvSpPr>
-          <p:cNvPr id="24" name="Rectangle 23">
-            <a:extLst>
-              <a:ext uri="{FF2B5EF4-FFF2-40B4-BE49-F238E27FC236}">
-                <a16:creationId xmlns:a16="http://schemas.microsoft.com/office/drawing/2014/main" id="{9E67A204-FB90-4B26-B155-3FA8064AD2DF}"/>
-              </a:ext>
-              <a:ext uri="{C183D7F6-B498-43B3-948B-1728B52AA6E4}">
-                <adec:decorative xmlns:adec="http://schemas.microsoft.com/office/drawing/2017/decorative" val="1"/>
-              </a:ext>
-            </a:extLst>
-          </p:cNvPr>
-          <p:cNvSpPr>
-            <a:spLocks noGrp="1" noRot="1" noChangeAspect="1" noMove="1" noResize="1" noEditPoints="1" noAdjustHandles="1" noChangeArrowheads="1" noChangeShapeType="1" noTextEdit="1"/>
-          </p:cNvSpPr>
-          <p:nvPr>
-            <p:extLst>
-              <p:ext uri="{386F3935-93C4-4BCD-93E2-E3B085C9AB24}">
-                <p16:designElem xmlns:p16="http://schemas.microsoft.com/office/powerpoint/2015/main" val="1"/>
-              </p:ext>
-            </p:extLst>
-          </p:nvPr>
-        </p:nvSpPr>
-        <p:spPr>
-          <a:xfrm>
-            <a:off x="477012" y="480060"/>
-            <a:ext cx="11237976" cy="5897880"/>
-          </a:xfrm>
-          <a:prstGeom prst="rect">
-            <a:avLst/>
-          </a:prstGeom>
-          <a:solidFill>
-            <a:schemeClr val="bg1"/>
-          </a:solidFill>
-          <a:ln w="22225">
-            <a:solidFill>
-              <a:srgbClr val="C17F63"/>
-            </a:solidFill>
-          </a:ln>
-        </p:spPr>
-        <p:style>
-          <a:lnRef idx="2">
-            <a:schemeClr val="accent1">
-              <a:shade val="50000"/>
-            </a:schemeClr>
-          </a:lnRef>
-          <a:fillRef idx="1">
-            <a:schemeClr val="accent1"/>
-          </a:fillRef>
-          <a:effectRef idx="0">
-            <a:schemeClr val="accent1"/>
-          </a:effectRef>
-          <a:fontRef idx="minor">
-            <a:schemeClr val="lt1"/>
-          </a:fontRef>
-        </p:style>
-        <p:txBody>
-          <a:bodyPr rtlCol="0" anchor="ctr"/>
-          <a:lstStyle/>
-          <a:p>
-            <a:pPr algn="ctr"/>
-            <a:endParaRPr lang="en-US"/>
-          </a:p>
-        </p:txBody>
-      </p:sp>
-      <p:sp>
-        <p:nvSpPr>
-          <p:cNvPr id="8" name="Textfeld 7">
-            <a:extLst>
-              <a:ext uri="{FF2B5EF4-FFF2-40B4-BE49-F238E27FC236}">
-                <a16:creationId xmlns:a16="http://schemas.microsoft.com/office/drawing/2014/main" id="{7DD7AA26-52C7-4759-880F-5BDA897B8ECA}"/>
-              </a:ext>
-            </a:extLst>
-          </p:cNvPr>
-          <p:cNvSpPr txBox="1"/>
-          <p:nvPr/>
-        </p:nvSpPr>
-        <p:spPr>
-          <a:xfrm>
-            <a:off x="5738241" y="4125980"/>
-            <a:ext cx="6096000" cy="1569660"/>
-          </a:xfrm>
-          <a:prstGeom prst="rect">
-            <a:avLst/>
-          </a:prstGeom>
-          <a:noFill/>
-        </p:spPr>
-        <p:txBody>
-          <a:bodyPr wrap="square">
-            <a:spAutoFit/>
-          </a:bodyPr>
-          <a:lstStyle/>
-          <a:p>
-            <a:r>
-              <a:rPr lang="de-DE" sz="2400" dirty="0"/>
-              <a:t>Leon Schwarz 		 – CEO/Teamleitung</a:t>
-            </a:r>
-          </a:p>
-          <a:p>
-            <a:r>
-              <a:rPr lang="de-DE" sz="2400" dirty="0"/>
-              <a:t>Pascal Roschkowski – Controlling/Marktanalyse</a:t>
-            </a:r>
-          </a:p>
-          <a:p>
-            <a:r>
-              <a:rPr lang="de-DE" sz="2400" dirty="0"/>
-              <a:t>Tobias Röpke 		 – technischer Leiter</a:t>
-            </a:r>
-          </a:p>
-          <a:p>
-            <a:r>
-              <a:rPr lang="de-DE" sz="2400" dirty="0"/>
-              <a:t>Philipp Otto 		 – Marketing </a:t>
-            </a:r>
-          </a:p>
-        </p:txBody>
-      </p:sp>
-      <p:sp>
-        <p:nvSpPr>
-          <p:cNvPr id="2" name="Textfeld 1">
-            <a:extLst>
-              <a:ext uri="{FF2B5EF4-FFF2-40B4-BE49-F238E27FC236}">
-                <a16:creationId xmlns:a16="http://schemas.microsoft.com/office/drawing/2014/main" id="{88C79558-5612-4207-B3A0-B6CDBEEE295F}"/>
-              </a:ext>
-            </a:extLst>
-          </p:cNvPr>
-          <p:cNvSpPr txBox="1"/>
-          <p:nvPr/>
-        </p:nvSpPr>
-        <p:spPr>
-          <a:xfrm>
-            <a:off x="721119" y="4172146"/>
-            <a:ext cx="4778616" cy="1477328"/>
-          </a:xfrm>
-          <a:prstGeom prst="rect">
-            <a:avLst/>
-          </a:prstGeom>
-          <a:noFill/>
-        </p:spPr>
-        <p:txBody>
-          <a:bodyPr wrap="none" rtlCol="0">
-            <a:spAutoFit/>
-          </a:bodyPr>
-          <a:lstStyle/>
-          <a:p>
-            <a:r>
-              <a:rPr lang="de-DE" sz="2400" dirty="0"/>
-              <a:t>Gründung: 		Oktober 2020</a:t>
-            </a:r>
-          </a:p>
-          <a:p>
-            <a:r>
-              <a:rPr lang="de-DE" sz="2400" dirty="0"/>
-              <a:t>Mitarbeiter: 	4</a:t>
-            </a:r>
-          </a:p>
-          <a:p>
-            <a:r>
-              <a:rPr lang="de-DE" sz="2400" dirty="0"/>
-              <a:t>geschätzter 	Firmenwert: 200.000€</a:t>
-            </a:r>
-          </a:p>
-          <a:p>
-            <a:endParaRPr lang="de-DE" dirty="0"/>
-          </a:p>
-        </p:txBody>
-      </p:sp>
-      <p:sp>
-        <p:nvSpPr>
-          <p:cNvPr id="3" name="Textfeld 2">
-            <a:extLst>
-              <a:ext uri="{FF2B5EF4-FFF2-40B4-BE49-F238E27FC236}">
-                <a16:creationId xmlns:a16="http://schemas.microsoft.com/office/drawing/2014/main" id="{6392A4D7-C13D-46D3-B54C-2C678BB5956C}"/>
-              </a:ext>
-            </a:extLst>
-          </p:cNvPr>
-          <p:cNvSpPr txBox="1"/>
-          <p:nvPr/>
-        </p:nvSpPr>
-        <p:spPr>
-          <a:xfrm>
-            <a:off x="3260801" y="1126390"/>
-            <a:ext cx="5670398" cy="1292662"/>
-          </a:xfrm>
-          <a:prstGeom prst="rect">
-            <a:avLst/>
-          </a:prstGeom>
-          <a:noFill/>
-        </p:spPr>
-        <p:txBody>
-          <a:bodyPr wrap="none" rtlCol="0">
-            <a:spAutoFit/>
-          </a:bodyPr>
-          <a:lstStyle/>
-          <a:p>
-            <a:r>
-              <a:rPr lang="de-DE" sz="5400" dirty="0"/>
-              <a:t>				C-Tech </a:t>
-            </a:r>
-          </a:p>
-          <a:p>
-            <a:r>
-              <a:rPr lang="de-DE" sz="2400" dirty="0"/>
-              <a:t>„modern </a:t>
-            </a:r>
-            <a:r>
-              <a:rPr lang="de-DE" sz="2400" dirty="0" err="1"/>
-              <a:t>problems</a:t>
-            </a:r>
-            <a:r>
-              <a:rPr lang="de-DE" sz="2400" dirty="0"/>
-              <a:t> </a:t>
-            </a:r>
-            <a:r>
-              <a:rPr lang="de-DE" sz="2400" dirty="0" err="1"/>
-              <a:t>require</a:t>
-            </a:r>
-            <a:r>
-              <a:rPr lang="de-DE" sz="2400" dirty="0"/>
-              <a:t> </a:t>
-            </a:r>
-            <a:r>
-              <a:rPr lang="de-DE" sz="2400" dirty="0" err="1"/>
-              <a:t>creative</a:t>
-            </a:r>
-            <a:r>
-              <a:rPr lang="de-DE" sz="2400" dirty="0"/>
-              <a:t> </a:t>
-            </a:r>
-            <a:r>
-              <a:rPr lang="de-DE" sz="2400" dirty="0" err="1"/>
-              <a:t>solutions</a:t>
-            </a:r>
-            <a:r>
-              <a:rPr lang="de-DE" sz="2400" dirty="0"/>
-              <a:t>“</a:t>
-            </a:r>
-          </a:p>
-        </p:txBody>
-      </p:sp>
-      <p:sp>
-        <p:nvSpPr>
-          <p:cNvPr id="4" name="Textfeld 3">
-            <a:extLst>
-              <a:ext uri="{FF2B5EF4-FFF2-40B4-BE49-F238E27FC236}">
-                <a16:creationId xmlns:a16="http://schemas.microsoft.com/office/drawing/2014/main" id="{BBC71AB5-CA65-40C6-81CE-CC0F145BA1A5}"/>
-              </a:ext>
-            </a:extLst>
-          </p:cNvPr>
-          <p:cNvSpPr txBox="1"/>
-          <p:nvPr/>
-        </p:nvSpPr>
-        <p:spPr>
-          <a:xfrm>
-            <a:off x="5738241" y="3756647"/>
-            <a:ext cx="1604350" cy="830997"/>
-          </a:xfrm>
-          <a:prstGeom prst="rect">
-            <a:avLst/>
-          </a:prstGeom>
-          <a:noFill/>
-        </p:spPr>
-        <p:txBody>
-          <a:bodyPr wrap="none" rtlCol="0">
-            <a:spAutoFit/>
-          </a:bodyPr>
-          <a:lstStyle/>
-          <a:p>
-            <a:r>
-              <a:rPr lang="de-DE" sz="2400" dirty="0"/>
-              <a:t>unser Team:</a:t>
-            </a:r>
-          </a:p>
-          <a:p>
-            <a:endParaRPr lang="de-DE" sz="2400" dirty="0"/>
-          </a:p>
-        </p:txBody>
-      </p:sp>
-    </p:spTree>
-    <p:extLst>
-      <p:ext uri="{BB962C8B-B14F-4D97-AF65-F5344CB8AC3E}">
-        <p14:creationId xmlns:p14="http://schemas.microsoft.com/office/powerpoint/2010/main" val="3606124245"/>
-      </p:ext>
-    </p:extLst>
-  </p:cSld>
-  <p:clrMapOvr>
-    <a:masterClrMapping/>
-  </p:clrMapOvr>
-</p:sld>
-</file>
-
-<file path=ppt/slides/slide4.xml><?xml version="1.0" encoding="utf-8"?>
-<p:sld xmlns:a="http://schemas.openxmlformats.org/drawingml/2006/main" xmlns:r="http://schemas.openxmlformats.org/officeDocument/2006/relationships" xmlns:p="http://schemas.openxmlformats.org/presentationml/2006/main">
-  <p:cSld>
-    <p:bg>
-      <p:bgPr>
-        <a:solidFill>
-          <a:srgbClr val="4960A6"/>
-        </a:solidFill>
-        <a:effectLst/>
-      </p:bgPr>
-    </p:bg>
-    <p:spTree>
-      <p:nvGrpSpPr>
-        <p:cNvPr id="1" name=""/>
-        <p:cNvGrpSpPr/>
-        <p:nvPr/>
-      </p:nvGrpSpPr>
-      <p:grpSpPr>
-        <a:xfrm>
-          <a:off x="0" y="0"/>
-          <a:ext cx="0" cy="0"/>
-          <a:chOff x="0" y="0"/>
-          <a:chExt cx="0" cy="0"/>
-        </a:xfrm>
-      </p:grpSpPr>
-      <p:cxnSp>
-        <p:nvCxnSpPr>
-          <p:cNvPr id="7" name="Straight Connector 6">
-            <a:extLst>
-              <a:ext uri="{FF2B5EF4-FFF2-40B4-BE49-F238E27FC236}">
-                <a16:creationId xmlns:a16="http://schemas.microsoft.com/office/drawing/2014/main" id="{8CED2307-F79F-42F9-B81B-91F768E72BFC}"/>
-              </a:ext>
-              <a:ext uri="{C183D7F6-B498-43B3-948B-1728B52AA6E4}">
-                <adec:decorative xmlns:adec="http://schemas.microsoft.com/office/drawing/2017/decorative" val="1"/>
-              </a:ext>
-            </a:extLst>
-          </p:cNvPr>
-          <p:cNvCxnSpPr>
-            <a:cxnSpLocks noGrp="1" noRot="1" noChangeAspect="1" noMove="1" noResize="1" noEditPoints="1" noAdjustHandles="1" noChangeArrowheads="1" noChangeShapeType="1"/>
-          </p:cNvCxnSpPr>
-          <p:nvPr>
-            <p:extLst>
-              <p:ext uri="{386F3935-93C4-4BCD-93E2-E3B085C9AB24}">
-                <p16:designElem xmlns:p16="http://schemas.microsoft.com/office/powerpoint/2015/main" val="1"/>
-              </p:ext>
-            </p:extLst>
-          </p:nvPr>
-        </p:nvCxnSpPr>
-        <p:spPr>
-          <a:xfrm flipV="1">
-            <a:off x="8386842" y="5264106"/>
-            <a:ext cx="0" cy="914400"/>
-          </a:xfrm>
-          <a:prstGeom prst="line">
-            <a:avLst/>
-          </a:prstGeom>
-          <a:ln w="19050">
-            <a:solidFill>
-              <a:schemeClr val="accent2"/>
-            </a:solidFill>
-          </a:ln>
-        </p:spPr>
-        <p:style>
-          <a:lnRef idx="1">
-            <a:schemeClr val="accent1"/>
-          </a:lnRef>
-          <a:fillRef idx="0">
-            <a:schemeClr val="accent1"/>
-          </a:fillRef>
-          <a:effectRef idx="0">
-            <a:schemeClr val="accent1"/>
-          </a:effectRef>
-          <a:fontRef idx="minor">
-            <a:schemeClr val="tx1"/>
-          </a:fontRef>
-        </p:style>
-      </p:cxnSp>
-      <p:sp>
-        <p:nvSpPr>
-          <p:cNvPr id="9" name="Rectangle 8">
-            <a:extLst>
-              <a:ext uri="{FF2B5EF4-FFF2-40B4-BE49-F238E27FC236}">
-                <a16:creationId xmlns:a16="http://schemas.microsoft.com/office/drawing/2014/main" id="{E5DB38FF-CE38-4D82-B9F2-DFE28A0194E1}"/>
-              </a:ext>
-              <a:ext uri="{C183D7F6-B498-43B3-948B-1728B52AA6E4}">
-                <adec:decorative xmlns:adec="http://schemas.microsoft.com/office/drawing/2017/decorative" val="1"/>
-              </a:ext>
-            </a:extLst>
-          </p:cNvPr>
-          <p:cNvSpPr>
-            <a:spLocks noGrp="1" noRot="1" noChangeAspect="1" noMove="1" noResize="1" noEditPoints="1" noAdjustHandles="1" noChangeArrowheads="1" noChangeShapeType="1" noTextEdit="1"/>
-          </p:cNvSpPr>
-          <p:nvPr>
-            <p:extLst>
-              <p:ext uri="{386F3935-93C4-4BCD-93E2-E3B085C9AB24}">
-                <p16:designElem xmlns:p16="http://schemas.microsoft.com/office/powerpoint/2015/main" val="1"/>
-              </p:ext>
-            </p:extLst>
-          </p:nvPr>
-        </p:nvSpPr>
-        <p:spPr>
-          <a:xfrm>
-            <a:off x="0" y="-1"/>
-            <a:ext cx="12192000" cy="4572001"/>
-          </a:xfrm>
-          <a:prstGeom prst="rect">
-            <a:avLst/>
-          </a:prstGeom>
-          <a:solidFill>
-            <a:schemeClr val="accent2"/>
-          </a:solidFill>
-          <a:ln>
-            <a:noFill/>
-          </a:ln>
-        </p:spPr>
-        <p:style>
-          <a:lnRef idx="2">
-            <a:schemeClr val="accent1">
-              <a:shade val="50000"/>
-            </a:schemeClr>
-          </a:lnRef>
-          <a:fillRef idx="1">
-            <a:schemeClr val="accent1"/>
-          </a:fillRef>
-          <a:effectRef idx="0">
-            <a:schemeClr val="accent1"/>
-          </a:effectRef>
-          <a:fontRef idx="minor">
-            <a:schemeClr val="lt1"/>
-          </a:fontRef>
-        </p:style>
-      </p:sp>
-      <p:sp useBgFill="1">
-        <p:nvSpPr>
-          <p:cNvPr id="11" name="Rectangle 10">
-            <a:extLst>
-              <a:ext uri="{FF2B5EF4-FFF2-40B4-BE49-F238E27FC236}">
-                <a16:creationId xmlns:a16="http://schemas.microsoft.com/office/drawing/2014/main" id="{0BA28970-3E8F-46CD-A302-42EE83668B0A}"/>
-              </a:ext>
-              <a:ext uri="{C183D7F6-B498-43B3-948B-1728B52AA6E4}">
-                <adec:decorative xmlns:adec="http://schemas.microsoft.com/office/drawing/2017/decorative" val="1"/>
-              </a:ext>
-            </a:extLst>
-          </p:cNvPr>
-          <p:cNvSpPr>
-            <a:spLocks noGrp="1" noRot="1" noChangeAspect="1" noMove="1" noResize="1" noEditPoints="1" noAdjustHandles="1" noChangeArrowheads="1" noChangeShapeType="1" noTextEdit="1"/>
-          </p:cNvSpPr>
-          <p:nvPr>
-            <p:extLst>
-              <p:ext uri="{386F3935-93C4-4BCD-93E2-E3B085C9AB24}">
-                <p16:designElem xmlns:p16="http://schemas.microsoft.com/office/powerpoint/2015/main" val="1"/>
-              </p:ext>
-            </p:extLst>
-          </p:nvPr>
-        </p:nvSpPr>
-        <p:spPr>
-          <a:xfrm>
-            <a:off x="0" y="0"/>
-            <a:ext cx="12192000" cy="6858000"/>
-          </a:xfrm>
-          <a:prstGeom prst="rect">
-            <a:avLst/>
-          </a:prstGeom>
-          <a:ln>
-            <a:noFill/>
-          </a:ln>
-        </p:spPr>
-        <p:style>
-          <a:lnRef idx="2">
-            <a:schemeClr val="accent1">
-              <a:shade val="50000"/>
-            </a:schemeClr>
-          </a:lnRef>
-          <a:fillRef idx="1">
-            <a:schemeClr val="accent1"/>
-          </a:fillRef>
-          <a:effectRef idx="0">
-            <a:schemeClr val="accent1"/>
-          </a:effectRef>
-          <a:fontRef idx="minor">
-            <a:schemeClr val="lt1"/>
-          </a:fontRef>
-        </p:style>
-        <p:txBody>
-          <a:bodyPr rtlCol="0" anchor="ctr"/>
-          <a:lstStyle/>
-          <a:p>
-            <a:pPr algn="ctr"/>
-            <a:endParaRPr lang="en-US"/>
-          </a:p>
-        </p:txBody>
-      </p:sp>
-      <p:sp>
-        <p:nvSpPr>
-          <p:cNvPr id="2" name="Titel 1">
-            <a:extLst>
-              <a:ext uri="{FF2B5EF4-FFF2-40B4-BE49-F238E27FC236}">
-                <a16:creationId xmlns:a16="http://schemas.microsoft.com/office/drawing/2014/main" id="{9EE936F0-62E4-40F1-BA06-11DDD134B512}"/>
-              </a:ext>
-            </a:extLst>
-          </p:cNvPr>
-          <p:cNvSpPr>
-            <a:spLocks noGrp="1"/>
-          </p:cNvSpPr>
-          <p:nvPr>
-            <p:ph type="title" idx="4294967295"/>
-          </p:nvPr>
-        </p:nvSpPr>
-        <p:spPr>
-          <a:xfrm>
-            <a:off x="643467" y="643467"/>
-            <a:ext cx="7164674" cy="5571066"/>
-          </a:xfrm>
-        </p:spPr>
-        <p:txBody>
-          <a:bodyPr vert="horz" lIns="91440" tIns="45720" rIns="91440" bIns="45720" rtlCol="0" anchor="ctr">
-            <a:normAutofit/>
-          </a:bodyPr>
-          <a:lstStyle/>
-          <a:p>
-            <a:pPr algn="r"/>
-            <a:r>
-              <a:rPr lang="en-US" sz="6600" spc="200" dirty="0">
-                <a:solidFill>
-                  <a:schemeClr val="tx1">
-                    <a:alpha val="80000"/>
-                  </a:schemeClr>
-                </a:solidFill>
-              </a:rPr>
-              <a:t>Was </a:t>
-            </a:r>
-            <a:r>
-              <a:rPr lang="en-US" sz="6600" spc="200" dirty="0" err="1">
-                <a:solidFill>
-                  <a:schemeClr val="tx1">
-                    <a:alpha val="80000"/>
-                  </a:schemeClr>
-                </a:solidFill>
-              </a:rPr>
-              <a:t>machen</a:t>
-            </a:r>
-            <a:r>
-              <a:rPr lang="en-US" sz="6600" spc="200" dirty="0">
-                <a:solidFill>
-                  <a:schemeClr val="tx1">
-                    <a:alpha val="80000"/>
-                  </a:schemeClr>
-                </a:solidFill>
-              </a:rPr>
-              <a:t> </a:t>
-            </a:r>
-            <a:r>
-              <a:rPr lang="en-US" sz="6600" spc="200" dirty="0" err="1">
-                <a:solidFill>
-                  <a:schemeClr val="tx1">
-                    <a:alpha val="80000"/>
-                  </a:schemeClr>
-                </a:solidFill>
-              </a:rPr>
-              <a:t>wir</a:t>
-            </a:r>
-            <a:r>
-              <a:rPr lang="en-US" sz="6600" spc="200" dirty="0">
-                <a:solidFill>
-                  <a:schemeClr val="tx1">
-                    <a:alpha val="80000"/>
-                  </a:schemeClr>
-                </a:solidFill>
-              </a:rPr>
-              <a:t>?</a:t>
-            </a:r>
-          </a:p>
-        </p:txBody>
-      </p:sp>
-      <p:cxnSp>
-        <p:nvCxnSpPr>
-          <p:cNvPr id="13" name="Straight Connector 12">
-            <a:extLst>
-              <a:ext uri="{FF2B5EF4-FFF2-40B4-BE49-F238E27FC236}">
-                <a16:creationId xmlns:a16="http://schemas.microsoft.com/office/drawing/2014/main" id="{47AE7893-212D-45CB-A5B0-AE377389AB3F}"/>
-              </a:ext>
-              <a:ext uri="{C183D7F6-B498-43B3-948B-1728B52AA6E4}">
-                <adec:decorative xmlns:adec="http://schemas.microsoft.com/office/drawing/2017/decorative" val="1"/>
-              </a:ext>
-            </a:extLst>
-          </p:cNvPr>
-          <p:cNvCxnSpPr>
-            <a:cxnSpLocks noGrp="1" noRot="1" noChangeAspect="1" noMove="1" noResize="1" noEditPoints="1" noAdjustHandles="1" noChangeArrowheads="1" noChangeShapeType="1"/>
-          </p:cNvCxnSpPr>
-          <p:nvPr>
-            <p:extLst>
-              <p:ext uri="{386F3935-93C4-4BCD-93E2-E3B085C9AB24}">
-                <p16:designElem xmlns:p16="http://schemas.microsoft.com/office/powerpoint/2015/main" val="1"/>
-              </p:ext>
-            </p:extLst>
-          </p:nvPr>
-        </p:nvCxnSpPr>
-        <p:spPr>
-          <a:xfrm>
-            <a:off x="8139605" y="1600200"/>
-            <a:ext cx="0" cy="3657600"/>
-          </a:xfrm>
-          <a:prstGeom prst="line">
-            <a:avLst/>
-          </a:prstGeom>
-          <a:ln w="19050">
-            <a:solidFill>
-              <a:schemeClr val="accent1">
-                <a:lumMod val="75000"/>
-              </a:schemeClr>
-            </a:solidFill>
-          </a:ln>
-        </p:spPr>
-        <p:style>
-          <a:lnRef idx="1">
-            <a:schemeClr val="accent1"/>
-          </a:lnRef>
-          <a:fillRef idx="0">
-            <a:schemeClr val="accent1"/>
-          </a:fillRef>
-          <a:effectRef idx="0">
-            <a:schemeClr val="accent1"/>
-          </a:effectRef>
-          <a:fontRef idx="minor">
-            <a:schemeClr val="tx1"/>
-          </a:fontRef>
-        </p:style>
-      </p:cxnSp>
-    </p:spTree>
-    <p:extLst>
-      <p:ext uri="{BB962C8B-B14F-4D97-AF65-F5344CB8AC3E}">
-        <p14:creationId xmlns:p14="http://schemas.microsoft.com/office/powerpoint/2010/main" val="1159732731"/>
-      </p:ext>
-    </p:extLst>
-  </p:cSld>
-  <p:clrMapOvr>
-    <a:masterClrMapping/>
-  </p:clrMapOvr>
-</p:sld>
-</file>
-
-<file path=ppt/slides/slide5.xml><?xml version="1.0" encoding="utf-8"?>
-<p:sld xmlns:a="http://schemas.openxmlformats.org/drawingml/2006/main" xmlns:r="http://schemas.openxmlformats.org/officeDocument/2006/relationships" xmlns:p="http://schemas.openxmlformats.org/presentationml/2006/main">
-  <p:cSld>
-    <p:bg>
-      <p:bgPr>
-        <a:solidFill>
-          <a:srgbClr val="4960A6"/>
-        </a:solidFill>
-        <a:effectLst/>
-      </p:bgPr>
-    </p:bg>
-    <p:spTree>
-      <p:nvGrpSpPr>
-        <p:cNvPr id="1" name=""/>
-        <p:cNvGrpSpPr/>
-        <p:nvPr/>
-      </p:nvGrpSpPr>
-      <p:grpSpPr>
-        <a:xfrm>
-          <a:off x="0" y="0"/>
-          <a:ext cx="0" cy="0"/>
-          <a:chOff x="0" y="0"/>
-          <a:chExt cx="0" cy="0"/>
-        </a:xfrm>
-      </p:grpSpPr>
-      <p:sp>
-        <p:nvSpPr>
-          <p:cNvPr id="22" name="Rectangle 21">
-            <a:extLst>
-              <a:ext uri="{FF2B5EF4-FFF2-40B4-BE49-F238E27FC236}">
-                <a16:creationId xmlns:a16="http://schemas.microsoft.com/office/drawing/2014/main" id="{44B3F5F5-166C-4694-B20A-3F8218AF7D03}"/>
-              </a:ext>
-              <a:ext uri="{C183D7F6-B498-43B3-948B-1728B52AA6E4}">
-                <adec:decorative xmlns:adec="http://schemas.microsoft.com/office/drawing/2017/decorative" val="1"/>
-              </a:ext>
-            </a:extLst>
-          </p:cNvPr>
-          <p:cNvSpPr>
-            <a:spLocks noGrp="1" noRot="1" noChangeAspect="1" noMove="1" noResize="1" noEditPoints="1" noAdjustHandles="1" noChangeArrowheads="1" noChangeShapeType="1" noTextEdit="1"/>
-          </p:cNvSpPr>
-          <p:nvPr>
-            <p:extLst>
-              <p:ext uri="{386F3935-93C4-4BCD-93E2-E3B085C9AB24}">
-                <p16:designElem xmlns:p16="http://schemas.microsoft.com/office/powerpoint/2015/main" val="1"/>
-              </p:ext>
-            </p:extLst>
-          </p:nvPr>
-        </p:nvSpPr>
-        <p:spPr>
-          <a:xfrm>
-            <a:off x="0" y="0"/>
-            <a:ext cx="12192000" cy="6858000"/>
-          </a:xfrm>
-          <a:prstGeom prst="rect">
-            <a:avLst/>
-          </a:prstGeom>
-          <a:solidFill>
-            <a:schemeClr val="bg2"/>
-          </a:solidFill>
-          <a:ln>
-            <a:noFill/>
-          </a:ln>
-        </p:spPr>
-        <p:style>
-          <a:lnRef idx="2">
-            <a:schemeClr val="accent1">
-              <a:shade val="50000"/>
-            </a:schemeClr>
-          </a:lnRef>
-          <a:fillRef idx="1">
-            <a:schemeClr val="accent1"/>
-          </a:fillRef>
-          <a:effectRef idx="0">
-            <a:schemeClr val="accent1"/>
-          </a:effectRef>
-          <a:fontRef idx="minor">
-            <a:schemeClr val="lt1"/>
-          </a:fontRef>
-        </p:style>
-        <p:txBody>
-          <a:bodyPr rtlCol="0" anchor="ctr"/>
-          <a:lstStyle/>
-          <a:p>
-            <a:pPr algn="ctr"/>
-            <a:endParaRPr lang="en-US"/>
-          </a:p>
-        </p:txBody>
-      </p:sp>
-      <p:sp>
-        <p:nvSpPr>
-          <p:cNvPr id="24" name="Rectangle 23">
-            <a:extLst>
-              <a:ext uri="{FF2B5EF4-FFF2-40B4-BE49-F238E27FC236}">
-                <a16:creationId xmlns:a16="http://schemas.microsoft.com/office/drawing/2014/main" id="{9E67A204-FB90-4B26-B155-3FA8064AD2DF}"/>
-              </a:ext>
-              <a:ext uri="{C183D7F6-B498-43B3-948B-1728B52AA6E4}">
-                <adec:decorative xmlns:adec="http://schemas.microsoft.com/office/drawing/2017/decorative" val="1"/>
-              </a:ext>
-            </a:extLst>
-          </p:cNvPr>
-          <p:cNvSpPr>
-            <a:spLocks noGrp="1" noRot="1" noChangeAspect="1" noMove="1" noResize="1" noEditPoints="1" noAdjustHandles="1" noChangeArrowheads="1" noChangeShapeType="1" noTextEdit="1"/>
-          </p:cNvSpPr>
-          <p:nvPr>
-            <p:extLst>
-              <p:ext uri="{386F3935-93C4-4BCD-93E2-E3B085C9AB24}">
-                <p16:designElem xmlns:p16="http://schemas.microsoft.com/office/powerpoint/2015/main" val="1"/>
-              </p:ext>
-            </p:extLst>
-          </p:nvPr>
-        </p:nvSpPr>
-        <p:spPr>
-          <a:xfrm>
-            <a:off x="477012" y="480060"/>
-            <a:ext cx="11237976" cy="5897880"/>
-          </a:xfrm>
-          <a:prstGeom prst="rect">
-            <a:avLst/>
-          </a:prstGeom>
-          <a:solidFill>
-            <a:schemeClr val="bg1"/>
-          </a:solidFill>
-          <a:ln w="22225">
-            <a:solidFill>
-              <a:srgbClr val="C17F63"/>
-            </a:solidFill>
-          </a:ln>
-        </p:spPr>
-        <p:style>
-          <a:lnRef idx="2">
-            <a:schemeClr val="accent1">
-              <a:shade val="50000"/>
-            </a:schemeClr>
-          </a:lnRef>
-          <a:fillRef idx="1">
-            <a:schemeClr val="accent1"/>
-          </a:fillRef>
-          <a:effectRef idx="0">
-            <a:schemeClr val="accent1"/>
-          </a:effectRef>
-          <a:fontRef idx="minor">
-            <a:schemeClr val="lt1"/>
-          </a:fontRef>
-        </p:style>
-        <p:txBody>
-          <a:bodyPr rtlCol="0" anchor="ctr"/>
-          <a:lstStyle/>
-          <a:p>
-            <a:pPr algn="ctr"/>
-            <a:endParaRPr lang="en-US"/>
-          </a:p>
-        </p:txBody>
-      </p:sp>
-      <p:sp>
-        <p:nvSpPr>
-          <p:cNvPr id="4" name="Textfeld 3">
-            <a:extLst>
-              <a:ext uri="{FF2B5EF4-FFF2-40B4-BE49-F238E27FC236}">
-                <a16:creationId xmlns:a16="http://schemas.microsoft.com/office/drawing/2014/main" id="{FCF3207A-A44B-4534-8EB6-8157AE90E4C4}"/>
-              </a:ext>
-            </a:extLst>
-          </p:cNvPr>
-          <p:cNvSpPr txBox="1"/>
-          <p:nvPr/>
-        </p:nvSpPr>
-        <p:spPr>
-          <a:xfrm>
-            <a:off x="1892605" y="2767280"/>
-            <a:ext cx="8406789" cy="1323439"/>
-          </a:xfrm>
-          <a:prstGeom prst="rect">
-            <a:avLst/>
-          </a:prstGeom>
-          <a:noFill/>
-        </p:spPr>
-        <p:txBody>
-          <a:bodyPr wrap="none" rtlCol="0">
-            <a:spAutoFit/>
-          </a:bodyPr>
-          <a:lstStyle/>
-          <a:p>
-            <a:r>
-              <a:rPr lang="de-DE" sz="4000" dirty="0"/>
-              <a:t>Unterwassserdrohne zur automatisierten </a:t>
-            </a:r>
-          </a:p>
-          <a:p>
-            <a:r>
-              <a:rPr lang="de-DE" sz="4000" dirty="0"/>
-              <a:t>Ernte und Aussaat von Algen </a:t>
-            </a:r>
-          </a:p>
-        </p:txBody>
-      </p:sp>
-    </p:spTree>
-    <p:extLst>
-      <p:ext uri="{BB962C8B-B14F-4D97-AF65-F5344CB8AC3E}">
-        <p14:creationId xmlns:p14="http://schemas.microsoft.com/office/powerpoint/2010/main" val="1250050528"/>
-      </p:ext>
-    </p:extLst>
-  </p:cSld>
-  <p:clrMapOvr>
-    <a:masterClrMapping/>
-  </p:clrMapOvr>
-</p:sld>
-</file>
-
-<file path=ppt/slides/slide6.xml><?xml version="1.0" encoding="utf-8"?>
+<file path=ppt/slides/slide15.xml><?xml version="1.0" encoding="utf-8"?>
 <p:sld xmlns:a="http://schemas.openxmlformats.org/drawingml/2006/main" xmlns:r="http://schemas.openxmlformats.org/officeDocument/2006/relationships" xmlns:p="http://schemas.openxmlformats.org/presentationml/2006/main">
   <p:cSld>
     <p:spTree>
@@ -6674,7 +4628,7 @@
 </p:sld>
 </file>
 
-<file path=ppt/slides/slide7.xml><?xml version="1.0" encoding="utf-8"?>
+<file path=ppt/slides/slide16.xml><?xml version="1.0" encoding="utf-8"?>
 <p:sld xmlns:a="http://schemas.openxmlformats.org/drawingml/2006/main" xmlns:r="http://schemas.openxmlformats.org/officeDocument/2006/relationships" xmlns:p="http://schemas.openxmlformats.org/presentationml/2006/main">
   <p:cSld>
     <p:bg>
@@ -6906,7 +4860,7 @@
 </p:sld>
 </file>
 
-<file path=ppt/slides/slide8.xml><?xml version="1.0" encoding="utf-8"?>
+<file path=ppt/slides/slide17.xml><?xml version="1.0" encoding="utf-8"?>
 <p:sld xmlns:a="http://schemas.openxmlformats.org/drawingml/2006/main" xmlns:r="http://schemas.openxmlformats.org/officeDocument/2006/relationships" xmlns:p="http://schemas.openxmlformats.org/presentationml/2006/main">
   <p:cSld>
     <p:spTree>
@@ -7098,7 +5052,318 @@
 </p:sld>
 </file>
 
-<file path=ppt/slides/slide9.xml><?xml version="1.0" encoding="utf-8"?>
+<file path=ppt/slides/slide18.xml><?xml version="1.0" encoding="utf-8"?>
+<p:sld xmlns:a="http://schemas.openxmlformats.org/drawingml/2006/main" xmlns:r="http://schemas.openxmlformats.org/officeDocument/2006/relationships" xmlns:p="http://schemas.openxmlformats.org/presentationml/2006/main" show="0">
+  <p:cSld>
+    <p:bg>
+      <p:bgPr>
+        <a:solidFill>
+          <a:schemeClr val="bg1"/>
+        </a:solidFill>
+        <a:effectLst/>
+      </p:bgPr>
+    </p:bg>
+    <p:spTree>
+      <p:nvGrpSpPr>
+        <p:cNvPr id="1" name=""/>
+        <p:cNvGrpSpPr/>
+        <p:nvPr/>
+      </p:nvGrpSpPr>
+      <p:grpSpPr>
+        <a:xfrm>
+          <a:off x="0" y="0"/>
+          <a:ext cx="0" cy="0"/>
+          <a:chOff x="0" y="0"/>
+          <a:chExt cx="0" cy="0"/>
+        </a:xfrm>
+      </p:grpSpPr>
+      <p:cxnSp>
+        <p:nvCxnSpPr>
+          <p:cNvPr id="7" name="Straight Connector 6">
+            <a:extLst>
+              <a:ext uri="{FF2B5EF4-FFF2-40B4-BE49-F238E27FC236}">
+                <a16:creationId xmlns:a16="http://schemas.microsoft.com/office/drawing/2014/main" id="{8CED2307-F79F-42F9-B81B-91F768E72BFC}"/>
+              </a:ext>
+              <a:ext uri="{C183D7F6-B498-43B3-948B-1728B52AA6E4}">
+                <adec:decorative xmlns:adec="http://schemas.microsoft.com/office/drawing/2017/decorative" val="1"/>
+              </a:ext>
+            </a:extLst>
+          </p:cNvPr>
+          <p:cNvCxnSpPr>
+            <a:cxnSpLocks noGrp="1" noRot="1" noChangeAspect="1" noMove="1" noResize="1" noEditPoints="1" noAdjustHandles="1" noChangeArrowheads="1" noChangeShapeType="1"/>
+          </p:cNvCxnSpPr>
+          <p:nvPr>
+            <p:extLst>
+              <p:ext uri="{386F3935-93C4-4BCD-93E2-E3B085C9AB24}">
+                <p16:designElem xmlns:p16="http://schemas.microsoft.com/office/powerpoint/2015/main" val="1"/>
+              </p:ext>
+            </p:extLst>
+          </p:nvPr>
+        </p:nvCxnSpPr>
+        <p:spPr>
+          <a:xfrm flipV="1">
+            <a:off x="8386842" y="5264106"/>
+            <a:ext cx="0" cy="914400"/>
+          </a:xfrm>
+          <a:prstGeom prst="line">
+            <a:avLst/>
+          </a:prstGeom>
+          <a:ln w="19050">
+            <a:solidFill>
+              <a:schemeClr val="accent2"/>
+            </a:solidFill>
+          </a:ln>
+        </p:spPr>
+        <p:style>
+          <a:lnRef idx="1">
+            <a:schemeClr val="accent1"/>
+          </a:lnRef>
+          <a:fillRef idx="0">
+            <a:schemeClr val="accent1"/>
+          </a:fillRef>
+          <a:effectRef idx="0">
+            <a:schemeClr val="accent1"/>
+          </a:effectRef>
+          <a:fontRef idx="minor">
+            <a:schemeClr val="tx1"/>
+          </a:fontRef>
+        </p:style>
+      </p:cxnSp>
+      <p:sp>
+        <p:nvSpPr>
+          <p:cNvPr id="9" name="Rectangle 8">
+            <a:extLst>
+              <a:ext uri="{FF2B5EF4-FFF2-40B4-BE49-F238E27FC236}">
+                <a16:creationId xmlns:a16="http://schemas.microsoft.com/office/drawing/2014/main" id="{E5DB38FF-CE38-4D82-B9F2-DFE28A0194E1}"/>
+              </a:ext>
+              <a:ext uri="{C183D7F6-B498-43B3-948B-1728B52AA6E4}">
+                <adec:decorative xmlns:adec="http://schemas.microsoft.com/office/drawing/2017/decorative" val="1"/>
+              </a:ext>
+            </a:extLst>
+          </p:cNvPr>
+          <p:cNvSpPr>
+            <a:spLocks noGrp="1" noRot="1" noChangeAspect="1" noMove="1" noResize="1" noEditPoints="1" noAdjustHandles="1" noChangeArrowheads="1" noChangeShapeType="1" noTextEdit="1"/>
+          </p:cNvSpPr>
+          <p:nvPr>
+            <p:extLst>
+              <p:ext uri="{386F3935-93C4-4BCD-93E2-E3B085C9AB24}">
+                <p16:designElem xmlns:p16="http://schemas.microsoft.com/office/powerpoint/2015/main" val="1"/>
+              </p:ext>
+            </p:extLst>
+          </p:nvPr>
+        </p:nvSpPr>
+        <p:spPr>
+          <a:xfrm>
+            <a:off x="0" y="-1"/>
+            <a:ext cx="12192000" cy="4572001"/>
+          </a:xfrm>
+          <a:prstGeom prst="rect">
+            <a:avLst/>
+          </a:prstGeom>
+          <a:solidFill>
+            <a:schemeClr val="accent2"/>
+          </a:solidFill>
+          <a:ln>
+            <a:noFill/>
+          </a:ln>
+        </p:spPr>
+        <p:style>
+          <a:lnRef idx="2">
+            <a:schemeClr val="accent1">
+              <a:shade val="50000"/>
+            </a:schemeClr>
+          </a:lnRef>
+          <a:fillRef idx="1">
+            <a:schemeClr val="accent1"/>
+          </a:fillRef>
+          <a:effectRef idx="0">
+            <a:schemeClr val="accent1"/>
+          </a:effectRef>
+          <a:fontRef idx="minor">
+            <a:schemeClr val="lt1"/>
+          </a:fontRef>
+        </p:style>
+      </p:sp>
+      <p:sp useBgFill="1">
+        <p:nvSpPr>
+          <p:cNvPr id="11" name="Rectangle 10">
+            <a:extLst>
+              <a:ext uri="{FF2B5EF4-FFF2-40B4-BE49-F238E27FC236}">
+                <a16:creationId xmlns:a16="http://schemas.microsoft.com/office/drawing/2014/main" id="{0BA28970-3E8F-46CD-A302-42EE83668B0A}"/>
+              </a:ext>
+              <a:ext uri="{C183D7F6-B498-43B3-948B-1728B52AA6E4}">
+                <adec:decorative xmlns:adec="http://schemas.microsoft.com/office/drawing/2017/decorative" val="1"/>
+              </a:ext>
+            </a:extLst>
+          </p:cNvPr>
+          <p:cNvSpPr>
+            <a:spLocks noGrp="1" noRot="1" noChangeAspect="1" noMove="1" noResize="1" noEditPoints="1" noAdjustHandles="1" noChangeArrowheads="1" noChangeShapeType="1" noTextEdit="1"/>
+          </p:cNvSpPr>
+          <p:nvPr>
+            <p:extLst>
+              <p:ext uri="{386F3935-93C4-4BCD-93E2-E3B085C9AB24}">
+                <p16:designElem xmlns:p16="http://schemas.microsoft.com/office/powerpoint/2015/main" val="1"/>
+              </p:ext>
+            </p:extLst>
+          </p:nvPr>
+        </p:nvSpPr>
+        <p:spPr>
+          <a:xfrm>
+            <a:off x="0" y="0"/>
+            <a:ext cx="12192000" cy="6858000"/>
+          </a:xfrm>
+          <a:prstGeom prst="rect">
+            <a:avLst/>
+          </a:prstGeom>
+          <a:ln>
+            <a:noFill/>
+          </a:ln>
+        </p:spPr>
+        <p:style>
+          <a:lnRef idx="2">
+            <a:schemeClr val="accent1">
+              <a:shade val="50000"/>
+            </a:schemeClr>
+          </a:lnRef>
+          <a:fillRef idx="1">
+            <a:schemeClr val="accent1"/>
+          </a:fillRef>
+          <a:effectRef idx="0">
+            <a:schemeClr val="accent1"/>
+          </a:effectRef>
+          <a:fontRef idx="minor">
+            <a:schemeClr val="lt1"/>
+          </a:fontRef>
+        </p:style>
+        <p:txBody>
+          <a:bodyPr rtlCol="0" anchor="ctr"/>
+          <a:lstStyle/>
+          <a:p>
+            <a:pPr algn="ctr"/>
+            <a:endParaRPr lang="en-US"/>
+          </a:p>
+        </p:txBody>
+      </p:sp>
+      <p:sp>
+        <p:nvSpPr>
+          <p:cNvPr id="2" name="Titel 1">
+            <a:extLst>
+              <a:ext uri="{FF2B5EF4-FFF2-40B4-BE49-F238E27FC236}">
+                <a16:creationId xmlns:a16="http://schemas.microsoft.com/office/drawing/2014/main" id="{9EE936F0-62E4-40F1-BA06-11DDD134B512}"/>
+              </a:ext>
+            </a:extLst>
+          </p:cNvPr>
+          <p:cNvSpPr>
+            <a:spLocks noGrp="1"/>
+          </p:cNvSpPr>
+          <p:nvPr>
+            <p:ph type="title" idx="4294967295"/>
+          </p:nvPr>
+        </p:nvSpPr>
+        <p:spPr>
+          <a:xfrm>
+            <a:off x="643467" y="643467"/>
+            <a:ext cx="7164674" cy="5571066"/>
+          </a:xfrm>
+        </p:spPr>
+        <p:txBody>
+          <a:bodyPr vert="horz" lIns="91440" tIns="45720" rIns="91440" bIns="45720" rtlCol="0" anchor="ctr">
+            <a:normAutofit/>
+          </a:bodyPr>
+          <a:lstStyle/>
+          <a:p>
+            <a:pPr algn="r"/>
+            <a:r>
+              <a:rPr lang="en-US" sz="6600" spc="200" dirty="0" err="1">
+                <a:solidFill>
+                  <a:schemeClr val="tx1">
+                    <a:alpha val="80000"/>
+                  </a:schemeClr>
+                </a:solidFill>
+              </a:rPr>
+              <a:t>Nutzerorientierte</a:t>
+            </a:r>
+            <a:r>
+              <a:rPr lang="en-US" sz="6600" spc="200" dirty="0">
+                <a:solidFill>
+                  <a:schemeClr val="tx1">
+                    <a:alpha val="80000"/>
+                  </a:schemeClr>
+                </a:solidFill>
+              </a:rPr>
+              <a:t> funktionsstruktur</a:t>
+            </a:r>
+          </a:p>
+        </p:txBody>
+      </p:sp>
+      <p:cxnSp>
+        <p:nvCxnSpPr>
+          <p:cNvPr id="13" name="Straight Connector 12">
+            <a:extLst>
+              <a:ext uri="{FF2B5EF4-FFF2-40B4-BE49-F238E27FC236}">
+                <a16:creationId xmlns:a16="http://schemas.microsoft.com/office/drawing/2014/main" id="{47AE7893-212D-45CB-A5B0-AE377389AB3F}"/>
+              </a:ext>
+              <a:ext uri="{C183D7F6-B498-43B3-948B-1728B52AA6E4}">
+                <adec:decorative xmlns:adec="http://schemas.microsoft.com/office/drawing/2017/decorative" val="1"/>
+              </a:ext>
+            </a:extLst>
+          </p:cNvPr>
+          <p:cNvCxnSpPr>
+            <a:cxnSpLocks noGrp="1" noRot="1" noChangeAspect="1" noMove="1" noResize="1" noEditPoints="1" noAdjustHandles="1" noChangeArrowheads="1" noChangeShapeType="1"/>
+          </p:cNvCxnSpPr>
+          <p:nvPr>
+            <p:extLst>
+              <p:ext uri="{386F3935-93C4-4BCD-93E2-E3B085C9AB24}">
+                <p16:designElem xmlns:p16="http://schemas.microsoft.com/office/powerpoint/2015/main" val="1"/>
+              </p:ext>
+            </p:extLst>
+          </p:nvPr>
+        </p:nvCxnSpPr>
+        <p:spPr>
+          <a:xfrm>
+            <a:off x="8139605" y="1600200"/>
+            <a:ext cx="0" cy="3657600"/>
+          </a:xfrm>
+          <a:prstGeom prst="line">
+            <a:avLst/>
+          </a:prstGeom>
+          <a:ln w="19050">
+            <a:solidFill>
+              <a:schemeClr val="accent1">
+                <a:lumMod val="75000"/>
+              </a:schemeClr>
+            </a:solidFill>
+          </a:ln>
+        </p:spPr>
+        <p:style>
+          <a:lnRef idx="1">
+            <a:schemeClr val="accent1"/>
+          </a:lnRef>
+          <a:fillRef idx="0">
+            <a:schemeClr val="accent1"/>
+          </a:fillRef>
+          <a:effectRef idx="0">
+            <a:schemeClr val="accent1"/>
+          </a:effectRef>
+          <a:fontRef idx="minor">
+            <a:schemeClr val="tx1"/>
+          </a:fontRef>
+        </p:style>
+      </p:cxnSp>
+    </p:spTree>
+    <p:extLst>
+      <p:ext uri="{BB962C8B-B14F-4D97-AF65-F5344CB8AC3E}">
+        <p14:creationId xmlns:p14="http://schemas.microsoft.com/office/powerpoint/2010/main" val="129705907"/>
+      </p:ext>
+    </p:extLst>
+  </p:cSld>
+  <p:clrMapOvr>
+    <a:masterClrMapping/>
+  </p:clrMapOvr>
+</p:sld>
+</file>
+
+<file path=ppt/slides/slide19.xml><?xml version="1.0" encoding="utf-8"?>
 <p:sld xmlns:a="http://schemas.openxmlformats.org/drawingml/2006/main" xmlns:r="http://schemas.openxmlformats.org/officeDocument/2006/relationships" xmlns:p="http://schemas.openxmlformats.org/presentationml/2006/main">
   <p:cSld>
     <p:bg>
@@ -7453,6 +5718,2280 @@
       <p:bldP spid="3" grpId="0"/>
     </p:bldLst>
   </p:timing>
+</p:sld>
+</file>
+
+<file path=ppt/slides/slide2.xml><?xml version="1.0" encoding="utf-8"?>
+<p:sld xmlns:a="http://schemas.openxmlformats.org/drawingml/2006/main" xmlns:r="http://schemas.openxmlformats.org/officeDocument/2006/relationships" xmlns:p="http://schemas.openxmlformats.org/presentationml/2006/main">
+  <p:cSld>
+    <p:bg>
+      <p:bgPr>
+        <a:solidFill>
+          <a:srgbClr val="4960A6"/>
+        </a:solidFill>
+        <a:effectLst/>
+      </p:bgPr>
+    </p:bg>
+    <p:spTree>
+      <p:nvGrpSpPr>
+        <p:cNvPr id="1" name=""/>
+        <p:cNvGrpSpPr/>
+        <p:nvPr/>
+      </p:nvGrpSpPr>
+      <p:grpSpPr>
+        <a:xfrm>
+          <a:off x="0" y="0"/>
+          <a:ext cx="0" cy="0"/>
+          <a:chOff x="0" y="0"/>
+          <a:chExt cx="0" cy="0"/>
+        </a:xfrm>
+      </p:grpSpPr>
+      <p:cxnSp>
+        <p:nvCxnSpPr>
+          <p:cNvPr id="7" name="Straight Connector 6">
+            <a:extLst>
+              <a:ext uri="{FF2B5EF4-FFF2-40B4-BE49-F238E27FC236}">
+                <a16:creationId xmlns:a16="http://schemas.microsoft.com/office/drawing/2014/main" id="{8CED2307-F79F-42F9-B81B-91F768E72BFC}"/>
+              </a:ext>
+              <a:ext uri="{C183D7F6-B498-43B3-948B-1728B52AA6E4}">
+                <adec:decorative xmlns:adec="http://schemas.microsoft.com/office/drawing/2017/decorative" val="1"/>
+              </a:ext>
+            </a:extLst>
+          </p:cNvPr>
+          <p:cNvCxnSpPr>
+            <a:cxnSpLocks noGrp="1" noRot="1" noChangeAspect="1" noMove="1" noResize="1" noEditPoints="1" noAdjustHandles="1" noChangeArrowheads="1" noChangeShapeType="1"/>
+          </p:cNvCxnSpPr>
+          <p:nvPr>
+            <p:extLst>
+              <p:ext uri="{386F3935-93C4-4BCD-93E2-E3B085C9AB24}">
+                <p16:designElem xmlns:p16="http://schemas.microsoft.com/office/powerpoint/2015/main" val="1"/>
+              </p:ext>
+            </p:extLst>
+          </p:nvPr>
+        </p:nvCxnSpPr>
+        <p:spPr>
+          <a:xfrm flipV="1">
+            <a:off x="8386842" y="5264106"/>
+            <a:ext cx="0" cy="914400"/>
+          </a:xfrm>
+          <a:prstGeom prst="line">
+            <a:avLst/>
+          </a:prstGeom>
+          <a:ln w="19050">
+            <a:solidFill>
+              <a:schemeClr val="accent2"/>
+            </a:solidFill>
+          </a:ln>
+        </p:spPr>
+        <p:style>
+          <a:lnRef idx="1">
+            <a:schemeClr val="accent1"/>
+          </a:lnRef>
+          <a:fillRef idx="0">
+            <a:schemeClr val="accent1"/>
+          </a:fillRef>
+          <a:effectRef idx="0">
+            <a:schemeClr val="accent1"/>
+          </a:effectRef>
+          <a:fontRef idx="minor">
+            <a:schemeClr val="tx1"/>
+          </a:fontRef>
+        </p:style>
+      </p:cxnSp>
+      <p:sp>
+        <p:nvSpPr>
+          <p:cNvPr id="9" name="Rectangle 8">
+            <a:extLst>
+              <a:ext uri="{FF2B5EF4-FFF2-40B4-BE49-F238E27FC236}">
+                <a16:creationId xmlns:a16="http://schemas.microsoft.com/office/drawing/2014/main" id="{E5DB38FF-CE38-4D82-B9F2-DFE28A0194E1}"/>
+              </a:ext>
+              <a:ext uri="{C183D7F6-B498-43B3-948B-1728B52AA6E4}">
+                <adec:decorative xmlns:adec="http://schemas.microsoft.com/office/drawing/2017/decorative" val="1"/>
+              </a:ext>
+            </a:extLst>
+          </p:cNvPr>
+          <p:cNvSpPr>
+            <a:spLocks noGrp="1" noRot="1" noChangeAspect="1" noMove="1" noResize="1" noEditPoints="1" noAdjustHandles="1" noChangeArrowheads="1" noChangeShapeType="1" noTextEdit="1"/>
+          </p:cNvSpPr>
+          <p:nvPr>
+            <p:extLst>
+              <p:ext uri="{386F3935-93C4-4BCD-93E2-E3B085C9AB24}">
+                <p16:designElem xmlns:p16="http://schemas.microsoft.com/office/powerpoint/2015/main" val="1"/>
+              </p:ext>
+            </p:extLst>
+          </p:nvPr>
+        </p:nvSpPr>
+        <p:spPr>
+          <a:xfrm>
+            <a:off x="0" y="-1"/>
+            <a:ext cx="12192000" cy="4572001"/>
+          </a:xfrm>
+          <a:prstGeom prst="rect">
+            <a:avLst/>
+          </a:prstGeom>
+          <a:solidFill>
+            <a:schemeClr val="accent2"/>
+          </a:solidFill>
+          <a:ln>
+            <a:noFill/>
+          </a:ln>
+        </p:spPr>
+        <p:style>
+          <a:lnRef idx="2">
+            <a:schemeClr val="accent1">
+              <a:shade val="50000"/>
+            </a:schemeClr>
+          </a:lnRef>
+          <a:fillRef idx="1">
+            <a:schemeClr val="accent1"/>
+          </a:fillRef>
+          <a:effectRef idx="0">
+            <a:schemeClr val="accent1"/>
+          </a:effectRef>
+          <a:fontRef idx="minor">
+            <a:schemeClr val="lt1"/>
+          </a:fontRef>
+        </p:style>
+      </p:sp>
+      <p:sp useBgFill="1">
+        <p:nvSpPr>
+          <p:cNvPr id="11" name="Rectangle 10">
+            <a:extLst>
+              <a:ext uri="{FF2B5EF4-FFF2-40B4-BE49-F238E27FC236}">
+                <a16:creationId xmlns:a16="http://schemas.microsoft.com/office/drawing/2014/main" id="{0BA28970-3E8F-46CD-A302-42EE83668B0A}"/>
+              </a:ext>
+              <a:ext uri="{C183D7F6-B498-43B3-948B-1728B52AA6E4}">
+                <adec:decorative xmlns:adec="http://schemas.microsoft.com/office/drawing/2017/decorative" val="1"/>
+              </a:ext>
+            </a:extLst>
+          </p:cNvPr>
+          <p:cNvSpPr>
+            <a:spLocks noGrp="1" noRot="1" noChangeAspect="1" noMove="1" noResize="1" noEditPoints="1" noAdjustHandles="1" noChangeArrowheads="1" noChangeShapeType="1" noTextEdit="1"/>
+          </p:cNvSpPr>
+          <p:nvPr>
+            <p:extLst>
+              <p:ext uri="{386F3935-93C4-4BCD-93E2-E3B085C9AB24}">
+                <p16:designElem xmlns:p16="http://schemas.microsoft.com/office/powerpoint/2015/main" val="1"/>
+              </p:ext>
+            </p:extLst>
+          </p:nvPr>
+        </p:nvSpPr>
+        <p:spPr>
+          <a:xfrm>
+            <a:off x="0" y="0"/>
+            <a:ext cx="12192000" cy="6858000"/>
+          </a:xfrm>
+          <a:prstGeom prst="rect">
+            <a:avLst/>
+          </a:prstGeom>
+          <a:ln>
+            <a:noFill/>
+          </a:ln>
+        </p:spPr>
+        <p:style>
+          <a:lnRef idx="2">
+            <a:schemeClr val="accent1">
+              <a:shade val="50000"/>
+            </a:schemeClr>
+          </a:lnRef>
+          <a:fillRef idx="1">
+            <a:schemeClr val="accent1"/>
+          </a:fillRef>
+          <a:effectRef idx="0">
+            <a:schemeClr val="accent1"/>
+          </a:effectRef>
+          <a:fontRef idx="minor">
+            <a:schemeClr val="lt1"/>
+          </a:fontRef>
+        </p:style>
+        <p:txBody>
+          <a:bodyPr rtlCol="0" anchor="ctr"/>
+          <a:lstStyle/>
+          <a:p>
+            <a:pPr algn="ctr"/>
+            <a:endParaRPr lang="en-US"/>
+          </a:p>
+        </p:txBody>
+      </p:sp>
+      <p:sp>
+        <p:nvSpPr>
+          <p:cNvPr id="2" name="Titel 1">
+            <a:extLst>
+              <a:ext uri="{FF2B5EF4-FFF2-40B4-BE49-F238E27FC236}">
+                <a16:creationId xmlns:a16="http://schemas.microsoft.com/office/drawing/2014/main" id="{9EE936F0-62E4-40F1-BA06-11DDD134B512}"/>
+              </a:ext>
+            </a:extLst>
+          </p:cNvPr>
+          <p:cNvSpPr>
+            <a:spLocks noGrp="1"/>
+          </p:cNvSpPr>
+          <p:nvPr>
+            <p:ph type="title" idx="4294967295"/>
+          </p:nvPr>
+        </p:nvSpPr>
+        <p:spPr>
+          <a:xfrm>
+            <a:off x="643467" y="643467"/>
+            <a:ext cx="7164674" cy="5571066"/>
+          </a:xfrm>
+        </p:spPr>
+        <p:txBody>
+          <a:bodyPr vert="horz" lIns="91440" tIns="45720" rIns="91440" bIns="45720" rtlCol="0" anchor="ctr">
+            <a:normAutofit/>
+          </a:bodyPr>
+          <a:lstStyle/>
+          <a:p>
+            <a:pPr algn="r"/>
+            <a:r>
+              <a:rPr lang="en-US" sz="6600" spc="200" dirty="0" err="1">
+                <a:solidFill>
+                  <a:schemeClr val="tx1">
+                    <a:alpha val="80000"/>
+                  </a:schemeClr>
+                </a:solidFill>
+              </a:rPr>
+              <a:t>Wer</a:t>
+            </a:r>
+            <a:r>
+              <a:rPr lang="en-US" sz="6600" spc="200" dirty="0">
+                <a:solidFill>
+                  <a:schemeClr val="tx1">
+                    <a:alpha val="80000"/>
+                  </a:schemeClr>
+                </a:solidFill>
+              </a:rPr>
+              <a:t> </a:t>
+            </a:r>
+            <a:r>
+              <a:rPr lang="en-US" sz="6600" spc="200" dirty="0" err="1">
+                <a:solidFill>
+                  <a:schemeClr val="tx1">
+                    <a:alpha val="80000"/>
+                  </a:schemeClr>
+                </a:solidFill>
+              </a:rPr>
+              <a:t>sind</a:t>
+            </a:r>
+            <a:r>
+              <a:rPr lang="en-US" sz="6600" spc="200" dirty="0">
+                <a:solidFill>
+                  <a:schemeClr val="tx1">
+                    <a:alpha val="80000"/>
+                  </a:schemeClr>
+                </a:solidFill>
+              </a:rPr>
+              <a:t> </a:t>
+            </a:r>
+            <a:r>
+              <a:rPr lang="en-US" sz="6600" spc="200" dirty="0" err="1">
+                <a:solidFill>
+                  <a:schemeClr val="tx1">
+                    <a:alpha val="80000"/>
+                  </a:schemeClr>
+                </a:solidFill>
+              </a:rPr>
+              <a:t>wir</a:t>
+            </a:r>
+            <a:r>
+              <a:rPr lang="en-US" sz="6600" spc="200" dirty="0">
+                <a:solidFill>
+                  <a:schemeClr val="tx1">
+                    <a:alpha val="80000"/>
+                  </a:schemeClr>
+                </a:solidFill>
+              </a:rPr>
+              <a:t>?</a:t>
+            </a:r>
+          </a:p>
+        </p:txBody>
+      </p:sp>
+      <p:cxnSp>
+        <p:nvCxnSpPr>
+          <p:cNvPr id="13" name="Straight Connector 12">
+            <a:extLst>
+              <a:ext uri="{FF2B5EF4-FFF2-40B4-BE49-F238E27FC236}">
+                <a16:creationId xmlns:a16="http://schemas.microsoft.com/office/drawing/2014/main" id="{47AE7893-212D-45CB-A5B0-AE377389AB3F}"/>
+              </a:ext>
+              <a:ext uri="{C183D7F6-B498-43B3-948B-1728B52AA6E4}">
+                <adec:decorative xmlns:adec="http://schemas.microsoft.com/office/drawing/2017/decorative" val="1"/>
+              </a:ext>
+            </a:extLst>
+          </p:cNvPr>
+          <p:cNvCxnSpPr>
+            <a:cxnSpLocks noGrp="1" noRot="1" noChangeAspect="1" noMove="1" noResize="1" noEditPoints="1" noAdjustHandles="1" noChangeArrowheads="1" noChangeShapeType="1"/>
+          </p:cNvCxnSpPr>
+          <p:nvPr>
+            <p:extLst>
+              <p:ext uri="{386F3935-93C4-4BCD-93E2-E3B085C9AB24}">
+                <p16:designElem xmlns:p16="http://schemas.microsoft.com/office/powerpoint/2015/main" val="1"/>
+              </p:ext>
+            </p:extLst>
+          </p:nvPr>
+        </p:nvCxnSpPr>
+        <p:spPr>
+          <a:xfrm>
+            <a:off x="8139605" y="1600200"/>
+            <a:ext cx="0" cy="3657600"/>
+          </a:xfrm>
+          <a:prstGeom prst="line">
+            <a:avLst/>
+          </a:prstGeom>
+          <a:ln w="19050">
+            <a:solidFill>
+              <a:schemeClr val="accent1">
+                <a:lumMod val="75000"/>
+              </a:schemeClr>
+            </a:solidFill>
+          </a:ln>
+        </p:spPr>
+        <p:style>
+          <a:lnRef idx="1">
+            <a:schemeClr val="accent1"/>
+          </a:lnRef>
+          <a:fillRef idx="0">
+            <a:schemeClr val="accent1"/>
+          </a:fillRef>
+          <a:effectRef idx="0">
+            <a:schemeClr val="accent1"/>
+          </a:effectRef>
+          <a:fontRef idx="minor">
+            <a:schemeClr val="tx1"/>
+          </a:fontRef>
+        </p:style>
+      </p:cxnSp>
+    </p:spTree>
+    <p:extLst>
+      <p:ext uri="{BB962C8B-B14F-4D97-AF65-F5344CB8AC3E}">
+        <p14:creationId xmlns:p14="http://schemas.microsoft.com/office/powerpoint/2010/main" val="2522807781"/>
+      </p:ext>
+    </p:extLst>
+  </p:cSld>
+  <p:clrMapOvr>
+    <a:masterClrMapping/>
+  </p:clrMapOvr>
+</p:sld>
+</file>
+
+<file path=ppt/slides/slide3.xml><?xml version="1.0" encoding="utf-8"?>
+<p:sld xmlns:a="http://schemas.openxmlformats.org/drawingml/2006/main" xmlns:r="http://schemas.openxmlformats.org/officeDocument/2006/relationships" xmlns:p="http://schemas.openxmlformats.org/presentationml/2006/main">
+  <p:cSld>
+    <p:bg>
+      <p:bgPr>
+        <a:solidFill>
+          <a:srgbClr val="C17F63"/>
+        </a:solidFill>
+        <a:effectLst/>
+      </p:bgPr>
+    </p:bg>
+    <p:spTree>
+      <p:nvGrpSpPr>
+        <p:cNvPr id="1" name=""/>
+        <p:cNvGrpSpPr/>
+        <p:nvPr/>
+      </p:nvGrpSpPr>
+      <p:grpSpPr>
+        <a:xfrm>
+          <a:off x="0" y="0"/>
+          <a:ext cx="0" cy="0"/>
+          <a:chOff x="0" y="0"/>
+          <a:chExt cx="0" cy="0"/>
+        </a:xfrm>
+      </p:grpSpPr>
+      <p:sp>
+        <p:nvSpPr>
+          <p:cNvPr id="22" name="Rectangle 21">
+            <a:extLst>
+              <a:ext uri="{FF2B5EF4-FFF2-40B4-BE49-F238E27FC236}">
+                <a16:creationId xmlns:a16="http://schemas.microsoft.com/office/drawing/2014/main" id="{44B3F5F5-166C-4694-B20A-3F8218AF7D03}"/>
+              </a:ext>
+              <a:ext uri="{C183D7F6-B498-43B3-948B-1728B52AA6E4}">
+                <adec:decorative xmlns:adec="http://schemas.microsoft.com/office/drawing/2017/decorative" val="1"/>
+              </a:ext>
+            </a:extLst>
+          </p:cNvPr>
+          <p:cNvSpPr>
+            <a:spLocks noGrp="1" noRot="1" noChangeAspect="1" noMove="1" noResize="1" noEditPoints="1" noAdjustHandles="1" noChangeArrowheads="1" noChangeShapeType="1" noTextEdit="1"/>
+          </p:cNvSpPr>
+          <p:nvPr>
+            <p:extLst>
+              <p:ext uri="{386F3935-93C4-4BCD-93E2-E3B085C9AB24}">
+                <p16:designElem xmlns:p16="http://schemas.microsoft.com/office/powerpoint/2015/main" val="1"/>
+              </p:ext>
+            </p:extLst>
+          </p:nvPr>
+        </p:nvSpPr>
+        <p:spPr>
+          <a:xfrm>
+            <a:off x="0" y="0"/>
+            <a:ext cx="12192000" cy="6858000"/>
+          </a:xfrm>
+          <a:prstGeom prst="rect">
+            <a:avLst/>
+          </a:prstGeom>
+          <a:solidFill>
+            <a:schemeClr val="bg2"/>
+          </a:solidFill>
+          <a:ln>
+            <a:noFill/>
+          </a:ln>
+        </p:spPr>
+        <p:style>
+          <a:lnRef idx="2">
+            <a:schemeClr val="accent1">
+              <a:shade val="50000"/>
+            </a:schemeClr>
+          </a:lnRef>
+          <a:fillRef idx="1">
+            <a:schemeClr val="accent1"/>
+          </a:fillRef>
+          <a:effectRef idx="0">
+            <a:schemeClr val="accent1"/>
+          </a:effectRef>
+          <a:fontRef idx="minor">
+            <a:schemeClr val="lt1"/>
+          </a:fontRef>
+        </p:style>
+        <p:txBody>
+          <a:bodyPr rtlCol="0" anchor="ctr"/>
+          <a:lstStyle/>
+          <a:p>
+            <a:pPr algn="ctr"/>
+            <a:endParaRPr lang="en-US"/>
+          </a:p>
+        </p:txBody>
+      </p:sp>
+      <p:sp>
+        <p:nvSpPr>
+          <p:cNvPr id="24" name="Rectangle 23">
+            <a:extLst>
+              <a:ext uri="{FF2B5EF4-FFF2-40B4-BE49-F238E27FC236}">
+                <a16:creationId xmlns:a16="http://schemas.microsoft.com/office/drawing/2014/main" id="{9E67A204-FB90-4B26-B155-3FA8064AD2DF}"/>
+              </a:ext>
+              <a:ext uri="{C183D7F6-B498-43B3-948B-1728B52AA6E4}">
+                <adec:decorative xmlns:adec="http://schemas.microsoft.com/office/drawing/2017/decorative" val="1"/>
+              </a:ext>
+            </a:extLst>
+          </p:cNvPr>
+          <p:cNvSpPr>
+            <a:spLocks noGrp="1" noRot="1" noChangeAspect="1" noMove="1" noResize="1" noEditPoints="1" noAdjustHandles="1" noChangeArrowheads="1" noChangeShapeType="1" noTextEdit="1"/>
+          </p:cNvSpPr>
+          <p:nvPr>
+            <p:extLst>
+              <p:ext uri="{386F3935-93C4-4BCD-93E2-E3B085C9AB24}">
+                <p16:designElem xmlns:p16="http://schemas.microsoft.com/office/powerpoint/2015/main" val="1"/>
+              </p:ext>
+            </p:extLst>
+          </p:nvPr>
+        </p:nvSpPr>
+        <p:spPr>
+          <a:xfrm>
+            <a:off x="477012" y="480060"/>
+            <a:ext cx="11237976" cy="5897880"/>
+          </a:xfrm>
+          <a:prstGeom prst="rect">
+            <a:avLst/>
+          </a:prstGeom>
+          <a:solidFill>
+            <a:schemeClr val="bg1"/>
+          </a:solidFill>
+          <a:ln w="22225">
+            <a:solidFill>
+              <a:srgbClr val="C17F63"/>
+            </a:solidFill>
+          </a:ln>
+        </p:spPr>
+        <p:style>
+          <a:lnRef idx="2">
+            <a:schemeClr val="accent1">
+              <a:shade val="50000"/>
+            </a:schemeClr>
+          </a:lnRef>
+          <a:fillRef idx="1">
+            <a:schemeClr val="accent1"/>
+          </a:fillRef>
+          <a:effectRef idx="0">
+            <a:schemeClr val="accent1"/>
+          </a:effectRef>
+          <a:fontRef idx="minor">
+            <a:schemeClr val="lt1"/>
+          </a:fontRef>
+        </p:style>
+        <p:txBody>
+          <a:bodyPr rtlCol="0" anchor="ctr"/>
+          <a:lstStyle/>
+          <a:p>
+            <a:pPr algn="ctr"/>
+            <a:endParaRPr lang="en-US"/>
+          </a:p>
+        </p:txBody>
+      </p:sp>
+      <p:sp>
+        <p:nvSpPr>
+          <p:cNvPr id="8" name="Textfeld 7">
+            <a:extLst>
+              <a:ext uri="{FF2B5EF4-FFF2-40B4-BE49-F238E27FC236}">
+                <a16:creationId xmlns:a16="http://schemas.microsoft.com/office/drawing/2014/main" id="{7DD7AA26-52C7-4759-880F-5BDA897B8ECA}"/>
+              </a:ext>
+            </a:extLst>
+          </p:cNvPr>
+          <p:cNvSpPr txBox="1"/>
+          <p:nvPr/>
+        </p:nvSpPr>
+        <p:spPr>
+          <a:xfrm>
+            <a:off x="5738241" y="4125980"/>
+            <a:ext cx="6096000" cy="1569660"/>
+          </a:xfrm>
+          <a:prstGeom prst="rect">
+            <a:avLst/>
+          </a:prstGeom>
+          <a:noFill/>
+        </p:spPr>
+        <p:txBody>
+          <a:bodyPr wrap="square">
+            <a:spAutoFit/>
+          </a:bodyPr>
+          <a:lstStyle/>
+          <a:p>
+            <a:r>
+              <a:rPr lang="de-DE" sz="2400" dirty="0"/>
+              <a:t>Leon Schwarz 		 – CEO/Teamleitung</a:t>
+            </a:r>
+          </a:p>
+          <a:p>
+            <a:r>
+              <a:rPr lang="de-DE" sz="2400" dirty="0"/>
+              <a:t>Pascal Roschkowski – Controlling/Marktanalyse</a:t>
+            </a:r>
+          </a:p>
+          <a:p>
+            <a:r>
+              <a:rPr lang="de-DE" sz="2400" dirty="0"/>
+              <a:t>Tobias Röpke 		 – technischer Leiter</a:t>
+            </a:r>
+          </a:p>
+          <a:p>
+            <a:r>
+              <a:rPr lang="de-DE" sz="2400" dirty="0"/>
+              <a:t>Philipp Otto 		 – Marketing </a:t>
+            </a:r>
+          </a:p>
+        </p:txBody>
+      </p:sp>
+      <p:sp>
+        <p:nvSpPr>
+          <p:cNvPr id="2" name="Textfeld 1">
+            <a:extLst>
+              <a:ext uri="{FF2B5EF4-FFF2-40B4-BE49-F238E27FC236}">
+                <a16:creationId xmlns:a16="http://schemas.microsoft.com/office/drawing/2014/main" id="{88C79558-5612-4207-B3A0-B6CDBEEE295F}"/>
+              </a:ext>
+            </a:extLst>
+          </p:cNvPr>
+          <p:cNvSpPr txBox="1"/>
+          <p:nvPr/>
+        </p:nvSpPr>
+        <p:spPr>
+          <a:xfrm>
+            <a:off x="721119" y="4172146"/>
+            <a:ext cx="4778616" cy="1477328"/>
+          </a:xfrm>
+          <a:prstGeom prst="rect">
+            <a:avLst/>
+          </a:prstGeom>
+          <a:noFill/>
+        </p:spPr>
+        <p:txBody>
+          <a:bodyPr wrap="none" rtlCol="0">
+            <a:spAutoFit/>
+          </a:bodyPr>
+          <a:lstStyle/>
+          <a:p>
+            <a:r>
+              <a:rPr lang="de-DE" sz="2400" dirty="0"/>
+              <a:t>Gründung: 		Oktober 2020</a:t>
+            </a:r>
+          </a:p>
+          <a:p>
+            <a:r>
+              <a:rPr lang="de-DE" sz="2400" dirty="0"/>
+              <a:t>Mitarbeiter: 	4</a:t>
+            </a:r>
+          </a:p>
+          <a:p>
+            <a:r>
+              <a:rPr lang="de-DE" sz="2400" dirty="0"/>
+              <a:t>geschätzter 	Firmenwert: 200.000€</a:t>
+            </a:r>
+          </a:p>
+          <a:p>
+            <a:endParaRPr lang="de-DE" dirty="0"/>
+          </a:p>
+        </p:txBody>
+      </p:sp>
+      <p:sp>
+        <p:nvSpPr>
+          <p:cNvPr id="3" name="Textfeld 2">
+            <a:extLst>
+              <a:ext uri="{FF2B5EF4-FFF2-40B4-BE49-F238E27FC236}">
+                <a16:creationId xmlns:a16="http://schemas.microsoft.com/office/drawing/2014/main" id="{6392A4D7-C13D-46D3-B54C-2C678BB5956C}"/>
+              </a:ext>
+            </a:extLst>
+          </p:cNvPr>
+          <p:cNvSpPr txBox="1"/>
+          <p:nvPr/>
+        </p:nvSpPr>
+        <p:spPr>
+          <a:xfrm>
+            <a:off x="3260801" y="1126390"/>
+            <a:ext cx="5670398" cy="1292662"/>
+          </a:xfrm>
+          <a:prstGeom prst="rect">
+            <a:avLst/>
+          </a:prstGeom>
+          <a:noFill/>
+        </p:spPr>
+        <p:txBody>
+          <a:bodyPr wrap="none" rtlCol="0">
+            <a:spAutoFit/>
+          </a:bodyPr>
+          <a:lstStyle/>
+          <a:p>
+            <a:r>
+              <a:rPr lang="de-DE" sz="5400" dirty="0"/>
+              <a:t>				C-Tech </a:t>
+            </a:r>
+          </a:p>
+          <a:p>
+            <a:r>
+              <a:rPr lang="de-DE" sz="2400" dirty="0"/>
+              <a:t>„modern </a:t>
+            </a:r>
+            <a:r>
+              <a:rPr lang="de-DE" sz="2400" dirty="0" err="1"/>
+              <a:t>problems</a:t>
+            </a:r>
+            <a:r>
+              <a:rPr lang="de-DE" sz="2400" dirty="0"/>
+              <a:t> </a:t>
+            </a:r>
+            <a:r>
+              <a:rPr lang="de-DE" sz="2400" dirty="0" err="1"/>
+              <a:t>require</a:t>
+            </a:r>
+            <a:r>
+              <a:rPr lang="de-DE" sz="2400" dirty="0"/>
+              <a:t> </a:t>
+            </a:r>
+            <a:r>
+              <a:rPr lang="de-DE" sz="2400" dirty="0" err="1"/>
+              <a:t>creative</a:t>
+            </a:r>
+            <a:r>
+              <a:rPr lang="de-DE" sz="2400" dirty="0"/>
+              <a:t> </a:t>
+            </a:r>
+            <a:r>
+              <a:rPr lang="de-DE" sz="2400" dirty="0" err="1"/>
+              <a:t>solutions</a:t>
+            </a:r>
+            <a:r>
+              <a:rPr lang="de-DE" sz="2400" dirty="0"/>
+              <a:t>“</a:t>
+            </a:r>
+          </a:p>
+        </p:txBody>
+      </p:sp>
+      <p:sp>
+        <p:nvSpPr>
+          <p:cNvPr id="4" name="Textfeld 3">
+            <a:extLst>
+              <a:ext uri="{FF2B5EF4-FFF2-40B4-BE49-F238E27FC236}">
+                <a16:creationId xmlns:a16="http://schemas.microsoft.com/office/drawing/2014/main" id="{BBC71AB5-CA65-40C6-81CE-CC0F145BA1A5}"/>
+              </a:ext>
+            </a:extLst>
+          </p:cNvPr>
+          <p:cNvSpPr txBox="1"/>
+          <p:nvPr/>
+        </p:nvSpPr>
+        <p:spPr>
+          <a:xfrm>
+            <a:off x="5738241" y="3756647"/>
+            <a:ext cx="1604350" cy="830997"/>
+          </a:xfrm>
+          <a:prstGeom prst="rect">
+            <a:avLst/>
+          </a:prstGeom>
+          <a:noFill/>
+        </p:spPr>
+        <p:txBody>
+          <a:bodyPr wrap="none" rtlCol="0">
+            <a:spAutoFit/>
+          </a:bodyPr>
+          <a:lstStyle/>
+          <a:p>
+            <a:r>
+              <a:rPr lang="de-DE" sz="2400" dirty="0"/>
+              <a:t>unser Team:</a:t>
+            </a:r>
+          </a:p>
+          <a:p>
+            <a:endParaRPr lang="de-DE" sz="2400" dirty="0"/>
+          </a:p>
+        </p:txBody>
+      </p:sp>
+    </p:spTree>
+    <p:extLst>
+      <p:ext uri="{BB962C8B-B14F-4D97-AF65-F5344CB8AC3E}">
+        <p14:creationId xmlns:p14="http://schemas.microsoft.com/office/powerpoint/2010/main" val="3606124245"/>
+      </p:ext>
+    </p:extLst>
+  </p:cSld>
+  <p:clrMapOvr>
+    <a:masterClrMapping/>
+  </p:clrMapOvr>
+</p:sld>
+</file>
+
+<file path=ppt/slides/slide4.xml><?xml version="1.0" encoding="utf-8"?>
+<p:sld xmlns:a="http://schemas.openxmlformats.org/drawingml/2006/main" xmlns:r="http://schemas.openxmlformats.org/officeDocument/2006/relationships" xmlns:p="http://schemas.openxmlformats.org/presentationml/2006/main">
+  <p:cSld>
+    <p:bg>
+      <p:bgPr>
+        <a:solidFill>
+          <a:srgbClr val="4960A6"/>
+        </a:solidFill>
+        <a:effectLst/>
+      </p:bgPr>
+    </p:bg>
+    <p:spTree>
+      <p:nvGrpSpPr>
+        <p:cNvPr id="1" name=""/>
+        <p:cNvGrpSpPr/>
+        <p:nvPr/>
+      </p:nvGrpSpPr>
+      <p:grpSpPr>
+        <a:xfrm>
+          <a:off x="0" y="0"/>
+          <a:ext cx="0" cy="0"/>
+          <a:chOff x="0" y="0"/>
+          <a:chExt cx="0" cy="0"/>
+        </a:xfrm>
+      </p:grpSpPr>
+      <p:cxnSp>
+        <p:nvCxnSpPr>
+          <p:cNvPr id="7" name="Straight Connector 6">
+            <a:extLst>
+              <a:ext uri="{FF2B5EF4-FFF2-40B4-BE49-F238E27FC236}">
+                <a16:creationId xmlns:a16="http://schemas.microsoft.com/office/drawing/2014/main" id="{8CED2307-F79F-42F9-B81B-91F768E72BFC}"/>
+              </a:ext>
+              <a:ext uri="{C183D7F6-B498-43B3-948B-1728B52AA6E4}">
+                <adec:decorative xmlns:adec="http://schemas.microsoft.com/office/drawing/2017/decorative" val="1"/>
+              </a:ext>
+            </a:extLst>
+          </p:cNvPr>
+          <p:cNvCxnSpPr>
+            <a:cxnSpLocks noGrp="1" noRot="1" noChangeAspect="1" noMove="1" noResize="1" noEditPoints="1" noAdjustHandles="1" noChangeArrowheads="1" noChangeShapeType="1"/>
+          </p:cNvCxnSpPr>
+          <p:nvPr>
+            <p:extLst>
+              <p:ext uri="{386F3935-93C4-4BCD-93E2-E3B085C9AB24}">
+                <p16:designElem xmlns:p16="http://schemas.microsoft.com/office/powerpoint/2015/main" val="1"/>
+              </p:ext>
+            </p:extLst>
+          </p:nvPr>
+        </p:nvCxnSpPr>
+        <p:spPr>
+          <a:xfrm flipV="1">
+            <a:off x="8386842" y="5264106"/>
+            <a:ext cx="0" cy="914400"/>
+          </a:xfrm>
+          <a:prstGeom prst="line">
+            <a:avLst/>
+          </a:prstGeom>
+          <a:ln w="19050">
+            <a:solidFill>
+              <a:schemeClr val="accent2"/>
+            </a:solidFill>
+          </a:ln>
+        </p:spPr>
+        <p:style>
+          <a:lnRef idx="1">
+            <a:schemeClr val="accent1"/>
+          </a:lnRef>
+          <a:fillRef idx="0">
+            <a:schemeClr val="accent1"/>
+          </a:fillRef>
+          <a:effectRef idx="0">
+            <a:schemeClr val="accent1"/>
+          </a:effectRef>
+          <a:fontRef idx="minor">
+            <a:schemeClr val="tx1"/>
+          </a:fontRef>
+        </p:style>
+      </p:cxnSp>
+      <p:sp>
+        <p:nvSpPr>
+          <p:cNvPr id="9" name="Rectangle 8">
+            <a:extLst>
+              <a:ext uri="{FF2B5EF4-FFF2-40B4-BE49-F238E27FC236}">
+                <a16:creationId xmlns:a16="http://schemas.microsoft.com/office/drawing/2014/main" id="{E5DB38FF-CE38-4D82-B9F2-DFE28A0194E1}"/>
+              </a:ext>
+              <a:ext uri="{C183D7F6-B498-43B3-948B-1728B52AA6E4}">
+                <adec:decorative xmlns:adec="http://schemas.microsoft.com/office/drawing/2017/decorative" val="1"/>
+              </a:ext>
+            </a:extLst>
+          </p:cNvPr>
+          <p:cNvSpPr>
+            <a:spLocks noGrp="1" noRot="1" noChangeAspect="1" noMove="1" noResize="1" noEditPoints="1" noAdjustHandles="1" noChangeArrowheads="1" noChangeShapeType="1" noTextEdit="1"/>
+          </p:cNvSpPr>
+          <p:nvPr>
+            <p:extLst>
+              <p:ext uri="{386F3935-93C4-4BCD-93E2-E3B085C9AB24}">
+                <p16:designElem xmlns:p16="http://schemas.microsoft.com/office/powerpoint/2015/main" val="1"/>
+              </p:ext>
+            </p:extLst>
+          </p:nvPr>
+        </p:nvSpPr>
+        <p:spPr>
+          <a:xfrm>
+            <a:off x="0" y="-1"/>
+            <a:ext cx="12192000" cy="4572001"/>
+          </a:xfrm>
+          <a:prstGeom prst="rect">
+            <a:avLst/>
+          </a:prstGeom>
+          <a:solidFill>
+            <a:schemeClr val="accent2"/>
+          </a:solidFill>
+          <a:ln>
+            <a:noFill/>
+          </a:ln>
+        </p:spPr>
+        <p:style>
+          <a:lnRef idx="2">
+            <a:schemeClr val="accent1">
+              <a:shade val="50000"/>
+            </a:schemeClr>
+          </a:lnRef>
+          <a:fillRef idx="1">
+            <a:schemeClr val="accent1"/>
+          </a:fillRef>
+          <a:effectRef idx="0">
+            <a:schemeClr val="accent1"/>
+          </a:effectRef>
+          <a:fontRef idx="minor">
+            <a:schemeClr val="lt1"/>
+          </a:fontRef>
+        </p:style>
+      </p:sp>
+      <p:sp useBgFill="1">
+        <p:nvSpPr>
+          <p:cNvPr id="11" name="Rectangle 10">
+            <a:extLst>
+              <a:ext uri="{FF2B5EF4-FFF2-40B4-BE49-F238E27FC236}">
+                <a16:creationId xmlns:a16="http://schemas.microsoft.com/office/drawing/2014/main" id="{0BA28970-3E8F-46CD-A302-42EE83668B0A}"/>
+              </a:ext>
+              <a:ext uri="{C183D7F6-B498-43B3-948B-1728B52AA6E4}">
+                <adec:decorative xmlns:adec="http://schemas.microsoft.com/office/drawing/2017/decorative" val="1"/>
+              </a:ext>
+            </a:extLst>
+          </p:cNvPr>
+          <p:cNvSpPr>
+            <a:spLocks noGrp="1" noRot="1" noChangeAspect="1" noMove="1" noResize="1" noEditPoints="1" noAdjustHandles="1" noChangeArrowheads="1" noChangeShapeType="1" noTextEdit="1"/>
+          </p:cNvSpPr>
+          <p:nvPr>
+            <p:extLst>
+              <p:ext uri="{386F3935-93C4-4BCD-93E2-E3B085C9AB24}">
+                <p16:designElem xmlns:p16="http://schemas.microsoft.com/office/powerpoint/2015/main" val="1"/>
+              </p:ext>
+            </p:extLst>
+          </p:nvPr>
+        </p:nvSpPr>
+        <p:spPr>
+          <a:xfrm>
+            <a:off x="0" y="0"/>
+            <a:ext cx="12192000" cy="6858000"/>
+          </a:xfrm>
+          <a:prstGeom prst="rect">
+            <a:avLst/>
+          </a:prstGeom>
+          <a:ln>
+            <a:noFill/>
+          </a:ln>
+        </p:spPr>
+        <p:style>
+          <a:lnRef idx="2">
+            <a:schemeClr val="accent1">
+              <a:shade val="50000"/>
+            </a:schemeClr>
+          </a:lnRef>
+          <a:fillRef idx="1">
+            <a:schemeClr val="accent1"/>
+          </a:fillRef>
+          <a:effectRef idx="0">
+            <a:schemeClr val="accent1"/>
+          </a:effectRef>
+          <a:fontRef idx="minor">
+            <a:schemeClr val="lt1"/>
+          </a:fontRef>
+        </p:style>
+        <p:txBody>
+          <a:bodyPr rtlCol="0" anchor="ctr"/>
+          <a:lstStyle/>
+          <a:p>
+            <a:pPr algn="ctr"/>
+            <a:endParaRPr lang="en-US"/>
+          </a:p>
+        </p:txBody>
+      </p:sp>
+      <p:sp>
+        <p:nvSpPr>
+          <p:cNvPr id="2" name="Titel 1">
+            <a:extLst>
+              <a:ext uri="{FF2B5EF4-FFF2-40B4-BE49-F238E27FC236}">
+                <a16:creationId xmlns:a16="http://schemas.microsoft.com/office/drawing/2014/main" id="{9EE936F0-62E4-40F1-BA06-11DDD134B512}"/>
+              </a:ext>
+            </a:extLst>
+          </p:cNvPr>
+          <p:cNvSpPr>
+            <a:spLocks noGrp="1"/>
+          </p:cNvSpPr>
+          <p:nvPr>
+            <p:ph type="title" idx="4294967295"/>
+          </p:nvPr>
+        </p:nvSpPr>
+        <p:spPr>
+          <a:xfrm>
+            <a:off x="643467" y="643467"/>
+            <a:ext cx="7164674" cy="5571066"/>
+          </a:xfrm>
+        </p:spPr>
+        <p:txBody>
+          <a:bodyPr vert="horz" lIns="91440" tIns="45720" rIns="91440" bIns="45720" rtlCol="0" anchor="ctr">
+            <a:normAutofit/>
+          </a:bodyPr>
+          <a:lstStyle/>
+          <a:p>
+            <a:pPr algn="r"/>
+            <a:r>
+              <a:rPr lang="en-US" sz="6600" spc="200" dirty="0">
+                <a:solidFill>
+                  <a:schemeClr val="tx1">
+                    <a:alpha val="80000"/>
+                  </a:schemeClr>
+                </a:solidFill>
+              </a:rPr>
+              <a:t>Was </a:t>
+            </a:r>
+            <a:r>
+              <a:rPr lang="en-US" sz="6600" spc="200" dirty="0" err="1">
+                <a:solidFill>
+                  <a:schemeClr val="tx1">
+                    <a:alpha val="80000"/>
+                  </a:schemeClr>
+                </a:solidFill>
+              </a:rPr>
+              <a:t>machen</a:t>
+            </a:r>
+            <a:r>
+              <a:rPr lang="en-US" sz="6600" spc="200" dirty="0">
+                <a:solidFill>
+                  <a:schemeClr val="tx1">
+                    <a:alpha val="80000"/>
+                  </a:schemeClr>
+                </a:solidFill>
+              </a:rPr>
+              <a:t> </a:t>
+            </a:r>
+            <a:r>
+              <a:rPr lang="en-US" sz="6600" spc="200" dirty="0" err="1">
+                <a:solidFill>
+                  <a:schemeClr val="tx1">
+                    <a:alpha val="80000"/>
+                  </a:schemeClr>
+                </a:solidFill>
+              </a:rPr>
+              <a:t>wir</a:t>
+            </a:r>
+            <a:r>
+              <a:rPr lang="en-US" sz="6600" spc="200" dirty="0">
+                <a:solidFill>
+                  <a:schemeClr val="tx1">
+                    <a:alpha val="80000"/>
+                  </a:schemeClr>
+                </a:solidFill>
+              </a:rPr>
+              <a:t>?</a:t>
+            </a:r>
+          </a:p>
+        </p:txBody>
+      </p:sp>
+      <p:cxnSp>
+        <p:nvCxnSpPr>
+          <p:cNvPr id="13" name="Straight Connector 12">
+            <a:extLst>
+              <a:ext uri="{FF2B5EF4-FFF2-40B4-BE49-F238E27FC236}">
+                <a16:creationId xmlns:a16="http://schemas.microsoft.com/office/drawing/2014/main" id="{47AE7893-212D-45CB-A5B0-AE377389AB3F}"/>
+              </a:ext>
+              <a:ext uri="{C183D7F6-B498-43B3-948B-1728B52AA6E4}">
+                <adec:decorative xmlns:adec="http://schemas.microsoft.com/office/drawing/2017/decorative" val="1"/>
+              </a:ext>
+            </a:extLst>
+          </p:cNvPr>
+          <p:cNvCxnSpPr>
+            <a:cxnSpLocks noGrp="1" noRot="1" noChangeAspect="1" noMove="1" noResize="1" noEditPoints="1" noAdjustHandles="1" noChangeArrowheads="1" noChangeShapeType="1"/>
+          </p:cNvCxnSpPr>
+          <p:nvPr>
+            <p:extLst>
+              <p:ext uri="{386F3935-93C4-4BCD-93E2-E3B085C9AB24}">
+                <p16:designElem xmlns:p16="http://schemas.microsoft.com/office/powerpoint/2015/main" val="1"/>
+              </p:ext>
+            </p:extLst>
+          </p:nvPr>
+        </p:nvCxnSpPr>
+        <p:spPr>
+          <a:xfrm>
+            <a:off x="8139605" y="1600200"/>
+            <a:ext cx="0" cy="3657600"/>
+          </a:xfrm>
+          <a:prstGeom prst="line">
+            <a:avLst/>
+          </a:prstGeom>
+          <a:ln w="19050">
+            <a:solidFill>
+              <a:schemeClr val="accent1">
+                <a:lumMod val="75000"/>
+              </a:schemeClr>
+            </a:solidFill>
+          </a:ln>
+        </p:spPr>
+        <p:style>
+          <a:lnRef idx="1">
+            <a:schemeClr val="accent1"/>
+          </a:lnRef>
+          <a:fillRef idx="0">
+            <a:schemeClr val="accent1"/>
+          </a:fillRef>
+          <a:effectRef idx="0">
+            <a:schemeClr val="accent1"/>
+          </a:effectRef>
+          <a:fontRef idx="minor">
+            <a:schemeClr val="tx1"/>
+          </a:fontRef>
+        </p:style>
+      </p:cxnSp>
+    </p:spTree>
+    <p:extLst>
+      <p:ext uri="{BB962C8B-B14F-4D97-AF65-F5344CB8AC3E}">
+        <p14:creationId xmlns:p14="http://schemas.microsoft.com/office/powerpoint/2010/main" val="1159732731"/>
+      </p:ext>
+    </p:extLst>
+  </p:cSld>
+  <p:clrMapOvr>
+    <a:masterClrMapping/>
+  </p:clrMapOvr>
+</p:sld>
+</file>
+
+<file path=ppt/slides/slide5.xml><?xml version="1.0" encoding="utf-8"?>
+<p:sld xmlns:a="http://schemas.openxmlformats.org/drawingml/2006/main" xmlns:r="http://schemas.openxmlformats.org/officeDocument/2006/relationships" xmlns:p="http://schemas.openxmlformats.org/presentationml/2006/main">
+  <p:cSld>
+    <p:bg>
+      <p:bgPr>
+        <a:solidFill>
+          <a:srgbClr val="4960A6"/>
+        </a:solidFill>
+        <a:effectLst/>
+      </p:bgPr>
+    </p:bg>
+    <p:spTree>
+      <p:nvGrpSpPr>
+        <p:cNvPr id="1" name=""/>
+        <p:cNvGrpSpPr/>
+        <p:nvPr/>
+      </p:nvGrpSpPr>
+      <p:grpSpPr>
+        <a:xfrm>
+          <a:off x="0" y="0"/>
+          <a:ext cx="0" cy="0"/>
+          <a:chOff x="0" y="0"/>
+          <a:chExt cx="0" cy="0"/>
+        </a:xfrm>
+      </p:grpSpPr>
+      <p:sp>
+        <p:nvSpPr>
+          <p:cNvPr id="22" name="Rectangle 21">
+            <a:extLst>
+              <a:ext uri="{FF2B5EF4-FFF2-40B4-BE49-F238E27FC236}">
+                <a16:creationId xmlns:a16="http://schemas.microsoft.com/office/drawing/2014/main" id="{44B3F5F5-166C-4694-B20A-3F8218AF7D03}"/>
+              </a:ext>
+              <a:ext uri="{C183D7F6-B498-43B3-948B-1728B52AA6E4}">
+                <adec:decorative xmlns:adec="http://schemas.microsoft.com/office/drawing/2017/decorative" val="1"/>
+              </a:ext>
+            </a:extLst>
+          </p:cNvPr>
+          <p:cNvSpPr>
+            <a:spLocks noGrp="1" noRot="1" noChangeAspect="1" noMove="1" noResize="1" noEditPoints="1" noAdjustHandles="1" noChangeArrowheads="1" noChangeShapeType="1" noTextEdit="1"/>
+          </p:cNvSpPr>
+          <p:nvPr>
+            <p:extLst>
+              <p:ext uri="{386F3935-93C4-4BCD-93E2-E3B085C9AB24}">
+                <p16:designElem xmlns:p16="http://schemas.microsoft.com/office/powerpoint/2015/main" val="1"/>
+              </p:ext>
+            </p:extLst>
+          </p:nvPr>
+        </p:nvSpPr>
+        <p:spPr>
+          <a:xfrm>
+            <a:off x="0" y="0"/>
+            <a:ext cx="12192000" cy="6858000"/>
+          </a:xfrm>
+          <a:prstGeom prst="rect">
+            <a:avLst/>
+          </a:prstGeom>
+          <a:solidFill>
+            <a:schemeClr val="bg2"/>
+          </a:solidFill>
+          <a:ln>
+            <a:noFill/>
+          </a:ln>
+        </p:spPr>
+        <p:style>
+          <a:lnRef idx="2">
+            <a:schemeClr val="accent1">
+              <a:shade val="50000"/>
+            </a:schemeClr>
+          </a:lnRef>
+          <a:fillRef idx="1">
+            <a:schemeClr val="accent1"/>
+          </a:fillRef>
+          <a:effectRef idx="0">
+            <a:schemeClr val="accent1"/>
+          </a:effectRef>
+          <a:fontRef idx="minor">
+            <a:schemeClr val="lt1"/>
+          </a:fontRef>
+        </p:style>
+        <p:txBody>
+          <a:bodyPr rtlCol="0" anchor="ctr"/>
+          <a:lstStyle/>
+          <a:p>
+            <a:pPr algn="ctr"/>
+            <a:endParaRPr lang="en-US"/>
+          </a:p>
+        </p:txBody>
+      </p:sp>
+      <p:sp>
+        <p:nvSpPr>
+          <p:cNvPr id="24" name="Rectangle 23">
+            <a:extLst>
+              <a:ext uri="{FF2B5EF4-FFF2-40B4-BE49-F238E27FC236}">
+                <a16:creationId xmlns:a16="http://schemas.microsoft.com/office/drawing/2014/main" id="{9E67A204-FB90-4B26-B155-3FA8064AD2DF}"/>
+              </a:ext>
+              <a:ext uri="{C183D7F6-B498-43B3-948B-1728B52AA6E4}">
+                <adec:decorative xmlns:adec="http://schemas.microsoft.com/office/drawing/2017/decorative" val="1"/>
+              </a:ext>
+            </a:extLst>
+          </p:cNvPr>
+          <p:cNvSpPr>
+            <a:spLocks noGrp="1" noRot="1" noChangeAspect="1" noMove="1" noResize="1" noEditPoints="1" noAdjustHandles="1" noChangeArrowheads="1" noChangeShapeType="1" noTextEdit="1"/>
+          </p:cNvSpPr>
+          <p:nvPr>
+            <p:extLst>
+              <p:ext uri="{386F3935-93C4-4BCD-93E2-E3B085C9AB24}">
+                <p16:designElem xmlns:p16="http://schemas.microsoft.com/office/powerpoint/2015/main" val="1"/>
+              </p:ext>
+            </p:extLst>
+          </p:nvPr>
+        </p:nvSpPr>
+        <p:spPr>
+          <a:xfrm>
+            <a:off x="477012" y="480060"/>
+            <a:ext cx="11237976" cy="5897880"/>
+          </a:xfrm>
+          <a:prstGeom prst="rect">
+            <a:avLst/>
+          </a:prstGeom>
+          <a:solidFill>
+            <a:schemeClr val="bg1"/>
+          </a:solidFill>
+          <a:ln w="22225">
+            <a:solidFill>
+              <a:srgbClr val="C17F63"/>
+            </a:solidFill>
+          </a:ln>
+        </p:spPr>
+        <p:style>
+          <a:lnRef idx="2">
+            <a:schemeClr val="accent1">
+              <a:shade val="50000"/>
+            </a:schemeClr>
+          </a:lnRef>
+          <a:fillRef idx="1">
+            <a:schemeClr val="accent1"/>
+          </a:fillRef>
+          <a:effectRef idx="0">
+            <a:schemeClr val="accent1"/>
+          </a:effectRef>
+          <a:fontRef idx="minor">
+            <a:schemeClr val="lt1"/>
+          </a:fontRef>
+        </p:style>
+        <p:txBody>
+          <a:bodyPr rtlCol="0" anchor="ctr"/>
+          <a:lstStyle/>
+          <a:p>
+            <a:pPr algn="ctr"/>
+            <a:endParaRPr lang="en-US"/>
+          </a:p>
+        </p:txBody>
+      </p:sp>
+      <p:sp>
+        <p:nvSpPr>
+          <p:cNvPr id="4" name="Textfeld 3">
+            <a:extLst>
+              <a:ext uri="{FF2B5EF4-FFF2-40B4-BE49-F238E27FC236}">
+                <a16:creationId xmlns:a16="http://schemas.microsoft.com/office/drawing/2014/main" id="{FCF3207A-A44B-4534-8EB6-8157AE90E4C4}"/>
+              </a:ext>
+            </a:extLst>
+          </p:cNvPr>
+          <p:cNvSpPr txBox="1"/>
+          <p:nvPr/>
+        </p:nvSpPr>
+        <p:spPr>
+          <a:xfrm>
+            <a:off x="1892605" y="2767280"/>
+            <a:ext cx="8406789" cy="1323439"/>
+          </a:xfrm>
+          <a:prstGeom prst="rect">
+            <a:avLst/>
+          </a:prstGeom>
+          <a:noFill/>
+        </p:spPr>
+        <p:txBody>
+          <a:bodyPr wrap="none" rtlCol="0">
+            <a:spAutoFit/>
+          </a:bodyPr>
+          <a:lstStyle/>
+          <a:p>
+            <a:r>
+              <a:rPr lang="de-DE" sz="4000" dirty="0"/>
+              <a:t>Unterwassserdrohne zur automatisierten </a:t>
+            </a:r>
+          </a:p>
+          <a:p>
+            <a:r>
+              <a:rPr lang="de-DE" sz="4000" dirty="0"/>
+              <a:t>Ernte und Aussaat von Algen </a:t>
+            </a:r>
+          </a:p>
+        </p:txBody>
+      </p:sp>
+    </p:spTree>
+    <p:extLst>
+      <p:ext uri="{BB962C8B-B14F-4D97-AF65-F5344CB8AC3E}">
+        <p14:creationId xmlns:p14="http://schemas.microsoft.com/office/powerpoint/2010/main" val="1250050528"/>
+      </p:ext>
+    </p:extLst>
+  </p:cSld>
+  <p:clrMapOvr>
+    <a:masterClrMapping/>
+  </p:clrMapOvr>
+</p:sld>
+</file>
+
+<file path=ppt/slides/slide6.xml><?xml version="1.0" encoding="utf-8"?>
+<p:sld xmlns:a="http://schemas.openxmlformats.org/drawingml/2006/main" xmlns:r="http://schemas.openxmlformats.org/officeDocument/2006/relationships" xmlns:p="http://schemas.openxmlformats.org/presentationml/2006/main" show="0">
+  <p:cSld>
+    <p:bg>
+      <p:bgPr>
+        <a:solidFill>
+          <a:srgbClr val="4960A6"/>
+        </a:solidFill>
+        <a:effectLst/>
+      </p:bgPr>
+    </p:bg>
+    <p:spTree>
+      <p:nvGrpSpPr>
+        <p:cNvPr id="1" name=""/>
+        <p:cNvGrpSpPr/>
+        <p:nvPr/>
+      </p:nvGrpSpPr>
+      <p:grpSpPr>
+        <a:xfrm>
+          <a:off x="0" y="0"/>
+          <a:ext cx="0" cy="0"/>
+          <a:chOff x="0" y="0"/>
+          <a:chExt cx="0" cy="0"/>
+        </a:xfrm>
+      </p:grpSpPr>
+      <p:sp>
+        <p:nvSpPr>
+          <p:cNvPr id="22" name="Rectangle 21">
+            <a:extLst>
+              <a:ext uri="{FF2B5EF4-FFF2-40B4-BE49-F238E27FC236}">
+                <a16:creationId xmlns:a16="http://schemas.microsoft.com/office/drawing/2014/main" id="{44B3F5F5-166C-4694-B20A-3F8218AF7D03}"/>
+              </a:ext>
+              <a:ext uri="{C183D7F6-B498-43B3-948B-1728B52AA6E4}">
+                <adec:decorative xmlns:adec="http://schemas.microsoft.com/office/drawing/2017/decorative" val="1"/>
+              </a:ext>
+            </a:extLst>
+          </p:cNvPr>
+          <p:cNvSpPr>
+            <a:spLocks noGrp="1" noRot="1" noChangeAspect="1" noMove="1" noResize="1" noEditPoints="1" noAdjustHandles="1" noChangeArrowheads="1" noChangeShapeType="1" noTextEdit="1"/>
+          </p:cNvSpPr>
+          <p:nvPr>
+            <p:extLst>
+              <p:ext uri="{386F3935-93C4-4BCD-93E2-E3B085C9AB24}">
+                <p16:designElem xmlns:p16="http://schemas.microsoft.com/office/powerpoint/2015/main" val="1"/>
+              </p:ext>
+            </p:extLst>
+          </p:nvPr>
+        </p:nvSpPr>
+        <p:spPr>
+          <a:xfrm>
+            <a:off x="0" y="0"/>
+            <a:ext cx="12192000" cy="6858000"/>
+          </a:xfrm>
+          <a:prstGeom prst="rect">
+            <a:avLst/>
+          </a:prstGeom>
+          <a:solidFill>
+            <a:schemeClr val="bg2"/>
+          </a:solidFill>
+          <a:ln>
+            <a:noFill/>
+          </a:ln>
+        </p:spPr>
+        <p:style>
+          <a:lnRef idx="2">
+            <a:schemeClr val="accent1">
+              <a:shade val="50000"/>
+            </a:schemeClr>
+          </a:lnRef>
+          <a:fillRef idx="1">
+            <a:schemeClr val="accent1"/>
+          </a:fillRef>
+          <a:effectRef idx="0">
+            <a:schemeClr val="accent1"/>
+          </a:effectRef>
+          <a:fontRef idx="minor">
+            <a:schemeClr val="lt1"/>
+          </a:fontRef>
+        </p:style>
+        <p:txBody>
+          <a:bodyPr rtlCol="0" anchor="ctr"/>
+          <a:lstStyle/>
+          <a:p>
+            <a:pPr algn="ctr"/>
+            <a:endParaRPr lang="en-US"/>
+          </a:p>
+        </p:txBody>
+      </p:sp>
+      <p:sp>
+        <p:nvSpPr>
+          <p:cNvPr id="24" name="Rectangle 23">
+            <a:extLst>
+              <a:ext uri="{FF2B5EF4-FFF2-40B4-BE49-F238E27FC236}">
+                <a16:creationId xmlns:a16="http://schemas.microsoft.com/office/drawing/2014/main" id="{9E67A204-FB90-4B26-B155-3FA8064AD2DF}"/>
+              </a:ext>
+              <a:ext uri="{C183D7F6-B498-43B3-948B-1728B52AA6E4}">
+                <adec:decorative xmlns:adec="http://schemas.microsoft.com/office/drawing/2017/decorative" val="1"/>
+              </a:ext>
+            </a:extLst>
+          </p:cNvPr>
+          <p:cNvSpPr>
+            <a:spLocks noGrp="1" noRot="1" noChangeAspect="1" noMove="1" noResize="1" noEditPoints="1" noAdjustHandles="1" noChangeArrowheads="1" noChangeShapeType="1" noTextEdit="1"/>
+          </p:cNvSpPr>
+          <p:nvPr>
+            <p:extLst>
+              <p:ext uri="{386F3935-93C4-4BCD-93E2-E3B085C9AB24}">
+                <p16:designElem xmlns:p16="http://schemas.microsoft.com/office/powerpoint/2015/main" val="1"/>
+              </p:ext>
+            </p:extLst>
+          </p:nvPr>
+        </p:nvSpPr>
+        <p:spPr>
+          <a:xfrm>
+            <a:off x="477012" y="480060"/>
+            <a:ext cx="11237976" cy="5897880"/>
+          </a:xfrm>
+          <a:prstGeom prst="rect">
+            <a:avLst/>
+          </a:prstGeom>
+          <a:solidFill>
+            <a:schemeClr val="bg1"/>
+          </a:solidFill>
+          <a:ln w="22225">
+            <a:solidFill>
+              <a:srgbClr val="C17F63"/>
+            </a:solidFill>
+          </a:ln>
+        </p:spPr>
+        <p:style>
+          <a:lnRef idx="2">
+            <a:schemeClr val="accent1">
+              <a:shade val="50000"/>
+            </a:schemeClr>
+          </a:lnRef>
+          <a:fillRef idx="1">
+            <a:schemeClr val="accent1"/>
+          </a:fillRef>
+          <a:effectRef idx="0">
+            <a:schemeClr val="accent1"/>
+          </a:effectRef>
+          <a:fontRef idx="minor">
+            <a:schemeClr val="lt1"/>
+          </a:fontRef>
+        </p:style>
+        <p:txBody>
+          <a:bodyPr rtlCol="0" anchor="ctr"/>
+          <a:lstStyle/>
+          <a:p>
+            <a:pPr algn="ctr"/>
+            <a:endParaRPr lang="en-US"/>
+          </a:p>
+        </p:txBody>
+      </p:sp>
+    </p:spTree>
+    <p:extLst>
+      <p:ext uri="{BB962C8B-B14F-4D97-AF65-F5344CB8AC3E}">
+        <p14:creationId xmlns:p14="http://schemas.microsoft.com/office/powerpoint/2010/main" val="939497610"/>
+      </p:ext>
+    </p:extLst>
+  </p:cSld>
+  <p:clrMapOvr>
+    <a:masterClrMapping/>
+  </p:clrMapOvr>
+</p:sld>
+</file>
+
+<file path=ppt/slides/slide7.xml><?xml version="1.0" encoding="utf-8"?>
+<p:sld xmlns:a="http://schemas.openxmlformats.org/drawingml/2006/main" xmlns:r="http://schemas.openxmlformats.org/officeDocument/2006/relationships" xmlns:p="http://schemas.openxmlformats.org/presentationml/2006/main">
+  <p:cSld>
+    <p:spTree>
+      <p:nvGrpSpPr>
+        <p:cNvPr id="1" name=""/>
+        <p:cNvGrpSpPr/>
+        <p:nvPr/>
+      </p:nvGrpSpPr>
+      <p:grpSpPr>
+        <a:xfrm>
+          <a:off x="0" y="0"/>
+          <a:ext cx="0" cy="0"/>
+          <a:chOff x="0" y="0"/>
+          <a:chExt cx="0" cy="0"/>
+        </a:xfrm>
+      </p:grpSpPr>
+      <p:sp>
+        <p:nvSpPr>
+          <p:cNvPr id="2" name="Textfeld 1">
+            <a:extLst>
+              <a:ext uri="{FF2B5EF4-FFF2-40B4-BE49-F238E27FC236}">
+                <a16:creationId xmlns:a16="http://schemas.microsoft.com/office/drawing/2014/main" id="{91CF4895-9E43-4451-AD30-62BB9C62C0DB}"/>
+              </a:ext>
+            </a:extLst>
+          </p:cNvPr>
+          <p:cNvSpPr txBox="1"/>
+          <p:nvPr/>
+        </p:nvSpPr>
+        <p:spPr>
+          <a:xfrm>
+            <a:off x="908436" y="859138"/>
+            <a:ext cx="184731" cy="369332"/>
+          </a:xfrm>
+          <a:prstGeom prst="rect">
+            <a:avLst/>
+          </a:prstGeom>
+          <a:noFill/>
+        </p:spPr>
+        <p:txBody>
+          <a:bodyPr wrap="none" rtlCol="0">
+            <a:spAutoFit/>
+          </a:bodyPr>
+          <a:lstStyle/>
+          <a:p>
+            <a:endParaRPr lang="de-DE" dirty="0"/>
+          </a:p>
+        </p:txBody>
+      </p:sp>
+      <p:sp>
+        <p:nvSpPr>
+          <p:cNvPr id="19" name="Rectangle 4">
+            <a:extLst>
+              <a:ext uri="{FF2B5EF4-FFF2-40B4-BE49-F238E27FC236}">
+                <a16:creationId xmlns:a16="http://schemas.microsoft.com/office/drawing/2014/main" id="{684E42DA-56F2-4FDE-9B8B-ACCE96074478}"/>
+              </a:ext>
+            </a:extLst>
+          </p:cNvPr>
+          <p:cNvSpPr>
+            <a:spLocks noChangeArrowheads="1"/>
+          </p:cNvSpPr>
+          <p:nvPr/>
+        </p:nvSpPr>
+        <p:spPr bwMode="auto">
+          <a:xfrm>
+            <a:off x="4114207" y="2832243"/>
+            <a:ext cx="12192000" cy="457200"/>
+          </a:xfrm>
+          <a:prstGeom prst="rect">
+            <a:avLst/>
+          </a:prstGeom>
+          <a:noFill/>
+          <a:ln>
+            <a:noFill/>
+          </a:ln>
+          <a:effectLst/>
+          <a:extLst>
+            <a:ext uri="{909E8E84-426E-40DD-AFC4-6F175D3DCCD1}">
+              <a14:hiddenFill xmlns:a14="http://schemas.microsoft.com/office/drawing/2010/main">
+                <a:solidFill>
+                  <a:schemeClr val="accent1"/>
+                </a:solidFill>
+              </a14:hiddenFill>
+            </a:ext>
+            <a:ext uri="{91240B29-F687-4F45-9708-019B960494DF}">
+              <a14:hiddenLine xmlns:a14="http://schemas.microsoft.com/office/drawing/2010/main" w="9525">
+                <a:solidFill>
+                  <a:schemeClr val="tx1"/>
+                </a:solidFill>
+                <a:miter lim="800000"/>
+                <a:headEnd/>
+                <a:tailEnd/>
+              </a14:hiddenLine>
+            </a:ext>
+            <a:ext uri="{AF507438-7753-43E0-B8FC-AC1667EBCBE1}">
+              <a14:hiddenEffects xmlns:a14="http://schemas.microsoft.com/office/drawing/2010/main">
+                <a:effectLst>
+                  <a:outerShdw dist="35921" dir="2700000" algn="ctr" rotWithShape="0">
+                    <a:schemeClr val="bg2"/>
+                  </a:outerShdw>
+                </a:effectLst>
+              </a14:hiddenEffects>
+            </a:ext>
+          </a:extLst>
+        </p:spPr>
+        <p:txBody>
+          <a:bodyPr vert="horz" wrap="none" lIns="91440" tIns="45720" rIns="91440" bIns="45720" numCol="1" anchor="ctr" anchorCtr="0" compatLnSpc="1">
+            <a:prstTxWarp prst="textNoShape">
+              <a:avLst/>
+            </a:prstTxWarp>
+            <a:spAutoFit/>
+          </a:bodyPr>
+          <a:lstStyle/>
+          <a:p>
+            <a:endParaRPr lang="de-DE"/>
+          </a:p>
+        </p:txBody>
+      </p:sp>
+      <p:pic>
+        <p:nvPicPr>
+          <p:cNvPr id="5" name="Grafik 4">
+            <a:extLst>
+              <a:ext uri="{FF2B5EF4-FFF2-40B4-BE49-F238E27FC236}">
+                <a16:creationId xmlns:a16="http://schemas.microsoft.com/office/drawing/2014/main" id="{2A3D4D93-84C6-4CC0-8DF4-660C9C40A9D2}"/>
+              </a:ext>
+            </a:extLst>
+          </p:cNvPr>
+          <p:cNvPicPr>
+            <a:picLocks noChangeAspect="1"/>
+          </p:cNvPicPr>
+          <p:nvPr/>
+        </p:nvPicPr>
+        <p:blipFill>
+          <a:blip r:embed="rId2"/>
+          <a:stretch>
+            <a:fillRect/>
+          </a:stretch>
+        </p:blipFill>
+        <p:spPr>
+          <a:xfrm>
+            <a:off x="4995954" y="859138"/>
+            <a:ext cx="6615983" cy="4961987"/>
+          </a:xfrm>
+          <a:prstGeom prst="rect">
+            <a:avLst/>
+          </a:prstGeom>
+        </p:spPr>
+      </p:pic>
+      <p:pic>
+        <p:nvPicPr>
+          <p:cNvPr id="6" name="Grafik 5">
+            <a:extLst>
+              <a:ext uri="{FF2B5EF4-FFF2-40B4-BE49-F238E27FC236}">
+                <a16:creationId xmlns:a16="http://schemas.microsoft.com/office/drawing/2014/main" id="{65CC6C71-9470-458C-B5F9-CF66DB3204B2}"/>
+              </a:ext>
+            </a:extLst>
+          </p:cNvPr>
+          <p:cNvPicPr>
+            <a:picLocks noChangeAspect="1"/>
+          </p:cNvPicPr>
+          <p:nvPr/>
+        </p:nvPicPr>
+        <p:blipFill>
+          <a:blip r:embed="rId3"/>
+          <a:stretch>
+            <a:fillRect/>
+          </a:stretch>
+        </p:blipFill>
+        <p:spPr>
+          <a:xfrm>
+            <a:off x="1093167" y="1131298"/>
+            <a:ext cx="3181350" cy="952500"/>
+          </a:xfrm>
+          <a:prstGeom prst="roundRect">
+            <a:avLst>
+              <a:gd name="adj" fmla="val 8594"/>
+            </a:avLst>
+          </a:prstGeom>
+          <a:solidFill>
+            <a:srgbClr val="FFFFFF">
+              <a:shade val="85000"/>
+            </a:srgbClr>
+          </a:solidFill>
+          <a:ln>
+            <a:noFill/>
+          </a:ln>
+          <a:effectLst>
+            <a:reflection blurRad="12700" stA="38000" endPos="28000" dist="5000" dir="5400000" sy="-100000" algn="bl" rotWithShape="0"/>
+          </a:effectLst>
+        </p:spPr>
+      </p:pic>
+      <p:pic>
+        <p:nvPicPr>
+          <p:cNvPr id="8" name="Grafik 7">
+            <a:extLst>
+              <a:ext uri="{FF2B5EF4-FFF2-40B4-BE49-F238E27FC236}">
+                <a16:creationId xmlns:a16="http://schemas.microsoft.com/office/drawing/2014/main" id="{71CC943F-D564-4934-8317-63388ADD76FF}"/>
+              </a:ext>
+            </a:extLst>
+          </p:cNvPr>
+          <p:cNvPicPr>
+            <a:picLocks noChangeAspect="1"/>
+          </p:cNvPicPr>
+          <p:nvPr/>
+        </p:nvPicPr>
+        <p:blipFill>
+          <a:blip r:embed="rId4">
+            <a:extLst>
+              <a:ext uri="{BEBA8EAE-BF5A-486C-A8C5-ECC9F3942E4B}">
+                <a14:imgProps xmlns:a14="http://schemas.microsoft.com/office/drawing/2010/main">
+                  <a14:imgLayer r:embed="rId5">
+                    <a14:imgEffect>
+                      <a14:saturation sat="33000"/>
+                    </a14:imgEffect>
+                  </a14:imgLayer>
+                </a14:imgProps>
+              </a:ext>
+            </a:extLst>
+          </a:blip>
+          <a:stretch>
+            <a:fillRect/>
+          </a:stretch>
+        </p:blipFill>
+        <p:spPr>
+          <a:xfrm>
+            <a:off x="932857" y="2737930"/>
+            <a:ext cx="3488671" cy="3333750"/>
+          </a:xfrm>
+          <a:prstGeom prst="rect">
+            <a:avLst/>
+          </a:prstGeom>
+          <a:solidFill>
+            <a:srgbClr val="FFFFFF">
+              <a:shade val="85000"/>
+            </a:srgbClr>
+          </a:solidFill>
+          <a:ln w="190500" cap="sq">
+            <a:solidFill>
+              <a:srgbClr val="FFFFFF"/>
+            </a:solidFill>
+            <a:miter lim="800000"/>
+          </a:ln>
+          <a:effectLst>
+            <a:outerShdw blurRad="65000" dist="50800" dir="12900000" kx="195000" ky="145000" algn="tl" rotWithShape="0">
+              <a:srgbClr val="000000">
+                <a:alpha val="30000"/>
+              </a:srgbClr>
+            </a:outerShdw>
+          </a:effectLst>
+          <a:scene3d>
+            <a:camera prst="orthographicFront">
+              <a:rot lat="0" lon="0" rev="360000"/>
+            </a:camera>
+            <a:lightRig rig="twoPt" dir="t">
+              <a:rot lat="0" lon="0" rev="7200000"/>
+            </a:lightRig>
+          </a:scene3d>
+          <a:sp3d contourW="12700">
+            <a:bevelT w="25400" h="19050"/>
+            <a:contourClr>
+              <a:srgbClr val="969696"/>
+            </a:contourClr>
+          </a:sp3d>
+        </p:spPr>
+      </p:pic>
+      <p:sp>
+        <p:nvSpPr>
+          <p:cNvPr id="3" name="Textfeld 2">
+            <a:extLst>
+              <a:ext uri="{FF2B5EF4-FFF2-40B4-BE49-F238E27FC236}">
+                <a16:creationId xmlns:a16="http://schemas.microsoft.com/office/drawing/2014/main" id="{EAD285E0-CBC3-4B88-BFEB-33A56EE4181E}"/>
+              </a:ext>
+            </a:extLst>
+          </p:cNvPr>
+          <p:cNvSpPr txBox="1"/>
+          <p:nvPr/>
+        </p:nvSpPr>
+        <p:spPr>
+          <a:xfrm>
+            <a:off x="2929555" y="300561"/>
+            <a:ext cx="2369303" cy="369332"/>
+          </a:xfrm>
+          <a:prstGeom prst="rect">
+            <a:avLst/>
+          </a:prstGeom>
+          <a:noFill/>
+        </p:spPr>
+        <p:txBody>
+          <a:bodyPr wrap="none" rtlCol="0">
+            <a:spAutoFit/>
+          </a:bodyPr>
+          <a:lstStyle/>
+          <a:p>
+            <a:r>
+              <a:rPr lang="de-DE" dirty="0"/>
+              <a:t>Verfeinerter Zielrahmen</a:t>
+            </a:r>
+          </a:p>
+        </p:txBody>
+      </p:sp>
+    </p:spTree>
+    <p:extLst>
+      <p:ext uri="{BB962C8B-B14F-4D97-AF65-F5344CB8AC3E}">
+        <p14:creationId xmlns:p14="http://schemas.microsoft.com/office/powerpoint/2010/main" val="2733980996"/>
+      </p:ext>
+    </p:extLst>
+  </p:cSld>
+  <p:clrMapOvr>
+    <a:masterClrMapping/>
+  </p:clrMapOvr>
+</p:sld>
+</file>
+
+<file path=ppt/slides/slide8.xml><?xml version="1.0" encoding="utf-8"?>
+<p:sld xmlns:a="http://schemas.openxmlformats.org/drawingml/2006/main" xmlns:r="http://schemas.openxmlformats.org/officeDocument/2006/relationships" xmlns:p="http://schemas.openxmlformats.org/presentationml/2006/main">
+  <p:cSld>
+    <p:spTree>
+      <p:nvGrpSpPr>
+        <p:cNvPr id="1" name=""/>
+        <p:cNvGrpSpPr/>
+        <p:nvPr/>
+      </p:nvGrpSpPr>
+      <p:grpSpPr>
+        <a:xfrm>
+          <a:off x="0" y="0"/>
+          <a:ext cx="0" cy="0"/>
+          <a:chOff x="0" y="0"/>
+          <a:chExt cx="0" cy="0"/>
+        </a:xfrm>
+      </p:grpSpPr>
+      <p:sp>
+        <p:nvSpPr>
+          <p:cNvPr id="2" name="Textfeld 1">
+            <a:extLst>
+              <a:ext uri="{FF2B5EF4-FFF2-40B4-BE49-F238E27FC236}">
+                <a16:creationId xmlns:a16="http://schemas.microsoft.com/office/drawing/2014/main" id="{91CF4895-9E43-4451-AD30-62BB9C62C0DB}"/>
+              </a:ext>
+            </a:extLst>
+          </p:cNvPr>
+          <p:cNvSpPr txBox="1"/>
+          <p:nvPr/>
+        </p:nvSpPr>
+        <p:spPr>
+          <a:xfrm>
+            <a:off x="685800" y="795528"/>
+            <a:ext cx="184731" cy="369332"/>
+          </a:xfrm>
+          <a:prstGeom prst="rect">
+            <a:avLst/>
+          </a:prstGeom>
+          <a:noFill/>
+        </p:spPr>
+        <p:txBody>
+          <a:bodyPr wrap="none" rtlCol="0">
+            <a:spAutoFit/>
+          </a:bodyPr>
+          <a:lstStyle/>
+          <a:p>
+            <a:endParaRPr lang="de-DE" dirty="0"/>
+          </a:p>
+        </p:txBody>
+      </p:sp>
+      <p:sp>
+        <p:nvSpPr>
+          <p:cNvPr id="8" name="Textfeld 7">
+            <a:extLst>
+              <a:ext uri="{FF2B5EF4-FFF2-40B4-BE49-F238E27FC236}">
+                <a16:creationId xmlns:a16="http://schemas.microsoft.com/office/drawing/2014/main" id="{2F19C88A-07F7-4F3D-B848-47DCC38A9975}"/>
+              </a:ext>
+            </a:extLst>
+          </p:cNvPr>
+          <p:cNvSpPr txBox="1"/>
+          <p:nvPr/>
+        </p:nvSpPr>
+        <p:spPr>
+          <a:xfrm>
+            <a:off x="8054623" y="860931"/>
+            <a:ext cx="2274003" cy="923330"/>
+          </a:xfrm>
+          <a:prstGeom prst="rect">
+            <a:avLst/>
+          </a:prstGeom>
+          <a:noFill/>
+        </p:spPr>
+        <p:txBody>
+          <a:bodyPr wrap="square">
+            <a:spAutoFit/>
+          </a:bodyPr>
+          <a:lstStyle/>
+          <a:p>
+            <a:r>
+              <a:rPr lang="de-DE" sz="3600" dirty="0" err="1"/>
+              <a:t>Flügeltang</a:t>
+            </a:r>
+            <a:endParaRPr lang="de-DE" sz="3600" dirty="0"/>
+          </a:p>
+          <a:p>
+            <a:r>
+              <a:rPr lang="de-DE" sz="1800" dirty="0">
+                <a:effectLst/>
+                <a:latin typeface="Calibri" panose="020F0502020204030204" pitchFamily="34" charset="0"/>
+                <a:ea typeface="Calibri" panose="020F0502020204030204" pitchFamily="34" charset="0"/>
+                <a:cs typeface="Times New Roman" panose="02020603050405020304" pitchFamily="18" charset="0"/>
+              </a:rPr>
+              <a:t>(</a:t>
+            </a:r>
+            <a:r>
+              <a:rPr lang="de-DE" sz="1800" i="1" dirty="0" err="1">
+                <a:effectLst/>
+                <a:latin typeface="Calibri" panose="020F0502020204030204" pitchFamily="34" charset="0"/>
+                <a:ea typeface="Calibri" panose="020F0502020204030204" pitchFamily="34" charset="0"/>
+                <a:cs typeface="Times New Roman" panose="02020603050405020304" pitchFamily="18" charset="0"/>
+              </a:rPr>
+              <a:t>Alaria</a:t>
+            </a:r>
+            <a:r>
+              <a:rPr lang="de-DE" sz="1800" i="1" dirty="0">
+                <a:effectLst/>
+                <a:latin typeface="Calibri" panose="020F0502020204030204" pitchFamily="34" charset="0"/>
+                <a:ea typeface="Calibri" panose="020F0502020204030204" pitchFamily="34" charset="0"/>
+                <a:cs typeface="Times New Roman" panose="02020603050405020304" pitchFamily="18" charset="0"/>
+              </a:rPr>
+              <a:t> </a:t>
+            </a:r>
+            <a:r>
+              <a:rPr lang="de-DE" sz="1800" i="1" dirty="0" err="1">
+                <a:effectLst/>
+                <a:latin typeface="Calibri" panose="020F0502020204030204" pitchFamily="34" charset="0"/>
+                <a:ea typeface="Calibri" panose="020F0502020204030204" pitchFamily="34" charset="0"/>
+                <a:cs typeface="Times New Roman" panose="02020603050405020304" pitchFamily="18" charset="0"/>
+              </a:rPr>
+              <a:t>esculenta</a:t>
+            </a:r>
+            <a:r>
+              <a:rPr lang="de-DE" sz="1800" dirty="0">
+                <a:effectLst/>
+                <a:latin typeface="Calibri" panose="020F0502020204030204" pitchFamily="34" charset="0"/>
+                <a:ea typeface="Calibri" panose="020F0502020204030204" pitchFamily="34" charset="0"/>
+                <a:cs typeface="Times New Roman" panose="02020603050405020304" pitchFamily="18" charset="0"/>
+              </a:rPr>
+              <a:t>)</a:t>
+            </a:r>
+            <a:endParaRPr lang="de-DE" sz="3600" dirty="0"/>
+          </a:p>
+        </p:txBody>
+      </p:sp>
+      <p:sp>
+        <p:nvSpPr>
+          <p:cNvPr id="12" name="Textfeld 11">
+            <a:extLst>
+              <a:ext uri="{FF2B5EF4-FFF2-40B4-BE49-F238E27FC236}">
+                <a16:creationId xmlns:a16="http://schemas.microsoft.com/office/drawing/2014/main" id="{B4803796-90B2-4875-835B-CE7D321C5928}"/>
+              </a:ext>
+            </a:extLst>
+          </p:cNvPr>
+          <p:cNvSpPr txBox="1"/>
+          <p:nvPr/>
+        </p:nvSpPr>
+        <p:spPr>
+          <a:xfrm>
+            <a:off x="1297902" y="795528"/>
+            <a:ext cx="3051633" cy="923330"/>
+          </a:xfrm>
+          <a:prstGeom prst="rect">
+            <a:avLst/>
+          </a:prstGeom>
+          <a:noFill/>
+        </p:spPr>
+        <p:txBody>
+          <a:bodyPr wrap="square">
+            <a:spAutoFit/>
+          </a:bodyPr>
+          <a:lstStyle/>
+          <a:p>
+            <a:r>
+              <a:rPr lang="de-DE" sz="3600" dirty="0" err="1"/>
+              <a:t>Zuckertang</a:t>
+            </a:r>
+            <a:endParaRPr lang="de-DE" sz="3600" dirty="0"/>
+          </a:p>
+          <a:p>
+            <a:r>
+              <a:rPr lang="de-DE" sz="1800" dirty="0">
+                <a:effectLst/>
+                <a:latin typeface="Calibri" panose="020F0502020204030204" pitchFamily="34" charset="0"/>
+                <a:ea typeface="Calibri" panose="020F0502020204030204" pitchFamily="34" charset="0"/>
+                <a:cs typeface="Times New Roman" panose="02020603050405020304" pitchFamily="18" charset="0"/>
+              </a:rPr>
+              <a:t>(</a:t>
+            </a:r>
+            <a:r>
+              <a:rPr lang="de-DE" sz="1800" i="1" dirty="0" err="1">
+                <a:effectLst/>
+                <a:latin typeface="Calibri" panose="020F0502020204030204" pitchFamily="34" charset="0"/>
+                <a:ea typeface="Calibri" panose="020F0502020204030204" pitchFamily="34" charset="0"/>
+                <a:cs typeface="Times New Roman" panose="02020603050405020304" pitchFamily="18" charset="0"/>
+              </a:rPr>
+              <a:t>Saccharina</a:t>
+            </a:r>
+            <a:r>
+              <a:rPr lang="de-DE" sz="1800" i="1" dirty="0">
+                <a:effectLst/>
+                <a:latin typeface="Calibri" panose="020F0502020204030204" pitchFamily="34" charset="0"/>
+                <a:ea typeface="Calibri" panose="020F0502020204030204" pitchFamily="34" charset="0"/>
+                <a:cs typeface="Times New Roman" panose="02020603050405020304" pitchFamily="18" charset="0"/>
+              </a:rPr>
+              <a:t> </a:t>
+            </a:r>
+            <a:r>
+              <a:rPr lang="de-DE" sz="1800" i="1" dirty="0" err="1">
+                <a:effectLst/>
+                <a:latin typeface="Calibri" panose="020F0502020204030204" pitchFamily="34" charset="0"/>
+                <a:ea typeface="Calibri" panose="020F0502020204030204" pitchFamily="34" charset="0"/>
+                <a:cs typeface="Times New Roman" panose="02020603050405020304" pitchFamily="18" charset="0"/>
+              </a:rPr>
+              <a:t>latissima</a:t>
+            </a:r>
+            <a:r>
+              <a:rPr lang="de-DE" sz="1800" dirty="0">
+                <a:effectLst/>
+                <a:latin typeface="Calibri" panose="020F0502020204030204" pitchFamily="34" charset="0"/>
+                <a:ea typeface="Calibri" panose="020F0502020204030204" pitchFamily="34" charset="0"/>
+                <a:cs typeface="Times New Roman" panose="02020603050405020304" pitchFamily="18" charset="0"/>
+              </a:rPr>
+              <a:t>) </a:t>
+            </a:r>
+            <a:endParaRPr lang="de-DE" sz="3600" dirty="0"/>
+          </a:p>
+        </p:txBody>
+      </p:sp>
+      <p:pic>
+        <p:nvPicPr>
+          <p:cNvPr id="4" name="Grafik 3">
+            <a:extLst>
+              <a:ext uri="{FF2B5EF4-FFF2-40B4-BE49-F238E27FC236}">
+                <a16:creationId xmlns:a16="http://schemas.microsoft.com/office/drawing/2014/main" id="{683FC059-36E7-4129-8577-C885E4CF3A80}"/>
+              </a:ext>
+            </a:extLst>
+          </p:cNvPr>
+          <p:cNvPicPr>
+            <a:picLocks noChangeAspect="1"/>
+          </p:cNvPicPr>
+          <p:nvPr/>
+        </p:nvPicPr>
+        <p:blipFill>
+          <a:blip r:embed="rId2"/>
+          <a:stretch>
+            <a:fillRect/>
+          </a:stretch>
+        </p:blipFill>
+        <p:spPr>
+          <a:xfrm>
+            <a:off x="976557" y="2082842"/>
+            <a:ext cx="3376612" cy="3722645"/>
+          </a:xfrm>
+          <a:prstGeom prst="roundRect">
+            <a:avLst>
+              <a:gd name="adj" fmla="val 8594"/>
+            </a:avLst>
+          </a:prstGeom>
+          <a:solidFill>
+            <a:srgbClr val="FFFFFF">
+              <a:shade val="85000"/>
+            </a:srgbClr>
+          </a:solidFill>
+          <a:ln>
+            <a:noFill/>
+          </a:ln>
+          <a:effectLst>
+            <a:reflection blurRad="12700" stA="38000" endPos="28000" dist="5000" dir="5400000" sy="-100000" algn="bl" rotWithShape="0"/>
+          </a:effectLst>
+        </p:spPr>
+      </p:pic>
+      <p:pic>
+        <p:nvPicPr>
+          <p:cNvPr id="5" name="Grafik 4">
+            <a:extLst>
+              <a:ext uri="{FF2B5EF4-FFF2-40B4-BE49-F238E27FC236}">
+                <a16:creationId xmlns:a16="http://schemas.microsoft.com/office/drawing/2014/main" id="{244E6A4A-8455-43C7-A46C-4F3A480DA439}"/>
+              </a:ext>
+            </a:extLst>
+          </p:cNvPr>
+          <p:cNvPicPr>
+            <a:picLocks noChangeAspect="1"/>
+          </p:cNvPicPr>
+          <p:nvPr/>
+        </p:nvPicPr>
+        <p:blipFill>
+          <a:blip r:embed="rId3"/>
+          <a:stretch>
+            <a:fillRect/>
+          </a:stretch>
+        </p:blipFill>
+        <p:spPr>
+          <a:xfrm>
+            <a:off x="7458075" y="2534464"/>
+            <a:ext cx="3467100" cy="2819400"/>
+          </a:xfrm>
+          <a:prstGeom prst="roundRect">
+            <a:avLst>
+              <a:gd name="adj" fmla="val 8594"/>
+            </a:avLst>
+          </a:prstGeom>
+          <a:solidFill>
+            <a:srgbClr val="FFFFFF">
+              <a:shade val="85000"/>
+            </a:srgbClr>
+          </a:solidFill>
+          <a:ln>
+            <a:noFill/>
+          </a:ln>
+          <a:effectLst>
+            <a:reflection blurRad="12700" stA="38000" endPos="28000" dist="5000" dir="5400000" sy="-100000" algn="bl" rotWithShape="0"/>
+          </a:effectLst>
+        </p:spPr>
+      </p:pic>
+      <p:cxnSp>
+        <p:nvCxnSpPr>
+          <p:cNvPr id="7" name="Gerader Verbinder 6">
+            <a:extLst>
+              <a:ext uri="{FF2B5EF4-FFF2-40B4-BE49-F238E27FC236}">
+                <a16:creationId xmlns:a16="http://schemas.microsoft.com/office/drawing/2014/main" id="{F7A41CD5-48C2-42DC-9C74-019A4FE8DA4A}"/>
+              </a:ext>
+            </a:extLst>
+          </p:cNvPr>
+          <p:cNvCxnSpPr>
+            <a:cxnSpLocks/>
+          </p:cNvCxnSpPr>
+          <p:nvPr/>
+        </p:nvCxnSpPr>
+        <p:spPr>
+          <a:xfrm>
+            <a:off x="5783956" y="1164860"/>
+            <a:ext cx="0" cy="4720125"/>
+          </a:xfrm>
+          <a:prstGeom prst="line">
+            <a:avLst/>
+          </a:prstGeom>
+        </p:spPr>
+        <p:style>
+          <a:lnRef idx="1">
+            <a:schemeClr val="accent1"/>
+          </a:lnRef>
+          <a:fillRef idx="0">
+            <a:schemeClr val="accent1"/>
+          </a:fillRef>
+          <a:effectRef idx="0">
+            <a:schemeClr val="accent1"/>
+          </a:effectRef>
+          <a:fontRef idx="minor">
+            <a:schemeClr val="tx1"/>
+          </a:fontRef>
+        </p:style>
+      </p:cxnSp>
+      <p:sp>
+        <p:nvSpPr>
+          <p:cNvPr id="3" name="Textfeld 2">
+            <a:extLst>
+              <a:ext uri="{FF2B5EF4-FFF2-40B4-BE49-F238E27FC236}">
+                <a16:creationId xmlns:a16="http://schemas.microsoft.com/office/drawing/2014/main" id="{E4A0E5EC-2943-4DC3-AB67-97299BD0EFF4}"/>
+              </a:ext>
+            </a:extLst>
+          </p:cNvPr>
+          <p:cNvSpPr txBox="1"/>
+          <p:nvPr/>
+        </p:nvSpPr>
+        <p:spPr>
+          <a:xfrm>
+            <a:off x="2743200" y="358588"/>
+            <a:ext cx="2015232" cy="369332"/>
+          </a:xfrm>
+          <a:prstGeom prst="rect">
+            <a:avLst/>
+          </a:prstGeom>
+          <a:noFill/>
+        </p:spPr>
+        <p:txBody>
+          <a:bodyPr wrap="none" rtlCol="0">
+            <a:spAutoFit/>
+          </a:bodyPr>
+          <a:lstStyle/>
+          <a:p>
+            <a:r>
+              <a:rPr lang="de-DE" dirty="0"/>
+              <a:t>Was bauen wir an?</a:t>
+            </a:r>
+          </a:p>
+        </p:txBody>
+      </p:sp>
+      <p:sp>
+        <p:nvSpPr>
+          <p:cNvPr id="6" name="Textfeld 5">
+            <a:extLst>
+              <a:ext uri="{FF2B5EF4-FFF2-40B4-BE49-F238E27FC236}">
+                <a16:creationId xmlns:a16="http://schemas.microsoft.com/office/drawing/2014/main" id="{98DA89ED-6C5E-4531-981F-0FAF0A0C6F55}"/>
+              </a:ext>
+            </a:extLst>
+          </p:cNvPr>
+          <p:cNvSpPr txBox="1"/>
+          <p:nvPr/>
+        </p:nvSpPr>
+        <p:spPr>
+          <a:xfrm>
+            <a:off x="4758432" y="269458"/>
+            <a:ext cx="1922514" cy="369332"/>
+          </a:xfrm>
+          <a:prstGeom prst="rect">
+            <a:avLst/>
+          </a:prstGeom>
+          <a:noFill/>
+        </p:spPr>
+        <p:txBody>
+          <a:bodyPr wrap="none" rtlCol="0">
+            <a:spAutoFit/>
+          </a:bodyPr>
+          <a:lstStyle/>
+          <a:p>
+            <a:r>
+              <a:rPr lang="de-DE" dirty="0"/>
+              <a:t>(Unser Zielprodukt)</a:t>
+            </a:r>
+          </a:p>
+        </p:txBody>
+      </p:sp>
+    </p:spTree>
+    <p:extLst>
+      <p:ext uri="{BB962C8B-B14F-4D97-AF65-F5344CB8AC3E}">
+        <p14:creationId xmlns:p14="http://schemas.microsoft.com/office/powerpoint/2010/main" val="1052160411"/>
+      </p:ext>
+    </p:extLst>
+  </p:cSld>
+  <p:clrMapOvr>
+    <a:masterClrMapping/>
+  </p:clrMapOvr>
+</p:sld>
+</file>
+
+<file path=ppt/slides/slide9.xml><?xml version="1.0" encoding="utf-8"?>
+<p:sld xmlns:a="http://schemas.openxmlformats.org/drawingml/2006/main" xmlns:r="http://schemas.openxmlformats.org/officeDocument/2006/relationships" xmlns:p="http://schemas.openxmlformats.org/presentationml/2006/main">
+  <p:cSld>
+    <p:spTree>
+      <p:nvGrpSpPr>
+        <p:cNvPr id="1" name=""/>
+        <p:cNvGrpSpPr/>
+        <p:nvPr/>
+      </p:nvGrpSpPr>
+      <p:grpSpPr>
+        <a:xfrm>
+          <a:off x="0" y="0"/>
+          <a:ext cx="0" cy="0"/>
+          <a:chOff x="0" y="0"/>
+          <a:chExt cx="0" cy="0"/>
+        </a:xfrm>
+      </p:grpSpPr>
+      <p:sp>
+        <p:nvSpPr>
+          <p:cNvPr id="2" name="Textfeld 1">
+            <a:extLst>
+              <a:ext uri="{FF2B5EF4-FFF2-40B4-BE49-F238E27FC236}">
+                <a16:creationId xmlns:a16="http://schemas.microsoft.com/office/drawing/2014/main" id="{91CF4895-9E43-4451-AD30-62BB9C62C0DB}"/>
+              </a:ext>
+            </a:extLst>
+          </p:cNvPr>
+          <p:cNvSpPr txBox="1"/>
+          <p:nvPr/>
+        </p:nvSpPr>
+        <p:spPr>
+          <a:xfrm>
+            <a:off x="685800" y="795528"/>
+            <a:ext cx="184731" cy="369332"/>
+          </a:xfrm>
+          <a:prstGeom prst="rect">
+            <a:avLst/>
+          </a:prstGeom>
+          <a:noFill/>
+        </p:spPr>
+        <p:txBody>
+          <a:bodyPr wrap="none" rtlCol="0">
+            <a:spAutoFit/>
+          </a:bodyPr>
+          <a:lstStyle/>
+          <a:p>
+            <a:endParaRPr lang="de-DE" dirty="0"/>
+          </a:p>
+        </p:txBody>
+      </p:sp>
+      <p:pic>
+        <p:nvPicPr>
+          <p:cNvPr id="5" name="Grafik 4">
+            <a:extLst>
+              <a:ext uri="{FF2B5EF4-FFF2-40B4-BE49-F238E27FC236}">
+                <a16:creationId xmlns:a16="http://schemas.microsoft.com/office/drawing/2014/main" id="{45B2B162-1BAF-4A76-8A5F-C5F1929706ED}"/>
+              </a:ext>
+            </a:extLst>
+          </p:cNvPr>
+          <p:cNvPicPr>
+            <a:picLocks noChangeAspect="1"/>
+          </p:cNvPicPr>
+          <p:nvPr/>
+        </p:nvPicPr>
+        <p:blipFill>
+          <a:blip r:embed="rId2"/>
+          <a:stretch>
+            <a:fillRect/>
+          </a:stretch>
+        </p:blipFill>
+        <p:spPr>
+          <a:xfrm>
+            <a:off x="0" y="255494"/>
+            <a:ext cx="12192000" cy="6347011"/>
+          </a:xfrm>
+          <a:prstGeom prst="rect">
+            <a:avLst/>
+          </a:prstGeom>
+        </p:spPr>
+      </p:pic>
+    </p:spTree>
+    <p:extLst>
+      <p:ext uri="{BB962C8B-B14F-4D97-AF65-F5344CB8AC3E}">
+        <p14:creationId xmlns:p14="http://schemas.microsoft.com/office/powerpoint/2010/main" val="3516916557"/>
+      </p:ext>
+    </p:extLst>
+  </p:cSld>
+  <p:clrMapOvr>
+    <a:masterClrMapping/>
+  </p:clrMapOvr>
 </p:sld>
 </file>
 

--- a/Meilenstein 2/Präsentation/Präsentation MS2.pptx
+++ b/Meilenstein 2/Präsentation/Präsentation MS2.pptx
@@ -5,7 +5,7 @@
     <p:sldMasterId id="2147483756" r:id="rId1"/>
   </p:sldMasterIdLst>
   <p:notesMasterIdLst>
-    <p:notesMasterId r:id="rId21"/>
+    <p:notesMasterId r:id="rId23"/>
   </p:notesMasterIdLst>
   <p:sldIdLst>
     <p:sldId id="256" r:id="rId2"/>
@@ -13,20 +13,22 @@
     <p:sldId id="265" r:id="rId4"/>
     <p:sldId id="282" r:id="rId5"/>
     <p:sldId id="283" r:id="rId6"/>
-    <p:sldId id="292" r:id="rId7"/>
-    <p:sldId id="275" r:id="rId8"/>
-    <p:sldId id="276" r:id="rId9"/>
-    <p:sldId id="274" r:id="rId10"/>
-    <p:sldId id="279" r:id="rId11"/>
-    <p:sldId id="288" r:id="rId12"/>
-    <p:sldId id="291" r:id="rId13"/>
-    <p:sldId id="290" r:id="rId14"/>
-    <p:sldId id="289" r:id="rId15"/>
-    <p:sldId id="285" r:id="rId16"/>
-    <p:sldId id="284" r:id="rId17"/>
-    <p:sldId id="287" r:id="rId18"/>
+    <p:sldId id="293" r:id="rId7"/>
+    <p:sldId id="294" r:id="rId8"/>
+    <p:sldId id="274" r:id="rId9"/>
+    <p:sldId id="279" r:id="rId10"/>
+    <p:sldId id="288" r:id="rId11"/>
+    <p:sldId id="291" r:id="rId12"/>
+    <p:sldId id="290" r:id="rId13"/>
+    <p:sldId id="289" r:id="rId14"/>
+    <p:sldId id="285" r:id="rId15"/>
+    <p:sldId id="284" r:id="rId16"/>
+    <p:sldId id="287" r:id="rId17"/>
+    <p:sldId id="272" r:id="rId18"/>
     <p:sldId id="286" r:id="rId19"/>
-    <p:sldId id="272" r:id="rId20"/>
+    <p:sldId id="292" r:id="rId20"/>
+    <p:sldId id="275" r:id="rId21"/>
+    <p:sldId id="276" r:id="rId22"/>
   </p:sldIdLst>
   <p:sldSz cx="12192000" cy="6858000"/>
   <p:notesSz cx="6858000" cy="9144000"/>
@@ -215,7 +217,7 @@
           <a:p>
             <a:fld id="{6388D3DC-C3A5-4BB0-A509-7EA8E98E9A54}" type="datetimeFigureOut">
               <a:rPr lang="de-DE" smtClean="0"/>
-              <a:t>05.12.2020</a:t>
+              <a:t>07.12.2020</a:t>
             </a:fld>
             <a:endParaRPr lang="de-DE"/>
           </a:p>
@@ -634,7 +636,7 @@
           <a:p>
             <a:fld id="{052FE770-E0D2-4419-A252-3771C9401F80}" type="datetimeFigureOut">
               <a:rPr lang="de-DE" smtClean="0"/>
-              <a:t>05.12.2020</a:t>
+              <a:t>07.12.2020</a:t>
             </a:fld>
             <a:endParaRPr lang="de-DE"/>
           </a:p>
@@ -877,7 +879,7 @@
           <a:p>
             <a:fld id="{052FE770-E0D2-4419-A252-3771C9401F80}" type="datetimeFigureOut">
               <a:rPr lang="de-DE" smtClean="0"/>
-              <a:t>05.12.2020</a:t>
+              <a:t>07.12.2020</a:t>
             </a:fld>
             <a:endParaRPr lang="de-DE"/>
           </a:p>
@@ -1057,7 +1059,7 @@
           <a:p>
             <a:fld id="{052FE770-E0D2-4419-A252-3771C9401F80}" type="datetimeFigureOut">
               <a:rPr lang="de-DE" smtClean="0"/>
-              <a:t>05.12.2020</a:t>
+              <a:t>07.12.2020</a:t>
             </a:fld>
             <a:endParaRPr lang="de-DE"/>
           </a:p>
@@ -1262,7 +1264,7 @@
           <a:p>
             <a:fld id="{052FE770-E0D2-4419-A252-3771C9401F80}" type="datetimeFigureOut">
               <a:rPr lang="de-DE" smtClean="0"/>
-              <a:t>05.12.2020</a:t>
+              <a:t>07.12.2020</a:t>
             </a:fld>
             <a:endParaRPr lang="de-DE"/>
           </a:p>
@@ -1519,7 +1521,7 @@
           <a:p>
             <a:fld id="{052FE770-E0D2-4419-A252-3771C9401F80}" type="datetimeFigureOut">
               <a:rPr lang="de-DE" smtClean="0"/>
-              <a:t>05.12.2020</a:t>
+              <a:t>07.12.2020</a:t>
             </a:fld>
             <a:endParaRPr lang="de-DE"/>
           </a:p>
@@ -1866,7 +1868,7 @@
           <a:p>
             <a:fld id="{052FE770-E0D2-4419-A252-3771C9401F80}" type="datetimeFigureOut">
               <a:rPr lang="de-DE" smtClean="0"/>
-              <a:t>05.12.2020</a:t>
+              <a:t>07.12.2020</a:t>
             </a:fld>
             <a:endParaRPr lang="de-DE"/>
           </a:p>
@@ -2268,7 +2270,7 @@
           <a:p>
             <a:fld id="{052FE770-E0D2-4419-A252-3771C9401F80}" type="datetimeFigureOut">
               <a:rPr lang="de-DE" smtClean="0"/>
-              <a:t>05.12.2020</a:t>
+              <a:t>07.12.2020</a:t>
             </a:fld>
             <a:endParaRPr lang="de-DE"/>
           </a:p>
@@ -2386,7 +2388,7 @@
           <a:p>
             <a:fld id="{052FE770-E0D2-4419-A252-3771C9401F80}" type="datetimeFigureOut">
               <a:rPr lang="de-DE" smtClean="0"/>
-              <a:t>05.12.2020</a:t>
+              <a:t>07.12.2020</a:t>
             </a:fld>
             <a:endParaRPr lang="de-DE"/>
           </a:p>
@@ -2481,7 +2483,7 @@
           <a:p>
             <a:fld id="{052FE770-E0D2-4419-A252-3771C9401F80}" type="datetimeFigureOut">
               <a:rPr lang="de-DE" smtClean="0"/>
-              <a:t>05.12.2020</a:t>
+              <a:t>07.12.2020</a:t>
             </a:fld>
             <a:endParaRPr lang="de-DE"/>
           </a:p>
@@ -2771,7 +2773,7 @@
           <a:p>
             <a:fld id="{052FE770-E0D2-4419-A252-3771C9401F80}" type="datetimeFigureOut">
               <a:rPr lang="de-DE" smtClean="0"/>
-              <a:t>05.12.2020</a:t>
+              <a:t>07.12.2020</a:t>
             </a:fld>
             <a:endParaRPr lang="de-DE"/>
           </a:p>
@@ -3051,7 +3053,7 @@
           <a:p>
             <a:fld id="{052FE770-E0D2-4419-A252-3771C9401F80}" type="datetimeFigureOut">
               <a:rPr lang="de-DE" smtClean="0"/>
-              <a:t>05.12.2020</a:t>
+              <a:t>07.12.2020</a:t>
             </a:fld>
             <a:endParaRPr lang="de-DE"/>
           </a:p>
@@ -3301,7 +3303,7 @@
           <a:p>
             <a:fld id="{052FE770-E0D2-4419-A252-3771C9401F80}" type="datetimeFigureOut">
               <a:rPr lang="de-DE" smtClean="0"/>
-              <a:t>05.12.2020</a:t>
+              <a:t>07.12.2020</a:t>
             </a:fld>
             <a:endParaRPr lang="de-DE"/>
           </a:p>
@@ -3877,76 +3879,12 @@
           <a:chExt cx="0" cy="0"/>
         </a:xfrm>
       </p:grpSpPr>
-      <p:sp>
-        <p:nvSpPr>
-          <p:cNvPr id="2" name="Textfeld 1">
-            <a:extLst>
-              <a:ext uri="{FF2B5EF4-FFF2-40B4-BE49-F238E27FC236}">
-                <a16:creationId xmlns:a16="http://schemas.microsoft.com/office/drawing/2014/main" id="{91CF4895-9E43-4451-AD30-62BB9C62C0DB}"/>
-              </a:ext>
-            </a:extLst>
-          </p:cNvPr>
-          <p:cNvSpPr txBox="1"/>
-          <p:nvPr/>
-        </p:nvSpPr>
-        <p:spPr>
-          <a:xfrm>
-            <a:off x="685800" y="795528"/>
-            <a:ext cx="184731" cy="369332"/>
-          </a:xfrm>
-          <a:prstGeom prst="rect">
-            <a:avLst/>
-          </a:prstGeom>
-          <a:noFill/>
-        </p:spPr>
-        <p:txBody>
-          <a:bodyPr wrap="none" rtlCol="0">
-            <a:spAutoFit/>
-          </a:bodyPr>
-          <a:lstStyle/>
-          <a:p>
-            <a:endParaRPr lang="de-DE" dirty="0"/>
-          </a:p>
-        </p:txBody>
-      </p:sp>
-      <p:sp>
-        <p:nvSpPr>
-          <p:cNvPr id="7" name="Textfeld 6">
-            <a:extLst>
-              <a:ext uri="{FF2B5EF4-FFF2-40B4-BE49-F238E27FC236}">
-                <a16:creationId xmlns:a16="http://schemas.microsoft.com/office/drawing/2014/main" id="{A44EBC54-9BC9-4E74-9B20-FFD9DDE22B16}"/>
-              </a:ext>
-            </a:extLst>
-          </p:cNvPr>
-          <p:cNvSpPr txBox="1"/>
-          <p:nvPr/>
-        </p:nvSpPr>
-        <p:spPr>
-          <a:xfrm>
-            <a:off x="908436" y="859138"/>
-            <a:ext cx="184731" cy="369332"/>
-          </a:xfrm>
-          <a:prstGeom prst="rect">
-            <a:avLst/>
-          </a:prstGeom>
-          <a:noFill/>
-        </p:spPr>
-        <p:txBody>
-          <a:bodyPr wrap="none" rtlCol="0">
-            <a:spAutoFit/>
-          </a:bodyPr>
-          <a:lstStyle/>
-          <a:p>
-            <a:endParaRPr lang="de-DE" dirty="0"/>
-          </a:p>
-        </p:txBody>
-      </p:sp>
       <p:pic>
         <p:nvPicPr>
-          <p:cNvPr id="9" name="Grafik 8" descr="Asien mit einfarbiger Füllung">
+          <p:cNvPr id="3" name="Grafik 2">
             <a:extLst>
               <a:ext uri="{FF2B5EF4-FFF2-40B4-BE49-F238E27FC236}">
-                <a16:creationId xmlns:a16="http://schemas.microsoft.com/office/drawing/2014/main" id="{CFED7C80-8680-4ADE-AD9F-63B31E684111}"/>
+                <a16:creationId xmlns:a16="http://schemas.microsoft.com/office/drawing/2014/main" id="{784464B4-777A-44D4-9F5C-587DA8526A47}"/>
               </a:ext>
             </a:extLst>
           </p:cNvPr>
@@ -3961,9 +3899,6 @@
               <a:ext uri="{28A0092B-C50C-407E-A947-70E740481C1C}">
                 <a14:useLocalDpi xmlns:a14="http://schemas.microsoft.com/office/drawing/2010/main" val="0"/>
               </a:ext>
-              <a:ext uri="{96DAC541-7B7A-43D3-8B79-37D633B846F1}">
-                <asvg:svgBlip xmlns:asvg="http://schemas.microsoft.com/office/drawing/2016/SVG/main" r:embed="rId3"/>
-              </a:ext>
             </a:extLst>
           </a:blip>
           <a:stretch>
@@ -3972,8 +3907,8 @@
         </p:blipFill>
         <p:spPr>
           <a:xfrm>
-            <a:off x="7353771" y="2053242"/>
-            <a:ext cx="3030632" cy="3030632"/>
+            <a:off x="319454" y="145846"/>
+            <a:ext cx="11553092" cy="6566308"/>
           </a:xfrm>
           <a:prstGeom prst="rect">
             <a:avLst/>
@@ -3982,10 +3917,10 @@
       </p:pic>
       <p:pic>
         <p:nvPicPr>
-          <p:cNvPr id="10" name="Grafik 9" descr="Europa mit einfarbiger Füllung">
+          <p:cNvPr id="5" name="Grafik 4">
             <a:extLst>
               <a:ext uri="{FF2B5EF4-FFF2-40B4-BE49-F238E27FC236}">
-                <a16:creationId xmlns:a16="http://schemas.microsoft.com/office/drawing/2014/main" id="{C615EA59-02AA-423E-8656-E5DDE01312A0}"/>
+                <a16:creationId xmlns:a16="http://schemas.microsoft.com/office/drawing/2014/main" id="{AD6DF9D8-AE83-44B2-BF47-6D60579FBE38}"/>
               </a:ext>
             </a:extLst>
           </p:cNvPr>
@@ -3995,13 +3930,17 @@
           <p:nvPr/>
         </p:nvPicPr>
         <p:blipFill>
-          <a:blip r:embed="rId4">
-            <a:extLst>
-              <a:ext uri="{28A0092B-C50C-407E-A947-70E740481C1C}">
-                <a14:useLocalDpi xmlns:a14="http://schemas.microsoft.com/office/drawing/2010/main" val="0"/>
-              </a:ext>
-              <a:ext uri="{96DAC541-7B7A-43D3-8B79-37D633B846F1}">
-                <asvg:svgBlip xmlns:asvg="http://schemas.microsoft.com/office/drawing/2016/SVG/main" r:embed="rId5"/>
+          <a:blip r:embed="rId3">
+            <a:alphaModFix amt="95000"/>
+            <a:extLst>
+              <a:ext uri="{BEBA8EAE-BF5A-486C-A8C5-ECC9F3942E4B}">
+                <a14:imgProps xmlns:a14="http://schemas.microsoft.com/office/drawing/2010/main">
+                  <a14:imgLayer r:embed="rId4">
+                    <a14:imgEffect>
+                      <a14:sharpenSoften amount="25000"/>
+                    </a14:imgEffect>
+                  </a14:imgLayer>
+                </a14:imgProps>
               </a:ext>
             </a:extLst>
           </a:blip>
@@ -4011,138 +3950,107 @@
         </p:blipFill>
         <p:spPr>
           <a:xfrm>
-            <a:off x="1456484" y="2121022"/>
-            <a:ext cx="2430516" cy="2430516"/>
+            <a:off x="0" y="275"/>
+            <a:ext cx="12192000" cy="6857450"/>
           </a:xfrm>
           <a:prstGeom prst="rect">
             <a:avLst/>
           </a:prstGeom>
         </p:spPr>
       </p:pic>
-      <p:sp>
-        <p:nvSpPr>
-          <p:cNvPr id="11" name="Textfeld 10">
-            <a:extLst>
-              <a:ext uri="{FF2B5EF4-FFF2-40B4-BE49-F238E27FC236}">
-                <a16:creationId xmlns:a16="http://schemas.microsoft.com/office/drawing/2014/main" id="{827852CF-D446-4B39-9BF2-A3C14EDC75A9}"/>
-              </a:ext>
-            </a:extLst>
-          </p:cNvPr>
-          <p:cNvSpPr txBox="1"/>
-          <p:nvPr/>
-        </p:nvSpPr>
-        <p:spPr>
-          <a:xfrm>
-            <a:off x="1807597" y="4545265"/>
-            <a:ext cx="1873857" cy="1077218"/>
-          </a:xfrm>
-          <a:prstGeom prst="rect">
-            <a:avLst/>
-          </a:prstGeom>
-          <a:noFill/>
-        </p:spPr>
-        <p:txBody>
-          <a:bodyPr wrap="square" rtlCol="0">
-            <a:spAutoFit/>
-          </a:bodyPr>
-          <a:lstStyle/>
-          <a:p>
-            <a:r>
-              <a:rPr lang="de-DE" sz="3600" dirty="0"/>
-              <a:t>Europa </a:t>
-            </a:r>
-          </a:p>
-          <a:p>
-            <a:endParaRPr lang="de-DE" sz="2800" dirty="0"/>
-          </a:p>
-        </p:txBody>
-      </p:sp>
-      <p:sp>
-        <p:nvSpPr>
-          <p:cNvPr id="12" name="Textfeld 11">
-            <a:extLst>
-              <a:ext uri="{FF2B5EF4-FFF2-40B4-BE49-F238E27FC236}">
-                <a16:creationId xmlns:a16="http://schemas.microsoft.com/office/drawing/2014/main" id="{36601E80-7131-427E-A40F-EDE9F1138D9C}"/>
-              </a:ext>
-            </a:extLst>
-          </p:cNvPr>
-          <p:cNvSpPr txBox="1"/>
-          <p:nvPr/>
-        </p:nvSpPr>
-        <p:spPr>
-          <a:xfrm>
-            <a:off x="5923722" y="4545265"/>
-            <a:ext cx="5414837" cy="1077218"/>
-          </a:xfrm>
-          <a:prstGeom prst="rect">
-            <a:avLst/>
-          </a:prstGeom>
-          <a:noFill/>
-        </p:spPr>
-        <p:txBody>
-          <a:bodyPr wrap="square" rtlCol="0">
-            <a:spAutoFit/>
-          </a:bodyPr>
-          <a:lstStyle/>
-          <a:p>
-            <a:r>
-              <a:rPr lang="de-DE" sz="3600" dirty="0"/>
-              <a:t>Asien (insbesondere China) </a:t>
-            </a:r>
-          </a:p>
-          <a:p>
-            <a:endParaRPr lang="de-DE" sz="2800" dirty="0"/>
-          </a:p>
-        </p:txBody>
-      </p:sp>
-      <p:sp>
-        <p:nvSpPr>
-          <p:cNvPr id="13" name="Textfeld 12">
-            <a:extLst>
-              <a:ext uri="{FF2B5EF4-FFF2-40B4-BE49-F238E27FC236}">
-                <a16:creationId xmlns:a16="http://schemas.microsoft.com/office/drawing/2014/main" id="{DE9C8E4E-8E8E-4AB9-8FC9-D3A3ED01FD3B}"/>
-              </a:ext>
-            </a:extLst>
-          </p:cNvPr>
-          <p:cNvSpPr txBox="1"/>
-          <p:nvPr/>
-        </p:nvSpPr>
-        <p:spPr>
-          <a:xfrm>
-            <a:off x="988315" y="654304"/>
-            <a:ext cx="6251784" cy="1077218"/>
-          </a:xfrm>
-          <a:prstGeom prst="rect">
-            <a:avLst/>
-          </a:prstGeom>
-          <a:noFill/>
-        </p:spPr>
-        <p:txBody>
-          <a:bodyPr wrap="square" rtlCol="0">
-            <a:spAutoFit/>
-          </a:bodyPr>
-          <a:lstStyle/>
-          <a:p>
-            <a:r>
-              <a:rPr lang="de-DE" sz="3600" dirty="0"/>
-              <a:t>Zukünftige Kunden: </a:t>
-            </a:r>
-          </a:p>
-          <a:p>
-            <a:endParaRPr lang="de-DE" sz="2800" dirty="0"/>
-          </a:p>
-        </p:txBody>
-      </p:sp>
     </p:spTree>
     <p:extLst>
       <p:ext uri="{BB962C8B-B14F-4D97-AF65-F5344CB8AC3E}">
-        <p14:creationId xmlns:p14="http://schemas.microsoft.com/office/powerpoint/2010/main" val="2295576788"/>
+        <p14:creationId xmlns:p14="http://schemas.microsoft.com/office/powerpoint/2010/main" val="3174009246"/>
       </p:ext>
     </p:extLst>
   </p:cSld>
   <p:clrMapOvr>
     <a:masterClrMapping/>
   </p:clrMapOvr>
+  <p:timing>
+    <p:tnLst>
+      <p:par>
+        <p:cTn id="1" dur="indefinite" restart="never" nodeType="tmRoot">
+          <p:childTnLst>
+            <p:seq concurrent="1" nextAc="seek">
+              <p:cTn id="2" dur="indefinite" nodeType="mainSeq">
+                <p:childTnLst>
+                  <p:par>
+                    <p:cTn id="3" fill="hold">
+                      <p:stCondLst>
+                        <p:cond delay="indefinite"/>
+                      </p:stCondLst>
+                      <p:childTnLst>
+                        <p:par>
+                          <p:cTn id="4" fill="hold">
+                            <p:stCondLst>
+                              <p:cond delay="0"/>
+                            </p:stCondLst>
+                            <p:childTnLst>
+                              <p:par>
+                                <p:cTn id="5" presetID="10" presetClass="exit" presetSubtype="0" fill="hold" nodeType="clickEffect">
+                                  <p:stCondLst>
+                                    <p:cond delay="0"/>
+                                  </p:stCondLst>
+                                  <p:childTnLst>
+                                    <p:animEffect transition="out" filter="fade">
+                                      <p:cBhvr>
+                                        <p:cTn id="6" dur="500"/>
+                                        <p:tgtEl>
+                                          <p:spTgt spid="5"/>
+                                        </p:tgtEl>
+                                      </p:cBhvr>
+                                    </p:animEffect>
+                                    <p:set>
+                                      <p:cBhvr>
+                                        <p:cTn id="7" dur="1" fill="hold">
+                                          <p:stCondLst>
+                                            <p:cond delay="499"/>
+                                          </p:stCondLst>
+                                        </p:cTn>
+                                        <p:tgtEl>
+                                          <p:spTgt spid="5"/>
+                                        </p:tgtEl>
+                                        <p:attrNameLst>
+                                          <p:attrName>style.visibility</p:attrName>
+                                        </p:attrNameLst>
+                                      </p:cBhvr>
+                                      <p:to>
+                                        <p:strVal val="hidden"/>
+                                      </p:to>
+                                    </p:set>
+                                  </p:childTnLst>
+                                </p:cTn>
+                              </p:par>
+                            </p:childTnLst>
+                          </p:cTn>
+                        </p:par>
+                      </p:childTnLst>
+                    </p:cTn>
+                  </p:par>
+                </p:childTnLst>
+              </p:cTn>
+              <p:prevCondLst>
+                <p:cond evt="onPrev" delay="0">
+                  <p:tgtEl>
+                    <p:sldTgt/>
+                  </p:tgtEl>
+                </p:cond>
+              </p:prevCondLst>
+              <p:nextCondLst>
+                <p:cond evt="onNext" delay="0">
+                  <p:tgtEl>
+                    <p:sldTgt/>
+                  </p:tgtEl>
+                </p:cond>
+              </p:nextCondLst>
+            </p:seq>
+          </p:childTnLst>
+        </p:cTn>
+      </p:par>
+    </p:tnLst>
+  </p:timing>
 </p:sld>
 </file>
 
@@ -4165,10 +4073,10 @@
       </p:grpSpPr>
       <p:pic>
         <p:nvPicPr>
-          <p:cNvPr id="3" name="Grafik 2">
+          <p:cNvPr id="6" name="Grafik 5">
             <a:extLst>
               <a:ext uri="{FF2B5EF4-FFF2-40B4-BE49-F238E27FC236}">
-                <a16:creationId xmlns:a16="http://schemas.microsoft.com/office/drawing/2014/main" id="{784464B4-777A-44D4-9F5C-587DA8526A47}"/>
+                <a16:creationId xmlns:a16="http://schemas.microsoft.com/office/drawing/2014/main" id="{B9AEC49C-9D6A-4D5D-A2EC-730445758DFD}"/>
               </a:ext>
             </a:extLst>
           </p:cNvPr>
@@ -4178,10 +4086,185 @@
           <p:nvPr/>
         </p:nvPicPr>
         <p:blipFill>
-          <a:blip r:embed="rId2">
-            <a:extLst>
-              <a:ext uri="{28A0092B-C50C-407E-A947-70E740481C1C}">
-                <a14:useLocalDpi xmlns:a14="http://schemas.microsoft.com/office/drawing/2010/main" val="0"/>
+          <a:blip r:embed="rId2"/>
+          <a:stretch>
+            <a:fillRect/>
+          </a:stretch>
+        </p:blipFill>
+        <p:spPr>
+          <a:xfrm>
+            <a:off x="70336" y="87919"/>
+            <a:ext cx="6910754" cy="6052275"/>
+          </a:xfrm>
+          <a:prstGeom prst="rect">
+            <a:avLst/>
+          </a:prstGeom>
+          <a:effectLst/>
+        </p:spPr>
+      </p:pic>
+      <p:sp>
+        <p:nvSpPr>
+          <p:cNvPr id="7" name="Textfeld 6">
+            <a:extLst>
+              <a:ext uri="{FF2B5EF4-FFF2-40B4-BE49-F238E27FC236}">
+                <a16:creationId xmlns:a16="http://schemas.microsoft.com/office/drawing/2014/main" id="{6D4C797F-6F0C-4934-9005-EF68B0E97695}"/>
+              </a:ext>
+            </a:extLst>
+          </p:cNvPr>
+          <p:cNvSpPr txBox="1"/>
+          <p:nvPr/>
+        </p:nvSpPr>
+        <p:spPr>
+          <a:xfrm rot="5400000">
+            <a:off x="3279501" y="6141961"/>
+            <a:ext cx="612223" cy="584775"/>
+          </a:xfrm>
+          <a:prstGeom prst="rect">
+            <a:avLst/>
+          </a:prstGeom>
+          <a:noFill/>
+        </p:spPr>
+        <p:txBody>
+          <a:bodyPr wrap="square" rtlCol="0">
+            <a:spAutoFit/>
+          </a:bodyPr>
+          <a:lstStyle/>
+          <a:p>
+            <a:r>
+              <a:rPr lang="de-DE" sz="3200" dirty="0"/>
+              <a:t>…</a:t>
+            </a:r>
+          </a:p>
+        </p:txBody>
+      </p:sp>
+      <p:sp>
+        <p:nvSpPr>
+          <p:cNvPr id="8" name="Textfeld 7">
+            <a:extLst>
+              <a:ext uri="{FF2B5EF4-FFF2-40B4-BE49-F238E27FC236}">
+                <a16:creationId xmlns:a16="http://schemas.microsoft.com/office/drawing/2014/main" id="{73D31459-2584-4677-B6F8-9DA99127F894}"/>
+              </a:ext>
+            </a:extLst>
+          </p:cNvPr>
+          <p:cNvSpPr txBox="1"/>
+          <p:nvPr/>
+        </p:nvSpPr>
+        <p:spPr>
+          <a:xfrm>
+            <a:off x="7042639" y="193430"/>
+            <a:ext cx="4721470" cy="4154984"/>
+          </a:xfrm>
+          <a:prstGeom prst="rect">
+            <a:avLst/>
+          </a:prstGeom>
+          <a:noFill/>
+          <a:ln>
+            <a:solidFill>
+              <a:srgbClr val="C17F63"/>
+            </a:solidFill>
+          </a:ln>
+        </p:spPr>
+        <p:txBody>
+          <a:bodyPr wrap="square" rtlCol="0">
+            <a:spAutoFit/>
+          </a:bodyPr>
+          <a:lstStyle/>
+          <a:p>
+            <a:r>
+              <a:rPr lang="de-DE" sz="2400" dirty="0"/>
+              <a:t> Wichtigste Anforderungen:</a:t>
+            </a:r>
+          </a:p>
+          <a:p>
+            <a:pPr marL="342900" indent="-342900">
+              <a:buFontTx/>
+              <a:buChar char="-"/>
+            </a:pPr>
+            <a:r>
+              <a:rPr lang="de-DE" sz="2400" dirty="0"/>
+              <a:t>Autonom Algen säen und ernten</a:t>
+            </a:r>
+          </a:p>
+          <a:p>
+            <a:pPr marL="342900" indent="-342900">
+              <a:buFontTx/>
+              <a:buChar char="-"/>
+            </a:pPr>
+            <a:r>
+              <a:rPr lang="de-DE" sz="2400" dirty="0"/>
+              <a:t>Hochseeumgeben aushalten</a:t>
+            </a:r>
+          </a:p>
+          <a:p>
+            <a:pPr marL="342900" indent="-342900">
+              <a:buFontTx/>
+              <a:buChar char="-"/>
+            </a:pPr>
+            <a:r>
+              <a:rPr lang="de-DE" sz="2400" dirty="0"/>
+              <a:t>Über modulare Werkzeuge verfügen</a:t>
+            </a:r>
+          </a:p>
+          <a:p>
+            <a:pPr marL="342900" indent="-342900">
+              <a:buFontTx/>
+              <a:buChar char="-"/>
+            </a:pPr>
+            <a:r>
+              <a:rPr lang="de-DE" sz="2400" dirty="0"/>
+              <a:t>Sich kollisionsfrei in Umgebung fortbewegen können (andere Drohnen, Fische, Taucher,…)</a:t>
+            </a:r>
+          </a:p>
+          <a:p>
+            <a:pPr marL="342900" indent="-342900">
+              <a:buFontTx/>
+              <a:buChar char="-"/>
+            </a:pPr>
+            <a:r>
+              <a:rPr lang="de-DE" sz="2400" dirty="0"/>
+              <a:t>Für den Kunden wirtschaftliche </a:t>
+            </a:r>
+          </a:p>
+          <a:p>
+            <a:r>
+              <a:rPr lang="de-DE" sz="2400" dirty="0"/>
+              <a:t>    Betriebskosten</a:t>
+            </a:r>
+          </a:p>
+          <a:p>
+            <a:r>
+              <a:rPr lang="de-DE" sz="2400" dirty="0"/>
+              <a:t> </a:t>
+            </a:r>
+          </a:p>
+        </p:txBody>
+      </p:sp>
+      <p:pic>
+        <p:nvPicPr>
+          <p:cNvPr id="11" name="Grafik 10">
+            <a:extLst>
+              <a:ext uri="{FF2B5EF4-FFF2-40B4-BE49-F238E27FC236}">
+                <a16:creationId xmlns:a16="http://schemas.microsoft.com/office/drawing/2014/main" id="{809B40D7-5BA9-49C8-872E-20584B9A5B81}"/>
+              </a:ext>
+            </a:extLst>
+          </p:cNvPr>
+          <p:cNvPicPr>
+            <a:picLocks noChangeAspect="1"/>
+          </p:cNvPicPr>
+          <p:nvPr/>
+        </p:nvPicPr>
+        <p:blipFill>
+          <a:blip r:embed="rId3">
+            <a:alphaModFix amt="95000"/>
+            <a:extLst>
+              <a:ext uri="{BEBA8EAE-BF5A-486C-A8C5-ECC9F3942E4B}">
+                <a14:imgProps xmlns:a14="http://schemas.microsoft.com/office/drawing/2010/main">
+                  <a14:imgLayer r:embed="rId4">
+                    <a14:imgEffect>
+                      <a14:sharpenSoften amount="25000"/>
+                    </a14:imgEffect>
+                  </a14:imgLayer>
+                </a14:imgProps>
               </a:ext>
             </a:extLst>
           </a:blip>
@@ -4191,59 +4274,107 @@
         </p:blipFill>
         <p:spPr>
           <a:xfrm>
-            <a:off x="1219200" y="657225"/>
-            <a:ext cx="9753600" cy="5543550"/>
+            <a:off x="0" y="1654"/>
+            <a:ext cx="12192000" cy="6854692"/>
           </a:xfrm>
           <a:prstGeom prst="rect">
             <a:avLst/>
           </a:prstGeom>
         </p:spPr>
       </p:pic>
-      <p:sp>
-        <p:nvSpPr>
-          <p:cNvPr id="4" name="Textfeld 3">
-            <a:extLst>
-              <a:ext uri="{FF2B5EF4-FFF2-40B4-BE49-F238E27FC236}">
-                <a16:creationId xmlns:a16="http://schemas.microsoft.com/office/drawing/2014/main" id="{BDF764C8-922E-4FBA-9D65-9BA3FBAD2990}"/>
-              </a:ext>
-            </a:extLst>
-          </p:cNvPr>
-          <p:cNvSpPr txBox="1"/>
-          <p:nvPr/>
-        </p:nvSpPr>
-        <p:spPr>
-          <a:xfrm>
-            <a:off x="4661647" y="259976"/>
-            <a:ext cx="1698863" cy="369332"/>
-          </a:xfrm>
-          <a:prstGeom prst="rect">
-            <a:avLst/>
-          </a:prstGeom>
-          <a:noFill/>
-        </p:spPr>
-        <p:txBody>
-          <a:bodyPr wrap="none" rtlCol="0">
-            <a:spAutoFit/>
-          </a:bodyPr>
-          <a:lstStyle/>
-          <a:p>
-            <a:r>
-              <a:rPr lang="de-DE" dirty="0"/>
-              <a:t>System Footprint</a:t>
-            </a:r>
-          </a:p>
-        </p:txBody>
-      </p:sp>
     </p:spTree>
     <p:extLst>
       <p:ext uri="{BB962C8B-B14F-4D97-AF65-F5344CB8AC3E}">
-        <p14:creationId xmlns:p14="http://schemas.microsoft.com/office/powerpoint/2010/main" val="3174009246"/>
+        <p14:creationId xmlns:p14="http://schemas.microsoft.com/office/powerpoint/2010/main" val="3594215452"/>
       </p:ext>
     </p:extLst>
   </p:cSld>
   <p:clrMapOvr>
     <a:masterClrMapping/>
   </p:clrMapOvr>
+  <p:timing>
+    <p:tnLst>
+      <p:par>
+        <p:cTn id="1" dur="indefinite" restart="never" nodeType="tmRoot">
+          <p:childTnLst>
+            <p:seq concurrent="1" nextAc="seek">
+              <p:cTn id="2" dur="indefinite" nodeType="mainSeq">
+                <p:childTnLst>
+                  <p:par>
+                    <p:cTn id="3" fill="hold">
+                      <p:stCondLst>
+                        <p:cond delay="indefinite"/>
+                      </p:stCondLst>
+                      <p:childTnLst>
+                        <p:par>
+                          <p:cTn id="4" fill="hold">
+                            <p:stCondLst>
+                              <p:cond delay="0"/>
+                            </p:stCondLst>
+                            <p:childTnLst>
+                              <p:par>
+                                <p:cTn id="5" presetID="10" presetClass="exit" presetSubtype="0" fill="hold" nodeType="clickEffect">
+                                  <p:stCondLst>
+                                    <p:cond delay="0"/>
+                                  </p:stCondLst>
+                                  <p:childTnLst>
+                                    <p:animEffect transition="out" filter="fade">
+                                      <p:cBhvr>
+                                        <p:cTn id="6" dur="500"/>
+                                        <p:tgtEl>
+                                          <p:spTgt spid="11"/>
+                                        </p:tgtEl>
+                                      </p:cBhvr>
+                                    </p:animEffect>
+                                    <p:set>
+                                      <p:cBhvr>
+                                        <p:cTn id="7" dur="1" fill="hold">
+                                          <p:stCondLst>
+                                            <p:cond delay="499"/>
+                                          </p:stCondLst>
+                                        </p:cTn>
+                                        <p:tgtEl>
+                                          <p:spTgt spid="11"/>
+                                        </p:tgtEl>
+                                        <p:attrNameLst>
+                                          <p:attrName>style.visibility</p:attrName>
+                                        </p:attrNameLst>
+                                      </p:cBhvr>
+                                      <p:to>
+                                        <p:strVal val="hidden"/>
+                                      </p:to>
+                                    </p:set>
+                                  </p:childTnLst>
+                                </p:cTn>
+                              </p:par>
+                            </p:childTnLst>
+                          </p:cTn>
+                        </p:par>
+                      </p:childTnLst>
+                    </p:cTn>
+                  </p:par>
+                </p:childTnLst>
+              </p:cTn>
+              <p:prevCondLst>
+                <p:cond evt="onPrev" delay="0">
+                  <p:tgtEl>
+                    <p:sldTgt/>
+                  </p:tgtEl>
+                </p:cond>
+              </p:prevCondLst>
+              <p:nextCondLst>
+                <p:cond evt="onNext" delay="0">
+                  <p:tgtEl>
+                    <p:sldTgt/>
+                  </p:tgtEl>
+                </p:cond>
+              </p:nextCondLst>
+            </p:seq>
+          </p:childTnLst>
+        </p:cTn>
+      </p:par>
+    </p:tnLst>
+  </p:timing>
 </p:sld>
 </file>
 
@@ -4269,7 +4400,7 @@
           <p:cNvPr id="2" name="Textfeld 1">
             <a:extLst>
               <a:ext uri="{FF2B5EF4-FFF2-40B4-BE49-F238E27FC236}">
-                <a16:creationId xmlns:a16="http://schemas.microsoft.com/office/drawing/2014/main" id="{DFB60143-C16E-4826-9195-35C149AAC8A8}"/>
+                <a16:creationId xmlns:a16="http://schemas.microsoft.com/office/drawing/2014/main" id="{D3211B05-7243-4EA5-9891-97FB775B4504}"/>
               </a:ext>
             </a:extLst>
           </p:cNvPr>
@@ -4278,8 +4409,8 @@
         </p:nvSpPr>
         <p:spPr>
           <a:xfrm>
-            <a:off x="5319088" y="3244334"/>
-            <a:ext cx="1553823" cy="369332"/>
+            <a:off x="5794475" y="3244334"/>
+            <a:ext cx="603050" cy="369332"/>
           </a:xfrm>
           <a:prstGeom prst="rect">
             <a:avLst/>
@@ -4294,21 +4425,147 @@
           <a:p>
             <a:r>
               <a:rPr lang="de-DE" dirty="0"/>
-              <a:t>Anforderungen</a:t>
-            </a:r>
-          </a:p>
-        </p:txBody>
-      </p:sp>
+              <a:t>QFD</a:t>
+            </a:r>
+          </a:p>
+        </p:txBody>
+      </p:sp>
+      <p:pic>
+        <p:nvPicPr>
+          <p:cNvPr id="4" name="Grafik 3">
+            <a:extLst>
+              <a:ext uri="{FF2B5EF4-FFF2-40B4-BE49-F238E27FC236}">
+                <a16:creationId xmlns:a16="http://schemas.microsoft.com/office/drawing/2014/main" id="{BCD8186F-0225-4428-BD5D-F6BCC0366B8E}"/>
+              </a:ext>
+            </a:extLst>
+          </p:cNvPr>
+          <p:cNvPicPr>
+            <a:picLocks noChangeAspect="1"/>
+          </p:cNvPicPr>
+          <p:nvPr/>
+        </p:nvPicPr>
+        <p:blipFill>
+          <a:blip r:embed="rId2">
+            <a:alphaModFix amt="95000"/>
+            <a:extLst>
+              <a:ext uri="{BEBA8EAE-BF5A-486C-A8C5-ECC9F3942E4B}">
+                <a14:imgProps xmlns:a14="http://schemas.microsoft.com/office/drawing/2010/main">
+                  <a14:imgLayer r:embed="rId3">
+                    <a14:imgEffect>
+                      <a14:sharpenSoften amount="25000"/>
+                    </a14:imgEffect>
+                  </a14:imgLayer>
+                </a14:imgProps>
+              </a:ext>
+            </a:extLst>
+          </a:blip>
+          <a:stretch>
+            <a:fillRect/>
+          </a:stretch>
+        </p:blipFill>
+        <p:spPr>
+          <a:xfrm>
+            <a:off x="0" y="13479"/>
+            <a:ext cx="12192000" cy="6831042"/>
+          </a:xfrm>
+          <a:prstGeom prst="rect">
+            <a:avLst/>
+          </a:prstGeom>
+        </p:spPr>
+      </p:pic>
     </p:spTree>
     <p:extLst>
       <p:ext uri="{BB962C8B-B14F-4D97-AF65-F5344CB8AC3E}">
-        <p14:creationId xmlns:p14="http://schemas.microsoft.com/office/powerpoint/2010/main" val="3594215452"/>
+        <p14:creationId xmlns:p14="http://schemas.microsoft.com/office/powerpoint/2010/main" val="1869568478"/>
       </p:ext>
     </p:extLst>
   </p:cSld>
   <p:clrMapOvr>
     <a:masterClrMapping/>
   </p:clrMapOvr>
+  <p:timing>
+    <p:tnLst>
+      <p:par>
+        <p:cTn id="1" dur="indefinite" restart="never" nodeType="tmRoot">
+          <p:childTnLst>
+            <p:seq concurrent="1" nextAc="seek">
+              <p:cTn id="2" dur="indefinite" nodeType="mainSeq">
+                <p:childTnLst>
+                  <p:par>
+                    <p:cTn id="3" fill="hold">
+                      <p:stCondLst>
+                        <p:cond delay="indefinite"/>
+                      </p:stCondLst>
+                      <p:childTnLst>
+                        <p:par>
+                          <p:cTn id="4" fill="hold">
+                            <p:stCondLst>
+                              <p:cond delay="0"/>
+                            </p:stCondLst>
+                            <p:childTnLst>
+                              <p:par>
+                                <p:cTn id="5" presetID="10" presetClass="exit" presetSubtype="0" fill="hold" nodeType="clickEffect">
+                                  <p:stCondLst>
+                                    <p:cond delay="0"/>
+                                  </p:stCondLst>
+                                  <p:childTnLst>
+                                    <p:animEffect transition="out" filter="fade">
+                                      <p:cBhvr>
+                                        <p:cTn id="6" dur="500"/>
+                                        <p:tgtEl>
+                                          <p:spTgt spid="4"/>
+                                        </p:tgtEl>
+                                      </p:cBhvr>
+                                    </p:animEffect>
+                                    <p:set>
+                                      <p:cBhvr>
+                                        <p:cTn id="7" dur="1" fill="hold">
+                                          <p:stCondLst>
+                                            <p:cond delay="499"/>
+                                          </p:stCondLst>
+                                        </p:cTn>
+                                        <p:tgtEl>
+                                          <p:spTgt spid="4"/>
+                                        </p:tgtEl>
+                                        <p:attrNameLst>
+                                          <p:attrName>style.visibility</p:attrName>
+                                        </p:attrNameLst>
+                                      </p:cBhvr>
+                                      <p:to>
+                                        <p:strVal val="hidden"/>
+                                      </p:to>
+                                    </p:set>
+                                  </p:childTnLst>
+                                </p:cTn>
+                              </p:par>
+                            </p:childTnLst>
+                          </p:cTn>
+                        </p:par>
+                      </p:childTnLst>
+                    </p:cTn>
+                  </p:par>
+                </p:childTnLst>
+              </p:cTn>
+              <p:prevCondLst>
+                <p:cond evt="onPrev" delay="0">
+                  <p:tgtEl>
+                    <p:sldTgt/>
+                  </p:tgtEl>
+                </p:cond>
+              </p:prevCondLst>
+              <p:nextCondLst>
+                <p:cond evt="onNext" delay="0">
+                  <p:tgtEl>
+                    <p:sldTgt/>
+                  </p:tgtEl>
+                </p:cond>
+              </p:nextCondLst>
+            </p:seq>
+          </p:childTnLst>
+        </p:cTn>
+      </p:par>
+    </p:tnLst>
+  </p:timing>
 </p:sld>
 </file>
 
@@ -4334,7 +4591,7 @@
           <p:cNvPr id="2" name="Textfeld 1">
             <a:extLst>
               <a:ext uri="{FF2B5EF4-FFF2-40B4-BE49-F238E27FC236}">
-                <a16:creationId xmlns:a16="http://schemas.microsoft.com/office/drawing/2014/main" id="{D3211B05-7243-4EA5-9891-97FB775B4504}"/>
+                <a16:creationId xmlns:a16="http://schemas.microsoft.com/office/drawing/2014/main" id="{7135CF50-9DB2-4326-B939-CB698082CBC3}"/>
               </a:ext>
             </a:extLst>
           </p:cNvPr>
@@ -4343,8 +4600,8 @@
         </p:nvSpPr>
         <p:spPr>
           <a:xfrm>
-            <a:off x="5794475" y="3244334"/>
-            <a:ext cx="603050" cy="369332"/>
+            <a:off x="5718845" y="3244334"/>
+            <a:ext cx="754309" cy="369332"/>
           </a:xfrm>
           <a:prstGeom prst="rect">
             <a:avLst/>
@@ -4359,76 +4616,54 @@
           <a:p>
             <a:r>
               <a:rPr lang="de-DE" dirty="0"/>
-              <a:t>QFD</a:t>
-            </a:r>
-          </a:p>
-        </p:txBody>
-      </p:sp>
-    </p:spTree>
-    <p:extLst>
-      <p:ext uri="{BB962C8B-B14F-4D97-AF65-F5344CB8AC3E}">
-        <p14:creationId xmlns:p14="http://schemas.microsoft.com/office/powerpoint/2010/main" val="1869568478"/>
-      </p:ext>
-    </p:extLst>
-  </p:cSld>
-  <p:clrMapOvr>
-    <a:masterClrMapping/>
-  </p:clrMapOvr>
-</p:sld>
-</file>
-
-<file path=ppt/slides/slide14.xml><?xml version="1.0" encoding="utf-8"?>
-<p:sld xmlns:a="http://schemas.openxmlformats.org/drawingml/2006/main" xmlns:r="http://schemas.openxmlformats.org/officeDocument/2006/relationships" xmlns:p="http://schemas.openxmlformats.org/presentationml/2006/main">
-  <p:cSld>
-    <p:spTree>
-      <p:nvGrpSpPr>
-        <p:cNvPr id="1" name=""/>
-        <p:cNvGrpSpPr/>
-        <p:nvPr/>
-      </p:nvGrpSpPr>
-      <p:grpSpPr>
-        <a:xfrm>
-          <a:off x="0" y="0"/>
-          <a:ext cx="0" cy="0"/>
-          <a:chOff x="0" y="0"/>
-          <a:chExt cx="0" cy="0"/>
-        </a:xfrm>
-      </p:grpSpPr>
-      <p:sp>
-        <p:nvSpPr>
-          <p:cNvPr id="2" name="Textfeld 1">
+              <a:t>Patent</a:t>
+            </a:r>
+          </a:p>
+        </p:txBody>
+      </p:sp>
+      <p:pic>
+        <p:nvPicPr>
+          <p:cNvPr id="4" name="Grafik 3">
             <a:extLst>
               <a:ext uri="{FF2B5EF4-FFF2-40B4-BE49-F238E27FC236}">
-                <a16:creationId xmlns:a16="http://schemas.microsoft.com/office/drawing/2014/main" id="{7135CF50-9DB2-4326-B939-CB698082CBC3}"/>
+                <a16:creationId xmlns:a16="http://schemas.microsoft.com/office/drawing/2014/main" id="{23DE7ED3-3E8F-488E-BA41-0FE07DD2F5DD}"/>
               </a:ext>
             </a:extLst>
           </p:cNvPr>
-          <p:cNvSpPr txBox="1"/>
+          <p:cNvPicPr>
+            <a:picLocks noChangeAspect="1"/>
+          </p:cNvPicPr>
           <p:nvPr/>
-        </p:nvSpPr>
-        <p:spPr>
-          <a:xfrm>
-            <a:off x="5718845" y="3244334"/>
-            <a:ext cx="754309" cy="369332"/>
+        </p:nvPicPr>
+        <p:blipFill>
+          <a:blip r:embed="rId2">
+            <a:alphaModFix amt="95000"/>
+            <a:extLst>
+              <a:ext uri="{BEBA8EAE-BF5A-486C-A8C5-ECC9F3942E4B}">
+                <a14:imgProps xmlns:a14="http://schemas.microsoft.com/office/drawing/2010/main">
+                  <a14:imgLayer r:embed="rId3">
+                    <a14:imgEffect>
+                      <a14:sharpenSoften amount="25000"/>
+                    </a14:imgEffect>
+                  </a14:imgLayer>
+                </a14:imgProps>
+              </a:ext>
+            </a:extLst>
+          </a:blip>
+          <a:stretch>
+            <a:fillRect/>
+          </a:stretch>
+        </p:blipFill>
+        <p:spPr>
+          <a:xfrm>
+            <a:off x="0" y="5721"/>
+            <a:ext cx="12192000" cy="6846558"/>
           </a:xfrm>
           <a:prstGeom prst="rect">
             <a:avLst/>
           </a:prstGeom>
-          <a:noFill/>
-        </p:spPr>
-        <p:txBody>
-          <a:bodyPr wrap="none" rtlCol="0">
-            <a:spAutoFit/>
-          </a:bodyPr>
-          <a:lstStyle/>
-          <a:p>
-            <a:r>
-              <a:rPr lang="de-DE" dirty="0"/>
-              <a:t>Patent</a:t>
-            </a:r>
-          </a:p>
-        </p:txBody>
-      </p:sp>
+        </p:spPr>
+      </p:pic>
     </p:spTree>
     <p:extLst>
       <p:ext uri="{BB962C8B-B14F-4D97-AF65-F5344CB8AC3E}">
@@ -4439,10 +4674,93 @@
   <p:clrMapOvr>
     <a:masterClrMapping/>
   </p:clrMapOvr>
+  <p:timing>
+    <p:tnLst>
+      <p:par>
+        <p:cTn id="1" dur="indefinite" restart="never" nodeType="tmRoot">
+          <p:childTnLst>
+            <p:seq concurrent="1" nextAc="seek">
+              <p:cTn id="2" dur="indefinite" nodeType="mainSeq">
+                <p:childTnLst>
+                  <p:par>
+                    <p:cTn id="3" fill="hold">
+                      <p:stCondLst>
+                        <p:cond delay="indefinite"/>
+                      </p:stCondLst>
+                      <p:childTnLst>
+                        <p:par>
+                          <p:cTn id="4" fill="hold">
+                            <p:stCondLst>
+                              <p:cond delay="0"/>
+                            </p:stCondLst>
+                            <p:childTnLst>
+                              <p:par>
+                                <p:cTn id="5" presetID="10" presetClass="exit" presetSubtype="0" fill="hold" nodeType="clickEffect">
+                                  <p:stCondLst>
+                                    <p:cond delay="0"/>
+                                  </p:stCondLst>
+                                  <p:childTnLst>
+                                    <p:animEffect transition="out" filter="fade">
+                                      <p:cBhvr>
+                                        <p:cTn id="6" dur="500"/>
+                                        <p:tgtEl>
+                                          <p:spTgt spid="4"/>
+                                        </p:tgtEl>
+                                      </p:cBhvr>
+                                    </p:animEffect>
+                                    <p:set>
+                                      <p:cBhvr>
+                                        <p:cTn id="7" dur="1" fill="hold">
+                                          <p:stCondLst>
+                                            <p:cond delay="499"/>
+                                          </p:stCondLst>
+                                        </p:cTn>
+                                        <p:tgtEl>
+                                          <p:spTgt spid="4"/>
+                                        </p:tgtEl>
+                                        <p:attrNameLst>
+                                          <p:attrName>style.visibility</p:attrName>
+                                        </p:attrNameLst>
+                                      </p:cBhvr>
+                                      <p:to>
+                                        <p:strVal val="hidden"/>
+                                      </p:to>
+                                    </p:set>
+                                  </p:childTnLst>
+                                </p:cTn>
+                              </p:par>
+                            </p:childTnLst>
+                          </p:cTn>
+                        </p:par>
+                      </p:childTnLst>
+                    </p:cTn>
+                  </p:par>
+                </p:childTnLst>
+              </p:cTn>
+              <p:prevCondLst>
+                <p:cond evt="onPrev" delay="0">
+                  <p:tgtEl>
+                    <p:sldTgt/>
+                  </p:tgtEl>
+                </p:cond>
+              </p:prevCondLst>
+              <p:nextCondLst>
+                <p:cond evt="onNext" delay="0">
+                  <p:tgtEl>
+                    <p:sldTgt/>
+                  </p:tgtEl>
+                </p:cond>
+              </p:nextCondLst>
+            </p:seq>
+          </p:childTnLst>
+        </p:cTn>
+      </p:par>
+    </p:tnLst>
+  </p:timing>
 </p:sld>
 </file>
 
-<file path=ppt/slides/slide15.xml><?xml version="1.0" encoding="utf-8"?>
+<file path=ppt/slides/slide14.xml><?xml version="1.0" encoding="utf-8"?>
 <p:sld xmlns:a="http://schemas.openxmlformats.org/drawingml/2006/main" xmlns:r="http://schemas.openxmlformats.org/officeDocument/2006/relationships" xmlns:p="http://schemas.openxmlformats.org/presentationml/2006/main">
   <p:cSld>
     <p:spTree>
@@ -4628,7 +4946,7 @@
 </p:sld>
 </file>
 
-<file path=ppt/slides/slide16.xml><?xml version="1.0" encoding="utf-8"?>
+<file path=ppt/slides/slide15.xml><?xml version="1.0" encoding="utf-8"?>
 <p:sld xmlns:a="http://schemas.openxmlformats.org/drawingml/2006/main" xmlns:r="http://schemas.openxmlformats.org/officeDocument/2006/relationships" xmlns:p="http://schemas.openxmlformats.org/presentationml/2006/main">
   <p:cSld>
     <p:bg>
@@ -4860,7 +5178,7 @@
 </p:sld>
 </file>
 
-<file path=ppt/slides/slide17.xml><?xml version="1.0" encoding="utf-8"?>
+<file path=ppt/slides/slide16.xml><?xml version="1.0" encoding="utf-8"?>
 <p:sld xmlns:a="http://schemas.openxmlformats.org/drawingml/2006/main" xmlns:r="http://schemas.openxmlformats.org/officeDocument/2006/relationships" xmlns:p="http://schemas.openxmlformats.org/presentationml/2006/main">
   <p:cSld>
     <p:spTree>
@@ -5052,318 +5370,7 @@
 </p:sld>
 </file>
 
-<file path=ppt/slides/slide18.xml><?xml version="1.0" encoding="utf-8"?>
-<p:sld xmlns:a="http://schemas.openxmlformats.org/drawingml/2006/main" xmlns:r="http://schemas.openxmlformats.org/officeDocument/2006/relationships" xmlns:p="http://schemas.openxmlformats.org/presentationml/2006/main" show="0">
-  <p:cSld>
-    <p:bg>
-      <p:bgPr>
-        <a:solidFill>
-          <a:schemeClr val="bg1"/>
-        </a:solidFill>
-        <a:effectLst/>
-      </p:bgPr>
-    </p:bg>
-    <p:spTree>
-      <p:nvGrpSpPr>
-        <p:cNvPr id="1" name=""/>
-        <p:cNvGrpSpPr/>
-        <p:nvPr/>
-      </p:nvGrpSpPr>
-      <p:grpSpPr>
-        <a:xfrm>
-          <a:off x="0" y="0"/>
-          <a:ext cx="0" cy="0"/>
-          <a:chOff x="0" y="0"/>
-          <a:chExt cx="0" cy="0"/>
-        </a:xfrm>
-      </p:grpSpPr>
-      <p:cxnSp>
-        <p:nvCxnSpPr>
-          <p:cNvPr id="7" name="Straight Connector 6">
-            <a:extLst>
-              <a:ext uri="{FF2B5EF4-FFF2-40B4-BE49-F238E27FC236}">
-                <a16:creationId xmlns:a16="http://schemas.microsoft.com/office/drawing/2014/main" id="{8CED2307-F79F-42F9-B81B-91F768E72BFC}"/>
-              </a:ext>
-              <a:ext uri="{C183D7F6-B498-43B3-948B-1728B52AA6E4}">
-                <adec:decorative xmlns:adec="http://schemas.microsoft.com/office/drawing/2017/decorative" val="1"/>
-              </a:ext>
-            </a:extLst>
-          </p:cNvPr>
-          <p:cNvCxnSpPr>
-            <a:cxnSpLocks noGrp="1" noRot="1" noChangeAspect="1" noMove="1" noResize="1" noEditPoints="1" noAdjustHandles="1" noChangeArrowheads="1" noChangeShapeType="1"/>
-          </p:cNvCxnSpPr>
-          <p:nvPr>
-            <p:extLst>
-              <p:ext uri="{386F3935-93C4-4BCD-93E2-E3B085C9AB24}">
-                <p16:designElem xmlns:p16="http://schemas.microsoft.com/office/powerpoint/2015/main" val="1"/>
-              </p:ext>
-            </p:extLst>
-          </p:nvPr>
-        </p:nvCxnSpPr>
-        <p:spPr>
-          <a:xfrm flipV="1">
-            <a:off x="8386842" y="5264106"/>
-            <a:ext cx="0" cy="914400"/>
-          </a:xfrm>
-          <a:prstGeom prst="line">
-            <a:avLst/>
-          </a:prstGeom>
-          <a:ln w="19050">
-            <a:solidFill>
-              <a:schemeClr val="accent2"/>
-            </a:solidFill>
-          </a:ln>
-        </p:spPr>
-        <p:style>
-          <a:lnRef idx="1">
-            <a:schemeClr val="accent1"/>
-          </a:lnRef>
-          <a:fillRef idx="0">
-            <a:schemeClr val="accent1"/>
-          </a:fillRef>
-          <a:effectRef idx="0">
-            <a:schemeClr val="accent1"/>
-          </a:effectRef>
-          <a:fontRef idx="minor">
-            <a:schemeClr val="tx1"/>
-          </a:fontRef>
-        </p:style>
-      </p:cxnSp>
-      <p:sp>
-        <p:nvSpPr>
-          <p:cNvPr id="9" name="Rectangle 8">
-            <a:extLst>
-              <a:ext uri="{FF2B5EF4-FFF2-40B4-BE49-F238E27FC236}">
-                <a16:creationId xmlns:a16="http://schemas.microsoft.com/office/drawing/2014/main" id="{E5DB38FF-CE38-4D82-B9F2-DFE28A0194E1}"/>
-              </a:ext>
-              <a:ext uri="{C183D7F6-B498-43B3-948B-1728B52AA6E4}">
-                <adec:decorative xmlns:adec="http://schemas.microsoft.com/office/drawing/2017/decorative" val="1"/>
-              </a:ext>
-            </a:extLst>
-          </p:cNvPr>
-          <p:cNvSpPr>
-            <a:spLocks noGrp="1" noRot="1" noChangeAspect="1" noMove="1" noResize="1" noEditPoints="1" noAdjustHandles="1" noChangeArrowheads="1" noChangeShapeType="1" noTextEdit="1"/>
-          </p:cNvSpPr>
-          <p:nvPr>
-            <p:extLst>
-              <p:ext uri="{386F3935-93C4-4BCD-93E2-E3B085C9AB24}">
-                <p16:designElem xmlns:p16="http://schemas.microsoft.com/office/powerpoint/2015/main" val="1"/>
-              </p:ext>
-            </p:extLst>
-          </p:nvPr>
-        </p:nvSpPr>
-        <p:spPr>
-          <a:xfrm>
-            <a:off x="0" y="-1"/>
-            <a:ext cx="12192000" cy="4572001"/>
-          </a:xfrm>
-          <a:prstGeom prst="rect">
-            <a:avLst/>
-          </a:prstGeom>
-          <a:solidFill>
-            <a:schemeClr val="accent2"/>
-          </a:solidFill>
-          <a:ln>
-            <a:noFill/>
-          </a:ln>
-        </p:spPr>
-        <p:style>
-          <a:lnRef idx="2">
-            <a:schemeClr val="accent1">
-              <a:shade val="50000"/>
-            </a:schemeClr>
-          </a:lnRef>
-          <a:fillRef idx="1">
-            <a:schemeClr val="accent1"/>
-          </a:fillRef>
-          <a:effectRef idx="0">
-            <a:schemeClr val="accent1"/>
-          </a:effectRef>
-          <a:fontRef idx="minor">
-            <a:schemeClr val="lt1"/>
-          </a:fontRef>
-        </p:style>
-      </p:sp>
-      <p:sp useBgFill="1">
-        <p:nvSpPr>
-          <p:cNvPr id="11" name="Rectangle 10">
-            <a:extLst>
-              <a:ext uri="{FF2B5EF4-FFF2-40B4-BE49-F238E27FC236}">
-                <a16:creationId xmlns:a16="http://schemas.microsoft.com/office/drawing/2014/main" id="{0BA28970-3E8F-46CD-A302-42EE83668B0A}"/>
-              </a:ext>
-              <a:ext uri="{C183D7F6-B498-43B3-948B-1728B52AA6E4}">
-                <adec:decorative xmlns:adec="http://schemas.microsoft.com/office/drawing/2017/decorative" val="1"/>
-              </a:ext>
-            </a:extLst>
-          </p:cNvPr>
-          <p:cNvSpPr>
-            <a:spLocks noGrp="1" noRot="1" noChangeAspect="1" noMove="1" noResize="1" noEditPoints="1" noAdjustHandles="1" noChangeArrowheads="1" noChangeShapeType="1" noTextEdit="1"/>
-          </p:cNvSpPr>
-          <p:nvPr>
-            <p:extLst>
-              <p:ext uri="{386F3935-93C4-4BCD-93E2-E3B085C9AB24}">
-                <p16:designElem xmlns:p16="http://schemas.microsoft.com/office/powerpoint/2015/main" val="1"/>
-              </p:ext>
-            </p:extLst>
-          </p:nvPr>
-        </p:nvSpPr>
-        <p:spPr>
-          <a:xfrm>
-            <a:off x="0" y="0"/>
-            <a:ext cx="12192000" cy="6858000"/>
-          </a:xfrm>
-          <a:prstGeom prst="rect">
-            <a:avLst/>
-          </a:prstGeom>
-          <a:ln>
-            <a:noFill/>
-          </a:ln>
-        </p:spPr>
-        <p:style>
-          <a:lnRef idx="2">
-            <a:schemeClr val="accent1">
-              <a:shade val="50000"/>
-            </a:schemeClr>
-          </a:lnRef>
-          <a:fillRef idx="1">
-            <a:schemeClr val="accent1"/>
-          </a:fillRef>
-          <a:effectRef idx="0">
-            <a:schemeClr val="accent1"/>
-          </a:effectRef>
-          <a:fontRef idx="minor">
-            <a:schemeClr val="lt1"/>
-          </a:fontRef>
-        </p:style>
-        <p:txBody>
-          <a:bodyPr rtlCol="0" anchor="ctr"/>
-          <a:lstStyle/>
-          <a:p>
-            <a:pPr algn="ctr"/>
-            <a:endParaRPr lang="en-US"/>
-          </a:p>
-        </p:txBody>
-      </p:sp>
-      <p:sp>
-        <p:nvSpPr>
-          <p:cNvPr id="2" name="Titel 1">
-            <a:extLst>
-              <a:ext uri="{FF2B5EF4-FFF2-40B4-BE49-F238E27FC236}">
-                <a16:creationId xmlns:a16="http://schemas.microsoft.com/office/drawing/2014/main" id="{9EE936F0-62E4-40F1-BA06-11DDD134B512}"/>
-              </a:ext>
-            </a:extLst>
-          </p:cNvPr>
-          <p:cNvSpPr>
-            <a:spLocks noGrp="1"/>
-          </p:cNvSpPr>
-          <p:nvPr>
-            <p:ph type="title" idx="4294967295"/>
-          </p:nvPr>
-        </p:nvSpPr>
-        <p:spPr>
-          <a:xfrm>
-            <a:off x="643467" y="643467"/>
-            <a:ext cx="7164674" cy="5571066"/>
-          </a:xfrm>
-        </p:spPr>
-        <p:txBody>
-          <a:bodyPr vert="horz" lIns="91440" tIns="45720" rIns="91440" bIns="45720" rtlCol="0" anchor="ctr">
-            <a:normAutofit/>
-          </a:bodyPr>
-          <a:lstStyle/>
-          <a:p>
-            <a:pPr algn="r"/>
-            <a:r>
-              <a:rPr lang="en-US" sz="6600" spc="200" dirty="0" err="1">
-                <a:solidFill>
-                  <a:schemeClr val="tx1">
-                    <a:alpha val="80000"/>
-                  </a:schemeClr>
-                </a:solidFill>
-              </a:rPr>
-              <a:t>Nutzerorientierte</a:t>
-            </a:r>
-            <a:r>
-              <a:rPr lang="en-US" sz="6600" spc="200" dirty="0">
-                <a:solidFill>
-                  <a:schemeClr val="tx1">
-                    <a:alpha val="80000"/>
-                  </a:schemeClr>
-                </a:solidFill>
-              </a:rPr>
-              <a:t> funktionsstruktur</a:t>
-            </a:r>
-          </a:p>
-        </p:txBody>
-      </p:sp>
-      <p:cxnSp>
-        <p:nvCxnSpPr>
-          <p:cNvPr id="13" name="Straight Connector 12">
-            <a:extLst>
-              <a:ext uri="{FF2B5EF4-FFF2-40B4-BE49-F238E27FC236}">
-                <a16:creationId xmlns:a16="http://schemas.microsoft.com/office/drawing/2014/main" id="{47AE7893-212D-45CB-A5B0-AE377389AB3F}"/>
-              </a:ext>
-              <a:ext uri="{C183D7F6-B498-43B3-948B-1728B52AA6E4}">
-                <adec:decorative xmlns:adec="http://schemas.microsoft.com/office/drawing/2017/decorative" val="1"/>
-              </a:ext>
-            </a:extLst>
-          </p:cNvPr>
-          <p:cNvCxnSpPr>
-            <a:cxnSpLocks noGrp="1" noRot="1" noChangeAspect="1" noMove="1" noResize="1" noEditPoints="1" noAdjustHandles="1" noChangeArrowheads="1" noChangeShapeType="1"/>
-          </p:cNvCxnSpPr>
-          <p:nvPr>
-            <p:extLst>
-              <p:ext uri="{386F3935-93C4-4BCD-93E2-E3B085C9AB24}">
-                <p16:designElem xmlns:p16="http://schemas.microsoft.com/office/powerpoint/2015/main" val="1"/>
-              </p:ext>
-            </p:extLst>
-          </p:nvPr>
-        </p:nvCxnSpPr>
-        <p:spPr>
-          <a:xfrm>
-            <a:off x="8139605" y="1600200"/>
-            <a:ext cx="0" cy="3657600"/>
-          </a:xfrm>
-          <a:prstGeom prst="line">
-            <a:avLst/>
-          </a:prstGeom>
-          <a:ln w="19050">
-            <a:solidFill>
-              <a:schemeClr val="accent1">
-                <a:lumMod val="75000"/>
-              </a:schemeClr>
-            </a:solidFill>
-          </a:ln>
-        </p:spPr>
-        <p:style>
-          <a:lnRef idx="1">
-            <a:schemeClr val="accent1"/>
-          </a:lnRef>
-          <a:fillRef idx="0">
-            <a:schemeClr val="accent1"/>
-          </a:fillRef>
-          <a:effectRef idx="0">
-            <a:schemeClr val="accent1"/>
-          </a:effectRef>
-          <a:fontRef idx="minor">
-            <a:schemeClr val="tx1"/>
-          </a:fontRef>
-        </p:style>
-      </p:cxnSp>
-    </p:spTree>
-    <p:extLst>
-      <p:ext uri="{BB962C8B-B14F-4D97-AF65-F5344CB8AC3E}">
-        <p14:creationId xmlns:p14="http://schemas.microsoft.com/office/powerpoint/2010/main" val="129705907"/>
-      </p:ext>
-    </p:extLst>
-  </p:cSld>
-  <p:clrMapOvr>
-    <a:masterClrMapping/>
-  </p:clrMapOvr>
-</p:sld>
-</file>
-
-<file path=ppt/slides/slide19.xml><?xml version="1.0" encoding="utf-8"?>
+<file path=ppt/slides/slide17.xml><?xml version="1.0" encoding="utf-8"?>
 <p:sld xmlns:a="http://schemas.openxmlformats.org/drawingml/2006/main" xmlns:r="http://schemas.openxmlformats.org/officeDocument/2006/relationships" xmlns:p="http://schemas.openxmlformats.org/presentationml/2006/main">
   <p:cSld>
     <p:bg>
@@ -5721,6 +5728,473 @@
 </p:sld>
 </file>
 
+<file path=ppt/slides/slide18.xml><?xml version="1.0" encoding="utf-8"?>
+<p:sld xmlns:a="http://schemas.openxmlformats.org/drawingml/2006/main" xmlns:r="http://schemas.openxmlformats.org/officeDocument/2006/relationships" xmlns:p="http://schemas.openxmlformats.org/presentationml/2006/main" show="0">
+  <p:cSld>
+    <p:bg>
+      <p:bgPr>
+        <a:solidFill>
+          <a:schemeClr val="bg1"/>
+        </a:solidFill>
+        <a:effectLst/>
+      </p:bgPr>
+    </p:bg>
+    <p:spTree>
+      <p:nvGrpSpPr>
+        <p:cNvPr id="1" name=""/>
+        <p:cNvGrpSpPr/>
+        <p:nvPr/>
+      </p:nvGrpSpPr>
+      <p:grpSpPr>
+        <a:xfrm>
+          <a:off x="0" y="0"/>
+          <a:ext cx="0" cy="0"/>
+          <a:chOff x="0" y="0"/>
+          <a:chExt cx="0" cy="0"/>
+        </a:xfrm>
+      </p:grpSpPr>
+      <p:cxnSp>
+        <p:nvCxnSpPr>
+          <p:cNvPr id="7" name="Straight Connector 6">
+            <a:extLst>
+              <a:ext uri="{FF2B5EF4-FFF2-40B4-BE49-F238E27FC236}">
+                <a16:creationId xmlns:a16="http://schemas.microsoft.com/office/drawing/2014/main" id="{8CED2307-F79F-42F9-B81B-91F768E72BFC}"/>
+              </a:ext>
+              <a:ext uri="{C183D7F6-B498-43B3-948B-1728B52AA6E4}">
+                <adec:decorative xmlns:adec="http://schemas.microsoft.com/office/drawing/2017/decorative" val="1"/>
+              </a:ext>
+            </a:extLst>
+          </p:cNvPr>
+          <p:cNvCxnSpPr>
+            <a:cxnSpLocks noGrp="1" noRot="1" noChangeAspect="1" noMove="1" noResize="1" noEditPoints="1" noAdjustHandles="1" noChangeArrowheads="1" noChangeShapeType="1"/>
+          </p:cNvCxnSpPr>
+          <p:nvPr>
+            <p:extLst>
+              <p:ext uri="{386F3935-93C4-4BCD-93E2-E3B085C9AB24}">
+                <p16:designElem xmlns:p16="http://schemas.microsoft.com/office/powerpoint/2015/main" val="1"/>
+              </p:ext>
+            </p:extLst>
+          </p:nvPr>
+        </p:nvCxnSpPr>
+        <p:spPr>
+          <a:xfrm flipV="1">
+            <a:off x="8386842" y="5264106"/>
+            <a:ext cx="0" cy="914400"/>
+          </a:xfrm>
+          <a:prstGeom prst="line">
+            <a:avLst/>
+          </a:prstGeom>
+          <a:ln w="19050">
+            <a:solidFill>
+              <a:schemeClr val="accent2"/>
+            </a:solidFill>
+          </a:ln>
+        </p:spPr>
+        <p:style>
+          <a:lnRef idx="1">
+            <a:schemeClr val="accent1"/>
+          </a:lnRef>
+          <a:fillRef idx="0">
+            <a:schemeClr val="accent1"/>
+          </a:fillRef>
+          <a:effectRef idx="0">
+            <a:schemeClr val="accent1"/>
+          </a:effectRef>
+          <a:fontRef idx="minor">
+            <a:schemeClr val="tx1"/>
+          </a:fontRef>
+        </p:style>
+      </p:cxnSp>
+      <p:sp>
+        <p:nvSpPr>
+          <p:cNvPr id="9" name="Rectangle 8">
+            <a:extLst>
+              <a:ext uri="{FF2B5EF4-FFF2-40B4-BE49-F238E27FC236}">
+                <a16:creationId xmlns:a16="http://schemas.microsoft.com/office/drawing/2014/main" id="{E5DB38FF-CE38-4D82-B9F2-DFE28A0194E1}"/>
+              </a:ext>
+              <a:ext uri="{C183D7F6-B498-43B3-948B-1728B52AA6E4}">
+                <adec:decorative xmlns:adec="http://schemas.microsoft.com/office/drawing/2017/decorative" val="1"/>
+              </a:ext>
+            </a:extLst>
+          </p:cNvPr>
+          <p:cNvSpPr>
+            <a:spLocks noGrp="1" noRot="1" noChangeAspect="1" noMove="1" noResize="1" noEditPoints="1" noAdjustHandles="1" noChangeArrowheads="1" noChangeShapeType="1" noTextEdit="1"/>
+          </p:cNvSpPr>
+          <p:nvPr>
+            <p:extLst>
+              <p:ext uri="{386F3935-93C4-4BCD-93E2-E3B085C9AB24}">
+                <p16:designElem xmlns:p16="http://schemas.microsoft.com/office/powerpoint/2015/main" val="1"/>
+              </p:ext>
+            </p:extLst>
+          </p:nvPr>
+        </p:nvSpPr>
+        <p:spPr>
+          <a:xfrm>
+            <a:off x="0" y="-1"/>
+            <a:ext cx="12192000" cy="4572001"/>
+          </a:xfrm>
+          <a:prstGeom prst="rect">
+            <a:avLst/>
+          </a:prstGeom>
+          <a:solidFill>
+            <a:schemeClr val="accent2"/>
+          </a:solidFill>
+          <a:ln>
+            <a:noFill/>
+          </a:ln>
+        </p:spPr>
+        <p:style>
+          <a:lnRef idx="2">
+            <a:schemeClr val="accent1">
+              <a:shade val="50000"/>
+            </a:schemeClr>
+          </a:lnRef>
+          <a:fillRef idx="1">
+            <a:schemeClr val="accent1"/>
+          </a:fillRef>
+          <a:effectRef idx="0">
+            <a:schemeClr val="accent1"/>
+          </a:effectRef>
+          <a:fontRef idx="minor">
+            <a:schemeClr val="lt1"/>
+          </a:fontRef>
+        </p:style>
+      </p:sp>
+      <p:sp useBgFill="1">
+        <p:nvSpPr>
+          <p:cNvPr id="11" name="Rectangle 10">
+            <a:extLst>
+              <a:ext uri="{FF2B5EF4-FFF2-40B4-BE49-F238E27FC236}">
+                <a16:creationId xmlns:a16="http://schemas.microsoft.com/office/drawing/2014/main" id="{0BA28970-3E8F-46CD-A302-42EE83668B0A}"/>
+              </a:ext>
+              <a:ext uri="{C183D7F6-B498-43B3-948B-1728B52AA6E4}">
+                <adec:decorative xmlns:adec="http://schemas.microsoft.com/office/drawing/2017/decorative" val="1"/>
+              </a:ext>
+            </a:extLst>
+          </p:cNvPr>
+          <p:cNvSpPr>
+            <a:spLocks noGrp="1" noRot="1" noChangeAspect="1" noMove="1" noResize="1" noEditPoints="1" noAdjustHandles="1" noChangeArrowheads="1" noChangeShapeType="1" noTextEdit="1"/>
+          </p:cNvSpPr>
+          <p:nvPr>
+            <p:extLst>
+              <p:ext uri="{386F3935-93C4-4BCD-93E2-E3B085C9AB24}">
+                <p16:designElem xmlns:p16="http://schemas.microsoft.com/office/powerpoint/2015/main" val="1"/>
+              </p:ext>
+            </p:extLst>
+          </p:nvPr>
+        </p:nvSpPr>
+        <p:spPr>
+          <a:xfrm>
+            <a:off x="0" y="0"/>
+            <a:ext cx="12192000" cy="6858000"/>
+          </a:xfrm>
+          <a:prstGeom prst="rect">
+            <a:avLst/>
+          </a:prstGeom>
+          <a:ln>
+            <a:noFill/>
+          </a:ln>
+        </p:spPr>
+        <p:style>
+          <a:lnRef idx="2">
+            <a:schemeClr val="accent1">
+              <a:shade val="50000"/>
+            </a:schemeClr>
+          </a:lnRef>
+          <a:fillRef idx="1">
+            <a:schemeClr val="accent1"/>
+          </a:fillRef>
+          <a:effectRef idx="0">
+            <a:schemeClr val="accent1"/>
+          </a:effectRef>
+          <a:fontRef idx="minor">
+            <a:schemeClr val="lt1"/>
+          </a:fontRef>
+        </p:style>
+        <p:txBody>
+          <a:bodyPr rtlCol="0" anchor="ctr"/>
+          <a:lstStyle/>
+          <a:p>
+            <a:pPr algn="ctr"/>
+            <a:endParaRPr lang="en-US"/>
+          </a:p>
+        </p:txBody>
+      </p:sp>
+      <p:sp>
+        <p:nvSpPr>
+          <p:cNvPr id="2" name="Titel 1">
+            <a:extLst>
+              <a:ext uri="{FF2B5EF4-FFF2-40B4-BE49-F238E27FC236}">
+                <a16:creationId xmlns:a16="http://schemas.microsoft.com/office/drawing/2014/main" id="{9EE936F0-62E4-40F1-BA06-11DDD134B512}"/>
+              </a:ext>
+            </a:extLst>
+          </p:cNvPr>
+          <p:cNvSpPr>
+            <a:spLocks noGrp="1"/>
+          </p:cNvSpPr>
+          <p:nvPr>
+            <p:ph type="title" idx="4294967295"/>
+          </p:nvPr>
+        </p:nvSpPr>
+        <p:spPr>
+          <a:xfrm>
+            <a:off x="2936636" y="643467"/>
+            <a:ext cx="4871505" cy="5571066"/>
+          </a:xfrm>
+        </p:spPr>
+        <p:txBody>
+          <a:bodyPr vert="horz" lIns="91440" tIns="45720" rIns="91440" bIns="45720" rtlCol="0" anchor="ctr">
+            <a:normAutofit/>
+          </a:bodyPr>
+          <a:lstStyle/>
+          <a:p>
+            <a:pPr algn="r"/>
+            <a:r>
+              <a:rPr lang="en-US" sz="6600" spc="200" dirty="0">
+                <a:solidFill>
+                  <a:schemeClr val="tx1">
+                    <a:alpha val="80000"/>
+                  </a:schemeClr>
+                </a:solidFill>
+              </a:rPr>
+              <a:t>Anforderungen</a:t>
+            </a:r>
+          </a:p>
+        </p:txBody>
+      </p:sp>
+      <p:cxnSp>
+        <p:nvCxnSpPr>
+          <p:cNvPr id="13" name="Straight Connector 12">
+            <a:extLst>
+              <a:ext uri="{FF2B5EF4-FFF2-40B4-BE49-F238E27FC236}">
+                <a16:creationId xmlns:a16="http://schemas.microsoft.com/office/drawing/2014/main" id="{47AE7893-212D-45CB-A5B0-AE377389AB3F}"/>
+              </a:ext>
+              <a:ext uri="{C183D7F6-B498-43B3-948B-1728B52AA6E4}">
+                <adec:decorative xmlns:adec="http://schemas.microsoft.com/office/drawing/2017/decorative" val="1"/>
+              </a:ext>
+            </a:extLst>
+          </p:cNvPr>
+          <p:cNvCxnSpPr>
+            <a:cxnSpLocks noGrp="1" noRot="1" noChangeAspect="1" noMove="1" noResize="1" noEditPoints="1" noAdjustHandles="1" noChangeArrowheads="1" noChangeShapeType="1"/>
+          </p:cNvCxnSpPr>
+          <p:nvPr>
+            <p:extLst>
+              <p:ext uri="{386F3935-93C4-4BCD-93E2-E3B085C9AB24}">
+                <p16:designElem xmlns:p16="http://schemas.microsoft.com/office/powerpoint/2015/main" val="1"/>
+              </p:ext>
+            </p:extLst>
+          </p:nvPr>
+        </p:nvCxnSpPr>
+        <p:spPr>
+          <a:xfrm>
+            <a:off x="8139605" y="1600200"/>
+            <a:ext cx="0" cy="3657600"/>
+          </a:xfrm>
+          <a:prstGeom prst="line">
+            <a:avLst/>
+          </a:prstGeom>
+          <a:ln w="19050">
+            <a:solidFill>
+              <a:schemeClr val="accent1">
+                <a:lumMod val="75000"/>
+              </a:schemeClr>
+            </a:solidFill>
+          </a:ln>
+        </p:spPr>
+        <p:style>
+          <a:lnRef idx="1">
+            <a:schemeClr val="accent1"/>
+          </a:lnRef>
+          <a:fillRef idx="0">
+            <a:schemeClr val="accent1"/>
+          </a:fillRef>
+          <a:effectRef idx="0">
+            <a:schemeClr val="accent1"/>
+          </a:effectRef>
+          <a:fontRef idx="minor">
+            <a:schemeClr val="tx1"/>
+          </a:fontRef>
+        </p:style>
+      </p:cxnSp>
+    </p:spTree>
+    <p:extLst>
+      <p:ext uri="{BB962C8B-B14F-4D97-AF65-F5344CB8AC3E}">
+        <p14:creationId xmlns:p14="http://schemas.microsoft.com/office/powerpoint/2010/main" val="129705907"/>
+      </p:ext>
+    </p:extLst>
+  </p:cSld>
+  <p:clrMapOvr>
+    <a:masterClrMapping/>
+  </p:clrMapOvr>
+</p:sld>
+</file>
+
+<file path=ppt/slides/slide19.xml><?xml version="1.0" encoding="utf-8"?>
+<p:sld xmlns:a="http://schemas.openxmlformats.org/drawingml/2006/main" xmlns:r="http://schemas.openxmlformats.org/officeDocument/2006/relationships" xmlns:p="http://schemas.openxmlformats.org/presentationml/2006/main" show="0">
+  <p:cSld>
+    <p:bg>
+      <p:bgPr>
+        <a:solidFill>
+          <a:srgbClr val="4960A6"/>
+        </a:solidFill>
+        <a:effectLst/>
+      </p:bgPr>
+    </p:bg>
+    <p:spTree>
+      <p:nvGrpSpPr>
+        <p:cNvPr id="1" name=""/>
+        <p:cNvGrpSpPr/>
+        <p:nvPr/>
+      </p:nvGrpSpPr>
+      <p:grpSpPr>
+        <a:xfrm>
+          <a:off x="0" y="0"/>
+          <a:ext cx="0" cy="0"/>
+          <a:chOff x="0" y="0"/>
+          <a:chExt cx="0" cy="0"/>
+        </a:xfrm>
+      </p:grpSpPr>
+      <p:sp>
+        <p:nvSpPr>
+          <p:cNvPr id="22" name="Rectangle 21">
+            <a:extLst>
+              <a:ext uri="{FF2B5EF4-FFF2-40B4-BE49-F238E27FC236}">
+                <a16:creationId xmlns:a16="http://schemas.microsoft.com/office/drawing/2014/main" id="{44B3F5F5-166C-4694-B20A-3F8218AF7D03}"/>
+              </a:ext>
+              <a:ext uri="{C183D7F6-B498-43B3-948B-1728B52AA6E4}">
+                <adec:decorative xmlns:adec="http://schemas.microsoft.com/office/drawing/2017/decorative" val="1"/>
+              </a:ext>
+            </a:extLst>
+          </p:cNvPr>
+          <p:cNvSpPr>
+            <a:spLocks noGrp="1" noRot="1" noChangeAspect="1" noMove="1" noResize="1" noEditPoints="1" noAdjustHandles="1" noChangeArrowheads="1" noChangeShapeType="1" noTextEdit="1"/>
+          </p:cNvSpPr>
+          <p:nvPr>
+            <p:extLst>
+              <p:ext uri="{386F3935-93C4-4BCD-93E2-E3B085C9AB24}">
+                <p16:designElem xmlns:p16="http://schemas.microsoft.com/office/powerpoint/2015/main" val="1"/>
+              </p:ext>
+            </p:extLst>
+          </p:nvPr>
+        </p:nvSpPr>
+        <p:spPr>
+          <a:xfrm>
+            <a:off x="0" y="0"/>
+            <a:ext cx="12192000" cy="6858000"/>
+          </a:xfrm>
+          <a:prstGeom prst="rect">
+            <a:avLst/>
+          </a:prstGeom>
+          <a:solidFill>
+            <a:schemeClr val="bg2"/>
+          </a:solidFill>
+          <a:ln>
+            <a:noFill/>
+          </a:ln>
+        </p:spPr>
+        <p:style>
+          <a:lnRef idx="2">
+            <a:schemeClr val="accent1">
+              <a:shade val="50000"/>
+            </a:schemeClr>
+          </a:lnRef>
+          <a:fillRef idx="1">
+            <a:schemeClr val="accent1"/>
+          </a:fillRef>
+          <a:effectRef idx="0">
+            <a:schemeClr val="accent1"/>
+          </a:effectRef>
+          <a:fontRef idx="minor">
+            <a:schemeClr val="lt1"/>
+          </a:fontRef>
+        </p:style>
+        <p:txBody>
+          <a:bodyPr rtlCol="0" anchor="ctr"/>
+          <a:lstStyle/>
+          <a:p>
+            <a:pPr algn="ctr"/>
+            <a:endParaRPr lang="en-US"/>
+          </a:p>
+        </p:txBody>
+      </p:sp>
+      <p:sp>
+        <p:nvSpPr>
+          <p:cNvPr id="24" name="Rectangle 23">
+            <a:extLst>
+              <a:ext uri="{FF2B5EF4-FFF2-40B4-BE49-F238E27FC236}">
+                <a16:creationId xmlns:a16="http://schemas.microsoft.com/office/drawing/2014/main" id="{9E67A204-FB90-4B26-B155-3FA8064AD2DF}"/>
+              </a:ext>
+              <a:ext uri="{C183D7F6-B498-43B3-948B-1728B52AA6E4}">
+                <adec:decorative xmlns:adec="http://schemas.microsoft.com/office/drawing/2017/decorative" val="1"/>
+              </a:ext>
+            </a:extLst>
+          </p:cNvPr>
+          <p:cNvSpPr>
+            <a:spLocks noGrp="1" noRot="1" noChangeAspect="1" noMove="1" noResize="1" noEditPoints="1" noAdjustHandles="1" noChangeArrowheads="1" noChangeShapeType="1" noTextEdit="1"/>
+          </p:cNvSpPr>
+          <p:nvPr>
+            <p:extLst>
+              <p:ext uri="{386F3935-93C4-4BCD-93E2-E3B085C9AB24}">
+                <p16:designElem xmlns:p16="http://schemas.microsoft.com/office/powerpoint/2015/main" val="1"/>
+              </p:ext>
+            </p:extLst>
+          </p:nvPr>
+        </p:nvSpPr>
+        <p:spPr>
+          <a:xfrm>
+            <a:off x="477012" y="480060"/>
+            <a:ext cx="11237976" cy="5897880"/>
+          </a:xfrm>
+          <a:prstGeom prst="rect">
+            <a:avLst/>
+          </a:prstGeom>
+          <a:solidFill>
+            <a:schemeClr val="bg1"/>
+          </a:solidFill>
+          <a:ln w="22225">
+            <a:solidFill>
+              <a:srgbClr val="C17F63"/>
+            </a:solidFill>
+          </a:ln>
+        </p:spPr>
+        <p:style>
+          <a:lnRef idx="2">
+            <a:schemeClr val="accent1">
+              <a:shade val="50000"/>
+            </a:schemeClr>
+          </a:lnRef>
+          <a:fillRef idx="1">
+            <a:schemeClr val="accent1"/>
+          </a:fillRef>
+          <a:effectRef idx="0">
+            <a:schemeClr val="accent1"/>
+          </a:effectRef>
+          <a:fontRef idx="minor">
+            <a:schemeClr val="lt1"/>
+          </a:fontRef>
+        </p:style>
+        <p:txBody>
+          <a:bodyPr rtlCol="0" anchor="ctr"/>
+          <a:lstStyle/>
+          <a:p>
+            <a:pPr algn="ctr"/>
+            <a:endParaRPr lang="en-US"/>
+          </a:p>
+        </p:txBody>
+      </p:sp>
+    </p:spTree>
+    <p:extLst>
+      <p:ext uri="{BB962C8B-B14F-4D97-AF65-F5344CB8AC3E}">
+        <p14:creationId xmlns:p14="http://schemas.microsoft.com/office/powerpoint/2010/main" val="939497610"/>
+      </p:ext>
+    </p:extLst>
+  </p:cSld>
+  <p:clrMapOvr>
+    <a:masterClrMapping/>
+  </p:clrMapOvr>
+</p:sld>
+</file>
+
 <file path=ppt/slides/slide2.xml><?xml version="1.0" encoding="utf-8"?>
 <p:sld xmlns:a="http://schemas.openxmlformats.org/drawingml/2006/main" xmlns:r="http://schemas.openxmlformats.org/officeDocument/2006/relationships" xmlns:p="http://schemas.openxmlformats.org/presentationml/2006/main">
   <p:cSld>
@@ -6063,6 +6537,748 @@
     <p:extLst>
       <p:ext uri="{BB962C8B-B14F-4D97-AF65-F5344CB8AC3E}">
         <p14:creationId xmlns:p14="http://schemas.microsoft.com/office/powerpoint/2010/main" val="2522807781"/>
+      </p:ext>
+    </p:extLst>
+  </p:cSld>
+  <p:clrMapOvr>
+    <a:masterClrMapping/>
+  </p:clrMapOvr>
+</p:sld>
+</file>
+
+<file path=ppt/slides/slide20.xml><?xml version="1.0" encoding="utf-8"?>
+<p:sld xmlns:a="http://schemas.openxmlformats.org/drawingml/2006/main" xmlns:r="http://schemas.openxmlformats.org/officeDocument/2006/relationships" xmlns:p="http://schemas.openxmlformats.org/presentationml/2006/main" show="0">
+  <p:cSld>
+    <p:spTree>
+      <p:nvGrpSpPr>
+        <p:cNvPr id="1" name=""/>
+        <p:cNvGrpSpPr/>
+        <p:nvPr/>
+      </p:nvGrpSpPr>
+      <p:grpSpPr>
+        <a:xfrm>
+          <a:off x="0" y="0"/>
+          <a:ext cx="0" cy="0"/>
+          <a:chOff x="0" y="0"/>
+          <a:chExt cx="0" cy="0"/>
+        </a:xfrm>
+      </p:grpSpPr>
+      <p:sp>
+        <p:nvSpPr>
+          <p:cNvPr id="2" name="Textfeld 1">
+            <a:extLst>
+              <a:ext uri="{FF2B5EF4-FFF2-40B4-BE49-F238E27FC236}">
+                <a16:creationId xmlns:a16="http://schemas.microsoft.com/office/drawing/2014/main" id="{91CF4895-9E43-4451-AD30-62BB9C62C0DB}"/>
+              </a:ext>
+            </a:extLst>
+          </p:cNvPr>
+          <p:cNvSpPr txBox="1"/>
+          <p:nvPr/>
+        </p:nvSpPr>
+        <p:spPr>
+          <a:xfrm>
+            <a:off x="908436" y="859138"/>
+            <a:ext cx="184731" cy="369332"/>
+          </a:xfrm>
+          <a:prstGeom prst="rect">
+            <a:avLst/>
+          </a:prstGeom>
+          <a:noFill/>
+        </p:spPr>
+        <p:txBody>
+          <a:bodyPr wrap="none" rtlCol="0">
+            <a:spAutoFit/>
+          </a:bodyPr>
+          <a:lstStyle/>
+          <a:p>
+            <a:endParaRPr lang="de-DE" dirty="0"/>
+          </a:p>
+        </p:txBody>
+      </p:sp>
+      <p:sp>
+        <p:nvSpPr>
+          <p:cNvPr id="19" name="Rectangle 4">
+            <a:extLst>
+              <a:ext uri="{FF2B5EF4-FFF2-40B4-BE49-F238E27FC236}">
+                <a16:creationId xmlns:a16="http://schemas.microsoft.com/office/drawing/2014/main" id="{684E42DA-56F2-4FDE-9B8B-ACCE96074478}"/>
+              </a:ext>
+            </a:extLst>
+          </p:cNvPr>
+          <p:cNvSpPr>
+            <a:spLocks noChangeArrowheads="1"/>
+          </p:cNvSpPr>
+          <p:nvPr/>
+        </p:nvSpPr>
+        <p:spPr bwMode="auto">
+          <a:xfrm>
+            <a:off x="4114207" y="2832243"/>
+            <a:ext cx="12192000" cy="457200"/>
+          </a:xfrm>
+          <a:prstGeom prst="rect">
+            <a:avLst/>
+          </a:prstGeom>
+          <a:noFill/>
+          <a:ln>
+            <a:noFill/>
+          </a:ln>
+          <a:effectLst/>
+          <a:extLst>
+            <a:ext uri="{909E8E84-426E-40DD-AFC4-6F175D3DCCD1}">
+              <a14:hiddenFill xmlns:a14="http://schemas.microsoft.com/office/drawing/2010/main">
+                <a:solidFill>
+                  <a:schemeClr val="accent1"/>
+                </a:solidFill>
+              </a14:hiddenFill>
+            </a:ext>
+            <a:ext uri="{91240B29-F687-4F45-9708-019B960494DF}">
+              <a14:hiddenLine xmlns:a14="http://schemas.microsoft.com/office/drawing/2010/main" w="9525">
+                <a:solidFill>
+                  <a:schemeClr val="tx1"/>
+                </a:solidFill>
+                <a:miter lim="800000"/>
+                <a:headEnd/>
+                <a:tailEnd/>
+              </a14:hiddenLine>
+            </a:ext>
+            <a:ext uri="{AF507438-7753-43E0-B8FC-AC1667EBCBE1}">
+              <a14:hiddenEffects xmlns:a14="http://schemas.microsoft.com/office/drawing/2010/main">
+                <a:effectLst>
+                  <a:outerShdw dist="35921" dir="2700000" algn="ctr" rotWithShape="0">
+                    <a:schemeClr val="bg2"/>
+                  </a:outerShdw>
+                </a:effectLst>
+              </a14:hiddenEffects>
+            </a:ext>
+          </a:extLst>
+        </p:spPr>
+        <p:txBody>
+          <a:bodyPr vert="horz" wrap="none" lIns="91440" tIns="45720" rIns="91440" bIns="45720" numCol="1" anchor="ctr" anchorCtr="0" compatLnSpc="1">
+            <a:prstTxWarp prst="textNoShape">
+              <a:avLst/>
+            </a:prstTxWarp>
+            <a:spAutoFit/>
+          </a:bodyPr>
+          <a:lstStyle/>
+          <a:p>
+            <a:endParaRPr lang="de-DE"/>
+          </a:p>
+        </p:txBody>
+      </p:sp>
+      <p:pic>
+        <p:nvPicPr>
+          <p:cNvPr id="5" name="Grafik 4">
+            <a:extLst>
+              <a:ext uri="{FF2B5EF4-FFF2-40B4-BE49-F238E27FC236}">
+                <a16:creationId xmlns:a16="http://schemas.microsoft.com/office/drawing/2014/main" id="{2A3D4D93-84C6-4CC0-8DF4-660C9C40A9D2}"/>
+              </a:ext>
+            </a:extLst>
+          </p:cNvPr>
+          <p:cNvPicPr>
+            <a:picLocks noChangeAspect="1"/>
+          </p:cNvPicPr>
+          <p:nvPr/>
+        </p:nvPicPr>
+        <p:blipFill>
+          <a:blip r:embed="rId2"/>
+          <a:stretch>
+            <a:fillRect/>
+          </a:stretch>
+        </p:blipFill>
+        <p:spPr>
+          <a:xfrm>
+            <a:off x="4995954" y="859138"/>
+            <a:ext cx="6615983" cy="4961987"/>
+          </a:xfrm>
+          <a:prstGeom prst="rect">
+            <a:avLst/>
+          </a:prstGeom>
+        </p:spPr>
+      </p:pic>
+      <p:pic>
+        <p:nvPicPr>
+          <p:cNvPr id="6" name="Grafik 5">
+            <a:extLst>
+              <a:ext uri="{FF2B5EF4-FFF2-40B4-BE49-F238E27FC236}">
+                <a16:creationId xmlns:a16="http://schemas.microsoft.com/office/drawing/2014/main" id="{65CC6C71-9470-458C-B5F9-CF66DB3204B2}"/>
+              </a:ext>
+            </a:extLst>
+          </p:cNvPr>
+          <p:cNvPicPr>
+            <a:picLocks noChangeAspect="1"/>
+          </p:cNvPicPr>
+          <p:nvPr/>
+        </p:nvPicPr>
+        <p:blipFill>
+          <a:blip r:embed="rId3"/>
+          <a:stretch>
+            <a:fillRect/>
+          </a:stretch>
+        </p:blipFill>
+        <p:spPr>
+          <a:xfrm>
+            <a:off x="1093167" y="1131298"/>
+            <a:ext cx="3181350" cy="952500"/>
+          </a:xfrm>
+          <a:prstGeom prst="roundRect">
+            <a:avLst>
+              <a:gd name="adj" fmla="val 8594"/>
+            </a:avLst>
+          </a:prstGeom>
+          <a:solidFill>
+            <a:srgbClr val="FFFFFF">
+              <a:shade val="85000"/>
+            </a:srgbClr>
+          </a:solidFill>
+          <a:ln>
+            <a:noFill/>
+          </a:ln>
+          <a:effectLst>
+            <a:reflection blurRad="12700" stA="38000" endPos="28000" dist="5000" dir="5400000" sy="-100000" algn="bl" rotWithShape="0"/>
+          </a:effectLst>
+        </p:spPr>
+      </p:pic>
+      <p:pic>
+        <p:nvPicPr>
+          <p:cNvPr id="8" name="Grafik 7">
+            <a:extLst>
+              <a:ext uri="{FF2B5EF4-FFF2-40B4-BE49-F238E27FC236}">
+                <a16:creationId xmlns:a16="http://schemas.microsoft.com/office/drawing/2014/main" id="{71CC943F-D564-4934-8317-63388ADD76FF}"/>
+              </a:ext>
+            </a:extLst>
+          </p:cNvPr>
+          <p:cNvPicPr>
+            <a:picLocks noChangeAspect="1"/>
+          </p:cNvPicPr>
+          <p:nvPr/>
+        </p:nvPicPr>
+        <p:blipFill>
+          <a:blip r:embed="rId4">
+            <a:extLst>
+              <a:ext uri="{BEBA8EAE-BF5A-486C-A8C5-ECC9F3942E4B}">
+                <a14:imgProps xmlns:a14="http://schemas.microsoft.com/office/drawing/2010/main">
+                  <a14:imgLayer r:embed="rId5">
+                    <a14:imgEffect>
+                      <a14:saturation sat="33000"/>
+                    </a14:imgEffect>
+                  </a14:imgLayer>
+                </a14:imgProps>
+              </a:ext>
+            </a:extLst>
+          </a:blip>
+          <a:stretch>
+            <a:fillRect/>
+          </a:stretch>
+        </p:blipFill>
+        <p:spPr>
+          <a:xfrm>
+            <a:off x="932857" y="2737930"/>
+            <a:ext cx="3488671" cy="3333750"/>
+          </a:xfrm>
+          <a:prstGeom prst="rect">
+            <a:avLst/>
+          </a:prstGeom>
+          <a:solidFill>
+            <a:srgbClr val="FFFFFF">
+              <a:shade val="85000"/>
+            </a:srgbClr>
+          </a:solidFill>
+          <a:ln w="190500" cap="sq">
+            <a:solidFill>
+              <a:srgbClr val="FFFFFF"/>
+            </a:solidFill>
+            <a:miter lim="800000"/>
+          </a:ln>
+          <a:effectLst>
+            <a:outerShdw blurRad="65000" dist="50800" dir="12900000" kx="195000" ky="145000" algn="tl" rotWithShape="0">
+              <a:srgbClr val="000000">
+                <a:alpha val="30000"/>
+              </a:srgbClr>
+            </a:outerShdw>
+          </a:effectLst>
+          <a:scene3d>
+            <a:camera prst="orthographicFront">
+              <a:rot lat="0" lon="0" rev="360000"/>
+            </a:camera>
+            <a:lightRig rig="twoPt" dir="t">
+              <a:rot lat="0" lon="0" rev="7200000"/>
+            </a:lightRig>
+          </a:scene3d>
+          <a:sp3d contourW="12700">
+            <a:bevelT w="25400" h="19050"/>
+            <a:contourClr>
+              <a:srgbClr val="969696"/>
+            </a:contourClr>
+          </a:sp3d>
+        </p:spPr>
+      </p:pic>
+      <p:sp>
+        <p:nvSpPr>
+          <p:cNvPr id="3" name="Textfeld 2">
+            <a:extLst>
+              <a:ext uri="{FF2B5EF4-FFF2-40B4-BE49-F238E27FC236}">
+                <a16:creationId xmlns:a16="http://schemas.microsoft.com/office/drawing/2014/main" id="{EAD285E0-CBC3-4B88-BFEB-33A56EE4181E}"/>
+              </a:ext>
+            </a:extLst>
+          </p:cNvPr>
+          <p:cNvSpPr txBox="1"/>
+          <p:nvPr/>
+        </p:nvSpPr>
+        <p:spPr>
+          <a:xfrm>
+            <a:off x="2929555" y="300561"/>
+            <a:ext cx="2369303" cy="369332"/>
+          </a:xfrm>
+          <a:prstGeom prst="rect">
+            <a:avLst/>
+          </a:prstGeom>
+          <a:noFill/>
+        </p:spPr>
+        <p:txBody>
+          <a:bodyPr wrap="none" rtlCol="0">
+            <a:spAutoFit/>
+          </a:bodyPr>
+          <a:lstStyle/>
+          <a:p>
+            <a:r>
+              <a:rPr lang="de-DE" dirty="0"/>
+              <a:t>Verfeinerter Zielrahmen</a:t>
+            </a:r>
+          </a:p>
+        </p:txBody>
+      </p:sp>
+    </p:spTree>
+    <p:extLst>
+      <p:ext uri="{BB962C8B-B14F-4D97-AF65-F5344CB8AC3E}">
+        <p14:creationId xmlns:p14="http://schemas.microsoft.com/office/powerpoint/2010/main" val="2733980996"/>
+      </p:ext>
+    </p:extLst>
+  </p:cSld>
+  <p:clrMapOvr>
+    <a:masterClrMapping/>
+  </p:clrMapOvr>
+</p:sld>
+</file>
+
+<file path=ppt/slides/slide21.xml><?xml version="1.0" encoding="utf-8"?>
+<p:sld xmlns:a="http://schemas.openxmlformats.org/drawingml/2006/main" xmlns:r="http://schemas.openxmlformats.org/officeDocument/2006/relationships" xmlns:p="http://schemas.openxmlformats.org/presentationml/2006/main" show="0">
+  <p:cSld>
+    <p:spTree>
+      <p:nvGrpSpPr>
+        <p:cNvPr id="1" name=""/>
+        <p:cNvGrpSpPr/>
+        <p:nvPr/>
+      </p:nvGrpSpPr>
+      <p:grpSpPr>
+        <a:xfrm>
+          <a:off x="0" y="0"/>
+          <a:ext cx="0" cy="0"/>
+          <a:chOff x="0" y="0"/>
+          <a:chExt cx="0" cy="0"/>
+        </a:xfrm>
+      </p:grpSpPr>
+      <p:sp>
+        <p:nvSpPr>
+          <p:cNvPr id="2" name="Textfeld 1">
+            <a:extLst>
+              <a:ext uri="{FF2B5EF4-FFF2-40B4-BE49-F238E27FC236}">
+                <a16:creationId xmlns:a16="http://schemas.microsoft.com/office/drawing/2014/main" id="{91CF4895-9E43-4451-AD30-62BB9C62C0DB}"/>
+              </a:ext>
+            </a:extLst>
+          </p:cNvPr>
+          <p:cNvSpPr txBox="1"/>
+          <p:nvPr/>
+        </p:nvSpPr>
+        <p:spPr>
+          <a:xfrm>
+            <a:off x="685800" y="795528"/>
+            <a:ext cx="184731" cy="369332"/>
+          </a:xfrm>
+          <a:prstGeom prst="rect">
+            <a:avLst/>
+          </a:prstGeom>
+          <a:noFill/>
+        </p:spPr>
+        <p:txBody>
+          <a:bodyPr wrap="none" rtlCol="0">
+            <a:spAutoFit/>
+          </a:bodyPr>
+          <a:lstStyle/>
+          <a:p>
+            <a:endParaRPr lang="de-DE" dirty="0"/>
+          </a:p>
+        </p:txBody>
+      </p:sp>
+      <p:sp>
+        <p:nvSpPr>
+          <p:cNvPr id="8" name="Textfeld 7">
+            <a:extLst>
+              <a:ext uri="{FF2B5EF4-FFF2-40B4-BE49-F238E27FC236}">
+                <a16:creationId xmlns:a16="http://schemas.microsoft.com/office/drawing/2014/main" id="{2F19C88A-07F7-4F3D-B848-47DCC38A9975}"/>
+              </a:ext>
+            </a:extLst>
+          </p:cNvPr>
+          <p:cNvSpPr txBox="1"/>
+          <p:nvPr/>
+        </p:nvSpPr>
+        <p:spPr>
+          <a:xfrm>
+            <a:off x="8054623" y="860931"/>
+            <a:ext cx="2274003" cy="923330"/>
+          </a:xfrm>
+          <a:prstGeom prst="rect">
+            <a:avLst/>
+          </a:prstGeom>
+          <a:noFill/>
+        </p:spPr>
+        <p:txBody>
+          <a:bodyPr wrap="square">
+            <a:spAutoFit/>
+          </a:bodyPr>
+          <a:lstStyle/>
+          <a:p>
+            <a:r>
+              <a:rPr lang="de-DE" sz="3600" dirty="0" err="1"/>
+              <a:t>Flügeltang</a:t>
+            </a:r>
+            <a:endParaRPr lang="de-DE" sz="3600" dirty="0"/>
+          </a:p>
+          <a:p>
+            <a:r>
+              <a:rPr lang="de-DE" sz="1800" dirty="0">
+                <a:effectLst/>
+                <a:latin typeface="Calibri" panose="020F0502020204030204" pitchFamily="34" charset="0"/>
+                <a:ea typeface="Calibri" panose="020F0502020204030204" pitchFamily="34" charset="0"/>
+                <a:cs typeface="Times New Roman" panose="02020603050405020304" pitchFamily="18" charset="0"/>
+              </a:rPr>
+              <a:t>(</a:t>
+            </a:r>
+            <a:r>
+              <a:rPr lang="de-DE" sz="1800" i="1" dirty="0" err="1">
+                <a:effectLst/>
+                <a:latin typeface="Calibri" panose="020F0502020204030204" pitchFamily="34" charset="0"/>
+                <a:ea typeface="Calibri" panose="020F0502020204030204" pitchFamily="34" charset="0"/>
+                <a:cs typeface="Times New Roman" panose="02020603050405020304" pitchFamily="18" charset="0"/>
+              </a:rPr>
+              <a:t>Alaria</a:t>
+            </a:r>
+            <a:r>
+              <a:rPr lang="de-DE" sz="1800" i="1" dirty="0">
+                <a:effectLst/>
+                <a:latin typeface="Calibri" panose="020F0502020204030204" pitchFamily="34" charset="0"/>
+                <a:ea typeface="Calibri" panose="020F0502020204030204" pitchFamily="34" charset="0"/>
+                <a:cs typeface="Times New Roman" panose="02020603050405020304" pitchFamily="18" charset="0"/>
+              </a:rPr>
+              <a:t> </a:t>
+            </a:r>
+            <a:r>
+              <a:rPr lang="de-DE" sz="1800" i="1" dirty="0" err="1">
+                <a:effectLst/>
+                <a:latin typeface="Calibri" panose="020F0502020204030204" pitchFamily="34" charset="0"/>
+                <a:ea typeface="Calibri" panose="020F0502020204030204" pitchFamily="34" charset="0"/>
+                <a:cs typeface="Times New Roman" panose="02020603050405020304" pitchFamily="18" charset="0"/>
+              </a:rPr>
+              <a:t>esculenta</a:t>
+            </a:r>
+            <a:r>
+              <a:rPr lang="de-DE" sz="1800" dirty="0">
+                <a:effectLst/>
+                <a:latin typeface="Calibri" panose="020F0502020204030204" pitchFamily="34" charset="0"/>
+                <a:ea typeface="Calibri" panose="020F0502020204030204" pitchFamily="34" charset="0"/>
+                <a:cs typeface="Times New Roman" panose="02020603050405020304" pitchFamily="18" charset="0"/>
+              </a:rPr>
+              <a:t>)</a:t>
+            </a:r>
+            <a:endParaRPr lang="de-DE" sz="3600" dirty="0"/>
+          </a:p>
+        </p:txBody>
+      </p:sp>
+      <p:sp>
+        <p:nvSpPr>
+          <p:cNvPr id="12" name="Textfeld 11">
+            <a:extLst>
+              <a:ext uri="{FF2B5EF4-FFF2-40B4-BE49-F238E27FC236}">
+                <a16:creationId xmlns:a16="http://schemas.microsoft.com/office/drawing/2014/main" id="{B4803796-90B2-4875-835B-CE7D321C5928}"/>
+              </a:ext>
+            </a:extLst>
+          </p:cNvPr>
+          <p:cNvSpPr txBox="1"/>
+          <p:nvPr/>
+        </p:nvSpPr>
+        <p:spPr>
+          <a:xfrm>
+            <a:off x="1297902" y="795528"/>
+            <a:ext cx="3051633" cy="923330"/>
+          </a:xfrm>
+          <a:prstGeom prst="rect">
+            <a:avLst/>
+          </a:prstGeom>
+          <a:noFill/>
+        </p:spPr>
+        <p:txBody>
+          <a:bodyPr wrap="square">
+            <a:spAutoFit/>
+          </a:bodyPr>
+          <a:lstStyle/>
+          <a:p>
+            <a:r>
+              <a:rPr lang="de-DE" sz="3600" dirty="0" err="1"/>
+              <a:t>Zuckertang</a:t>
+            </a:r>
+            <a:endParaRPr lang="de-DE" sz="3600" dirty="0"/>
+          </a:p>
+          <a:p>
+            <a:r>
+              <a:rPr lang="de-DE" sz="1800" dirty="0">
+                <a:effectLst/>
+                <a:latin typeface="Calibri" panose="020F0502020204030204" pitchFamily="34" charset="0"/>
+                <a:ea typeface="Calibri" panose="020F0502020204030204" pitchFamily="34" charset="0"/>
+                <a:cs typeface="Times New Roman" panose="02020603050405020304" pitchFamily="18" charset="0"/>
+              </a:rPr>
+              <a:t>(</a:t>
+            </a:r>
+            <a:r>
+              <a:rPr lang="de-DE" sz="1800" i="1" dirty="0" err="1">
+                <a:effectLst/>
+                <a:latin typeface="Calibri" panose="020F0502020204030204" pitchFamily="34" charset="0"/>
+                <a:ea typeface="Calibri" panose="020F0502020204030204" pitchFamily="34" charset="0"/>
+                <a:cs typeface="Times New Roman" panose="02020603050405020304" pitchFamily="18" charset="0"/>
+              </a:rPr>
+              <a:t>Saccharina</a:t>
+            </a:r>
+            <a:r>
+              <a:rPr lang="de-DE" sz="1800" i="1" dirty="0">
+                <a:effectLst/>
+                <a:latin typeface="Calibri" panose="020F0502020204030204" pitchFamily="34" charset="0"/>
+                <a:ea typeface="Calibri" panose="020F0502020204030204" pitchFamily="34" charset="0"/>
+                <a:cs typeface="Times New Roman" panose="02020603050405020304" pitchFamily="18" charset="0"/>
+              </a:rPr>
+              <a:t> </a:t>
+            </a:r>
+            <a:r>
+              <a:rPr lang="de-DE" sz="1800" i="1" dirty="0" err="1">
+                <a:effectLst/>
+                <a:latin typeface="Calibri" panose="020F0502020204030204" pitchFamily="34" charset="0"/>
+                <a:ea typeface="Calibri" panose="020F0502020204030204" pitchFamily="34" charset="0"/>
+                <a:cs typeface="Times New Roman" panose="02020603050405020304" pitchFamily="18" charset="0"/>
+              </a:rPr>
+              <a:t>latissima</a:t>
+            </a:r>
+            <a:r>
+              <a:rPr lang="de-DE" sz="1800" dirty="0">
+                <a:effectLst/>
+                <a:latin typeface="Calibri" panose="020F0502020204030204" pitchFamily="34" charset="0"/>
+                <a:ea typeface="Calibri" panose="020F0502020204030204" pitchFamily="34" charset="0"/>
+                <a:cs typeface="Times New Roman" panose="02020603050405020304" pitchFamily="18" charset="0"/>
+              </a:rPr>
+              <a:t>) </a:t>
+            </a:r>
+            <a:endParaRPr lang="de-DE" sz="3600" dirty="0"/>
+          </a:p>
+        </p:txBody>
+      </p:sp>
+      <p:pic>
+        <p:nvPicPr>
+          <p:cNvPr id="4" name="Grafik 3">
+            <a:extLst>
+              <a:ext uri="{FF2B5EF4-FFF2-40B4-BE49-F238E27FC236}">
+                <a16:creationId xmlns:a16="http://schemas.microsoft.com/office/drawing/2014/main" id="{683FC059-36E7-4129-8577-C885E4CF3A80}"/>
+              </a:ext>
+            </a:extLst>
+          </p:cNvPr>
+          <p:cNvPicPr>
+            <a:picLocks noChangeAspect="1"/>
+          </p:cNvPicPr>
+          <p:nvPr/>
+        </p:nvPicPr>
+        <p:blipFill>
+          <a:blip r:embed="rId2"/>
+          <a:stretch>
+            <a:fillRect/>
+          </a:stretch>
+        </p:blipFill>
+        <p:spPr>
+          <a:xfrm>
+            <a:off x="976557" y="2082842"/>
+            <a:ext cx="3376612" cy="3722645"/>
+          </a:xfrm>
+          <a:prstGeom prst="roundRect">
+            <a:avLst>
+              <a:gd name="adj" fmla="val 8594"/>
+            </a:avLst>
+          </a:prstGeom>
+          <a:solidFill>
+            <a:srgbClr val="FFFFFF">
+              <a:shade val="85000"/>
+            </a:srgbClr>
+          </a:solidFill>
+          <a:ln>
+            <a:noFill/>
+          </a:ln>
+          <a:effectLst>
+            <a:reflection blurRad="12700" stA="38000" endPos="28000" dist="5000" dir="5400000" sy="-100000" algn="bl" rotWithShape="0"/>
+          </a:effectLst>
+        </p:spPr>
+      </p:pic>
+      <p:pic>
+        <p:nvPicPr>
+          <p:cNvPr id="5" name="Grafik 4">
+            <a:extLst>
+              <a:ext uri="{FF2B5EF4-FFF2-40B4-BE49-F238E27FC236}">
+                <a16:creationId xmlns:a16="http://schemas.microsoft.com/office/drawing/2014/main" id="{244E6A4A-8455-43C7-A46C-4F3A480DA439}"/>
+              </a:ext>
+            </a:extLst>
+          </p:cNvPr>
+          <p:cNvPicPr>
+            <a:picLocks noChangeAspect="1"/>
+          </p:cNvPicPr>
+          <p:nvPr/>
+        </p:nvPicPr>
+        <p:blipFill>
+          <a:blip r:embed="rId3"/>
+          <a:stretch>
+            <a:fillRect/>
+          </a:stretch>
+        </p:blipFill>
+        <p:spPr>
+          <a:xfrm>
+            <a:off x="7458075" y="2534464"/>
+            <a:ext cx="3467100" cy="2819400"/>
+          </a:xfrm>
+          <a:prstGeom prst="roundRect">
+            <a:avLst>
+              <a:gd name="adj" fmla="val 8594"/>
+            </a:avLst>
+          </a:prstGeom>
+          <a:solidFill>
+            <a:srgbClr val="FFFFFF">
+              <a:shade val="85000"/>
+            </a:srgbClr>
+          </a:solidFill>
+          <a:ln>
+            <a:noFill/>
+          </a:ln>
+          <a:effectLst>
+            <a:reflection blurRad="12700" stA="38000" endPos="28000" dist="5000" dir="5400000" sy="-100000" algn="bl" rotWithShape="0"/>
+          </a:effectLst>
+        </p:spPr>
+      </p:pic>
+      <p:cxnSp>
+        <p:nvCxnSpPr>
+          <p:cNvPr id="7" name="Gerader Verbinder 6">
+            <a:extLst>
+              <a:ext uri="{FF2B5EF4-FFF2-40B4-BE49-F238E27FC236}">
+                <a16:creationId xmlns:a16="http://schemas.microsoft.com/office/drawing/2014/main" id="{F7A41CD5-48C2-42DC-9C74-019A4FE8DA4A}"/>
+              </a:ext>
+            </a:extLst>
+          </p:cNvPr>
+          <p:cNvCxnSpPr>
+            <a:cxnSpLocks/>
+          </p:cNvCxnSpPr>
+          <p:nvPr/>
+        </p:nvCxnSpPr>
+        <p:spPr>
+          <a:xfrm>
+            <a:off x="5783956" y="1164860"/>
+            <a:ext cx="0" cy="4720125"/>
+          </a:xfrm>
+          <a:prstGeom prst="line">
+            <a:avLst/>
+          </a:prstGeom>
+          <a:ln>
+            <a:solidFill>
+              <a:srgbClr val="C17F63"/>
+            </a:solidFill>
+          </a:ln>
+        </p:spPr>
+        <p:style>
+          <a:lnRef idx="1">
+            <a:schemeClr val="accent1"/>
+          </a:lnRef>
+          <a:fillRef idx="0">
+            <a:schemeClr val="accent1"/>
+          </a:fillRef>
+          <a:effectRef idx="0">
+            <a:schemeClr val="accent1"/>
+          </a:effectRef>
+          <a:fontRef idx="minor">
+            <a:schemeClr val="tx1"/>
+          </a:fontRef>
+        </p:style>
+      </p:cxnSp>
+      <p:sp>
+        <p:nvSpPr>
+          <p:cNvPr id="3" name="Textfeld 2">
+            <a:extLst>
+              <a:ext uri="{FF2B5EF4-FFF2-40B4-BE49-F238E27FC236}">
+                <a16:creationId xmlns:a16="http://schemas.microsoft.com/office/drawing/2014/main" id="{E4A0E5EC-2943-4DC3-AB67-97299BD0EFF4}"/>
+              </a:ext>
+            </a:extLst>
+          </p:cNvPr>
+          <p:cNvSpPr txBox="1"/>
+          <p:nvPr/>
+        </p:nvSpPr>
+        <p:spPr>
+          <a:xfrm>
+            <a:off x="2743200" y="358588"/>
+            <a:ext cx="2015232" cy="369332"/>
+          </a:xfrm>
+          <a:prstGeom prst="rect">
+            <a:avLst/>
+          </a:prstGeom>
+          <a:noFill/>
+        </p:spPr>
+        <p:txBody>
+          <a:bodyPr wrap="none" rtlCol="0">
+            <a:spAutoFit/>
+          </a:bodyPr>
+          <a:lstStyle/>
+          <a:p>
+            <a:r>
+              <a:rPr lang="de-DE" dirty="0"/>
+              <a:t>Was bauen wir an?</a:t>
+            </a:r>
+          </a:p>
+        </p:txBody>
+      </p:sp>
+      <p:sp>
+        <p:nvSpPr>
+          <p:cNvPr id="6" name="Textfeld 5">
+            <a:extLst>
+              <a:ext uri="{FF2B5EF4-FFF2-40B4-BE49-F238E27FC236}">
+                <a16:creationId xmlns:a16="http://schemas.microsoft.com/office/drawing/2014/main" id="{98DA89ED-6C5E-4531-981F-0FAF0A0C6F55}"/>
+              </a:ext>
+            </a:extLst>
+          </p:cNvPr>
+          <p:cNvSpPr txBox="1"/>
+          <p:nvPr/>
+        </p:nvSpPr>
+        <p:spPr>
+          <a:xfrm>
+            <a:off x="4758432" y="269458"/>
+            <a:ext cx="1922514" cy="369332"/>
+          </a:xfrm>
+          <a:prstGeom prst="rect">
+            <a:avLst/>
+          </a:prstGeom>
+          <a:noFill/>
+        </p:spPr>
+        <p:txBody>
+          <a:bodyPr wrap="none" rtlCol="0">
+            <a:spAutoFit/>
+          </a:bodyPr>
+          <a:lstStyle/>
+          <a:p>
+            <a:r>
+              <a:rPr lang="de-DE" dirty="0"/>
+              <a:t>(Unser Zielprodukt)</a:t>
+            </a:r>
+          </a:p>
+        </p:txBody>
+      </p:sp>
+    </p:spTree>
+    <p:extLst>
+      <p:ext uri="{BB962C8B-B14F-4D97-AF65-F5344CB8AC3E}">
+        <p14:creationId xmlns:p14="http://schemas.microsoft.com/office/powerpoint/2010/main" val="1052160411"/>
       </p:ext>
     </p:extLst>
   </p:cSld>
@@ -6239,7 +7455,7 @@
         </p:nvSpPr>
         <p:spPr>
           <a:xfrm>
-            <a:off x="5738241" y="4125980"/>
+            <a:off x="5265685" y="4282874"/>
             <a:ext cx="6096000" cy="1569660"/>
           </a:xfrm>
           <a:prstGeom prst="rect">
@@ -6292,8 +7508,8 @@
         </p:nvSpPr>
         <p:spPr>
           <a:xfrm>
-            <a:off x="721119" y="4172146"/>
-            <a:ext cx="4778616" cy="1477328"/>
+            <a:off x="1083430" y="3913541"/>
+            <a:ext cx="3872920" cy="1477328"/>
           </a:xfrm>
           <a:prstGeom prst="rect">
             <a:avLst/>
@@ -6318,10 +7534,7 @@
             </a:r>
           </a:p>
           <a:p>
-            <a:r>
-              <a:rPr lang="de-DE" sz="2400" dirty="0"/>
-              <a:t>geschätzter 	Firmenwert: 200.000€</a:t>
-            </a:r>
+            <a:endParaRPr lang="de-DE" sz="2400" dirty="0"/>
           </a:p>
           <a:p>
             <a:endParaRPr lang="de-DE" dirty="0"/>
@@ -6415,7 +7628,7 @@
         </p:nvSpPr>
         <p:spPr>
           <a:xfrm>
-            <a:off x="5738241" y="3756647"/>
+            <a:off x="5265685" y="3913541"/>
             <a:ext cx="1604350" cy="830997"/>
           </a:xfrm>
           <a:prstGeom prst="rect">
@@ -6436,6 +7649,58 @@
           </a:p>
           <a:p>
             <a:endParaRPr lang="de-DE" sz="2400" dirty="0"/>
+          </a:p>
+        </p:txBody>
+      </p:sp>
+      <p:sp>
+        <p:nvSpPr>
+          <p:cNvPr id="5" name="Rechteck 4">
+            <a:extLst>
+              <a:ext uri="{FF2B5EF4-FFF2-40B4-BE49-F238E27FC236}">
+                <a16:creationId xmlns:a16="http://schemas.microsoft.com/office/drawing/2014/main" id="{8580D00A-E394-4E22-9EBC-3B743726ED1E}"/>
+              </a:ext>
+            </a:extLst>
+          </p:cNvPr>
+          <p:cNvSpPr/>
+          <p:nvPr/>
+        </p:nvSpPr>
+        <p:spPr>
+          <a:xfrm>
+            <a:off x="949569" y="3913541"/>
+            <a:ext cx="10304585" cy="2030059"/>
+          </a:xfrm>
+          <a:prstGeom prst="rect">
+            <a:avLst/>
+          </a:prstGeom>
+          <a:noFill/>
+          <a:ln>
+            <a:solidFill>
+              <a:srgbClr val="C17F63"/>
+            </a:solidFill>
+          </a:ln>
+        </p:spPr>
+        <p:style>
+          <a:lnRef idx="2">
+            <a:schemeClr val="accent1">
+              <a:shade val="50000"/>
+            </a:schemeClr>
+          </a:lnRef>
+          <a:fillRef idx="1">
+            <a:schemeClr val="accent1"/>
+          </a:fillRef>
+          <a:effectRef idx="0">
+            <a:schemeClr val="accent1"/>
+          </a:effectRef>
+          <a:fontRef idx="minor">
+            <a:schemeClr val="lt1"/>
+          </a:fontRef>
+        </p:style>
+        <p:txBody>
+          <a:bodyPr rtlCol="0" anchor="ctr"/>
+          <a:lstStyle/>
+          <a:p>
+            <a:pPr algn="ctr"/>
+            <a:endParaRPr lang="de-DE"/>
           </a:p>
         </p:txBody>
       </p:sp>
@@ -6960,7 +8225,7 @@
         </p:nvSpPr>
         <p:spPr>
           <a:xfrm>
-            <a:off x="1892605" y="2767280"/>
+            <a:off x="1892605" y="4134441"/>
             <a:ext cx="8406789" cy="1323439"/>
           </a:xfrm>
           <a:prstGeom prst="rect">
@@ -6984,6 +8249,117 @@
               <a:rPr lang="de-DE" sz="4000" dirty="0"/>
               <a:t>Ernte und Aussaat von Algen </a:t>
             </a:r>
+          </a:p>
+        </p:txBody>
+      </p:sp>
+      <p:sp>
+        <p:nvSpPr>
+          <p:cNvPr id="2" name="Textfeld 1">
+            <a:extLst>
+              <a:ext uri="{FF2B5EF4-FFF2-40B4-BE49-F238E27FC236}">
+                <a16:creationId xmlns:a16="http://schemas.microsoft.com/office/drawing/2014/main" id="{82823CB7-D2CC-4286-86B7-F8BD1E7225CB}"/>
+              </a:ext>
+            </a:extLst>
+          </p:cNvPr>
+          <p:cNvSpPr txBox="1"/>
+          <p:nvPr/>
+        </p:nvSpPr>
+        <p:spPr>
+          <a:xfrm>
+            <a:off x="1022166" y="978089"/>
+            <a:ext cx="6953057" cy="1200329"/>
+          </a:xfrm>
+          <a:prstGeom prst="rect">
+            <a:avLst/>
+          </a:prstGeom>
+          <a:noFill/>
+        </p:spPr>
+        <p:txBody>
+          <a:bodyPr wrap="none" rtlCol="0">
+            <a:spAutoFit/>
+          </a:bodyPr>
+          <a:lstStyle/>
+          <a:p>
+            <a:pPr marL="285750" indent="-285750">
+              <a:buFontTx/>
+              <a:buChar char="-"/>
+            </a:pPr>
+            <a:r>
+              <a:rPr lang="de-DE" sz="2400" dirty="0"/>
+              <a:t>Groß Skalierbarer Anbau von Meeresalgen</a:t>
+            </a:r>
+          </a:p>
+          <a:p>
+            <a:pPr marL="285750" indent="-285750">
+              <a:buFontTx/>
+              <a:buChar char="-"/>
+            </a:pPr>
+            <a:r>
+              <a:rPr lang="de-DE" sz="2400" dirty="0"/>
+              <a:t>Nutzung der Meeresflächen als Anbaugebiete</a:t>
+            </a:r>
+          </a:p>
+          <a:p>
+            <a:pPr marL="285750" indent="-285750">
+              <a:buFontTx/>
+              <a:buChar char="-"/>
+            </a:pPr>
+            <a:r>
+              <a:rPr lang="de-DE" sz="2400" dirty="0"/>
+              <a:t>Reduzierung der Last auf terrestrischen Agrarflächen</a:t>
+            </a:r>
+          </a:p>
+        </p:txBody>
+      </p:sp>
+      <p:sp>
+        <p:nvSpPr>
+          <p:cNvPr id="3" name="Rechteck 2">
+            <a:extLst>
+              <a:ext uri="{FF2B5EF4-FFF2-40B4-BE49-F238E27FC236}">
+                <a16:creationId xmlns:a16="http://schemas.microsoft.com/office/drawing/2014/main" id="{76FA1436-912C-4633-BB55-C233FF997032}"/>
+              </a:ext>
+            </a:extLst>
+          </p:cNvPr>
+          <p:cNvSpPr/>
+          <p:nvPr/>
+        </p:nvSpPr>
+        <p:spPr>
+          <a:xfrm>
+            <a:off x="1892605" y="4134441"/>
+            <a:ext cx="8343348" cy="1467369"/>
+          </a:xfrm>
+          <a:prstGeom prst="rect">
+            <a:avLst/>
+          </a:prstGeom>
+          <a:noFill/>
+          <a:ln>
+            <a:solidFill>
+              <a:srgbClr val="C17F63"/>
+            </a:solidFill>
+          </a:ln>
+        </p:spPr>
+        <p:style>
+          <a:lnRef idx="2">
+            <a:schemeClr val="accent1">
+              <a:shade val="50000"/>
+            </a:schemeClr>
+          </a:lnRef>
+          <a:fillRef idx="1">
+            <a:schemeClr val="accent1"/>
+          </a:fillRef>
+          <a:effectRef idx="0">
+            <a:schemeClr val="accent1"/>
+          </a:effectRef>
+          <a:fontRef idx="minor">
+            <a:schemeClr val="lt1"/>
+          </a:fontRef>
+        </p:style>
+        <p:txBody>
+          <a:bodyPr rtlCol="0" anchor="ctr"/>
+          <a:lstStyle/>
+          <a:p>
+            <a:pPr algn="ctr"/>
+            <a:endParaRPr lang="de-DE"/>
           </a:p>
         </p:txBody>
       </p:sp>
@@ -7001,7 +8377,7 @@
 </file>
 
 <file path=ppt/slides/slide6.xml><?xml version="1.0" encoding="utf-8"?>
-<p:sld xmlns:a="http://schemas.openxmlformats.org/drawingml/2006/main" xmlns:r="http://schemas.openxmlformats.org/officeDocument/2006/relationships" xmlns:p="http://schemas.openxmlformats.org/presentationml/2006/main" show="0">
+<p:sld xmlns:a="http://schemas.openxmlformats.org/drawingml/2006/main" xmlns:r="http://schemas.openxmlformats.org/officeDocument/2006/relationships" xmlns:p="http://schemas.openxmlformats.org/presentationml/2006/main">
   <p:cSld>
     <p:bg>
       <p:bgPr>
@@ -7153,143 +8529,12 @@
           </a:p>
         </p:txBody>
       </p:sp>
-    </p:spTree>
-    <p:extLst>
-      <p:ext uri="{BB962C8B-B14F-4D97-AF65-F5344CB8AC3E}">
-        <p14:creationId xmlns:p14="http://schemas.microsoft.com/office/powerpoint/2010/main" val="939497610"/>
-      </p:ext>
-    </p:extLst>
-  </p:cSld>
-  <p:clrMapOvr>
-    <a:masterClrMapping/>
-  </p:clrMapOvr>
-</p:sld>
-</file>
-
-<file path=ppt/slides/slide7.xml><?xml version="1.0" encoding="utf-8"?>
-<p:sld xmlns:a="http://schemas.openxmlformats.org/drawingml/2006/main" xmlns:r="http://schemas.openxmlformats.org/officeDocument/2006/relationships" xmlns:p="http://schemas.openxmlformats.org/presentationml/2006/main">
-  <p:cSld>
-    <p:spTree>
-      <p:nvGrpSpPr>
-        <p:cNvPr id="1" name=""/>
-        <p:cNvGrpSpPr/>
-        <p:nvPr/>
-      </p:nvGrpSpPr>
-      <p:grpSpPr>
-        <a:xfrm>
-          <a:off x="0" y="0"/>
-          <a:ext cx="0" cy="0"/>
-          <a:chOff x="0" y="0"/>
-          <a:chExt cx="0" cy="0"/>
-        </a:xfrm>
-      </p:grpSpPr>
-      <p:sp>
-        <p:nvSpPr>
-          <p:cNvPr id="2" name="Textfeld 1">
-            <a:extLst>
-              <a:ext uri="{FF2B5EF4-FFF2-40B4-BE49-F238E27FC236}">
-                <a16:creationId xmlns:a16="http://schemas.microsoft.com/office/drawing/2014/main" id="{91CF4895-9E43-4451-AD30-62BB9C62C0DB}"/>
-              </a:ext>
-            </a:extLst>
-          </p:cNvPr>
-          <p:cNvSpPr txBox="1"/>
-          <p:nvPr/>
-        </p:nvSpPr>
-        <p:spPr>
-          <a:xfrm>
-            <a:off x="908436" y="859138"/>
-            <a:ext cx="184731" cy="369332"/>
-          </a:xfrm>
-          <a:prstGeom prst="rect">
-            <a:avLst/>
-          </a:prstGeom>
-          <a:noFill/>
-        </p:spPr>
-        <p:txBody>
-          <a:bodyPr wrap="none" rtlCol="0">
-            <a:spAutoFit/>
-          </a:bodyPr>
-          <a:lstStyle/>
-          <a:p>
-            <a:endParaRPr lang="de-DE" dirty="0"/>
-          </a:p>
-        </p:txBody>
-      </p:sp>
-      <p:sp>
-        <p:nvSpPr>
-          <p:cNvPr id="19" name="Rectangle 4">
-            <a:extLst>
-              <a:ext uri="{FF2B5EF4-FFF2-40B4-BE49-F238E27FC236}">
-                <a16:creationId xmlns:a16="http://schemas.microsoft.com/office/drawing/2014/main" id="{684E42DA-56F2-4FDE-9B8B-ACCE96074478}"/>
-              </a:ext>
-            </a:extLst>
-          </p:cNvPr>
-          <p:cNvSpPr>
-            <a:spLocks noChangeArrowheads="1"/>
-          </p:cNvSpPr>
-          <p:nvPr/>
-        </p:nvSpPr>
-        <p:spPr bwMode="auto">
-          <a:xfrm>
-            <a:off x="4114207" y="2832243"/>
-            <a:ext cx="12192000" cy="457200"/>
-          </a:xfrm>
-          <a:prstGeom prst="rect">
-            <a:avLst/>
-          </a:prstGeom>
-          <a:noFill/>
-          <a:ln>
-            <a:noFill/>
-          </a:ln>
-          <a:effectLst/>
-          <a:extLst>
-            <a:ext uri="{909E8E84-426E-40DD-AFC4-6F175D3DCCD1}">
-              <a14:hiddenFill xmlns:a14="http://schemas.microsoft.com/office/drawing/2010/main">
-                <a:solidFill>
-                  <a:schemeClr val="accent1"/>
-                </a:solidFill>
-              </a14:hiddenFill>
-            </a:ext>
-            <a:ext uri="{91240B29-F687-4F45-9708-019B960494DF}">
-              <a14:hiddenLine xmlns:a14="http://schemas.microsoft.com/office/drawing/2010/main" w="9525">
-                <a:solidFill>
-                  <a:schemeClr val="tx1"/>
-                </a:solidFill>
-                <a:miter lim="800000"/>
-                <a:headEnd/>
-                <a:tailEnd/>
-              </a14:hiddenLine>
-            </a:ext>
-            <a:ext uri="{AF507438-7753-43E0-B8FC-AC1667EBCBE1}">
-              <a14:hiddenEffects xmlns:a14="http://schemas.microsoft.com/office/drawing/2010/main">
-                <a:effectLst>
-                  <a:outerShdw dist="35921" dir="2700000" algn="ctr" rotWithShape="0">
-                    <a:schemeClr val="bg2"/>
-                  </a:outerShdw>
-                </a:effectLst>
-              </a14:hiddenEffects>
-            </a:ext>
-          </a:extLst>
-        </p:spPr>
-        <p:txBody>
-          <a:bodyPr vert="horz" wrap="none" lIns="91440" tIns="45720" rIns="91440" bIns="45720" numCol="1" anchor="ctr" anchorCtr="0" compatLnSpc="1">
-            <a:prstTxWarp prst="textNoShape">
-              <a:avLst/>
-            </a:prstTxWarp>
-            <a:spAutoFit/>
-          </a:bodyPr>
-          <a:lstStyle/>
-          <a:p>
-            <a:endParaRPr lang="de-DE"/>
-          </a:p>
-        </p:txBody>
-      </p:sp>
       <p:pic>
         <p:nvPicPr>
-          <p:cNvPr id="5" name="Grafik 4">
+          <p:cNvPr id="4" name="Grafik 3">
             <a:extLst>
               <a:ext uri="{FF2B5EF4-FFF2-40B4-BE49-F238E27FC236}">
-                <a16:creationId xmlns:a16="http://schemas.microsoft.com/office/drawing/2014/main" id="{2A3D4D93-84C6-4CC0-8DF4-660C9C40A9D2}"/>
+                <a16:creationId xmlns:a16="http://schemas.microsoft.com/office/drawing/2014/main" id="{180CA426-D097-41B6-A081-DA8A2040F089}"/>
               </a:ext>
             </a:extLst>
           </p:cNvPr>
@@ -7306,7 +8551,7 @@
         </p:blipFill>
         <p:spPr>
           <a:xfrm>
-            <a:off x="4995954" y="859138"/>
+            <a:off x="4969059" y="859138"/>
             <a:ext cx="6615983" cy="4961987"/>
           </a:xfrm>
           <a:prstGeom prst="rect">
@@ -7316,10 +8561,10 @@
       </p:pic>
       <p:pic>
         <p:nvPicPr>
-          <p:cNvPr id="6" name="Grafik 5">
+          <p:cNvPr id="5" name="Grafik 4">
             <a:extLst>
               <a:ext uri="{FF2B5EF4-FFF2-40B4-BE49-F238E27FC236}">
-                <a16:creationId xmlns:a16="http://schemas.microsoft.com/office/drawing/2014/main" id="{65CC6C71-9470-458C-B5F9-CF66DB3204B2}"/>
+                <a16:creationId xmlns:a16="http://schemas.microsoft.com/office/drawing/2014/main" id="{A6DF43F7-955E-44DB-AD1F-B6AD16ED0DE4}"/>
               </a:ext>
             </a:extLst>
           </p:cNvPr>
@@ -7359,10 +8604,10 @@
       </p:pic>
       <p:pic>
         <p:nvPicPr>
-          <p:cNvPr id="8" name="Grafik 7">
+          <p:cNvPr id="6" name="Grafik 5">
             <a:extLst>
               <a:ext uri="{FF2B5EF4-FFF2-40B4-BE49-F238E27FC236}">
-                <a16:creationId xmlns:a16="http://schemas.microsoft.com/office/drawing/2014/main" id="{71CC943F-D564-4934-8317-63388ADD76FF}"/>
+                <a16:creationId xmlns:a16="http://schemas.microsoft.com/office/drawing/2014/main" id="{2D782B6C-B1DA-4D94-B233-90949DED6225}"/>
               </a:ext>
             </a:extLst>
           </p:cNvPr>
@@ -7391,7 +8636,7 @@
         </p:blipFill>
         <p:spPr>
           <a:xfrm>
-            <a:off x="932857" y="2737930"/>
+            <a:off x="932857" y="2666210"/>
             <a:ext cx="3488671" cy="3333750"/>
           </a:xfrm>
           <a:prstGeom prst="rect">
@@ -7431,51 +8676,727 @@
           </a:sp3d>
         </p:spPr>
       </p:pic>
-      <p:sp>
-        <p:nvSpPr>
-          <p:cNvPr id="3" name="Textfeld 2">
+      <p:pic>
+        <p:nvPicPr>
+          <p:cNvPr id="3" name="Grafik 2">
             <a:extLst>
               <a:ext uri="{FF2B5EF4-FFF2-40B4-BE49-F238E27FC236}">
-                <a16:creationId xmlns:a16="http://schemas.microsoft.com/office/drawing/2014/main" id="{EAD285E0-CBC3-4B88-BFEB-33A56EE4181E}"/>
+                <a16:creationId xmlns:a16="http://schemas.microsoft.com/office/drawing/2014/main" id="{3E14FEBE-B786-4B93-B89B-ABC23E857167}"/>
               </a:ext>
             </a:extLst>
           </p:cNvPr>
-          <p:cNvSpPr txBox="1"/>
+          <p:cNvPicPr>
+            <a:picLocks noChangeAspect="1"/>
+          </p:cNvPicPr>
           <p:nvPr/>
-        </p:nvSpPr>
-        <p:spPr>
-          <a:xfrm>
-            <a:off x="2929555" y="300561"/>
-            <a:ext cx="2369303" cy="369332"/>
+        </p:nvPicPr>
+        <p:blipFill>
+          <a:blip r:embed="rId6">
+            <a:alphaModFix amt="95000"/>
+            <a:extLst>
+              <a:ext uri="{BEBA8EAE-BF5A-486C-A8C5-ECC9F3942E4B}">
+                <a14:imgProps xmlns:a14="http://schemas.microsoft.com/office/drawing/2010/main">
+                  <a14:imgLayer r:embed="rId7">
+                    <a14:imgEffect>
+                      <a14:sharpenSoften amount="25000"/>
+                    </a14:imgEffect>
+                  </a14:imgLayer>
+                </a14:imgProps>
+              </a:ext>
+            </a:extLst>
+          </a:blip>
+          <a:stretch>
+            <a:fillRect/>
+          </a:stretch>
+        </p:blipFill>
+        <p:spPr>
+          <a:xfrm>
+            <a:off x="8965" y="0"/>
+            <a:ext cx="12174070" cy="6858000"/>
           </a:xfrm>
           <a:prstGeom prst="rect">
             <a:avLst/>
           </a:prstGeom>
-          <a:noFill/>
-        </p:spPr>
-        <p:txBody>
-          <a:bodyPr wrap="none" rtlCol="0">
-            <a:spAutoFit/>
-          </a:bodyPr>
-          <a:lstStyle/>
-          <a:p>
-            <a:r>
-              <a:rPr lang="de-DE" dirty="0"/>
-              <a:t>Verfeinerter Zielrahmen</a:t>
-            </a:r>
-          </a:p>
-        </p:txBody>
-      </p:sp>
+        </p:spPr>
+      </p:pic>
     </p:spTree>
     <p:extLst>
       <p:ext uri="{BB962C8B-B14F-4D97-AF65-F5344CB8AC3E}">
-        <p14:creationId xmlns:p14="http://schemas.microsoft.com/office/powerpoint/2010/main" val="2733980996"/>
+        <p14:creationId xmlns:p14="http://schemas.microsoft.com/office/powerpoint/2010/main" val="1050261772"/>
       </p:ext>
     </p:extLst>
   </p:cSld>
   <p:clrMapOvr>
     <a:masterClrMapping/>
   </p:clrMapOvr>
+  <p:timing>
+    <p:tnLst>
+      <p:par>
+        <p:cTn id="1" dur="indefinite" restart="never" nodeType="tmRoot">
+          <p:childTnLst>
+            <p:seq concurrent="1" nextAc="seek">
+              <p:cTn id="2" dur="indefinite" nodeType="mainSeq">
+                <p:childTnLst>
+                  <p:par>
+                    <p:cTn id="3" fill="hold">
+                      <p:stCondLst>
+                        <p:cond delay="indefinite"/>
+                      </p:stCondLst>
+                      <p:childTnLst>
+                        <p:par>
+                          <p:cTn id="4" fill="hold">
+                            <p:stCondLst>
+                              <p:cond delay="0"/>
+                            </p:stCondLst>
+                            <p:childTnLst>
+                              <p:par>
+                                <p:cTn id="5" presetID="10" presetClass="exit" presetSubtype="0" fill="hold" nodeType="clickEffect">
+                                  <p:stCondLst>
+                                    <p:cond delay="0"/>
+                                  </p:stCondLst>
+                                  <p:childTnLst>
+                                    <p:animEffect transition="out" filter="fade">
+                                      <p:cBhvr>
+                                        <p:cTn id="6" dur="500"/>
+                                        <p:tgtEl>
+                                          <p:spTgt spid="3"/>
+                                        </p:tgtEl>
+                                      </p:cBhvr>
+                                    </p:animEffect>
+                                    <p:set>
+                                      <p:cBhvr>
+                                        <p:cTn id="7" dur="1" fill="hold">
+                                          <p:stCondLst>
+                                            <p:cond delay="499"/>
+                                          </p:stCondLst>
+                                        </p:cTn>
+                                        <p:tgtEl>
+                                          <p:spTgt spid="3"/>
+                                        </p:tgtEl>
+                                        <p:attrNameLst>
+                                          <p:attrName>style.visibility</p:attrName>
+                                        </p:attrNameLst>
+                                      </p:cBhvr>
+                                      <p:to>
+                                        <p:strVal val="hidden"/>
+                                      </p:to>
+                                    </p:set>
+                                  </p:childTnLst>
+                                </p:cTn>
+                              </p:par>
+                            </p:childTnLst>
+                          </p:cTn>
+                        </p:par>
+                      </p:childTnLst>
+                    </p:cTn>
+                  </p:par>
+                </p:childTnLst>
+              </p:cTn>
+              <p:prevCondLst>
+                <p:cond evt="onPrev" delay="0">
+                  <p:tgtEl>
+                    <p:sldTgt/>
+                  </p:tgtEl>
+                </p:cond>
+              </p:prevCondLst>
+              <p:nextCondLst>
+                <p:cond evt="onNext" delay="0">
+                  <p:tgtEl>
+                    <p:sldTgt/>
+                  </p:tgtEl>
+                </p:cond>
+              </p:nextCondLst>
+            </p:seq>
+          </p:childTnLst>
+        </p:cTn>
+      </p:par>
+    </p:tnLst>
+  </p:timing>
+</p:sld>
+</file>
+
+<file path=ppt/slides/slide7.xml><?xml version="1.0" encoding="utf-8"?>
+<p:sld xmlns:a="http://schemas.openxmlformats.org/drawingml/2006/main" xmlns:r="http://schemas.openxmlformats.org/officeDocument/2006/relationships" xmlns:p="http://schemas.openxmlformats.org/presentationml/2006/main">
+  <p:cSld>
+    <p:bg>
+      <p:bgPr>
+        <a:solidFill>
+          <a:srgbClr val="4960A6"/>
+        </a:solidFill>
+        <a:effectLst/>
+      </p:bgPr>
+    </p:bg>
+    <p:spTree>
+      <p:nvGrpSpPr>
+        <p:cNvPr id="1" name=""/>
+        <p:cNvGrpSpPr/>
+        <p:nvPr/>
+      </p:nvGrpSpPr>
+      <p:grpSpPr>
+        <a:xfrm>
+          <a:off x="0" y="0"/>
+          <a:ext cx="0" cy="0"/>
+          <a:chOff x="0" y="0"/>
+          <a:chExt cx="0" cy="0"/>
+        </a:xfrm>
+      </p:grpSpPr>
+      <p:sp>
+        <p:nvSpPr>
+          <p:cNvPr id="22" name="Rectangle 21">
+            <a:extLst>
+              <a:ext uri="{FF2B5EF4-FFF2-40B4-BE49-F238E27FC236}">
+                <a16:creationId xmlns:a16="http://schemas.microsoft.com/office/drawing/2014/main" id="{44B3F5F5-166C-4694-B20A-3F8218AF7D03}"/>
+              </a:ext>
+              <a:ext uri="{C183D7F6-B498-43B3-948B-1728B52AA6E4}">
+                <adec:decorative xmlns:adec="http://schemas.microsoft.com/office/drawing/2017/decorative" val="1"/>
+              </a:ext>
+            </a:extLst>
+          </p:cNvPr>
+          <p:cNvSpPr>
+            <a:spLocks noGrp="1" noRot="1" noChangeAspect="1" noMove="1" noResize="1" noEditPoints="1" noAdjustHandles="1" noChangeArrowheads="1" noChangeShapeType="1" noTextEdit="1"/>
+          </p:cNvSpPr>
+          <p:nvPr>
+            <p:extLst>
+              <p:ext uri="{386F3935-93C4-4BCD-93E2-E3B085C9AB24}">
+                <p16:designElem xmlns:p16="http://schemas.microsoft.com/office/powerpoint/2015/main" val="1"/>
+              </p:ext>
+            </p:extLst>
+          </p:nvPr>
+        </p:nvSpPr>
+        <p:spPr>
+          <a:xfrm>
+            <a:off x="0" y="0"/>
+            <a:ext cx="12192000" cy="6858000"/>
+          </a:xfrm>
+          <a:prstGeom prst="rect">
+            <a:avLst/>
+          </a:prstGeom>
+          <a:solidFill>
+            <a:schemeClr val="bg2"/>
+          </a:solidFill>
+          <a:ln>
+            <a:noFill/>
+          </a:ln>
+        </p:spPr>
+        <p:style>
+          <a:lnRef idx="2">
+            <a:schemeClr val="accent1">
+              <a:shade val="50000"/>
+            </a:schemeClr>
+          </a:lnRef>
+          <a:fillRef idx="1">
+            <a:schemeClr val="accent1"/>
+          </a:fillRef>
+          <a:effectRef idx="0">
+            <a:schemeClr val="accent1"/>
+          </a:effectRef>
+          <a:fontRef idx="minor">
+            <a:schemeClr val="lt1"/>
+          </a:fontRef>
+        </p:style>
+        <p:txBody>
+          <a:bodyPr rtlCol="0" anchor="ctr"/>
+          <a:lstStyle/>
+          <a:p>
+            <a:pPr algn="ctr"/>
+            <a:endParaRPr lang="en-US"/>
+          </a:p>
+        </p:txBody>
+      </p:sp>
+      <p:sp>
+        <p:nvSpPr>
+          <p:cNvPr id="24" name="Rectangle 23">
+            <a:extLst>
+              <a:ext uri="{FF2B5EF4-FFF2-40B4-BE49-F238E27FC236}">
+                <a16:creationId xmlns:a16="http://schemas.microsoft.com/office/drawing/2014/main" id="{9E67A204-FB90-4B26-B155-3FA8064AD2DF}"/>
+              </a:ext>
+              <a:ext uri="{C183D7F6-B498-43B3-948B-1728B52AA6E4}">
+                <adec:decorative xmlns:adec="http://schemas.microsoft.com/office/drawing/2017/decorative" val="1"/>
+              </a:ext>
+            </a:extLst>
+          </p:cNvPr>
+          <p:cNvSpPr>
+            <a:spLocks noGrp="1" noRot="1" noChangeAspect="1" noMove="1" noResize="1" noEditPoints="1" noAdjustHandles="1" noChangeArrowheads="1" noChangeShapeType="1" noTextEdit="1"/>
+          </p:cNvSpPr>
+          <p:nvPr>
+            <p:extLst>
+              <p:ext uri="{386F3935-93C4-4BCD-93E2-E3B085C9AB24}">
+                <p16:designElem xmlns:p16="http://schemas.microsoft.com/office/powerpoint/2015/main" val="1"/>
+              </p:ext>
+            </p:extLst>
+          </p:nvPr>
+        </p:nvSpPr>
+        <p:spPr>
+          <a:xfrm>
+            <a:off x="477012" y="480060"/>
+            <a:ext cx="11237976" cy="5897880"/>
+          </a:xfrm>
+          <a:prstGeom prst="rect">
+            <a:avLst/>
+          </a:prstGeom>
+          <a:solidFill>
+            <a:schemeClr val="bg1"/>
+          </a:solidFill>
+          <a:ln w="22225">
+            <a:solidFill>
+              <a:srgbClr val="C17F63"/>
+            </a:solidFill>
+          </a:ln>
+        </p:spPr>
+        <p:style>
+          <a:lnRef idx="2">
+            <a:schemeClr val="accent1">
+              <a:shade val="50000"/>
+            </a:schemeClr>
+          </a:lnRef>
+          <a:fillRef idx="1">
+            <a:schemeClr val="accent1"/>
+          </a:fillRef>
+          <a:effectRef idx="0">
+            <a:schemeClr val="accent1"/>
+          </a:effectRef>
+          <a:fontRef idx="minor">
+            <a:schemeClr val="lt1"/>
+          </a:fontRef>
+        </p:style>
+        <p:txBody>
+          <a:bodyPr rtlCol="0" anchor="ctr"/>
+          <a:lstStyle/>
+          <a:p>
+            <a:pPr algn="ctr"/>
+            <a:endParaRPr lang="en-US"/>
+          </a:p>
+        </p:txBody>
+      </p:sp>
+      <p:sp>
+        <p:nvSpPr>
+          <p:cNvPr id="4" name="Textfeld 3">
+            <a:extLst>
+              <a:ext uri="{FF2B5EF4-FFF2-40B4-BE49-F238E27FC236}">
+                <a16:creationId xmlns:a16="http://schemas.microsoft.com/office/drawing/2014/main" id="{6C960394-7742-48A3-89C3-98E01E27FDD3}"/>
+              </a:ext>
+            </a:extLst>
+          </p:cNvPr>
+          <p:cNvSpPr txBox="1"/>
+          <p:nvPr/>
+        </p:nvSpPr>
+        <p:spPr>
+          <a:xfrm>
+            <a:off x="8054623" y="860931"/>
+            <a:ext cx="2274003" cy="923330"/>
+          </a:xfrm>
+          <a:prstGeom prst="rect">
+            <a:avLst/>
+          </a:prstGeom>
+          <a:noFill/>
+        </p:spPr>
+        <p:txBody>
+          <a:bodyPr wrap="square">
+            <a:spAutoFit/>
+          </a:bodyPr>
+          <a:lstStyle/>
+          <a:p>
+            <a:r>
+              <a:rPr lang="de-DE" sz="3600" dirty="0" err="1"/>
+              <a:t>Flügeltang</a:t>
+            </a:r>
+            <a:endParaRPr lang="de-DE" sz="3600" dirty="0"/>
+          </a:p>
+          <a:p>
+            <a:r>
+              <a:rPr lang="de-DE" sz="1800" dirty="0">
+                <a:effectLst/>
+                <a:latin typeface="Calibri" panose="020F0502020204030204" pitchFamily="34" charset="0"/>
+                <a:ea typeface="Calibri" panose="020F0502020204030204" pitchFamily="34" charset="0"/>
+                <a:cs typeface="Times New Roman" panose="02020603050405020304" pitchFamily="18" charset="0"/>
+              </a:rPr>
+              <a:t>(</a:t>
+            </a:r>
+            <a:r>
+              <a:rPr lang="de-DE" sz="1800" i="1" dirty="0" err="1">
+                <a:effectLst/>
+                <a:latin typeface="Calibri" panose="020F0502020204030204" pitchFamily="34" charset="0"/>
+                <a:ea typeface="Calibri" panose="020F0502020204030204" pitchFamily="34" charset="0"/>
+                <a:cs typeface="Times New Roman" panose="02020603050405020304" pitchFamily="18" charset="0"/>
+              </a:rPr>
+              <a:t>Alaria</a:t>
+            </a:r>
+            <a:r>
+              <a:rPr lang="de-DE" sz="1800" i="1" dirty="0">
+                <a:effectLst/>
+                <a:latin typeface="Calibri" panose="020F0502020204030204" pitchFamily="34" charset="0"/>
+                <a:ea typeface="Calibri" panose="020F0502020204030204" pitchFamily="34" charset="0"/>
+                <a:cs typeface="Times New Roman" panose="02020603050405020304" pitchFamily="18" charset="0"/>
+              </a:rPr>
+              <a:t> </a:t>
+            </a:r>
+            <a:r>
+              <a:rPr lang="de-DE" sz="1800" i="1" dirty="0" err="1">
+                <a:effectLst/>
+                <a:latin typeface="Calibri" panose="020F0502020204030204" pitchFamily="34" charset="0"/>
+                <a:ea typeface="Calibri" panose="020F0502020204030204" pitchFamily="34" charset="0"/>
+                <a:cs typeface="Times New Roman" panose="02020603050405020304" pitchFamily="18" charset="0"/>
+              </a:rPr>
+              <a:t>esculenta</a:t>
+            </a:r>
+            <a:r>
+              <a:rPr lang="de-DE" sz="1800" dirty="0">
+                <a:effectLst/>
+                <a:latin typeface="Calibri" panose="020F0502020204030204" pitchFamily="34" charset="0"/>
+                <a:ea typeface="Calibri" panose="020F0502020204030204" pitchFamily="34" charset="0"/>
+                <a:cs typeface="Times New Roman" panose="02020603050405020304" pitchFamily="18" charset="0"/>
+              </a:rPr>
+              <a:t>)</a:t>
+            </a:r>
+            <a:endParaRPr lang="de-DE" sz="3600" dirty="0"/>
+          </a:p>
+        </p:txBody>
+      </p:sp>
+      <p:sp>
+        <p:nvSpPr>
+          <p:cNvPr id="5" name="Textfeld 4">
+            <a:extLst>
+              <a:ext uri="{FF2B5EF4-FFF2-40B4-BE49-F238E27FC236}">
+                <a16:creationId xmlns:a16="http://schemas.microsoft.com/office/drawing/2014/main" id="{AF72F42C-AFC6-4626-959C-8C725BBE79BD}"/>
+              </a:ext>
+            </a:extLst>
+          </p:cNvPr>
+          <p:cNvSpPr txBox="1"/>
+          <p:nvPr/>
+        </p:nvSpPr>
+        <p:spPr>
+          <a:xfrm>
+            <a:off x="1297902" y="795528"/>
+            <a:ext cx="3051633" cy="923330"/>
+          </a:xfrm>
+          <a:prstGeom prst="rect">
+            <a:avLst/>
+          </a:prstGeom>
+          <a:noFill/>
+        </p:spPr>
+        <p:txBody>
+          <a:bodyPr wrap="square">
+            <a:spAutoFit/>
+          </a:bodyPr>
+          <a:lstStyle/>
+          <a:p>
+            <a:r>
+              <a:rPr lang="de-DE" sz="3600" dirty="0" err="1"/>
+              <a:t>Zuckertang</a:t>
+            </a:r>
+            <a:endParaRPr lang="de-DE" sz="3600" dirty="0"/>
+          </a:p>
+          <a:p>
+            <a:r>
+              <a:rPr lang="de-DE" sz="1800" dirty="0">
+                <a:effectLst/>
+                <a:latin typeface="Calibri" panose="020F0502020204030204" pitchFamily="34" charset="0"/>
+                <a:ea typeface="Calibri" panose="020F0502020204030204" pitchFamily="34" charset="0"/>
+                <a:cs typeface="Times New Roman" panose="02020603050405020304" pitchFamily="18" charset="0"/>
+              </a:rPr>
+              <a:t>(</a:t>
+            </a:r>
+            <a:r>
+              <a:rPr lang="de-DE" sz="1800" i="1" dirty="0" err="1">
+                <a:effectLst/>
+                <a:latin typeface="Calibri" panose="020F0502020204030204" pitchFamily="34" charset="0"/>
+                <a:ea typeface="Calibri" panose="020F0502020204030204" pitchFamily="34" charset="0"/>
+                <a:cs typeface="Times New Roman" panose="02020603050405020304" pitchFamily="18" charset="0"/>
+              </a:rPr>
+              <a:t>Saccharina</a:t>
+            </a:r>
+            <a:r>
+              <a:rPr lang="de-DE" sz="1800" i="1" dirty="0">
+                <a:effectLst/>
+                <a:latin typeface="Calibri" panose="020F0502020204030204" pitchFamily="34" charset="0"/>
+                <a:ea typeface="Calibri" panose="020F0502020204030204" pitchFamily="34" charset="0"/>
+                <a:cs typeface="Times New Roman" panose="02020603050405020304" pitchFamily="18" charset="0"/>
+              </a:rPr>
+              <a:t> </a:t>
+            </a:r>
+            <a:r>
+              <a:rPr lang="de-DE" sz="1800" i="1" dirty="0" err="1">
+                <a:effectLst/>
+                <a:latin typeface="Calibri" panose="020F0502020204030204" pitchFamily="34" charset="0"/>
+                <a:ea typeface="Calibri" panose="020F0502020204030204" pitchFamily="34" charset="0"/>
+                <a:cs typeface="Times New Roman" panose="02020603050405020304" pitchFamily="18" charset="0"/>
+              </a:rPr>
+              <a:t>latissima</a:t>
+            </a:r>
+            <a:r>
+              <a:rPr lang="de-DE" sz="1800" dirty="0">
+                <a:effectLst/>
+                <a:latin typeface="Calibri" panose="020F0502020204030204" pitchFamily="34" charset="0"/>
+                <a:ea typeface="Calibri" panose="020F0502020204030204" pitchFamily="34" charset="0"/>
+                <a:cs typeface="Times New Roman" panose="02020603050405020304" pitchFamily="18" charset="0"/>
+              </a:rPr>
+              <a:t>) </a:t>
+            </a:r>
+            <a:endParaRPr lang="de-DE" sz="3600" dirty="0"/>
+          </a:p>
+        </p:txBody>
+      </p:sp>
+      <p:pic>
+        <p:nvPicPr>
+          <p:cNvPr id="6" name="Grafik 5">
+            <a:extLst>
+              <a:ext uri="{FF2B5EF4-FFF2-40B4-BE49-F238E27FC236}">
+                <a16:creationId xmlns:a16="http://schemas.microsoft.com/office/drawing/2014/main" id="{5BBEABAA-095E-4ACF-A394-20410BE82B67}"/>
+              </a:ext>
+            </a:extLst>
+          </p:cNvPr>
+          <p:cNvPicPr>
+            <a:picLocks noChangeAspect="1"/>
+          </p:cNvPicPr>
+          <p:nvPr/>
+        </p:nvPicPr>
+        <p:blipFill>
+          <a:blip r:embed="rId2"/>
+          <a:stretch>
+            <a:fillRect/>
+          </a:stretch>
+        </p:blipFill>
+        <p:spPr>
+          <a:xfrm>
+            <a:off x="1297902" y="2034326"/>
+            <a:ext cx="3376612" cy="3722645"/>
+          </a:xfrm>
+          <a:prstGeom prst="roundRect">
+            <a:avLst>
+              <a:gd name="adj" fmla="val 8594"/>
+            </a:avLst>
+          </a:prstGeom>
+          <a:solidFill>
+            <a:srgbClr val="FFFFFF">
+              <a:shade val="85000"/>
+            </a:srgbClr>
+          </a:solidFill>
+          <a:ln>
+            <a:noFill/>
+          </a:ln>
+          <a:effectLst/>
+        </p:spPr>
+      </p:pic>
+      <p:pic>
+        <p:nvPicPr>
+          <p:cNvPr id="7" name="Grafik 6">
+            <a:extLst>
+              <a:ext uri="{FF2B5EF4-FFF2-40B4-BE49-F238E27FC236}">
+                <a16:creationId xmlns:a16="http://schemas.microsoft.com/office/drawing/2014/main" id="{4CADC62F-F731-467E-A16D-3D77CD3C5EE4}"/>
+              </a:ext>
+            </a:extLst>
+          </p:cNvPr>
+          <p:cNvPicPr>
+            <a:picLocks noChangeAspect="1"/>
+          </p:cNvPicPr>
+          <p:nvPr/>
+        </p:nvPicPr>
+        <p:blipFill>
+          <a:blip r:embed="rId3"/>
+          <a:stretch>
+            <a:fillRect/>
+          </a:stretch>
+        </p:blipFill>
+        <p:spPr>
+          <a:xfrm>
+            <a:off x="6893399" y="2264321"/>
+            <a:ext cx="4001650" cy="3254089"/>
+          </a:xfrm>
+          <a:prstGeom prst="roundRect">
+            <a:avLst>
+              <a:gd name="adj" fmla="val 8594"/>
+            </a:avLst>
+          </a:prstGeom>
+          <a:solidFill>
+            <a:srgbClr val="FFFFFF">
+              <a:shade val="85000"/>
+            </a:srgbClr>
+          </a:solidFill>
+          <a:ln>
+            <a:noFill/>
+          </a:ln>
+          <a:effectLst/>
+        </p:spPr>
+      </p:pic>
+      <p:cxnSp>
+        <p:nvCxnSpPr>
+          <p:cNvPr id="8" name="Gerader Verbinder 7">
+            <a:extLst>
+              <a:ext uri="{FF2B5EF4-FFF2-40B4-BE49-F238E27FC236}">
+                <a16:creationId xmlns:a16="http://schemas.microsoft.com/office/drawing/2014/main" id="{71FE9D9D-61BC-4018-ABAC-3C7E41CAF89F}"/>
+              </a:ext>
+            </a:extLst>
+          </p:cNvPr>
+          <p:cNvCxnSpPr>
+            <a:cxnSpLocks/>
+          </p:cNvCxnSpPr>
+          <p:nvPr/>
+        </p:nvCxnSpPr>
+        <p:spPr>
+          <a:xfrm>
+            <a:off x="5783956" y="1164860"/>
+            <a:ext cx="0" cy="4720125"/>
+          </a:xfrm>
+          <a:prstGeom prst="line">
+            <a:avLst/>
+          </a:prstGeom>
+          <a:ln>
+            <a:solidFill>
+              <a:srgbClr val="C17F63"/>
+            </a:solidFill>
+          </a:ln>
+        </p:spPr>
+        <p:style>
+          <a:lnRef idx="1">
+            <a:schemeClr val="accent1"/>
+          </a:lnRef>
+          <a:fillRef idx="0">
+            <a:schemeClr val="accent1"/>
+          </a:fillRef>
+          <a:effectRef idx="0">
+            <a:schemeClr val="accent1"/>
+          </a:effectRef>
+          <a:fontRef idx="minor">
+            <a:schemeClr val="tx1"/>
+          </a:fontRef>
+        </p:style>
+      </p:cxnSp>
+      <p:pic>
+        <p:nvPicPr>
+          <p:cNvPr id="3" name="Grafik 2">
+            <a:extLst>
+              <a:ext uri="{FF2B5EF4-FFF2-40B4-BE49-F238E27FC236}">
+                <a16:creationId xmlns:a16="http://schemas.microsoft.com/office/drawing/2014/main" id="{816CCAAB-D810-487B-8646-DFEE914A24B2}"/>
+              </a:ext>
+            </a:extLst>
+          </p:cNvPr>
+          <p:cNvPicPr>
+            <a:picLocks noChangeAspect="1"/>
+          </p:cNvPicPr>
+          <p:nvPr/>
+        </p:nvPicPr>
+        <p:blipFill>
+          <a:blip r:embed="rId4">
+            <a:alphaModFix amt="95000"/>
+            <a:extLst>
+              <a:ext uri="{BEBA8EAE-BF5A-486C-A8C5-ECC9F3942E4B}">
+                <a14:imgProps xmlns:a14="http://schemas.microsoft.com/office/drawing/2010/main">
+                  <a14:imgLayer r:embed="rId5">
+                    <a14:imgEffect>
+                      <a14:sharpenSoften amount="25000"/>
+                    </a14:imgEffect>
+                  </a14:imgLayer>
+                </a14:imgProps>
+              </a:ext>
+            </a:extLst>
+          </a:blip>
+          <a:stretch>
+            <a:fillRect/>
+          </a:stretch>
+        </p:blipFill>
+        <p:spPr>
+          <a:xfrm>
+            <a:off x="998" y="-1"/>
+            <a:ext cx="12190004" cy="6954715"/>
+          </a:xfrm>
+          <a:prstGeom prst="rect">
+            <a:avLst/>
+          </a:prstGeom>
+        </p:spPr>
+      </p:pic>
+    </p:spTree>
+    <p:extLst>
+      <p:ext uri="{BB962C8B-B14F-4D97-AF65-F5344CB8AC3E}">
+        <p14:creationId xmlns:p14="http://schemas.microsoft.com/office/powerpoint/2010/main" val="92492026"/>
+      </p:ext>
+    </p:extLst>
+  </p:cSld>
+  <p:clrMapOvr>
+    <a:masterClrMapping/>
+  </p:clrMapOvr>
+  <p:timing>
+    <p:tnLst>
+      <p:par>
+        <p:cTn id="1" dur="indefinite" restart="never" nodeType="tmRoot">
+          <p:childTnLst>
+            <p:seq concurrent="1" nextAc="seek">
+              <p:cTn id="2" dur="indefinite" nodeType="mainSeq">
+                <p:childTnLst>
+                  <p:par>
+                    <p:cTn id="3" fill="hold">
+                      <p:stCondLst>
+                        <p:cond delay="indefinite"/>
+                      </p:stCondLst>
+                      <p:childTnLst>
+                        <p:par>
+                          <p:cTn id="4" fill="hold">
+                            <p:stCondLst>
+                              <p:cond delay="0"/>
+                            </p:stCondLst>
+                            <p:childTnLst>
+                              <p:par>
+                                <p:cTn id="5" presetID="10" presetClass="exit" presetSubtype="0" fill="hold" nodeType="clickEffect">
+                                  <p:stCondLst>
+                                    <p:cond delay="0"/>
+                                  </p:stCondLst>
+                                  <p:childTnLst>
+                                    <p:animEffect transition="out" filter="fade">
+                                      <p:cBhvr>
+                                        <p:cTn id="6" dur="500"/>
+                                        <p:tgtEl>
+                                          <p:spTgt spid="3"/>
+                                        </p:tgtEl>
+                                      </p:cBhvr>
+                                    </p:animEffect>
+                                    <p:set>
+                                      <p:cBhvr>
+                                        <p:cTn id="7" dur="1" fill="hold">
+                                          <p:stCondLst>
+                                            <p:cond delay="499"/>
+                                          </p:stCondLst>
+                                        </p:cTn>
+                                        <p:tgtEl>
+                                          <p:spTgt spid="3"/>
+                                        </p:tgtEl>
+                                        <p:attrNameLst>
+                                          <p:attrName>style.visibility</p:attrName>
+                                        </p:attrNameLst>
+                                      </p:cBhvr>
+                                      <p:to>
+                                        <p:strVal val="hidden"/>
+                                      </p:to>
+                                    </p:set>
+                                  </p:childTnLst>
+                                </p:cTn>
+                              </p:par>
+                            </p:childTnLst>
+                          </p:cTn>
+                        </p:par>
+                      </p:childTnLst>
+                    </p:cTn>
+                  </p:par>
+                </p:childTnLst>
+              </p:cTn>
+              <p:prevCondLst>
+                <p:cond evt="onPrev" delay="0">
+                  <p:tgtEl>
+                    <p:sldTgt/>
+                  </p:tgtEl>
+                </p:cond>
+              </p:prevCondLst>
+              <p:nextCondLst>
+                <p:cond evt="onNext" delay="0">
+                  <p:tgtEl>
+                    <p:sldTgt/>
+                  </p:tgtEl>
+                </p:cond>
+              </p:nextCondLst>
+            </p:seq>
+          </p:childTnLst>
+        </p:cTn>
+      </p:par>
+    </p:tnLst>
+  </p:timing>
 </p:sld>
 </file>
 
@@ -7528,180 +9449,12 @@
           </a:p>
         </p:txBody>
       </p:sp>
-      <p:sp>
-        <p:nvSpPr>
-          <p:cNvPr id="8" name="Textfeld 7">
-            <a:extLst>
-              <a:ext uri="{FF2B5EF4-FFF2-40B4-BE49-F238E27FC236}">
-                <a16:creationId xmlns:a16="http://schemas.microsoft.com/office/drawing/2014/main" id="{2F19C88A-07F7-4F3D-B848-47DCC38A9975}"/>
-              </a:ext>
-            </a:extLst>
-          </p:cNvPr>
-          <p:cNvSpPr txBox="1"/>
-          <p:nvPr/>
-        </p:nvSpPr>
-        <p:spPr>
-          <a:xfrm>
-            <a:off x="8054623" y="860931"/>
-            <a:ext cx="2274003" cy="923330"/>
-          </a:xfrm>
-          <a:prstGeom prst="rect">
-            <a:avLst/>
-          </a:prstGeom>
-          <a:noFill/>
-        </p:spPr>
-        <p:txBody>
-          <a:bodyPr wrap="square">
-            <a:spAutoFit/>
-          </a:bodyPr>
-          <a:lstStyle/>
-          <a:p>
-            <a:r>
-              <a:rPr lang="de-DE" sz="3600" dirty="0" err="1"/>
-              <a:t>Flügeltang</a:t>
-            </a:r>
-            <a:endParaRPr lang="de-DE" sz="3600" dirty="0"/>
-          </a:p>
-          <a:p>
-            <a:r>
-              <a:rPr lang="de-DE" sz="1800" dirty="0">
-                <a:effectLst/>
-                <a:latin typeface="Calibri" panose="020F0502020204030204" pitchFamily="34" charset="0"/>
-                <a:ea typeface="Calibri" panose="020F0502020204030204" pitchFamily="34" charset="0"/>
-                <a:cs typeface="Times New Roman" panose="02020603050405020304" pitchFamily="18" charset="0"/>
-              </a:rPr>
-              <a:t>(</a:t>
-            </a:r>
-            <a:r>
-              <a:rPr lang="de-DE" sz="1800" i="1" dirty="0" err="1">
-                <a:effectLst/>
-                <a:latin typeface="Calibri" panose="020F0502020204030204" pitchFamily="34" charset="0"/>
-                <a:ea typeface="Calibri" panose="020F0502020204030204" pitchFamily="34" charset="0"/>
-                <a:cs typeface="Times New Roman" panose="02020603050405020304" pitchFamily="18" charset="0"/>
-              </a:rPr>
-              <a:t>Alaria</a:t>
-            </a:r>
-            <a:r>
-              <a:rPr lang="de-DE" sz="1800" i="1" dirty="0">
-                <a:effectLst/>
-                <a:latin typeface="Calibri" panose="020F0502020204030204" pitchFamily="34" charset="0"/>
-                <a:ea typeface="Calibri" panose="020F0502020204030204" pitchFamily="34" charset="0"/>
-                <a:cs typeface="Times New Roman" panose="02020603050405020304" pitchFamily="18" charset="0"/>
-              </a:rPr>
-              <a:t> </a:t>
-            </a:r>
-            <a:r>
-              <a:rPr lang="de-DE" sz="1800" i="1" dirty="0" err="1">
-                <a:effectLst/>
-                <a:latin typeface="Calibri" panose="020F0502020204030204" pitchFamily="34" charset="0"/>
-                <a:ea typeface="Calibri" panose="020F0502020204030204" pitchFamily="34" charset="0"/>
-                <a:cs typeface="Times New Roman" panose="02020603050405020304" pitchFamily="18" charset="0"/>
-              </a:rPr>
-              <a:t>esculenta</a:t>
-            </a:r>
-            <a:r>
-              <a:rPr lang="de-DE" sz="1800" dirty="0">
-                <a:effectLst/>
-                <a:latin typeface="Calibri" panose="020F0502020204030204" pitchFamily="34" charset="0"/>
-                <a:ea typeface="Calibri" panose="020F0502020204030204" pitchFamily="34" charset="0"/>
-                <a:cs typeface="Times New Roman" panose="02020603050405020304" pitchFamily="18" charset="0"/>
-              </a:rPr>
-              <a:t>)</a:t>
-            </a:r>
-            <a:endParaRPr lang="de-DE" sz="3600" dirty="0"/>
-          </a:p>
-        </p:txBody>
-      </p:sp>
-      <p:sp>
-        <p:nvSpPr>
-          <p:cNvPr id="12" name="Textfeld 11">
-            <a:extLst>
-              <a:ext uri="{FF2B5EF4-FFF2-40B4-BE49-F238E27FC236}">
-                <a16:creationId xmlns:a16="http://schemas.microsoft.com/office/drawing/2014/main" id="{B4803796-90B2-4875-835B-CE7D321C5928}"/>
-              </a:ext>
-            </a:extLst>
-          </p:cNvPr>
-          <p:cNvSpPr txBox="1"/>
-          <p:nvPr/>
-        </p:nvSpPr>
-        <p:spPr>
-          <a:xfrm>
-            <a:off x="1297902" y="795528"/>
-            <a:ext cx="3051633" cy="923330"/>
-          </a:xfrm>
-          <a:prstGeom prst="rect">
-            <a:avLst/>
-          </a:prstGeom>
-          <a:noFill/>
-        </p:spPr>
-        <p:txBody>
-          <a:bodyPr wrap="square">
-            <a:spAutoFit/>
-          </a:bodyPr>
-          <a:lstStyle/>
-          <a:p>
-            <a:r>
-              <a:rPr lang="de-DE" sz="3600" dirty="0" err="1"/>
-              <a:t>Zuckertang</a:t>
-            </a:r>
-            <a:endParaRPr lang="de-DE" sz="3600" dirty="0"/>
-          </a:p>
-          <a:p>
-            <a:r>
-              <a:rPr lang="de-DE" sz="1800" dirty="0">
-                <a:effectLst/>
-                <a:latin typeface="Calibri" panose="020F0502020204030204" pitchFamily="34" charset="0"/>
-                <a:ea typeface="Calibri" panose="020F0502020204030204" pitchFamily="34" charset="0"/>
-                <a:cs typeface="Times New Roman" panose="02020603050405020304" pitchFamily="18" charset="0"/>
-              </a:rPr>
-              <a:t>(</a:t>
-            </a:r>
-            <a:r>
-              <a:rPr lang="de-DE" sz="1800" i="1" dirty="0" err="1">
-                <a:effectLst/>
-                <a:latin typeface="Calibri" panose="020F0502020204030204" pitchFamily="34" charset="0"/>
-                <a:ea typeface="Calibri" panose="020F0502020204030204" pitchFamily="34" charset="0"/>
-                <a:cs typeface="Times New Roman" panose="02020603050405020304" pitchFamily="18" charset="0"/>
-              </a:rPr>
-              <a:t>Saccharina</a:t>
-            </a:r>
-            <a:r>
-              <a:rPr lang="de-DE" sz="1800" i="1" dirty="0">
-                <a:effectLst/>
-                <a:latin typeface="Calibri" panose="020F0502020204030204" pitchFamily="34" charset="0"/>
-                <a:ea typeface="Calibri" panose="020F0502020204030204" pitchFamily="34" charset="0"/>
-                <a:cs typeface="Times New Roman" panose="02020603050405020304" pitchFamily="18" charset="0"/>
-              </a:rPr>
-              <a:t> </a:t>
-            </a:r>
-            <a:r>
-              <a:rPr lang="de-DE" sz="1800" i="1" dirty="0" err="1">
-                <a:effectLst/>
-                <a:latin typeface="Calibri" panose="020F0502020204030204" pitchFamily="34" charset="0"/>
-                <a:ea typeface="Calibri" panose="020F0502020204030204" pitchFamily="34" charset="0"/>
-                <a:cs typeface="Times New Roman" panose="02020603050405020304" pitchFamily="18" charset="0"/>
-              </a:rPr>
-              <a:t>latissima</a:t>
-            </a:r>
-            <a:r>
-              <a:rPr lang="de-DE" sz="1800" dirty="0">
-                <a:effectLst/>
-                <a:latin typeface="Calibri" panose="020F0502020204030204" pitchFamily="34" charset="0"/>
-                <a:ea typeface="Calibri" panose="020F0502020204030204" pitchFamily="34" charset="0"/>
-                <a:cs typeface="Times New Roman" panose="02020603050405020304" pitchFamily="18" charset="0"/>
-              </a:rPr>
-              <a:t>) </a:t>
-            </a:r>
-            <a:endParaRPr lang="de-DE" sz="3600" dirty="0"/>
-          </a:p>
-        </p:txBody>
-      </p:sp>
       <p:pic>
         <p:nvPicPr>
-          <p:cNvPr id="4" name="Grafik 3">
+          <p:cNvPr id="5" name="Grafik 4">
             <a:extLst>
               <a:ext uri="{FF2B5EF4-FFF2-40B4-BE49-F238E27FC236}">
-                <a16:creationId xmlns:a16="http://schemas.microsoft.com/office/drawing/2014/main" id="{683FC059-36E7-4129-8577-C885E4CF3A80}"/>
+                <a16:creationId xmlns:a16="http://schemas.microsoft.com/office/drawing/2014/main" id="{45B2B162-1BAF-4A76-8A5F-C5F1929706ED}"/>
               </a:ext>
             </a:extLst>
           </p:cNvPr>
@@ -7718,33 +9471,20 @@
         </p:blipFill>
         <p:spPr>
           <a:xfrm>
-            <a:off x="976557" y="2082842"/>
-            <a:ext cx="3376612" cy="3722645"/>
-          </a:xfrm>
-          <a:prstGeom prst="roundRect">
-            <a:avLst>
-              <a:gd name="adj" fmla="val 8594"/>
-            </a:avLst>
+            <a:off x="0" y="255494"/>
+            <a:ext cx="12192000" cy="6347011"/>
+          </a:xfrm>
+          <a:prstGeom prst="rect">
+            <a:avLst/>
           </a:prstGeom>
-          <a:solidFill>
-            <a:srgbClr val="FFFFFF">
-              <a:shade val="85000"/>
-            </a:srgbClr>
-          </a:solidFill>
-          <a:ln>
-            <a:noFill/>
-          </a:ln>
-          <a:effectLst>
-            <a:reflection blurRad="12700" stA="38000" endPos="28000" dist="5000" dir="5400000" sy="-100000" algn="bl" rotWithShape="0"/>
-          </a:effectLst>
         </p:spPr>
       </p:pic>
       <p:pic>
         <p:nvPicPr>
-          <p:cNvPr id="5" name="Grafik 4">
+          <p:cNvPr id="4" name="Grafik 3">
             <a:extLst>
               <a:ext uri="{FF2B5EF4-FFF2-40B4-BE49-F238E27FC236}">
-                <a16:creationId xmlns:a16="http://schemas.microsoft.com/office/drawing/2014/main" id="{244E6A4A-8455-43C7-A46C-4F3A480DA439}"/>
+                <a16:creationId xmlns:a16="http://schemas.microsoft.com/office/drawing/2014/main" id="{F9101060-80F9-4F3E-B5C0-318E4541CA95}"/>
               </a:ext>
             </a:extLst>
           </p:cNvPr>
@@ -7754,152 +9494,127 @@
           <p:nvPr/>
         </p:nvPicPr>
         <p:blipFill>
-          <a:blip r:embed="rId3"/>
+          <a:blip r:embed="rId3">
+            <a:alphaModFix amt="95000"/>
+            <a:extLst>
+              <a:ext uri="{BEBA8EAE-BF5A-486C-A8C5-ECC9F3942E4B}">
+                <a14:imgProps xmlns:a14="http://schemas.microsoft.com/office/drawing/2010/main">
+                  <a14:imgLayer r:embed="rId4">
+                    <a14:imgEffect>
+                      <a14:sharpenSoften amount="25000"/>
+                    </a14:imgEffect>
+                  </a14:imgLayer>
+                </a14:imgProps>
+              </a:ext>
+            </a:extLst>
+          </a:blip>
           <a:stretch>
             <a:fillRect/>
           </a:stretch>
         </p:blipFill>
         <p:spPr>
           <a:xfrm>
-            <a:off x="7458075" y="2534464"/>
-            <a:ext cx="3467100" cy="2819400"/>
-          </a:xfrm>
-          <a:prstGeom prst="roundRect">
-            <a:avLst>
-              <a:gd name="adj" fmla="val 8594"/>
-            </a:avLst>
-          </a:prstGeom>
-          <a:solidFill>
-            <a:srgbClr val="FFFFFF">
-              <a:shade val="85000"/>
-            </a:srgbClr>
-          </a:solidFill>
-          <a:ln>
-            <a:noFill/>
-          </a:ln>
-          <a:effectLst>
-            <a:reflection blurRad="12700" stA="38000" endPos="28000" dist="5000" dir="5400000" sy="-100000" algn="bl" rotWithShape="0"/>
-          </a:effectLst>
-        </p:spPr>
-      </p:pic>
-      <p:cxnSp>
-        <p:nvCxnSpPr>
-          <p:cNvPr id="7" name="Gerader Verbinder 6">
-            <a:extLst>
-              <a:ext uri="{FF2B5EF4-FFF2-40B4-BE49-F238E27FC236}">
-                <a16:creationId xmlns:a16="http://schemas.microsoft.com/office/drawing/2014/main" id="{F7A41CD5-48C2-42DC-9C74-019A4FE8DA4A}"/>
-              </a:ext>
-            </a:extLst>
-          </p:cNvPr>
-          <p:cNvCxnSpPr>
-            <a:cxnSpLocks/>
-          </p:cNvCxnSpPr>
-          <p:nvPr/>
-        </p:nvCxnSpPr>
-        <p:spPr>
-          <a:xfrm>
-            <a:off x="5783956" y="1164860"/>
-            <a:ext cx="0" cy="4720125"/>
-          </a:xfrm>
-          <a:prstGeom prst="line">
-            <a:avLst/>
-          </a:prstGeom>
-        </p:spPr>
-        <p:style>
-          <a:lnRef idx="1">
-            <a:schemeClr val="accent1"/>
-          </a:lnRef>
-          <a:fillRef idx="0">
-            <a:schemeClr val="accent1"/>
-          </a:fillRef>
-          <a:effectRef idx="0">
-            <a:schemeClr val="accent1"/>
-          </a:effectRef>
-          <a:fontRef idx="minor">
-            <a:schemeClr val="tx1"/>
-          </a:fontRef>
-        </p:style>
-      </p:cxnSp>
-      <p:sp>
-        <p:nvSpPr>
-          <p:cNvPr id="3" name="Textfeld 2">
-            <a:extLst>
-              <a:ext uri="{FF2B5EF4-FFF2-40B4-BE49-F238E27FC236}">
-                <a16:creationId xmlns:a16="http://schemas.microsoft.com/office/drawing/2014/main" id="{E4A0E5EC-2943-4DC3-AB67-97299BD0EFF4}"/>
-              </a:ext>
-            </a:extLst>
-          </p:cNvPr>
-          <p:cNvSpPr txBox="1"/>
-          <p:nvPr/>
-        </p:nvSpPr>
-        <p:spPr>
-          <a:xfrm>
-            <a:off x="2743200" y="358588"/>
-            <a:ext cx="2015232" cy="369332"/>
+            <a:off x="0" y="2749"/>
+            <a:ext cx="12192000" cy="6852502"/>
           </a:xfrm>
           <a:prstGeom prst="rect">
             <a:avLst/>
           </a:prstGeom>
-          <a:noFill/>
-        </p:spPr>
-        <p:txBody>
-          <a:bodyPr wrap="none" rtlCol="0">
-            <a:spAutoFit/>
-          </a:bodyPr>
-          <a:lstStyle/>
-          <a:p>
-            <a:r>
-              <a:rPr lang="de-DE" dirty="0"/>
-              <a:t>Was bauen wir an?</a:t>
-            </a:r>
-          </a:p>
-        </p:txBody>
-      </p:sp>
-      <p:sp>
-        <p:nvSpPr>
-          <p:cNvPr id="6" name="Textfeld 5">
-            <a:extLst>
-              <a:ext uri="{FF2B5EF4-FFF2-40B4-BE49-F238E27FC236}">
-                <a16:creationId xmlns:a16="http://schemas.microsoft.com/office/drawing/2014/main" id="{98DA89ED-6C5E-4531-981F-0FAF0A0C6F55}"/>
-              </a:ext>
-            </a:extLst>
-          </p:cNvPr>
-          <p:cNvSpPr txBox="1"/>
-          <p:nvPr/>
-        </p:nvSpPr>
-        <p:spPr>
-          <a:xfrm>
-            <a:off x="4758432" y="269458"/>
-            <a:ext cx="1922514" cy="369332"/>
-          </a:xfrm>
-          <a:prstGeom prst="rect">
-            <a:avLst/>
-          </a:prstGeom>
-          <a:noFill/>
-        </p:spPr>
-        <p:txBody>
-          <a:bodyPr wrap="none" rtlCol="0">
-            <a:spAutoFit/>
-          </a:bodyPr>
-          <a:lstStyle/>
-          <a:p>
-            <a:r>
-              <a:rPr lang="de-DE" dirty="0"/>
-              <a:t>(Unser Zielprodukt)</a:t>
-            </a:r>
-          </a:p>
-        </p:txBody>
-      </p:sp>
+        </p:spPr>
+      </p:pic>
     </p:spTree>
     <p:extLst>
       <p:ext uri="{BB962C8B-B14F-4D97-AF65-F5344CB8AC3E}">
-        <p14:creationId xmlns:p14="http://schemas.microsoft.com/office/powerpoint/2010/main" val="1052160411"/>
+        <p14:creationId xmlns:p14="http://schemas.microsoft.com/office/powerpoint/2010/main" val="3516916557"/>
       </p:ext>
     </p:extLst>
   </p:cSld>
   <p:clrMapOvr>
     <a:masterClrMapping/>
   </p:clrMapOvr>
+  <p:timing>
+    <p:tnLst>
+      <p:par>
+        <p:cTn id="1" dur="indefinite" restart="never" nodeType="tmRoot">
+          <p:childTnLst>
+            <p:seq concurrent="1" nextAc="seek">
+              <p:cTn id="2" dur="indefinite" nodeType="mainSeq">
+                <p:childTnLst>
+                  <p:par>
+                    <p:cTn id="3" fill="hold">
+                      <p:stCondLst>
+                        <p:cond delay="indefinite"/>
+                      </p:stCondLst>
+                      <p:childTnLst>
+                        <p:par>
+                          <p:cTn id="4" fill="hold">
+                            <p:stCondLst>
+                              <p:cond delay="0"/>
+                            </p:stCondLst>
+                            <p:childTnLst>
+                              <p:par>
+                                <p:cTn id="5" presetID="10" presetClass="exit" presetSubtype="0" fill="hold" nodeType="clickEffect">
+                                  <p:stCondLst>
+                                    <p:cond delay="0"/>
+                                  </p:stCondLst>
+                                  <p:childTnLst>
+                                    <p:animEffect transition="out" filter="fade">
+                                      <p:cBhvr>
+                                        <p:cTn id="6" dur="500"/>
+                                        <p:tgtEl>
+                                          <p:spTgt spid="4"/>
+                                        </p:tgtEl>
+                                      </p:cBhvr>
+                                    </p:animEffect>
+                                    <p:set>
+                                      <p:cBhvr>
+                                        <p:cTn id="7" dur="1" fill="hold">
+                                          <p:stCondLst>
+                                            <p:cond delay="499"/>
+                                          </p:stCondLst>
+                                        </p:cTn>
+                                        <p:tgtEl>
+                                          <p:spTgt spid="4"/>
+                                        </p:tgtEl>
+                                        <p:attrNameLst>
+                                          <p:attrName>style.visibility</p:attrName>
+                                        </p:attrNameLst>
+                                      </p:cBhvr>
+                                      <p:to>
+                                        <p:strVal val="hidden"/>
+                                      </p:to>
+                                    </p:set>
+                                  </p:childTnLst>
+                                </p:cTn>
+                              </p:par>
+                            </p:childTnLst>
+                          </p:cTn>
+                        </p:par>
+                      </p:childTnLst>
+                    </p:cTn>
+                  </p:par>
+                </p:childTnLst>
+              </p:cTn>
+              <p:prevCondLst>
+                <p:cond evt="onPrev" delay="0">
+                  <p:tgtEl>
+                    <p:sldTgt/>
+                  </p:tgtEl>
+                </p:cond>
+              </p:prevCondLst>
+              <p:nextCondLst>
+                <p:cond evt="onNext" delay="0">
+                  <p:tgtEl>
+                    <p:sldTgt/>
+                  </p:tgtEl>
+                </p:cond>
+              </p:nextCondLst>
+            </p:seq>
+          </p:childTnLst>
+        </p:cTn>
+      </p:par>
+    </p:tnLst>
+  </p:timing>
 </p:sld>
 </file>
 
@@ -7952,12 +9667,44 @@
           </a:p>
         </p:txBody>
       </p:sp>
+      <p:sp>
+        <p:nvSpPr>
+          <p:cNvPr id="7" name="Textfeld 6">
+            <a:extLst>
+              <a:ext uri="{FF2B5EF4-FFF2-40B4-BE49-F238E27FC236}">
+                <a16:creationId xmlns:a16="http://schemas.microsoft.com/office/drawing/2014/main" id="{A44EBC54-9BC9-4E74-9B20-FFD9DDE22B16}"/>
+              </a:ext>
+            </a:extLst>
+          </p:cNvPr>
+          <p:cNvSpPr txBox="1"/>
+          <p:nvPr/>
+        </p:nvSpPr>
+        <p:spPr>
+          <a:xfrm>
+            <a:off x="908436" y="859138"/>
+            <a:ext cx="184731" cy="369332"/>
+          </a:xfrm>
+          <a:prstGeom prst="rect">
+            <a:avLst/>
+          </a:prstGeom>
+          <a:noFill/>
+        </p:spPr>
+        <p:txBody>
+          <a:bodyPr wrap="none" rtlCol="0">
+            <a:spAutoFit/>
+          </a:bodyPr>
+          <a:lstStyle/>
+          <a:p>
+            <a:endParaRPr lang="de-DE" dirty="0"/>
+          </a:p>
+        </p:txBody>
+      </p:sp>
       <p:pic>
         <p:nvPicPr>
-          <p:cNvPr id="5" name="Grafik 4">
+          <p:cNvPr id="9" name="Grafik 8" descr="Asien mit einfarbiger Füllung">
             <a:extLst>
               <a:ext uri="{FF2B5EF4-FFF2-40B4-BE49-F238E27FC236}">
-                <a16:creationId xmlns:a16="http://schemas.microsoft.com/office/drawing/2014/main" id="{45B2B162-1BAF-4A76-8A5F-C5F1929706ED}"/>
+                <a16:creationId xmlns:a16="http://schemas.microsoft.com/office/drawing/2014/main" id="{CFED7C80-8680-4ADE-AD9F-63B31E684111}"/>
               </a:ext>
             </a:extLst>
           </p:cNvPr>
@@ -7967,25 +9714,187 @@
           <p:nvPr/>
         </p:nvPicPr>
         <p:blipFill>
-          <a:blip r:embed="rId2"/>
+          <a:blip r:embed="rId2">
+            <a:extLst>
+              <a:ext uri="{28A0092B-C50C-407E-A947-70E740481C1C}">
+                <a14:useLocalDpi xmlns:a14="http://schemas.microsoft.com/office/drawing/2010/main" val="0"/>
+              </a:ext>
+              <a:ext uri="{96DAC541-7B7A-43D3-8B79-37D633B846F1}">
+                <asvg:svgBlip xmlns:asvg="http://schemas.microsoft.com/office/drawing/2016/SVG/main" r:embed="rId3"/>
+              </a:ext>
+            </a:extLst>
+          </a:blip>
           <a:stretch>
             <a:fillRect/>
           </a:stretch>
         </p:blipFill>
         <p:spPr>
           <a:xfrm>
-            <a:off x="0" y="255494"/>
-            <a:ext cx="12192000" cy="6347011"/>
+            <a:off x="7353771" y="2053242"/>
+            <a:ext cx="3030632" cy="3030632"/>
           </a:xfrm>
           <a:prstGeom prst="rect">
             <a:avLst/>
           </a:prstGeom>
         </p:spPr>
       </p:pic>
+      <p:pic>
+        <p:nvPicPr>
+          <p:cNvPr id="10" name="Grafik 9" descr="Europa mit einfarbiger Füllung">
+            <a:extLst>
+              <a:ext uri="{FF2B5EF4-FFF2-40B4-BE49-F238E27FC236}">
+                <a16:creationId xmlns:a16="http://schemas.microsoft.com/office/drawing/2014/main" id="{C615EA59-02AA-423E-8656-E5DDE01312A0}"/>
+              </a:ext>
+            </a:extLst>
+          </p:cNvPr>
+          <p:cNvPicPr>
+            <a:picLocks noChangeAspect="1"/>
+          </p:cNvPicPr>
+          <p:nvPr/>
+        </p:nvPicPr>
+        <p:blipFill>
+          <a:blip r:embed="rId4">
+            <a:extLst>
+              <a:ext uri="{28A0092B-C50C-407E-A947-70E740481C1C}">
+                <a14:useLocalDpi xmlns:a14="http://schemas.microsoft.com/office/drawing/2010/main" val="0"/>
+              </a:ext>
+              <a:ext uri="{96DAC541-7B7A-43D3-8B79-37D633B846F1}">
+                <asvg:svgBlip xmlns:asvg="http://schemas.microsoft.com/office/drawing/2016/SVG/main" r:embed="rId5"/>
+              </a:ext>
+            </a:extLst>
+          </a:blip>
+          <a:stretch>
+            <a:fillRect/>
+          </a:stretch>
+        </p:blipFill>
+        <p:spPr>
+          <a:xfrm>
+            <a:off x="1456484" y="2121022"/>
+            <a:ext cx="2430516" cy="2430516"/>
+          </a:xfrm>
+          <a:prstGeom prst="rect">
+            <a:avLst/>
+          </a:prstGeom>
+        </p:spPr>
+      </p:pic>
+      <p:sp>
+        <p:nvSpPr>
+          <p:cNvPr id="11" name="Textfeld 10">
+            <a:extLst>
+              <a:ext uri="{FF2B5EF4-FFF2-40B4-BE49-F238E27FC236}">
+                <a16:creationId xmlns:a16="http://schemas.microsoft.com/office/drawing/2014/main" id="{827852CF-D446-4B39-9BF2-A3C14EDC75A9}"/>
+              </a:ext>
+            </a:extLst>
+          </p:cNvPr>
+          <p:cNvSpPr txBox="1"/>
+          <p:nvPr/>
+        </p:nvSpPr>
+        <p:spPr>
+          <a:xfrm>
+            <a:off x="1807597" y="4545265"/>
+            <a:ext cx="1873857" cy="1077218"/>
+          </a:xfrm>
+          <a:prstGeom prst="rect">
+            <a:avLst/>
+          </a:prstGeom>
+          <a:noFill/>
+        </p:spPr>
+        <p:txBody>
+          <a:bodyPr wrap="square" rtlCol="0">
+            <a:spAutoFit/>
+          </a:bodyPr>
+          <a:lstStyle/>
+          <a:p>
+            <a:r>
+              <a:rPr lang="de-DE" sz="3600" dirty="0"/>
+              <a:t>Europa </a:t>
+            </a:r>
+          </a:p>
+          <a:p>
+            <a:endParaRPr lang="de-DE" sz="2800" dirty="0"/>
+          </a:p>
+        </p:txBody>
+      </p:sp>
+      <p:sp>
+        <p:nvSpPr>
+          <p:cNvPr id="12" name="Textfeld 11">
+            <a:extLst>
+              <a:ext uri="{FF2B5EF4-FFF2-40B4-BE49-F238E27FC236}">
+                <a16:creationId xmlns:a16="http://schemas.microsoft.com/office/drawing/2014/main" id="{36601E80-7131-427E-A40F-EDE9F1138D9C}"/>
+              </a:ext>
+            </a:extLst>
+          </p:cNvPr>
+          <p:cNvSpPr txBox="1"/>
+          <p:nvPr/>
+        </p:nvSpPr>
+        <p:spPr>
+          <a:xfrm>
+            <a:off x="5923722" y="4545265"/>
+            <a:ext cx="5414837" cy="1077218"/>
+          </a:xfrm>
+          <a:prstGeom prst="rect">
+            <a:avLst/>
+          </a:prstGeom>
+          <a:noFill/>
+        </p:spPr>
+        <p:txBody>
+          <a:bodyPr wrap="square" rtlCol="0">
+            <a:spAutoFit/>
+          </a:bodyPr>
+          <a:lstStyle/>
+          <a:p>
+            <a:r>
+              <a:rPr lang="de-DE" sz="3600" dirty="0"/>
+              <a:t>Asien (insbesondere China) </a:t>
+            </a:r>
+          </a:p>
+          <a:p>
+            <a:endParaRPr lang="de-DE" sz="2800" dirty="0"/>
+          </a:p>
+        </p:txBody>
+      </p:sp>
+      <p:sp>
+        <p:nvSpPr>
+          <p:cNvPr id="13" name="Textfeld 12">
+            <a:extLst>
+              <a:ext uri="{FF2B5EF4-FFF2-40B4-BE49-F238E27FC236}">
+                <a16:creationId xmlns:a16="http://schemas.microsoft.com/office/drawing/2014/main" id="{DE9C8E4E-8E8E-4AB9-8FC9-D3A3ED01FD3B}"/>
+              </a:ext>
+            </a:extLst>
+          </p:cNvPr>
+          <p:cNvSpPr txBox="1"/>
+          <p:nvPr/>
+        </p:nvSpPr>
+        <p:spPr>
+          <a:xfrm>
+            <a:off x="988315" y="654304"/>
+            <a:ext cx="6251784" cy="1077218"/>
+          </a:xfrm>
+          <a:prstGeom prst="rect">
+            <a:avLst/>
+          </a:prstGeom>
+          <a:noFill/>
+        </p:spPr>
+        <p:txBody>
+          <a:bodyPr wrap="square" rtlCol="0">
+            <a:spAutoFit/>
+          </a:bodyPr>
+          <a:lstStyle/>
+          <a:p>
+            <a:r>
+              <a:rPr lang="de-DE" sz="3600" dirty="0"/>
+              <a:t>Zukünftige Kunden: </a:t>
+            </a:r>
+          </a:p>
+          <a:p>
+            <a:endParaRPr lang="de-DE" sz="2800" dirty="0"/>
+          </a:p>
+        </p:txBody>
+      </p:sp>
     </p:spTree>
     <p:extLst>
       <p:ext uri="{BB962C8B-B14F-4D97-AF65-F5344CB8AC3E}">
-        <p14:creationId xmlns:p14="http://schemas.microsoft.com/office/powerpoint/2010/main" val="3516916557"/>
+        <p14:creationId xmlns:p14="http://schemas.microsoft.com/office/powerpoint/2010/main" val="2295576788"/>
       </p:ext>
     </p:extLst>
   </p:cSld>

--- a/Meilenstein 2/Präsentation/Präsentation MS2.pptx
+++ b/Meilenstein 2/Präsentation/Präsentation MS2.pptx
@@ -5,7 +5,7 @@
     <p:sldMasterId id="2147483756" r:id="rId1"/>
   </p:sldMasterIdLst>
   <p:notesMasterIdLst>
-    <p:notesMasterId r:id="rId23"/>
+    <p:notesMasterId r:id="rId24"/>
   </p:notesMasterIdLst>
   <p:sldIdLst>
     <p:sldId id="256" r:id="rId2"/>
@@ -16,7 +16,7 @@
     <p:sldId id="293" r:id="rId7"/>
     <p:sldId id="294" r:id="rId8"/>
     <p:sldId id="274" r:id="rId9"/>
-    <p:sldId id="279" r:id="rId10"/>
+    <p:sldId id="295" r:id="rId10"/>
     <p:sldId id="288" r:id="rId11"/>
     <p:sldId id="291" r:id="rId12"/>
     <p:sldId id="290" r:id="rId13"/>
@@ -27,8 +27,9 @@
     <p:sldId id="272" r:id="rId18"/>
     <p:sldId id="286" r:id="rId19"/>
     <p:sldId id="292" r:id="rId20"/>
-    <p:sldId id="275" r:id="rId21"/>
-    <p:sldId id="276" r:id="rId22"/>
+    <p:sldId id="279" r:id="rId21"/>
+    <p:sldId id="275" r:id="rId22"/>
+    <p:sldId id="276" r:id="rId23"/>
   </p:sldIdLst>
   <p:sldSz cx="12192000" cy="6858000"/>
   <p:notesSz cx="6858000" cy="9144000"/>
@@ -6577,6 +6578,292 @@
         </p:nvSpPr>
         <p:spPr>
           <a:xfrm>
+            <a:off x="685800" y="795528"/>
+            <a:ext cx="184731" cy="369332"/>
+          </a:xfrm>
+          <a:prstGeom prst="rect">
+            <a:avLst/>
+          </a:prstGeom>
+          <a:noFill/>
+        </p:spPr>
+        <p:txBody>
+          <a:bodyPr wrap="none" rtlCol="0">
+            <a:spAutoFit/>
+          </a:bodyPr>
+          <a:lstStyle/>
+          <a:p>
+            <a:endParaRPr lang="de-DE" dirty="0"/>
+          </a:p>
+        </p:txBody>
+      </p:sp>
+      <p:sp>
+        <p:nvSpPr>
+          <p:cNvPr id="7" name="Textfeld 6">
+            <a:extLst>
+              <a:ext uri="{FF2B5EF4-FFF2-40B4-BE49-F238E27FC236}">
+                <a16:creationId xmlns:a16="http://schemas.microsoft.com/office/drawing/2014/main" id="{A44EBC54-9BC9-4E74-9B20-FFD9DDE22B16}"/>
+              </a:ext>
+            </a:extLst>
+          </p:cNvPr>
+          <p:cNvSpPr txBox="1"/>
+          <p:nvPr/>
+        </p:nvSpPr>
+        <p:spPr>
+          <a:xfrm>
+            <a:off x="908436" y="859138"/>
+            <a:ext cx="184731" cy="369332"/>
+          </a:xfrm>
+          <a:prstGeom prst="rect">
+            <a:avLst/>
+          </a:prstGeom>
+          <a:noFill/>
+        </p:spPr>
+        <p:txBody>
+          <a:bodyPr wrap="none" rtlCol="0">
+            <a:spAutoFit/>
+          </a:bodyPr>
+          <a:lstStyle/>
+          <a:p>
+            <a:endParaRPr lang="de-DE" dirty="0"/>
+          </a:p>
+        </p:txBody>
+      </p:sp>
+      <p:pic>
+        <p:nvPicPr>
+          <p:cNvPr id="9" name="Grafik 8" descr="Asien mit einfarbiger Füllung">
+            <a:extLst>
+              <a:ext uri="{FF2B5EF4-FFF2-40B4-BE49-F238E27FC236}">
+                <a16:creationId xmlns:a16="http://schemas.microsoft.com/office/drawing/2014/main" id="{CFED7C80-8680-4ADE-AD9F-63B31E684111}"/>
+              </a:ext>
+            </a:extLst>
+          </p:cNvPr>
+          <p:cNvPicPr>
+            <a:picLocks noChangeAspect="1"/>
+          </p:cNvPicPr>
+          <p:nvPr/>
+        </p:nvPicPr>
+        <p:blipFill>
+          <a:blip r:embed="rId2">
+            <a:extLst>
+              <a:ext uri="{28A0092B-C50C-407E-A947-70E740481C1C}">
+                <a14:useLocalDpi xmlns:a14="http://schemas.microsoft.com/office/drawing/2010/main" val="0"/>
+              </a:ext>
+              <a:ext uri="{96DAC541-7B7A-43D3-8B79-37D633B846F1}">
+                <asvg:svgBlip xmlns:asvg="http://schemas.microsoft.com/office/drawing/2016/SVG/main" r:embed="rId3"/>
+              </a:ext>
+            </a:extLst>
+          </a:blip>
+          <a:stretch>
+            <a:fillRect/>
+          </a:stretch>
+        </p:blipFill>
+        <p:spPr>
+          <a:xfrm>
+            <a:off x="7353771" y="2053242"/>
+            <a:ext cx="3030632" cy="3030632"/>
+          </a:xfrm>
+          <a:prstGeom prst="rect">
+            <a:avLst/>
+          </a:prstGeom>
+        </p:spPr>
+      </p:pic>
+      <p:pic>
+        <p:nvPicPr>
+          <p:cNvPr id="10" name="Grafik 9" descr="Europa mit einfarbiger Füllung">
+            <a:extLst>
+              <a:ext uri="{FF2B5EF4-FFF2-40B4-BE49-F238E27FC236}">
+                <a16:creationId xmlns:a16="http://schemas.microsoft.com/office/drawing/2014/main" id="{C615EA59-02AA-423E-8656-E5DDE01312A0}"/>
+              </a:ext>
+            </a:extLst>
+          </p:cNvPr>
+          <p:cNvPicPr>
+            <a:picLocks noChangeAspect="1"/>
+          </p:cNvPicPr>
+          <p:nvPr/>
+        </p:nvPicPr>
+        <p:blipFill>
+          <a:blip r:embed="rId4">
+            <a:extLst>
+              <a:ext uri="{28A0092B-C50C-407E-A947-70E740481C1C}">
+                <a14:useLocalDpi xmlns:a14="http://schemas.microsoft.com/office/drawing/2010/main" val="0"/>
+              </a:ext>
+              <a:ext uri="{96DAC541-7B7A-43D3-8B79-37D633B846F1}">
+                <asvg:svgBlip xmlns:asvg="http://schemas.microsoft.com/office/drawing/2016/SVG/main" r:embed="rId5"/>
+              </a:ext>
+            </a:extLst>
+          </a:blip>
+          <a:stretch>
+            <a:fillRect/>
+          </a:stretch>
+        </p:blipFill>
+        <p:spPr>
+          <a:xfrm>
+            <a:off x="1456484" y="2121022"/>
+            <a:ext cx="2430516" cy="2430516"/>
+          </a:xfrm>
+          <a:prstGeom prst="rect">
+            <a:avLst/>
+          </a:prstGeom>
+        </p:spPr>
+      </p:pic>
+      <p:sp>
+        <p:nvSpPr>
+          <p:cNvPr id="11" name="Textfeld 10">
+            <a:extLst>
+              <a:ext uri="{FF2B5EF4-FFF2-40B4-BE49-F238E27FC236}">
+                <a16:creationId xmlns:a16="http://schemas.microsoft.com/office/drawing/2014/main" id="{827852CF-D446-4B39-9BF2-A3C14EDC75A9}"/>
+              </a:ext>
+            </a:extLst>
+          </p:cNvPr>
+          <p:cNvSpPr txBox="1"/>
+          <p:nvPr/>
+        </p:nvSpPr>
+        <p:spPr>
+          <a:xfrm>
+            <a:off x="1807597" y="4545265"/>
+            <a:ext cx="1873857" cy="1077218"/>
+          </a:xfrm>
+          <a:prstGeom prst="rect">
+            <a:avLst/>
+          </a:prstGeom>
+          <a:noFill/>
+        </p:spPr>
+        <p:txBody>
+          <a:bodyPr wrap="square" rtlCol="0">
+            <a:spAutoFit/>
+          </a:bodyPr>
+          <a:lstStyle/>
+          <a:p>
+            <a:r>
+              <a:rPr lang="de-DE" sz="3600" dirty="0"/>
+              <a:t>Europa </a:t>
+            </a:r>
+          </a:p>
+          <a:p>
+            <a:endParaRPr lang="de-DE" sz="2800" dirty="0"/>
+          </a:p>
+        </p:txBody>
+      </p:sp>
+      <p:sp>
+        <p:nvSpPr>
+          <p:cNvPr id="12" name="Textfeld 11">
+            <a:extLst>
+              <a:ext uri="{FF2B5EF4-FFF2-40B4-BE49-F238E27FC236}">
+                <a16:creationId xmlns:a16="http://schemas.microsoft.com/office/drawing/2014/main" id="{36601E80-7131-427E-A40F-EDE9F1138D9C}"/>
+              </a:ext>
+            </a:extLst>
+          </p:cNvPr>
+          <p:cNvSpPr txBox="1"/>
+          <p:nvPr/>
+        </p:nvSpPr>
+        <p:spPr>
+          <a:xfrm>
+            <a:off x="5923722" y="4545265"/>
+            <a:ext cx="5414837" cy="1077218"/>
+          </a:xfrm>
+          <a:prstGeom prst="rect">
+            <a:avLst/>
+          </a:prstGeom>
+          <a:noFill/>
+        </p:spPr>
+        <p:txBody>
+          <a:bodyPr wrap="square" rtlCol="0">
+            <a:spAutoFit/>
+          </a:bodyPr>
+          <a:lstStyle/>
+          <a:p>
+            <a:r>
+              <a:rPr lang="de-DE" sz="3600" dirty="0"/>
+              <a:t>Asien (insbesondere China) </a:t>
+            </a:r>
+          </a:p>
+          <a:p>
+            <a:endParaRPr lang="de-DE" sz="2800" dirty="0"/>
+          </a:p>
+        </p:txBody>
+      </p:sp>
+      <p:sp>
+        <p:nvSpPr>
+          <p:cNvPr id="13" name="Textfeld 12">
+            <a:extLst>
+              <a:ext uri="{FF2B5EF4-FFF2-40B4-BE49-F238E27FC236}">
+                <a16:creationId xmlns:a16="http://schemas.microsoft.com/office/drawing/2014/main" id="{DE9C8E4E-8E8E-4AB9-8FC9-D3A3ED01FD3B}"/>
+              </a:ext>
+            </a:extLst>
+          </p:cNvPr>
+          <p:cNvSpPr txBox="1"/>
+          <p:nvPr/>
+        </p:nvSpPr>
+        <p:spPr>
+          <a:xfrm>
+            <a:off x="988315" y="654304"/>
+            <a:ext cx="6251784" cy="1077218"/>
+          </a:xfrm>
+          <a:prstGeom prst="rect">
+            <a:avLst/>
+          </a:prstGeom>
+          <a:noFill/>
+        </p:spPr>
+        <p:txBody>
+          <a:bodyPr wrap="square" rtlCol="0">
+            <a:spAutoFit/>
+          </a:bodyPr>
+          <a:lstStyle/>
+          <a:p>
+            <a:r>
+              <a:rPr lang="de-DE" sz="3600" dirty="0"/>
+              <a:t>Zukünftige Kunden: </a:t>
+            </a:r>
+          </a:p>
+          <a:p>
+            <a:endParaRPr lang="de-DE" sz="2800" dirty="0"/>
+          </a:p>
+        </p:txBody>
+      </p:sp>
+    </p:spTree>
+    <p:extLst>
+      <p:ext uri="{BB962C8B-B14F-4D97-AF65-F5344CB8AC3E}">
+        <p14:creationId xmlns:p14="http://schemas.microsoft.com/office/powerpoint/2010/main" val="2295576788"/>
+      </p:ext>
+    </p:extLst>
+  </p:cSld>
+  <p:clrMapOvr>
+    <a:masterClrMapping/>
+  </p:clrMapOvr>
+</p:sld>
+</file>
+
+<file path=ppt/slides/slide21.xml><?xml version="1.0" encoding="utf-8"?>
+<p:sld xmlns:a="http://schemas.openxmlformats.org/drawingml/2006/main" xmlns:r="http://schemas.openxmlformats.org/officeDocument/2006/relationships" xmlns:p="http://schemas.openxmlformats.org/presentationml/2006/main" show="0">
+  <p:cSld>
+    <p:spTree>
+      <p:nvGrpSpPr>
+        <p:cNvPr id="1" name=""/>
+        <p:cNvGrpSpPr/>
+        <p:nvPr/>
+      </p:nvGrpSpPr>
+      <p:grpSpPr>
+        <a:xfrm>
+          <a:off x="0" y="0"/>
+          <a:ext cx="0" cy="0"/>
+          <a:chOff x="0" y="0"/>
+          <a:chExt cx="0" cy="0"/>
+        </a:xfrm>
+      </p:grpSpPr>
+      <p:sp>
+        <p:nvSpPr>
+          <p:cNvPr id="2" name="Textfeld 1">
+            <a:extLst>
+              <a:ext uri="{FF2B5EF4-FFF2-40B4-BE49-F238E27FC236}">
+                <a16:creationId xmlns:a16="http://schemas.microsoft.com/office/drawing/2014/main" id="{91CF4895-9E43-4451-AD30-62BB9C62C0DB}"/>
+              </a:ext>
+            </a:extLst>
+          </p:cNvPr>
+          <p:cNvSpPr txBox="1"/>
+          <p:nvPr/>
+        </p:nvSpPr>
+        <p:spPr>
+          <a:xfrm>
             <a:off x="908436" y="859138"/>
             <a:ext cx="184731" cy="369332"/>
           </a:xfrm>
@@ -6859,7 +7146,7 @@
 </p:sld>
 </file>
 
-<file path=ppt/slides/slide21.xml><?xml version="1.0" encoding="utf-8"?>
+<file path=ppt/slides/slide22.xml><?xml version="1.0" encoding="utf-8"?>
 <p:sld xmlns:a="http://schemas.openxmlformats.org/drawingml/2006/main" xmlns:r="http://schemas.openxmlformats.org/officeDocument/2006/relationships" xmlns:p="http://schemas.openxmlformats.org/presentationml/2006/main" show="0">
   <p:cSld>
     <p:spTree>
@@ -9621,6 +9908,14 @@
 <file path=ppt/slides/slide9.xml><?xml version="1.0" encoding="utf-8"?>
 <p:sld xmlns:a="http://schemas.openxmlformats.org/drawingml/2006/main" xmlns:r="http://schemas.openxmlformats.org/officeDocument/2006/relationships" xmlns:p="http://schemas.openxmlformats.org/presentationml/2006/main">
   <p:cSld>
+    <p:bg>
+      <p:bgPr>
+        <a:solidFill>
+          <a:srgbClr val="4960A6"/>
+        </a:solidFill>
+        <a:effectLst/>
+      </p:bgPr>
+    </p:bg>
     <p:spTree>
       <p:nvGrpSpPr>
         <p:cNvPr id="1" name=""/>
@@ -9637,74 +9932,138 @@
       </p:grpSpPr>
       <p:sp>
         <p:nvSpPr>
-          <p:cNvPr id="2" name="Textfeld 1">
+          <p:cNvPr id="22" name="Rectangle 21">
             <a:extLst>
               <a:ext uri="{FF2B5EF4-FFF2-40B4-BE49-F238E27FC236}">
-                <a16:creationId xmlns:a16="http://schemas.microsoft.com/office/drawing/2014/main" id="{91CF4895-9E43-4451-AD30-62BB9C62C0DB}"/>
+                <a16:creationId xmlns:a16="http://schemas.microsoft.com/office/drawing/2014/main" id="{44B3F5F5-166C-4694-B20A-3F8218AF7D03}"/>
+              </a:ext>
+              <a:ext uri="{C183D7F6-B498-43B3-948B-1728B52AA6E4}">
+                <adec:decorative xmlns:adec="http://schemas.microsoft.com/office/drawing/2017/decorative" val="1"/>
               </a:ext>
             </a:extLst>
           </p:cNvPr>
-          <p:cNvSpPr txBox="1"/>
-          <p:nvPr/>
-        </p:nvSpPr>
-        <p:spPr>
-          <a:xfrm>
-            <a:off x="685800" y="795528"/>
-            <a:ext cx="184731" cy="369332"/>
+          <p:cNvSpPr>
+            <a:spLocks noGrp="1" noRot="1" noChangeAspect="1" noMove="1" noResize="1" noEditPoints="1" noAdjustHandles="1" noChangeArrowheads="1" noChangeShapeType="1" noTextEdit="1"/>
+          </p:cNvSpPr>
+          <p:nvPr>
+            <p:extLst>
+              <p:ext uri="{386F3935-93C4-4BCD-93E2-E3B085C9AB24}">
+                <p16:designElem xmlns:p16="http://schemas.microsoft.com/office/powerpoint/2015/main" val="1"/>
+              </p:ext>
+            </p:extLst>
+          </p:nvPr>
+        </p:nvSpPr>
+        <p:spPr>
+          <a:xfrm>
+            <a:off x="0" y="0"/>
+            <a:ext cx="12192000" cy="6858000"/>
           </a:xfrm>
           <a:prstGeom prst="rect">
             <a:avLst/>
           </a:prstGeom>
-          <a:noFill/>
-        </p:spPr>
-        <p:txBody>
-          <a:bodyPr wrap="none" rtlCol="0">
-            <a:spAutoFit/>
-          </a:bodyPr>
+          <a:solidFill>
+            <a:schemeClr val="bg2"/>
+          </a:solidFill>
+          <a:ln>
+            <a:noFill/>
+          </a:ln>
+        </p:spPr>
+        <p:style>
+          <a:lnRef idx="2">
+            <a:schemeClr val="accent1">
+              <a:shade val="50000"/>
+            </a:schemeClr>
+          </a:lnRef>
+          <a:fillRef idx="1">
+            <a:schemeClr val="accent1"/>
+          </a:fillRef>
+          <a:effectRef idx="0">
+            <a:schemeClr val="accent1"/>
+          </a:effectRef>
+          <a:fontRef idx="minor">
+            <a:schemeClr val="lt1"/>
+          </a:fontRef>
+        </p:style>
+        <p:txBody>
+          <a:bodyPr rtlCol="0" anchor="ctr"/>
           <a:lstStyle/>
           <a:p>
-            <a:endParaRPr lang="de-DE" dirty="0"/>
-          </a:p>
-        </p:txBody>
-      </p:sp>
-      <p:sp>
-        <p:nvSpPr>
-          <p:cNvPr id="7" name="Textfeld 6">
+            <a:pPr algn="ctr"/>
+            <a:endParaRPr lang="en-US"/>
+          </a:p>
+        </p:txBody>
+      </p:sp>
+      <p:sp>
+        <p:nvSpPr>
+          <p:cNvPr id="24" name="Rectangle 23">
             <a:extLst>
               <a:ext uri="{FF2B5EF4-FFF2-40B4-BE49-F238E27FC236}">
-                <a16:creationId xmlns:a16="http://schemas.microsoft.com/office/drawing/2014/main" id="{A44EBC54-9BC9-4E74-9B20-FFD9DDE22B16}"/>
+                <a16:creationId xmlns:a16="http://schemas.microsoft.com/office/drawing/2014/main" id="{9E67A204-FB90-4B26-B155-3FA8064AD2DF}"/>
+              </a:ext>
+              <a:ext uri="{C183D7F6-B498-43B3-948B-1728B52AA6E4}">
+                <adec:decorative xmlns:adec="http://schemas.microsoft.com/office/drawing/2017/decorative" val="1"/>
               </a:ext>
             </a:extLst>
           </p:cNvPr>
-          <p:cNvSpPr txBox="1"/>
-          <p:nvPr/>
-        </p:nvSpPr>
-        <p:spPr>
-          <a:xfrm>
-            <a:off x="908436" y="859138"/>
-            <a:ext cx="184731" cy="369332"/>
+          <p:cNvSpPr>
+            <a:spLocks noGrp="1" noRot="1" noChangeAspect="1" noMove="1" noResize="1" noEditPoints="1" noAdjustHandles="1" noChangeArrowheads="1" noChangeShapeType="1" noTextEdit="1"/>
+          </p:cNvSpPr>
+          <p:nvPr>
+            <p:extLst>
+              <p:ext uri="{386F3935-93C4-4BCD-93E2-E3B085C9AB24}">
+                <p16:designElem xmlns:p16="http://schemas.microsoft.com/office/powerpoint/2015/main" val="1"/>
+              </p:ext>
+            </p:extLst>
+          </p:nvPr>
+        </p:nvSpPr>
+        <p:spPr>
+          <a:xfrm>
+            <a:off x="477012" y="480060"/>
+            <a:ext cx="11237976" cy="5897880"/>
           </a:xfrm>
           <a:prstGeom prst="rect">
             <a:avLst/>
           </a:prstGeom>
-          <a:noFill/>
-        </p:spPr>
-        <p:txBody>
-          <a:bodyPr wrap="none" rtlCol="0">
-            <a:spAutoFit/>
-          </a:bodyPr>
+          <a:solidFill>
+            <a:schemeClr val="bg1"/>
+          </a:solidFill>
+          <a:ln w="22225">
+            <a:solidFill>
+              <a:srgbClr val="C17F63"/>
+            </a:solidFill>
+          </a:ln>
+        </p:spPr>
+        <p:style>
+          <a:lnRef idx="2">
+            <a:schemeClr val="accent1">
+              <a:shade val="50000"/>
+            </a:schemeClr>
+          </a:lnRef>
+          <a:fillRef idx="1">
+            <a:schemeClr val="accent1"/>
+          </a:fillRef>
+          <a:effectRef idx="0">
+            <a:schemeClr val="accent1"/>
+          </a:effectRef>
+          <a:fontRef idx="minor">
+            <a:schemeClr val="lt1"/>
+          </a:fontRef>
+        </p:style>
+        <p:txBody>
+          <a:bodyPr rtlCol="0" anchor="ctr"/>
           <a:lstStyle/>
           <a:p>
-            <a:endParaRPr lang="de-DE" dirty="0"/>
+            <a:pPr algn="ctr"/>
+            <a:endParaRPr lang="en-US"/>
           </a:p>
         </p:txBody>
       </p:sp>
       <p:pic>
         <p:nvPicPr>
-          <p:cNvPr id="9" name="Grafik 8" descr="Asien mit einfarbiger Füllung">
+          <p:cNvPr id="4" name="Grafik 3" descr="Asien mit einfarbiger Füllung">
             <a:extLst>
               <a:ext uri="{FF2B5EF4-FFF2-40B4-BE49-F238E27FC236}">
-                <a16:creationId xmlns:a16="http://schemas.microsoft.com/office/drawing/2014/main" id="{CFED7C80-8680-4ADE-AD9F-63B31E684111}"/>
+                <a16:creationId xmlns:a16="http://schemas.microsoft.com/office/drawing/2014/main" id="{C0087850-7846-47A8-A0D2-7CA5EBEC52A4}"/>
               </a:ext>
             </a:extLst>
           </p:cNvPr>
@@ -9740,10 +10099,10 @@
       </p:pic>
       <p:pic>
         <p:nvPicPr>
-          <p:cNvPr id="10" name="Grafik 9" descr="Europa mit einfarbiger Füllung">
+          <p:cNvPr id="5" name="Grafik 4" descr="Europa mit einfarbiger Füllung">
             <a:extLst>
               <a:ext uri="{FF2B5EF4-FFF2-40B4-BE49-F238E27FC236}">
-                <a16:creationId xmlns:a16="http://schemas.microsoft.com/office/drawing/2014/main" id="{C615EA59-02AA-423E-8656-E5DDE01312A0}"/>
+                <a16:creationId xmlns:a16="http://schemas.microsoft.com/office/drawing/2014/main" id="{1EBB8EAB-034A-4EE9-A41C-904740C382FA}"/>
               </a:ext>
             </a:extLst>
           </p:cNvPr>
@@ -9779,10 +10138,10 @@
       </p:pic>
       <p:sp>
         <p:nvSpPr>
-          <p:cNvPr id="11" name="Textfeld 10">
+          <p:cNvPr id="6" name="Textfeld 5">
             <a:extLst>
               <a:ext uri="{FF2B5EF4-FFF2-40B4-BE49-F238E27FC236}">
-                <a16:creationId xmlns:a16="http://schemas.microsoft.com/office/drawing/2014/main" id="{827852CF-D446-4B39-9BF2-A3C14EDC75A9}"/>
+                <a16:creationId xmlns:a16="http://schemas.microsoft.com/office/drawing/2014/main" id="{F5E7F1D0-EB5E-4320-92F1-03D76C2BD6BA}"/>
               </a:ext>
             </a:extLst>
           </p:cNvPr>
@@ -9817,10 +10176,10 @@
       </p:sp>
       <p:sp>
         <p:nvSpPr>
-          <p:cNvPr id="12" name="Textfeld 11">
+          <p:cNvPr id="7" name="Textfeld 6">
             <a:extLst>
               <a:ext uri="{FF2B5EF4-FFF2-40B4-BE49-F238E27FC236}">
-                <a16:creationId xmlns:a16="http://schemas.microsoft.com/office/drawing/2014/main" id="{36601E80-7131-427E-A40F-EDE9F1138D9C}"/>
+                <a16:creationId xmlns:a16="http://schemas.microsoft.com/office/drawing/2014/main" id="{636A8B30-5611-4392-8591-A7AB383EE046}"/>
               </a:ext>
             </a:extLst>
           </p:cNvPr>
@@ -9855,10 +10214,10 @@
       </p:sp>
       <p:sp>
         <p:nvSpPr>
-          <p:cNvPr id="13" name="Textfeld 12">
+          <p:cNvPr id="8" name="Textfeld 7">
             <a:extLst>
               <a:ext uri="{FF2B5EF4-FFF2-40B4-BE49-F238E27FC236}">
-                <a16:creationId xmlns:a16="http://schemas.microsoft.com/office/drawing/2014/main" id="{DE9C8E4E-8E8E-4AB9-8FC9-D3A3ED01FD3B}"/>
+                <a16:creationId xmlns:a16="http://schemas.microsoft.com/office/drawing/2014/main" id="{5F9D31C4-DEF2-405C-8495-A878AEA9930A}"/>
               </a:ext>
             </a:extLst>
           </p:cNvPr>
@@ -9894,7 +10253,7 @@
     </p:spTree>
     <p:extLst>
       <p:ext uri="{BB962C8B-B14F-4D97-AF65-F5344CB8AC3E}">
-        <p14:creationId xmlns:p14="http://schemas.microsoft.com/office/powerpoint/2010/main" val="2295576788"/>
+        <p14:creationId xmlns:p14="http://schemas.microsoft.com/office/powerpoint/2010/main" val="2252628431"/>
       </p:ext>
     </p:extLst>
   </p:cSld>

--- a/Meilenstein 2/Präsentation/Präsentation MS2.pptx
+++ b/Meilenstein 2/Präsentation/Präsentation MS2.pptx
@@ -5,7 +5,7 @@
     <p:sldMasterId id="2147483756" r:id="rId1"/>
   </p:sldMasterIdLst>
   <p:notesMasterIdLst>
-    <p:notesMasterId r:id="rId24"/>
+    <p:notesMasterId r:id="rId21"/>
   </p:notesMasterIdLst>
   <p:sldIdLst>
     <p:sldId id="256" r:id="rId2"/>
@@ -27,9 +27,6 @@
     <p:sldId id="272" r:id="rId18"/>
     <p:sldId id="286" r:id="rId19"/>
     <p:sldId id="292" r:id="rId20"/>
-    <p:sldId id="279" r:id="rId21"/>
-    <p:sldId id="275" r:id="rId22"/>
-    <p:sldId id="276" r:id="rId23"/>
   </p:sldIdLst>
   <p:sldSz cx="12192000" cy="6858000"/>
   <p:notesSz cx="6858000" cy="9144000"/>
@@ -4972,12 +4969,44 @@
           <a:chExt cx="0" cy="0"/>
         </a:xfrm>
       </p:grpSpPr>
+      <p:sp>
+        <p:nvSpPr>
+          <p:cNvPr id="2" name="Textfeld 1">
+            <a:extLst>
+              <a:ext uri="{FF2B5EF4-FFF2-40B4-BE49-F238E27FC236}">
+                <a16:creationId xmlns:a16="http://schemas.microsoft.com/office/drawing/2014/main" id="{91CF4895-9E43-4451-AD30-62BB9C62C0DB}"/>
+              </a:ext>
+            </a:extLst>
+          </p:cNvPr>
+          <p:cNvSpPr txBox="1"/>
+          <p:nvPr/>
+        </p:nvSpPr>
+        <p:spPr>
+          <a:xfrm>
+            <a:off x="685800" y="795528"/>
+            <a:ext cx="184731" cy="369332"/>
+          </a:xfrm>
+          <a:prstGeom prst="rect">
+            <a:avLst/>
+          </a:prstGeom>
+          <a:noFill/>
+        </p:spPr>
+        <p:txBody>
+          <a:bodyPr wrap="none" rtlCol="0">
+            <a:spAutoFit/>
+          </a:bodyPr>
+          <a:lstStyle/>
+          <a:p>
+            <a:endParaRPr lang="de-DE" dirty="0"/>
+          </a:p>
+        </p:txBody>
+      </p:sp>
       <p:pic>
         <p:nvPicPr>
-          <p:cNvPr id="4" name="Grafik 3">
+          <p:cNvPr id="5" name="Grafik 4">
             <a:extLst>
               <a:ext uri="{FF2B5EF4-FFF2-40B4-BE49-F238E27FC236}">
-                <a16:creationId xmlns:a16="http://schemas.microsoft.com/office/drawing/2014/main" id="{D943377C-E668-459C-B85A-35BCC84F47C4}"/>
+                <a16:creationId xmlns:a16="http://schemas.microsoft.com/office/drawing/2014/main" id="{F2107E4D-9327-4A13-97E1-629B2BF17C43}"/>
               </a:ext>
             </a:extLst>
           </p:cNvPr>
@@ -5000,8 +5029,8 @@
         </p:blipFill>
         <p:spPr>
           <a:xfrm>
-            <a:off x="840000" y="98275"/>
-            <a:ext cx="10511999" cy="6661450"/>
+            <a:off x="827536" y="90376"/>
+            <a:ext cx="10536927" cy="6677247"/>
           </a:xfrm>
           <a:prstGeom prst="rect">
             <a:avLst/>
@@ -5051,38 +5080,6 @@
           </a:prstGeom>
         </p:spPr>
       </p:pic>
-      <p:sp>
-        <p:nvSpPr>
-          <p:cNvPr id="2" name="Textfeld 1">
-            <a:extLst>
-              <a:ext uri="{FF2B5EF4-FFF2-40B4-BE49-F238E27FC236}">
-                <a16:creationId xmlns:a16="http://schemas.microsoft.com/office/drawing/2014/main" id="{91CF4895-9E43-4451-AD30-62BB9C62C0DB}"/>
-              </a:ext>
-            </a:extLst>
-          </p:cNvPr>
-          <p:cNvSpPr txBox="1"/>
-          <p:nvPr/>
-        </p:nvSpPr>
-        <p:spPr>
-          <a:xfrm>
-            <a:off x="685800" y="795528"/>
-            <a:ext cx="184731" cy="369332"/>
-          </a:xfrm>
-          <a:prstGeom prst="rect">
-            <a:avLst/>
-          </a:prstGeom>
-          <a:noFill/>
-        </p:spPr>
-        <p:txBody>
-          <a:bodyPr wrap="none" rtlCol="0">
-            <a:spAutoFit/>
-          </a:bodyPr>
-          <a:lstStyle/>
-          <a:p>
-            <a:endParaRPr lang="de-DE" dirty="0"/>
-          </a:p>
-        </p:txBody>
-      </p:sp>
     </p:spTree>
     <p:extLst>
       <p:ext uri="{BB962C8B-B14F-4D97-AF65-F5344CB8AC3E}">
@@ -5180,7 +5177,7 @@
 </file>
 
 <file path=ppt/slides/slide16.xml><?xml version="1.0" encoding="utf-8"?>
-<p:sld xmlns:a="http://schemas.openxmlformats.org/drawingml/2006/main" xmlns:r="http://schemas.openxmlformats.org/officeDocument/2006/relationships" xmlns:p="http://schemas.openxmlformats.org/presentationml/2006/main">
+<p:sld xmlns:a="http://schemas.openxmlformats.org/drawingml/2006/main" xmlns:r="http://schemas.openxmlformats.org/officeDocument/2006/relationships" xmlns:p="http://schemas.openxmlformats.org/presentationml/2006/main" show="0">
   <p:cSld>
     <p:spTree>
       <p:nvGrpSpPr>
@@ -6538,1034 +6535,6 @@
     <p:extLst>
       <p:ext uri="{BB962C8B-B14F-4D97-AF65-F5344CB8AC3E}">
         <p14:creationId xmlns:p14="http://schemas.microsoft.com/office/powerpoint/2010/main" val="2522807781"/>
-      </p:ext>
-    </p:extLst>
-  </p:cSld>
-  <p:clrMapOvr>
-    <a:masterClrMapping/>
-  </p:clrMapOvr>
-</p:sld>
-</file>
-
-<file path=ppt/slides/slide20.xml><?xml version="1.0" encoding="utf-8"?>
-<p:sld xmlns:a="http://schemas.openxmlformats.org/drawingml/2006/main" xmlns:r="http://schemas.openxmlformats.org/officeDocument/2006/relationships" xmlns:p="http://schemas.openxmlformats.org/presentationml/2006/main" show="0">
-  <p:cSld>
-    <p:spTree>
-      <p:nvGrpSpPr>
-        <p:cNvPr id="1" name=""/>
-        <p:cNvGrpSpPr/>
-        <p:nvPr/>
-      </p:nvGrpSpPr>
-      <p:grpSpPr>
-        <a:xfrm>
-          <a:off x="0" y="0"/>
-          <a:ext cx="0" cy="0"/>
-          <a:chOff x="0" y="0"/>
-          <a:chExt cx="0" cy="0"/>
-        </a:xfrm>
-      </p:grpSpPr>
-      <p:sp>
-        <p:nvSpPr>
-          <p:cNvPr id="2" name="Textfeld 1">
-            <a:extLst>
-              <a:ext uri="{FF2B5EF4-FFF2-40B4-BE49-F238E27FC236}">
-                <a16:creationId xmlns:a16="http://schemas.microsoft.com/office/drawing/2014/main" id="{91CF4895-9E43-4451-AD30-62BB9C62C0DB}"/>
-              </a:ext>
-            </a:extLst>
-          </p:cNvPr>
-          <p:cNvSpPr txBox="1"/>
-          <p:nvPr/>
-        </p:nvSpPr>
-        <p:spPr>
-          <a:xfrm>
-            <a:off x="685800" y="795528"/>
-            <a:ext cx="184731" cy="369332"/>
-          </a:xfrm>
-          <a:prstGeom prst="rect">
-            <a:avLst/>
-          </a:prstGeom>
-          <a:noFill/>
-        </p:spPr>
-        <p:txBody>
-          <a:bodyPr wrap="none" rtlCol="0">
-            <a:spAutoFit/>
-          </a:bodyPr>
-          <a:lstStyle/>
-          <a:p>
-            <a:endParaRPr lang="de-DE" dirty="0"/>
-          </a:p>
-        </p:txBody>
-      </p:sp>
-      <p:sp>
-        <p:nvSpPr>
-          <p:cNvPr id="7" name="Textfeld 6">
-            <a:extLst>
-              <a:ext uri="{FF2B5EF4-FFF2-40B4-BE49-F238E27FC236}">
-                <a16:creationId xmlns:a16="http://schemas.microsoft.com/office/drawing/2014/main" id="{A44EBC54-9BC9-4E74-9B20-FFD9DDE22B16}"/>
-              </a:ext>
-            </a:extLst>
-          </p:cNvPr>
-          <p:cNvSpPr txBox="1"/>
-          <p:nvPr/>
-        </p:nvSpPr>
-        <p:spPr>
-          <a:xfrm>
-            <a:off x="908436" y="859138"/>
-            <a:ext cx="184731" cy="369332"/>
-          </a:xfrm>
-          <a:prstGeom prst="rect">
-            <a:avLst/>
-          </a:prstGeom>
-          <a:noFill/>
-        </p:spPr>
-        <p:txBody>
-          <a:bodyPr wrap="none" rtlCol="0">
-            <a:spAutoFit/>
-          </a:bodyPr>
-          <a:lstStyle/>
-          <a:p>
-            <a:endParaRPr lang="de-DE" dirty="0"/>
-          </a:p>
-        </p:txBody>
-      </p:sp>
-      <p:pic>
-        <p:nvPicPr>
-          <p:cNvPr id="9" name="Grafik 8" descr="Asien mit einfarbiger Füllung">
-            <a:extLst>
-              <a:ext uri="{FF2B5EF4-FFF2-40B4-BE49-F238E27FC236}">
-                <a16:creationId xmlns:a16="http://schemas.microsoft.com/office/drawing/2014/main" id="{CFED7C80-8680-4ADE-AD9F-63B31E684111}"/>
-              </a:ext>
-            </a:extLst>
-          </p:cNvPr>
-          <p:cNvPicPr>
-            <a:picLocks noChangeAspect="1"/>
-          </p:cNvPicPr>
-          <p:nvPr/>
-        </p:nvPicPr>
-        <p:blipFill>
-          <a:blip r:embed="rId2">
-            <a:extLst>
-              <a:ext uri="{28A0092B-C50C-407E-A947-70E740481C1C}">
-                <a14:useLocalDpi xmlns:a14="http://schemas.microsoft.com/office/drawing/2010/main" val="0"/>
-              </a:ext>
-              <a:ext uri="{96DAC541-7B7A-43D3-8B79-37D633B846F1}">
-                <asvg:svgBlip xmlns:asvg="http://schemas.microsoft.com/office/drawing/2016/SVG/main" r:embed="rId3"/>
-              </a:ext>
-            </a:extLst>
-          </a:blip>
-          <a:stretch>
-            <a:fillRect/>
-          </a:stretch>
-        </p:blipFill>
-        <p:spPr>
-          <a:xfrm>
-            <a:off x="7353771" y="2053242"/>
-            <a:ext cx="3030632" cy="3030632"/>
-          </a:xfrm>
-          <a:prstGeom prst="rect">
-            <a:avLst/>
-          </a:prstGeom>
-        </p:spPr>
-      </p:pic>
-      <p:pic>
-        <p:nvPicPr>
-          <p:cNvPr id="10" name="Grafik 9" descr="Europa mit einfarbiger Füllung">
-            <a:extLst>
-              <a:ext uri="{FF2B5EF4-FFF2-40B4-BE49-F238E27FC236}">
-                <a16:creationId xmlns:a16="http://schemas.microsoft.com/office/drawing/2014/main" id="{C615EA59-02AA-423E-8656-E5DDE01312A0}"/>
-              </a:ext>
-            </a:extLst>
-          </p:cNvPr>
-          <p:cNvPicPr>
-            <a:picLocks noChangeAspect="1"/>
-          </p:cNvPicPr>
-          <p:nvPr/>
-        </p:nvPicPr>
-        <p:blipFill>
-          <a:blip r:embed="rId4">
-            <a:extLst>
-              <a:ext uri="{28A0092B-C50C-407E-A947-70E740481C1C}">
-                <a14:useLocalDpi xmlns:a14="http://schemas.microsoft.com/office/drawing/2010/main" val="0"/>
-              </a:ext>
-              <a:ext uri="{96DAC541-7B7A-43D3-8B79-37D633B846F1}">
-                <asvg:svgBlip xmlns:asvg="http://schemas.microsoft.com/office/drawing/2016/SVG/main" r:embed="rId5"/>
-              </a:ext>
-            </a:extLst>
-          </a:blip>
-          <a:stretch>
-            <a:fillRect/>
-          </a:stretch>
-        </p:blipFill>
-        <p:spPr>
-          <a:xfrm>
-            <a:off x="1456484" y="2121022"/>
-            <a:ext cx="2430516" cy="2430516"/>
-          </a:xfrm>
-          <a:prstGeom prst="rect">
-            <a:avLst/>
-          </a:prstGeom>
-        </p:spPr>
-      </p:pic>
-      <p:sp>
-        <p:nvSpPr>
-          <p:cNvPr id="11" name="Textfeld 10">
-            <a:extLst>
-              <a:ext uri="{FF2B5EF4-FFF2-40B4-BE49-F238E27FC236}">
-                <a16:creationId xmlns:a16="http://schemas.microsoft.com/office/drawing/2014/main" id="{827852CF-D446-4B39-9BF2-A3C14EDC75A9}"/>
-              </a:ext>
-            </a:extLst>
-          </p:cNvPr>
-          <p:cNvSpPr txBox="1"/>
-          <p:nvPr/>
-        </p:nvSpPr>
-        <p:spPr>
-          <a:xfrm>
-            <a:off x="1807597" y="4545265"/>
-            <a:ext cx="1873857" cy="1077218"/>
-          </a:xfrm>
-          <a:prstGeom prst="rect">
-            <a:avLst/>
-          </a:prstGeom>
-          <a:noFill/>
-        </p:spPr>
-        <p:txBody>
-          <a:bodyPr wrap="square" rtlCol="0">
-            <a:spAutoFit/>
-          </a:bodyPr>
-          <a:lstStyle/>
-          <a:p>
-            <a:r>
-              <a:rPr lang="de-DE" sz="3600" dirty="0"/>
-              <a:t>Europa </a:t>
-            </a:r>
-          </a:p>
-          <a:p>
-            <a:endParaRPr lang="de-DE" sz="2800" dirty="0"/>
-          </a:p>
-        </p:txBody>
-      </p:sp>
-      <p:sp>
-        <p:nvSpPr>
-          <p:cNvPr id="12" name="Textfeld 11">
-            <a:extLst>
-              <a:ext uri="{FF2B5EF4-FFF2-40B4-BE49-F238E27FC236}">
-                <a16:creationId xmlns:a16="http://schemas.microsoft.com/office/drawing/2014/main" id="{36601E80-7131-427E-A40F-EDE9F1138D9C}"/>
-              </a:ext>
-            </a:extLst>
-          </p:cNvPr>
-          <p:cNvSpPr txBox="1"/>
-          <p:nvPr/>
-        </p:nvSpPr>
-        <p:spPr>
-          <a:xfrm>
-            <a:off x="5923722" y="4545265"/>
-            <a:ext cx="5414837" cy="1077218"/>
-          </a:xfrm>
-          <a:prstGeom prst="rect">
-            <a:avLst/>
-          </a:prstGeom>
-          <a:noFill/>
-        </p:spPr>
-        <p:txBody>
-          <a:bodyPr wrap="square" rtlCol="0">
-            <a:spAutoFit/>
-          </a:bodyPr>
-          <a:lstStyle/>
-          <a:p>
-            <a:r>
-              <a:rPr lang="de-DE" sz="3600" dirty="0"/>
-              <a:t>Asien (insbesondere China) </a:t>
-            </a:r>
-          </a:p>
-          <a:p>
-            <a:endParaRPr lang="de-DE" sz="2800" dirty="0"/>
-          </a:p>
-        </p:txBody>
-      </p:sp>
-      <p:sp>
-        <p:nvSpPr>
-          <p:cNvPr id="13" name="Textfeld 12">
-            <a:extLst>
-              <a:ext uri="{FF2B5EF4-FFF2-40B4-BE49-F238E27FC236}">
-                <a16:creationId xmlns:a16="http://schemas.microsoft.com/office/drawing/2014/main" id="{DE9C8E4E-8E8E-4AB9-8FC9-D3A3ED01FD3B}"/>
-              </a:ext>
-            </a:extLst>
-          </p:cNvPr>
-          <p:cNvSpPr txBox="1"/>
-          <p:nvPr/>
-        </p:nvSpPr>
-        <p:spPr>
-          <a:xfrm>
-            <a:off x="988315" y="654304"/>
-            <a:ext cx="6251784" cy="1077218"/>
-          </a:xfrm>
-          <a:prstGeom prst="rect">
-            <a:avLst/>
-          </a:prstGeom>
-          <a:noFill/>
-        </p:spPr>
-        <p:txBody>
-          <a:bodyPr wrap="square" rtlCol="0">
-            <a:spAutoFit/>
-          </a:bodyPr>
-          <a:lstStyle/>
-          <a:p>
-            <a:r>
-              <a:rPr lang="de-DE" sz="3600" dirty="0"/>
-              <a:t>Zukünftige Kunden: </a:t>
-            </a:r>
-          </a:p>
-          <a:p>
-            <a:endParaRPr lang="de-DE" sz="2800" dirty="0"/>
-          </a:p>
-        </p:txBody>
-      </p:sp>
-    </p:spTree>
-    <p:extLst>
-      <p:ext uri="{BB962C8B-B14F-4D97-AF65-F5344CB8AC3E}">
-        <p14:creationId xmlns:p14="http://schemas.microsoft.com/office/powerpoint/2010/main" val="2295576788"/>
-      </p:ext>
-    </p:extLst>
-  </p:cSld>
-  <p:clrMapOvr>
-    <a:masterClrMapping/>
-  </p:clrMapOvr>
-</p:sld>
-</file>
-
-<file path=ppt/slides/slide21.xml><?xml version="1.0" encoding="utf-8"?>
-<p:sld xmlns:a="http://schemas.openxmlformats.org/drawingml/2006/main" xmlns:r="http://schemas.openxmlformats.org/officeDocument/2006/relationships" xmlns:p="http://schemas.openxmlformats.org/presentationml/2006/main" show="0">
-  <p:cSld>
-    <p:spTree>
-      <p:nvGrpSpPr>
-        <p:cNvPr id="1" name=""/>
-        <p:cNvGrpSpPr/>
-        <p:nvPr/>
-      </p:nvGrpSpPr>
-      <p:grpSpPr>
-        <a:xfrm>
-          <a:off x="0" y="0"/>
-          <a:ext cx="0" cy="0"/>
-          <a:chOff x="0" y="0"/>
-          <a:chExt cx="0" cy="0"/>
-        </a:xfrm>
-      </p:grpSpPr>
-      <p:sp>
-        <p:nvSpPr>
-          <p:cNvPr id="2" name="Textfeld 1">
-            <a:extLst>
-              <a:ext uri="{FF2B5EF4-FFF2-40B4-BE49-F238E27FC236}">
-                <a16:creationId xmlns:a16="http://schemas.microsoft.com/office/drawing/2014/main" id="{91CF4895-9E43-4451-AD30-62BB9C62C0DB}"/>
-              </a:ext>
-            </a:extLst>
-          </p:cNvPr>
-          <p:cNvSpPr txBox="1"/>
-          <p:nvPr/>
-        </p:nvSpPr>
-        <p:spPr>
-          <a:xfrm>
-            <a:off x="908436" y="859138"/>
-            <a:ext cx="184731" cy="369332"/>
-          </a:xfrm>
-          <a:prstGeom prst="rect">
-            <a:avLst/>
-          </a:prstGeom>
-          <a:noFill/>
-        </p:spPr>
-        <p:txBody>
-          <a:bodyPr wrap="none" rtlCol="0">
-            <a:spAutoFit/>
-          </a:bodyPr>
-          <a:lstStyle/>
-          <a:p>
-            <a:endParaRPr lang="de-DE" dirty="0"/>
-          </a:p>
-        </p:txBody>
-      </p:sp>
-      <p:sp>
-        <p:nvSpPr>
-          <p:cNvPr id="19" name="Rectangle 4">
-            <a:extLst>
-              <a:ext uri="{FF2B5EF4-FFF2-40B4-BE49-F238E27FC236}">
-                <a16:creationId xmlns:a16="http://schemas.microsoft.com/office/drawing/2014/main" id="{684E42DA-56F2-4FDE-9B8B-ACCE96074478}"/>
-              </a:ext>
-            </a:extLst>
-          </p:cNvPr>
-          <p:cNvSpPr>
-            <a:spLocks noChangeArrowheads="1"/>
-          </p:cNvSpPr>
-          <p:nvPr/>
-        </p:nvSpPr>
-        <p:spPr bwMode="auto">
-          <a:xfrm>
-            <a:off x="4114207" y="2832243"/>
-            <a:ext cx="12192000" cy="457200"/>
-          </a:xfrm>
-          <a:prstGeom prst="rect">
-            <a:avLst/>
-          </a:prstGeom>
-          <a:noFill/>
-          <a:ln>
-            <a:noFill/>
-          </a:ln>
-          <a:effectLst/>
-          <a:extLst>
-            <a:ext uri="{909E8E84-426E-40DD-AFC4-6F175D3DCCD1}">
-              <a14:hiddenFill xmlns:a14="http://schemas.microsoft.com/office/drawing/2010/main">
-                <a:solidFill>
-                  <a:schemeClr val="accent1"/>
-                </a:solidFill>
-              </a14:hiddenFill>
-            </a:ext>
-            <a:ext uri="{91240B29-F687-4F45-9708-019B960494DF}">
-              <a14:hiddenLine xmlns:a14="http://schemas.microsoft.com/office/drawing/2010/main" w="9525">
-                <a:solidFill>
-                  <a:schemeClr val="tx1"/>
-                </a:solidFill>
-                <a:miter lim="800000"/>
-                <a:headEnd/>
-                <a:tailEnd/>
-              </a14:hiddenLine>
-            </a:ext>
-            <a:ext uri="{AF507438-7753-43E0-B8FC-AC1667EBCBE1}">
-              <a14:hiddenEffects xmlns:a14="http://schemas.microsoft.com/office/drawing/2010/main">
-                <a:effectLst>
-                  <a:outerShdw dist="35921" dir="2700000" algn="ctr" rotWithShape="0">
-                    <a:schemeClr val="bg2"/>
-                  </a:outerShdw>
-                </a:effectLst>
-              </a14:hiddenEffects>
-            </a:ext>
-          </a:extLst>
-        </p:spPr>
-        <p:txBody>
-          <a:bodyPr vert="horz" wrap="none" lIns="91440" tIns="45720" rIns="91440" bIns="45720" numCol="1" anchor="ctr" anchorCtr="0" compatLnSpc="1">
-            <a:prstTxWarp prst="textNoShape">
-              <a:avLst/>
-            </a:prstTxWarp>
-            <a:spAutoFit/>
-          </a:bodyPr>
-          <a:lstStyle/>
-          <a:p>
-            <a:endParaRPr lang="de-DE"/>
-          </a:p>
-        </p:txBody>
-      </p:sp>
-      <p:pic>
-        <p:nvPicPr>
-          <p:cNvPr id="5" name="Grafik 4">
-            <a:extLst>
-              <a:ext uri="{FF2B5EF4-FFF2-40B4-BE49-F238E27FC236}">
-                <a16:creationId xmlns:a16="http://schemas.microsoft.com/office/drawing/2014/main" id="{2A3D4D93-84C6-4CC0-8DF4-660C9C40A9D2}"/>
-              </a:ext>
-            </a:extLst>
-          </p:cNvPr>
-          <p:cNvPicPr>
-            <a:picLocks noChangeAspect="1"/>
-          </p:cNvPicPr>
-          <p:nvPr/>
-        </p:nvPicPr>
-        <p:blipFill>
-          <a:blip r:embed="rId2"/>
-          <a:stretch>
-            <a:fillRect/>
-          </a:stretch>
-        </p:blipFill>
-        <p:spPr>
-          <a:xfrm>
-            <a:off x="4995954" y="859138"/>
-            <a:ext cx="6615983" cy="4961987"/>
-          </a:xfrm>
-          <a:prstGeom prst="rect">
-            <a:avLst/>
-          </a:prstGeom>
-        </p:spPr>
-      </p:pic>
-      <p:pic>
-        <p:nvPicPr>
-          <p:cNvPr id="6" name="Grafik 5">
-            <a:extLst>
-              <a:ext uri="{FF2B5EF4-FFF2-40B4-BE49-F238E27FC236}">
-                <a16:creationId xmlns:a16="http://schemas.microsoft.com/office/drawing/2014/main" id="{65CC6C71-9470-458C-B5F9-CF66DB3204B2}"/>
-              </a:ext>
-            </a:extLst>
-          </p:cNvPr>
-          <p:cNvPicPr>
-            <a:picLocks noChangeAspect="1"/>
-          </p:cNvPicPr>
-          <p:nvPr/>
-        </p:nvPicPr>
-        <p:blipFill>
-          <a:blip r:embed="rId3"/>
-          <a:stretch>
-            <a:fillRect/>
-          </a:stretch>
-        </p:blipFill>
-        <p:spPr>
-          <a:xfrm>
-            <a:off x="1093167" y="1131298"/>
-            <a:ext cx="3181350" cy="952500"/>
-          </a:xfrm>
-          <a:prstGeom prst="roundRect">
-            <a:avLst>
-              <a:gd name="adj" fmla="val 8594"/>
-            </a:avLst>
-          </a:prstGeom>
-          <a:solidFill>
-            <a:srgbClr val="FFFFFF">
-              <a:shade val="85000"/>
-            </a:srgbClr>
-          </a:solidFill>
-          <a:ln>
-            <a:noFill/>
-          </a:ln>
-          <a:effectLst>
-            <a:reflection blurRad="12700" stA="38000" endPos="28000" dist="5000" dir="5400000" sy="-100000" algn="bl" rotWithShape="0"/>
-          </a:effectLst>
-        </p:spPr>
-      </p:pic>
-      <p:pic>
-        <p:nvPicPr>
-          <p:cNvPr id="8" name="Grafik 7">
-            <a:extLst>
-              <a:ext uri="{FF2B5EF4-FFF2-40B4-BE49-F238E27FC236}">
-                <a16:creationId xmlns:a16="http://schemas.microsoft.com/office/drawing/2014/main" id="{71CC943F-D564-4934-8317-63388ADD76FF}"/>
-              </a:ext>
-            </a:extLst>
-          </p:cNvPr>
-          <p:cNvPicPr>
-            <a:picLocks noChangeAspect="1"/>
-          </p:cNvPicPr>
-          <p:nvPr/>
-        </p:nvPicPr>
-        <p:blipFill>
-          <a:blip r:embed="rId4">
-            <a:extLst>
-              <a:ext uri="{BEBA8EAE-BF5A-486C-A8C5-ECC9F3942E4B}">
-                <a14:imgProps xmlns:a14="http://schemas.microsoft.com/office/drawing/2010/main">
-                  <a14:imgLayer r:embed="rId5">
-                    <a14:imgEffect>
-                      <a14:saturation sat="33000"/>
-                    </a14:imgEffect>
-                  </a14:imgLayer>
-                </a14:imgProps>
-              </a:ext>
-            </a:extLst>
-          </a:blip>
-          <a:stretch>
-            <a:fillRect/>
-          </a:stretch>
-        </p:blipFill>
-        <p:spPr>
-          <a:xfrm>
-            <a:off x="932857" y="2737930"/>
-            <a:ext cx="3488671" cy="3333750"/>
-          </a:xfrm>
-          <a:prstGeom prst="rect">
-            <a:avLst/>
-          </a:prstGeom>
-          <a:solidFill>
-            <a:srgbClr val="FFFFFF">
-              <a:shade val="85000"/>
-            </a:srgbClr>
-          </a:solidFill>
-          <a:ln w="190500" cap="sq">
-            <a:solidFill>
-              <a:srgbClr val="FFFFFF"/>
-            </a:solidFill>
-            <a:miter lim="800000"/>
-          </a:ln>
-          <a:effectLst>
-            <a:outerShdw blurRad="65000" dist="50800" dir="12900000" kx="195000" ky="145000" algn="tl" rotWithShape="0">
-              <a:srgbClr val="000000">
-                <a:alpha val="30000"/>
-              </a:srgbClr>
-            </a:outerShdw>
-          </a:effectLst>
-          <a:scene3d>
-            <a:camera prst="orthographicFront">
-              <a:rot lat="0" lon="0" rev="360000"/>
-            </a:camera>
-            <a:lightRig rig="twoPt" dir="t">
-              <a:rot lat="0" lon="0" rev="7200000"/>
-            </a:lightRig>
-          </a:scene3d>
-          <a:sp3d contourW="12700">
-            <a:bevelT w="25400" h="19050"/>
-            <a:contourClr>
-              <a:srgbClr val="969696"/>
-            </a:contourClr>
-          </a:sp3d>
-        </p:spPr>
-      </p:pic>
-      <p:sp>
-        <p:nvSpPr>
-          <p:cNvPr id="3" name="Textfeld 2">
-            <a:extLst>
-              <a:ext uri="{FF2B5EF4-FFF2-40B4-BE49-F238E27FC236}">
-                <a16:creationId xmlns:a16="http://schemas.microsoft.com/office/drawing/2014/main" id="{EAD285E0-CBC3-4B88-BFEB-33A56EE4181E}"/>
-              </a:ext>
-            </a:extLst>
-          </p:cNvPr>
-          <p:cNvSpPr txBox="1"/>
-          <p:nvPr/>
-        </p:nvSpPr>
-        <p:spPr>
-          <a:xfrm>
-            <a:off x="2929555" y="300561"/>
-            <a:ext cx="2369303" cy="369332"/>
-          </a:xfrm>
-          <a:prstGeom prst="rect">
-            <a:avLst/>
-          </a:prstGeom>
-          <a:noFill/>
-        </p:spPr>
-        <p:txBody>
-          <a:bodyPr wrap="none" rtlCol="0">
-            <a:spAutoFit/>
-          </a:bodyPr>
-          <a:lstStyle/>
-          <a:p>
-            <a:r>
-              <a:rPr lang="de-DE" dirty="0"/>
-              <a:t>Verfeinerter Zielrahmen</a:t>
-            </a:r>
-          </a:p>
-        </p:txBody>
-      </p:sp>
-    </p:spTree>
-    <p:extLst>
-      <p:ext uri="{BB962C8B-B14F-4D97-AF65-F5344CB8AC3E}">
-        <p14:creationId xmlns:p14="http://schemas.microsoft.com/office/powerpoint/2010/main" val="2733980996"/>
-      </p:ext>
-    </p:extLst>
-  </p:cSld>
-  <p:clrMapOvr>
-    <a:masterClrMapping/>
-  </p:clrMapOvr>
-</p:sld>
-</file>
-
-<file path=ppt/slides/slide22.xml><?xml version="1.0" encoding="utf-8"?>
-<p:sld xmlns:a="http://schemas.openxmlformats.org/drawingml/2006/main" xmlns:r="http://schemas.openxmlformats.org/officeDocument/2006/relationships" xmlns:p="http://schemas.openxmlformats.org/presentationml/2006/main" show="0">
-  <p:cSld>
-    <p:spTree>
-      <p:nvGrpSpPr>
-        <p:cNvPr id="1" name=""/>
-        <p:cNvGrpSpPr/>
-        <p:nvPr/>
-      </p:nvGrpSpPr>
-      <p:grpSpPr>
-        <a:xfrm>
-          <a:off x="0" y="0"/>
-          <a:ext cx="0" cy="0"/>
-          <a:chOff x="0" y="0"/>
-          <a:chExt cx="0" cy="0"/>
-        </a:xfrm>
-      </p:grpSpPr>
-      <p:sp>
-        <p:nvSpPr>
-          <p:cNvPr id="2" name="Textfeld 1">
-            <a:extLst>
-              <a:ext uri="{FF2B5EF4-FFF2-40B4-BE49-F238E27FC236}">
-                <a16:creationId xmlns:a16="http://schemas.microsoft.com/office/drawing/2014/main" id="{91CF4895-9E43-4451-AD30-62BB9C62C0DB}"/>
-              </a:ext>
-            </a:extLst>
-          </p:cNvPr>
-          <p:cNvSpPr txBox="1"/>
-          <p:nvPr/>
-        </p:nvSpPr>
-        <p:spPr>
-          <a:xfrm>
-            <a:off x="685800" y="795528"/>
-            <a:ext cx="184731" cy="369332"/>
-          </a:xfrm>
-          <a:prstGeom prst="rect">
-            <a:avLst/>
-          </a:prstGeom>
-          <a:noFill/>
-        </p:spPr>
-        <p:txBody>
-          <a:bodyPr wrap="none" rtlCol="0">
-            <a:spAutoFit/>
-          </a:bodyPr>
-          <a:lstStyle/>
-          <a:p>
-            <a:endParaRPr lang="de-DE" dirty="0"/>
-          </a:p>
-        </p:txBody>
-      </p:sp>
-      <p:sp>
-        <p:nvSpPr>
-          <p:cNvPr id="8" name="Textfeld 7">
-            <a:extLst>
-              <a:ext uri="{FF2B5EF4-FFF2-40B4-BE49-F238E27FC236}">
-                <a16:creationId xmlns:a16="http://schemas.microsoft.com/office/drawing/2014/main" id="{2F19C88A-07F7-4F3D-B848-47DCC38A9975}"/>
-              </a:ext>
-            </a:extLst>
-          </p:cNvPr>
-          <p:cNvSpPr txBox="1"/>
-          <p:nvPr/>
-        </p:nvSpPr>
-        <p:spPr>
-          <a:xfrm>
-            <a:off x="8054623" y="860931"/>
-            <a:ext cx="2274003" cy="923330"/>
-          </a:xfrm>
-          <a:prstGeom prst="rect">
-            <a:avLst/>
-          </a:prstGeom>
-          <a:noFill/>
-        </p:spPr>
-        <p:txBody>
-          <a:bodyPr wrap="square">
-            <a:spAutoFit/>
-          </a:bodyPr>
-          <a:lstStyle/>
-          <a:p>
-            <a:r>
-              <a:rPr lang="de-DE" sz="3600" dirty="0" err="1"/>
-              <a:t>Flügeltang</a:t>
-            </a:r>
-            <a:endParaRPr lang="de-DE" sz="3600" dirty="0"/>
-          </a:p>
-          <a:p>
-            <a:r>
-              <a:rPr lang="de-DE" sz="1800" dirty="0">
-                <a:effectLst/>
-                <a:latin typeface="Calibri" panose="020F0502020204030204" pitchFamily="34" charset="0"/>
-                <a:ea typeface="Calibri" panose="020F0502020204030204" pitchFamily="34" charset="0"/>
-                <a:cs typeface="Times New Roman" panose="02020603050405020304" pitchFamily="18" charset="0"/>
-              </a:rPr>
-              <a:t>(</a:t>
-            </a:r>
-            <a:r>
-              <a:rPr lang="de-DE" sz="1800" i="1" dirty="0" err="1">
-                <a:effectLst/>
-                <a:latin typeface="Calibri" panose="020F0502020204030204" pitchFamily="34" charset="0"/>
-                <a:ea typeface="Calibri" panose="020F0502020204030204" pitchFamily="34" charset="0"/>
-                <a:cs typeface="Times New Roman" panose="02020603050405020304" pitchFamily="18" charset="0"/>
-              </a:rPr>
-              <a:t>Alaria</a:t>
-            </a:r>
-            <a:r>
-              <a:rPr lang="de-DE" sz="1800" i="1" dirty="0">
-                <a:effectLst/>
-                <a:latin typeface="Calibri" panose="020F0502020204030204" pitchFamily="34" charset="0"/>
-                <a:ea typeface="Calibri" panose="020F0502020204030204" pitchFamily="34" charset="0"/>
-                <a:cs typeface="Times New Roman" panose="02020603050405020304" pitchFamily="18" charset="0"/>
-              </a:rPr>
-              <a:t> </a:t>
-            </a:r>
-            <a:r>
-              <a:rPr lang="de-DE" sz="1800" i="1" dirty="0" err="1">
-                <a:effectLst/>
-                <a:latin typeface="Calibri" panose="020F0502020204030204" pitchFamily="34" charset="0"/>
-                <a:ea typeface="Calibri" panose="020F0502020204030204" pitchFamily="34" charset="0"/>
-                <a:cs typeface="Times New Roman" panose="02020603050405020304" pitchFamily="18" charset="0"/>
-              </a:rPr>
-              <a:t>esculenta</a:t>
-            </a:r>
-            <a:r>
-              <a:rPr lang="de-DE" sz="1800" dirty="0">
-                <a:effectLst/>
-                <a:latin typeface="Calibri" panose="020F0502020204030204" pitchFamily="34" charset="0"/>
-                <a:ea typeface="Calibri" panose="020F0502020204030204" pitchFamily="34" charset="0"/>
-                <a:cs typeface="Times New Roman" panose="02020603050405020304" pitchFamily="18" charset="0"/>
-              </a:rPr>
-              <a:t>)</a:t>
-            </a:r>
-            <a:endParaRPr lang="de-DE" sz="3600" dirty="0"/>
-          </a:p>
-        </p:txBody>
-      </p:sp>
-      <p:sp>
-        <p:nvSpPr>
-          <p:cNvPr id="12" name="Textfeld 11">
-            <a:extLst>
-              <a:ext uri="{FF2B5EF4-FFF2-40B4-BE49-F238E27FC236}">
-                <a16:creationId xmlns:a16="http://schemas.microsoft.com/office/drawing/2014/main" id="{B4803796-90B2-4875-835B-CE7D321C5928}"/>
-              </a:ext>
-            </a:extLst>
-          </p:cNvPr>
-          <p:cNvSpPr txBox="1"/>
-          <p:nvPr/>
-        </p:nvSpPr>
-        <p:spPr>
-          <a:xfrm>
-            <a:off x="1297902" y="795528"/>
-            <a:ext cx="3051633" cy="923330"/>
-          </a:xfrm>
-          <a:prstGeom prst="rect">
-            <a:avLst/>
-          </a:prstGeom>
-          <a:noFill/>
-        </p:spPr>
-        <p:txBody>
-          <a:bodyPr wrap="square">
-            <a:spAutoFit/>
-          </a:bodyPr>
-          <a:lstStyle/>
-          <a:p>
-            <a:r>
-              <a:rPr lang="de-DE" sz="3600" dirty="0" err="1"/>
-              <a:t>Zuckertang</a:t>
-            </a:r>
-            <a:endParaRPr lang="de-DE" sz="3600" dirty="0"/>
-          </a:p>
-          <a:p>
-            <a:r>
-              <a:rPr lang="de-DE" sz="1800" dirty="0">
-                <a:effectLst/>
-                <a:latin typeface="Calibri" panose="020F0502020204030204" pitchFamily="34" charset="0"/>
-                <a:ea typeface="Calibri" panose="020F0502020204030204" pitchFamily="34" charset="0"/>
-                <a:cs typeface="Times New Roman" panose="02020603050405020304" pitchFamily="18" charset="0"/>
-              </a:rPr>
-              <a:t>(</a:t>
-            </a:r>
-            <a:r>
-              <a:rPr lang="de-DE" sz="1800" i="1" dirty="0" err="1">
-                <a:effectLst/>
-                <a:latin typeface="Calibri" panose="020F0502020204030204" pitchFamily="34" charset="0"/>
-                <a:ea typeface="Calibri" panose="020F0502020204030204" pitchFamily="34" charset="0"/>
-                <a:cs typeface="Times New Roman" panose="02020603050405020304" pitchFamily="18" charset="0"/>
-              </a:rPr>
-              <a:t>Saccharina</a:t>
-            </a:r>
-            <a:r>
-              <a:rPr lang="de-DE" sz="1800" i="1" dirty="0">
-                <a:effectLst/>
-                <a:latin typeface="Calibri" panose="020F0502020204030204" pitchFamily="34" charset="0"/>
-                <a:ea typeface="Calibri" panose="020F0502020204030204" pitchFamily="34" charset="0"/>
-                <a:cs typeface="Times New Roman" panose="02020603050405020304" pitchFamily="18" charset="0"/>
-              </a:rPr>
-              <a:t> </a:t>
-            </a:r>
-            <a:r>
-              <a:rPr lang="de-DE" sz="1800" i="1" dirty="0" err="1">
-                <a:effectLst/>
-                <a:latin typeface="Calibri" panose="020F0502020204030204" pitchFamily="34" charset="0"/>
-                <a:ea typeface="Calibri" panose="020F0502020204030204" pitchFamily="34" charset="0"/>
-                <a:cs typeface="Times New Roman" panose="02020603050405020304" pitchFamily="18" charset="0"/>
-              </a:rPr>
-              <a:t>latissima</a:t>
-            </a:r>
-            <a:r>
-              <a:rPr lang="de-DE" sz="1800" dirty="0">
-                <a:effectLst/>
-                <a:latin typeface="Calibri" panose="020F0502020204030204" pitchFamily="34" charset="0"/>
-                <a:ea typeface="Calibri" panose="020F0502020204030204" pitchFamily="34" charset="0"/>
-                <a:cs typeface="Times New Roman" panose="02020603050405020304" pitchFamily="18" charset="0"/>
-              </a:rPr>
-              <a:t>) </a:t>
-            </a:r>
-            <a:endParaRPr lang="de-DE" sz="3600" dirty="0"/>
-          </a:p>
-        </p:txBody>
-      </p:sp>
-      <p:pic>
-        <p:nvPicPr>
-          <p:cNvPr id="4" name="Grafik 3">
-            <a:extLst>
-              <a:ext uri="{FF2B5EF4-FFF2-40B4-BE49-F238E27FC236}">
-                <a16:creationId xmlns:a16="http://schemas.microsoft.com/office/drawing/2014/main" id="{683FC059-36E7-4129-8577-C885E4CF3A80}"/>
-              </a:ext>
-            </a:extLst>
-          </p:cNvPr>
-          <p:cNvPicPr>
-            <a:picLocks noChangeAspect="1"/>
-          </p:cNvPicPr>
-          <p:nvPr/>
-        </p:nvPicPr>
-        <p:blipFill>
-          <a:blip r:embed="rId2"/>
-          <a:stretch>
-            <a:fillRect/>
-          </a:stretch>
-        </p:blipFill>
-        <p:spPr>
-          <a:xfrm>
-            <a:off x="976557" y="2082842"/>
-            <a:ext cx="3376612" cy="3722645"/>
-          </a:xfrm>
-          <a:prstGeom prst="roundRect">
-            <a:avLst>
-              <a:gd name="adj" fmla="val 8594"/>
-            </a:avLst>
-          </a:prstGeom>
-          <a:solidFill>
-            <a:srgbClr val="FFFFFF">
-              <a:shade val="85000"/>
-            </a:srgbClr>
-          </a:solidFill>
-          <a:ln>
-            <a:noFill/>
-          </a:ln>
-          <a:effectLst>
-            <a:reflection blurRad="12700" stA="38000" endPos="28000" dist="5000" dir="5400000" sy="-100000" algn="bl" rotWithShape="0"/>
-          </a:effectLst>
-        </p:spPr>
-      </p:pic>
-      <p:pic>
-        <p:nvPicPr>
-          <p:cNvPr id="5" name="Grafik 4">
-            <a:extLst>
-              <a:ext uri="{FF2B5EF4-FFF2-40B4-BE49-F238E27FC236}">
-                <a16:creationId xmlns:a16="http://schemas.microsoft.com/office/drawing/2014/main" id="{244E6A4A-8455-43C7-A46C-4F3A480DA439}"/>
-              </a:ext>
-            </a:extLst>
-          </p:cNvPr>
-          <p:cNvPicPr>
-            <a:picLocks noChangeAspect="1"/>
-          </p:cNvPicPr>
-          <p:nvPr/>
-        </p:nvPicPr>
-        <p:blipFill>
-          <a:blip r:embed="rId3"/>
-          <a:stretch>
-            <a:fillRect/>
-          </a:stretch>
-        </p:blipFill>
-        <p:spPr>
-          <a:xfrm>
-            <a:off x="7458075" y="2534464"/>
-            <a:ext cx="3467100" cy="2819400"/>
-          </a:xfrm>
-          <a:prstGeom prst="roundRect">
-            <a:avLst>
-              <a:gd name="adj" fmla="val 8594"/>
-            </a:avLst>
-          </a:prstGeom>
-          <a:solidFill>
-            <a:srgbClr val="FFFFFF">
-              <a:shade val="85000"/>
-            </a:srgbClr>
-          </a:solidFill>
-          <a:ln>
-            <a:noFill/>
-          </a:ln>
-          <a:effectLst>
-            <a:reflection blurRad="12700" stA="38000" endPos="28000" dist="5000" dir="5400000" sy="-100000" algn="bl" rotWithShape="0"/>
-          </a:effectLst>
-        </p:spPr>
-      </p:pic>
-      <p:cxnSp>
-        <p:nvCxnSpPr>
-          <p:cNvPr id="7" name="Gerader Verbinder 6">
-            <a:extLst>
-              <a:ext uri="{FF2B5EF4-FFF2-40B4-BE49-F238E27FC236}">
-                <a16:creationId xmlns:a16="http://schemas.microsoft.com/office/drawing/2014/main" id="{F7A41CD5-48C2-42DC-9C74-019A4FE8DA4A}"/>
-              </a:ext>
-            </a:extLst>
-          </p:cNvPr>
-          <p:cNvCxnSpPr>
-            <a:cxnSpLocks/>
-          </p:cNvCxnSpPr>
-          <p:nvPr/>
-        </p:nvCxnSpPr>
-        <p:spPr>
-          <a:xfrm>
-            <a:off x="5783956" y="1164860"/>
-            <a:ext cx="0" cy="4720125"/>
-          </a:xfrm>
-          <a:prstGeom prst="line">
-            <a:avLst/>
-          </a:prstGeom>
-          <a:ln>
-            <a:solidFill>
-              <a:srgbClr val="C17F63"/>
-            </a:solidFill>
-          </a:ln>
-        </p:spPr>
-        <p:style>
-          <a:lnRef idx="1">
-            <a:schemeClr val="accent1"/>
-          </a:lnRef>
-          <a:fillRef idx="0">
-            <a:schemeClr val="accent1"/>
-          </a:fillRef>
-          <a:effectRef idx="0">
-            <a:schemeClr val="accent1"/>
-          </a:effectRef>
-          <a:fontRef idx="minor">
-            <a:schemeClr val="tx1"/>
-          </a:fontRef>
-        </p:style>
-      </p:cxnSp>
-      <p:sp>
-        <p:nvSpPr>
-          <p:cNvPr id="3" name="Textfeld 2">
-            <a:extLst>
-              <a:ext uri="{FF2B5EF4-FFF2-40B4-BE49-F238E27FC236}">
-                <a16:creationId xmlns:a16="http://schemas.microsoft.com/office/drawing/2014/main" id="{E4A0E5EC-2943-4DC3-AB67-97299BD0EFF4}"/>
-              </a:ext>
-            </a:extLst>
-          </p:cNvPr>
-          <p:cNvSpPr txBox="1"/>
-          <p:nvPr/>
-        </p:nvSpPr>
-        <p:spPr>
-          <a:xfrm>
-            <a:off x="2743200" y="358588"/>
-            <a:ext cx="2015232" cy="369332"/>
-          </a:xfrm>
-          <a:prstGeom prst="rect">
-            <a:avLst/>
-          </a:prstGeom>
-          <a:noFill/>
-        </p:spPr>
-        <p:txBody>
-          <a:bodyPr wrap="none" rtlCol="0">
-            <a:spAutoFit/>
-          </a:bodyPr>
-          <a:lstStyle/>
-          <a:p>
-            <a:r>
-              <a:rPr lang="de-DE" dirty="0"/>
-              <a:t>Was bauen wir an?</a:t>
-            </a:r>
-          </a:p>
-        </p:txBody>
-      </p:sp>
-      <p:sp>
-        <p:nvSpPr>
-          <p:cNvPr id="6" name="Textfeld 5">
-            <a:extLst>
-              <a:ext uri="{FF2B5EF4-FFF2-40B4-BE49-F238E27FC236}">
-                <a16:creationId xmlns:a16="http://schemas.microsoft.com/office/drawing/2014/main" id="{98DA89ED-6C5E-4531-981F-0FAF0A0C6F55}"/>
-              </a:ext>
-            </a:extLst>
-          </p:cNvPr>
-          <p:cNvSpPr txBox="1"/>
-          <p:nvPr/>
-        </p:nvSpPr>
-        <p:spPr>
-          <a:xfrm>
-            <a:off x="4758432" y="269458"/>
-            <a:ext cx="1922514" cy="369332"/>
-          </a:xfrm>
-          <a:prstGeom prst="rect">
-            <a:avLst/>
-          </a:prstGeom>
-          <a:noFill/>
-        </p:spPr>
-        <p:txBody>
-          <a:bodyPr wrap="none" rtlCol="0">
-            <a:spAutoFit/>
-          </a:bodyPr>
-          <a:lstStyle/>
-          <a:p>
-            <a:r>
-              <a:rPr lang="de-DE" dirty="0"/>
-              <a:t>(Unser Zielprodukt)</a:t>
-            </a:r>
-          </a:p>
-        </p:txBody>
-      </p:sp>
-    </p:spTree>
-    <p:extLst>
-      <p:ext uri="{BB962C8B-B14F-4D97-AF65-F5344CB8AC3E}">
-        <p14:creationId xmlns:p14="http://schemas.microsoft.com/office/powerpoint/2010/main" val="1052160411"/>
       </p:ext>
     </p:extLst>
   </p:cSld>

--- a/Meilenstein 2/Präsentation/Präsentation MS2.pptx
+++ b/Meilenstein 2/Präsentation/Präsentation MS2.pptx
@@ -15,12 +15,12 @@
     <p:sldId id="283" r:id="rId6"/>
     <p:sldId id="293" r:id="rId7"/>
     <p:sldId id="294" r:id="rId8"/>
-    <p:sldId id="274" r:id="rId9"/>
-    <p:sldId id="295" r:id="rId10"/>
+    <p:sldId id="295" r:id="rId9"/>
+    <p:sldId id="274" r:id="rId10"/>
     <p:sldId id="288" r:id="rId11"/>
     <p:sldId id="291" r:id="rId12"/>
-    <p:sldId id="290" r:id="rId13"/>
-    <p:sldId id="289" r:id="rId14"/>
+    <p:sldId id="298" r:id="rId13"/>
+    <p:sldId id="296" r:id="rId14"/>
     <p:sldId id="285" r:id="rId15"/>
     <p:sldId id="284" r:id="rId16"/>
     <p:sldId id="287" r:id="rId17"/>
@@ -215,7 +215,7 @@
           <a:p>
             <a:fld id="{6388D3DC-C3A5-4BB0-A509-7EA8E98E9A54}" type="datetimeFigureOut">
               <a:rPr lang="de-DE" smtClean="0"/>
-              <a:t>07.12.2020</a:t>
+              <a:t>08.12.2020</a:t>
             </a:fld>
             <a:endParaRPr lang="de-DE"/>
           </a:p>
@@ -634,7 +634,7 @@
           <a:p>
             <a:fld id="{052FE770-E0D2-4419-A252-3771C9401F80}" type="datetimeFigureOut">
               <a:rPr lang="de-DE" smtClean="0"/>
-              <a:t>07.12.2020</a:t>
+              <a:t>08.12.2020</a:t>
             </a:fld>
             <a:endParaRPr lang="de-DE"/>
           </a:p>
@@ -877,7 +877,7 @@
           <a:p>
             <a:fld id="{052FE770-E0D2-4419-A252-3771C9401F80}" type="datetimeFigureOut">
               <a:rPr lang="de-DE" smtClean="0"/>
-              <a:t>07.12.2020</a:t>
+              <a:t>08.12.2020</a:t>
             </a:fld>
             <a:endParaRPr lang="de-DE"/>
           </a:p>
@@ -1057,7 +1057,7 @@
           <a:p>
             <a:fld id="{052FE770-E0D2-4419-A252-3771C9401F80}" type="datetimeFigureOut">
               <a:rPr lang="de-DE" smtClean="0"/>
-              <a:t>07.12.2020</a:t>
+              <a:t>08.12.2020</a:t>
             </a:fld>
             <a:endParaRPr lang="de-DE"/>
           </a:p>
@@ -1262,7 +1262,7 @@
           <a:p>
             <a:fld id="{052FE770-E0D2-4419-A252-3771C9401F80}" type="datetimeFigureOut">
               <a:rPr lang="de-DE" smtClean="0"/>
-              <a:t>07.12.2020</a:t>
+              <a:t>08.12.2020</a:t>
             </a:fld>
             <a:endParaRPr lang="de-DE"/>
           </a:p>
@@ -1519,7 +1519,7 @@
           <a:p>
             <a:fld id="{052FE770-E0D2-4419-A252-3771C9401F80}" type="datetimeFigureOut">
               <a:rPr lang="de-DE" smtClean="0"/>
-              <a:t>07.12.2020</a:t>
+              <a:t>08.12.2020</a:t>
             </a:fld>
             <a:endParaRPr lang="de-DE"/>
           </a:p>
@@ -1866,7 +1866,7 @@
           <a:p>
             <a:fld id="{052FE770-E0D2-4419-A252-3771C9401F80}" type="datetimeFigureOut">
               <a:rPr lang="de-DE" smtClean="0"/>
-              <a:t>07.12.2020</a:t>
+              <a:t>08.12.2020</a:t>
             </a:fld>
             <a:endParaRPr lang="de-DE"/>
           </a:p>
@@ -2268,7 +2268,7 @@
           <a:p>
             <a:fld id="{052FE770-E0D2-4419-A252-3771C9401F80}" type="datetimeFigureOut">
               <a:rPr lang="de-DE" smtClean="0"/>
-              <a:t>07.12.2020</a:t>
+              <a:t>08.12.2020</a:t>
             </a:fld>
             <a:endParaRPr lang="de-DE"/>
           </a:p>
@@ -2386,7 +2386,7 @@
           <a:p>
             <a:fld id="{052FE770-E0D2-4419-A252-3771C9401F80}" type="datetimeFigureOut">
               <a:rPr lang="de-DE" smtClean="0"/>
-              <a:t>07.12.2020</a:t>
+              <a:t>08.12.2020</a:t>
             </a:fld>
             <a:endParaRPr lang="de-DE"/>
           </a:p>
@@ -2481,7 +2481,7 @@
           <a:p>
             <a:fld id="{052FE770-E0D2-4419-A252-3771C9401F80}" type="datetimeFigureOut">
               <a:rPr lang="de-DE" smtClean="0"/>
-              <a:t>07.12.2020</a:t>
+              <a:t>08.12.2020</a:t>
             </a:fld>
             <a:endParaRPr lang="de-DE"/>
           </a:p>
@@ -2771,7 +2771,7 @@
           <a:p>
             <a:fld id="{052FE770-E0D2-4419-A252-3771C9401F80}" type="datetimeFigureOut">
               <a:rPr lang="de-DE" smtClean="0"/>
-              <a:t>07.12.2020</a:t>
+              <a:t>08.12.2020</a:t>
             </a:fld>
             <a:endParaRPr lang="de-DE"/>
           </a:p>
@@ -3051,7 +3051,7 @@
           <a:p>
             <a:fld id="{052FE770-E0D2-4419-A252-3771C9401F80}" type="datetimeFigureOut">
               <a:rPr lang="de-DE" smtClean="0"/>
-              <a:t>07.12.2020</a:t>
+              <a:t>08.12.2020</a:t>
             </a:fld>
             <a:endParaRPr lang="de-DE"/>
           </a:p>
@@ -3301,7 +3301,7 @@
           <a:p>
             <a:fld id="{052FE770-E0D2-4419-A252-3771C9401F80}" type="datetimeFigureOut">
               <a:rPr lang="de-DE" smtClean="0"/>
-              <a:t>07.12.2020</a:t>
+              <a:t>08.12.2020</a:t>
             </a:fld>
             <a:endParaRPr lang="de-DE"/>
           </a:p>
@@ -4150,7 +4150,7 @@
         <p:spPr>
           <a:xfrm>
             <a:off x="7042639" y="193430"/>
-            <a:ext cx="4721470" cy="4154984"/>
+            <a:ext cx="4615961" cy="4893647"/>
           </a:xfrm>
           <a:prstGeom prst="rect">
             <a:avLst/>
@@ -4232,7 +4232,13 @@
           <a:p>
             <a:r>
               <a:rPr lang="de-DE" sz="2400" dirty="0"/>
-              <a:t> </a:t>
+              <a:t> -  Gesetzliche Vorgaben einhalten    </a:t>
+            </a:r>
+          </a:p>
+          <a:p>
+            <a:r>
+              <a:rPr lang="de-DE" sz="2400" dirty="0"/>
+              <a:t>    (Lebensmittelgesetze,  	  	   	    	Umweltschutz)</a:t>
             </a:r>
           </a:p>
         </p:txBody>
@@ -4395,45 +4401,316 @@
       </p:grpSpPr>
       <p:sp>
         <p:nvSpPr>
-          <p:cNvPr id="2" name="Textfeld 1">
+          <p:cNvPr id="7" name="Inhaltsplatzhalter 2">
             <a:extLst>
               <a:ext uri="{FF2B5EF4-FFF2-40B4-BE49-F238E27FC236}">
-                <a16:creationId xmlns:a16="http://schemas.microsoft.com/office/drawing/2014/main" id="{D3211B05-7243-4EA5-9891-97FB775B4504}"/>
+                <a16:creationId xmlns:a16="http://schemas.microsoft.com/office/drawing/2014/main" id="{A58259CC-10AB-4BFB-BD4F-65461D9E5326}"/>
               </a:ext>
             </a:extLst>
           </p:cNvPr>
-          <p:cNvSpPr txBox="1"/>
+          <p:cNvSpPr txBox="1">
+            <a:spLocks/>
+          </p:cNvSpPr>
           <p:nvPr/>
         </p:nvSpPr>
         <p:spPr>
           <a:xfrm>
-            <a:off x="5794475" y="3244334"/>
-            <a:ext cx="603050" cy="369332"/>
+            <a:off x="709803" y="666750"/>
+            <a:ext cx="9720073" cy="4023360"/>
           </a:xfrm>
           <a:prstGeom prst="rect">
             <a:avLst/>
           </a:prstGeom>
-          <a:noFill/>
-        </p:spPr>
-        <p:txBody>
-          <a:bodyPr wrap="none" rtlCol="0">
-            <a:spAutoFit/>
-          </a:bodyPr>
-          <a:lstStyle/>
-          <a:p>
+        </p:spPr>
+        <p:txBody>
+          <a:bodyPr/>
+          <a:lstStyle>
+            <a:lvl1pPr marL="91440" indent="-91440" algn="l" defTabSz="914400" rtl="0" eaLnBrk="1" latinLnBrk="0" hangingPunct="1">
+              <a:lnSpc>
+                <a:spcPct val="90000"/>
+              </a:lnSpc>
+              <a:spcBef>
+                <a:spcPts val="1200"/>
+              </a:spcBef>
+              <a:spcAft>
+                <a:spcPts val="200"/>
+              </a:spcAft>
+              <a:buClr>
+                <a:schemeClr val="accent2"/>
+              </a:buClr>
+              <a:buSzPct val="100000"/>
+              <a:buFont typeface="Tw Cen MT" panose="020B0602020104020603" pitchFamily="34" charset="0"/>
+              <a:buChar char=" "/>
+              <a:defRPr sz="2200" kern="1200">
+                <a:solidFill>
+                  <a:schemeClr val="tx1"/>
+                </a:solidFill>
+                <a:latin typeface="+mn-lt"/>
+                <a:ea typeface="+mn-ea"/>
+                <a:cs typeface="+mn-cs"/>
+              </a:defRPr>
+            </a:lvl1pPr>
+            <a:lvl2pPr marL="265176" indent="-137160" algn="l" defTabSz="914400" rtl="0" eaLnBrk="1" latinLnBrk="0" hangingPunct="1">
+              <a:lnSpc>
+                <a:spcPct val="90000"/>
+              </a:lnSpc>
+              <a:spcBef>
+                <a:spcPts val="200"/>
+              </a:spcBef>
+              <a:spcAft>
+                <a:spcPts val="400"/>
+              </a:spcAft>
+              <a:buClr>
+                <a:schemeClr val="accent2"/>
+              </a:buClr>
+              <a:buFont typeface="Wingdings 3" pitchFamily="18" charset="2"/>
+              <a:buChar char=""/>
+              <a:defRPr sz="1800" kern="1200">
+                <a:solidFill>
+                  <a:schemeClr val="tx1"/>
+                </a:solidFill>
+                <a:latin typeface="+mn-lt"/>
+                <a:ea typeface="+mn-ea"/>
+                <a:cs typeface="+mn-cs"/>
+              </a:defRPr>
+            </a:lvl2pPr>
+            <a:lvl3pPr marL="448056" indent="-137160" algn="l" defTabSz="914400" rtl="0" eaLnBrk="1" latinLnBrk="0" hangingPunct="1">
+              <a:lnSpc>
+                <a:spcPct val="90000"/>
+              </a:lnSpc>
+              <a:spcBef>
+                <a:spcPts val="200"/>
+              </a:spcBef>
+              <a:spcAft>
+                <a:spcPts val="400"/>
+              </a:spcAft>
+              <a:buClr>
+                <a:schemeClr val="accent2"/>
+              </a:buClr>
+              <a:buFont typeface="Wingdings 3" pitchFamily="18" charset="2"/>
+              <a:buChar char=""/>
+              <a:defRPr sz="1400" kern="1200">
+                <a:solidFill>
+                  <a:schemeClr val="tx1"/>
+                </a:solidFill>
+                <a:latin typeface="+mn-lt"/>
+                <a:ea typeface="+mn-ea"/>
+                <a:cs typeface="+mn-cs"/>
+              </a:defRPr>
+            </a:lvl3pPr>
+            <a:lvl4pPr marL="594360" indent="-137160" algn="l" defTabSz="914400" rtl="0" eaLnBrk="1" latinLnBrk="0" hangingPunct="1">
+              <a:lnSpc>
+                <a:spcPct val="90000"/>
+              </a:lnSpc>
+              <a:spcBef>
+                <a:spcPts val="200"/>
+              </a:spcBef>
+              <a:spcAft>
+                <a:spcPts val="400"/>
+              </a:spcAft>
+              <a:buClr>
+                <a:schemeClr val="accent2"/>
+              </a:buClr>
+              <a:buFont typeface="Wingdings 3" pitchFamily="18" charset="2"/>
+              <a:buChar char=""/>
+              <a:defRPr sz="1400" kern="1200">
+                <a:solidFill>
+                  <a:schemeClr val="tx1"/>
+                </a:solidFill>
+                <a:latin typeface="+mn-lt"/>
+                <a:ea typeface="+mn-ea"/>
+                <a:cs typeface="+mn-cs"/>
+              </a:defRPr>
+            </a:lvl4pPr>
+            <a:lvl5pPr marL="777240" indent="-137160" algn="l" defTabSz="914400" rtl="0" eaLnBrk="1" latinLnBrk="0" hangingPunct="1">
+              <a:lnSpc>
+                <a:spcPct val="90000"/>
+              </a:lnSpc>
+              <a:spcBef>
+                <a:spcPts val="200"/>
+              </a:spcBef>
+              <a:spcAft>
+                <a:spcPts val="400"/>
+              </a:spcAft>
+              <a:buClr>
+                <a:schemeClr val="accent2"/>
+              </a:buClr>
+              <a:buFont typeface="Wingdings 3" pitchFamily="18" charset="2"/>
+              <a:buChar char=""/>
+              <a:defRPr sz="1400" kern="1200">
+                <a:solidFill>
+                  <a:schemeClr val="tx1"/>
+                </a:solidFill>
+                <a:latin typeface="+mn-lt"/>
+                <a:ea typeface="+mn-ea"/>
+                <a:cs typeface="+mn-cs"/>
+              </a:defRPr>
+            </a:lvl5pPr>
+            <a:lvl6pPr marL="914400" indent="-137160" algn="l" defTabSz="914400" rtl="0" eaLnBrk="1" latinLnBrk="0" hangingPunct="1">
+              <a:lnSpc>
+                <a:spcPct val="90000"/>
+              </a:lnSpc>
+              <a:spcBef>
+                <a:spcPts val="200"/>
+              </a:spcBef>
+              <a:spcAft>
+                <a:spcPts val="400"/>
+              </a:spcAft>
+              <a:buClr>
+                <a:schemeClr val="accent2"/>
+              </a:buClr>
+              <a:buFont typeface="Wingdings 3" pitchFamily="18" charset="2"/>
+              <a:buChar char=""/>
+              <a:defRPr sz="1400" kern="1200">
+                <a:solidFill>
+                  <a:schemeClr val="tx1"/>
+                </a:solidFill>
+                <a:latin typeface="+mn-lt"/>
+                <a:ea typeface="+mn-ea"/>
+                <a:cs typeface="+mn-cs"/>
+              </a:defRPr>
+            </a:lvl6pPr>
+            <a:lvl7pPr marL="1060704" indent="-137160" algn="l" defTabSz="914400" rtl="0" eaLnBrk="1" latinLnBrk="0" hangingPunct="1">
+              <a:lnSpc>
+                <a:spcPct val="90000"/>
+              </a:lnSpc>
+              <a:spcBef>
+                <a:spcPts val="200"/>
+              </a:spcBef>
+              <a:spcAft>
+                <a:spcPts val="400"/>
+              </a:spcAft>
+              <a:buClr>
+                <a:schemeClr val="accent2"/>
+              </a:buClr>
+              <a:buFont typeface="Wingdings 3" pitchFamily="18" charset="2"/>
+              <a:buChar char=""/>
+              <a:defRPr sz="1400" kern="1200">
+                <a:solidFill>
+                  <a:schemeClr val="tx1"/>
+                </a:solidFill>
+                <a:latin typeface="+mn-lt"/>
+                <a:ea typeface="+mn-ea"/>
+                <a:cs typeface="+mn-cs"/>
+              </a:defRPr>
+            </a:lvl7pPr>
+            <a:lvl8pPr marL="1216152" indent="-137160" algn="l" defTabSz="914400" rtl="0" eaLnBrk="1" latinLnBrk="0" hangingPunct="1">
+              <a:lnSpc>
+                <a:spcPct val="90000"/>
+              </a:lnSpc>
+              <a:spcBef>
+                <a:spcPts val="200"/>
+              </a:spcBef>
+              <a:spcAft>
+                <a:spcPts val="400"/>
+              </a:spcAft>
+              <a:buClr>
+                <a:schemeClr val="accent2"/>
+              </a:buClr>
+              <a:buFont typeface="Wingdings 3" pitchFamily="18" charset="2"/>
+              <a:buChar char=""/>
+              <a:defRPr sz="1400" kern="1200">
+                <a:solidFill>
+                  <a:schemeClr val="tx1"/>
+                </a:solidFill>
+                <a:latin typeface="+mn-lt"/>
+                <a:ea typeface="+mn-ea"/>
+                <a:cs typeface="+mn-cs"/>
+              </a:defRPr>
+            </a:lvl8pPr>
+            <a:lvl9pPr marL="1362456" indent="-137160" algn="l" defTabSz="914400" rtl="0" eaLnBrk="1" latinLnBrk="0" hangingPunct="1">
+              <a:lnSpc>
+                <a:spcPct val="90000"/>
+              </a:lnSpc>
+              <a:spcBef>
+                <a:spcPts val="200"/>
+              </a:spcBef>
+              <a:spcAft>
+                <a:spcPts val="400"/>
+              </a:spcAft>
+              <a:buClr>
+                <a:schemeClr val="accent2"/>
+              </a:buClr>
+              <a:buFont typeface="Wingdings 3" pitchFamily="18" charset="2"/>
+              <a:buChar char=""/>
+              <a:defRPr sz="1400" kern="1200">
+                <a:solidFill>
+                  <a:schemeClr val="tx1"/>
+                </a:solidFill>
+                <a:latin typeface="+mn-lt"/>
+                <a:ea typeface="+mn-ea"/>
+                <a:cs typeface="+mn-cs"/>
+              </a:defRPr>
+            </a:lvl9pPr>
+          </a:lstStyle>
+          <a:p>
+            <a:pPr marL="0" indent="0">
+              <a:buFont typeface="Tw Cen MT" panose="020B0602020104020603" pitchFamily="34" charset="0"/>
+              <a:buNone/>
+            </a:pPr>
             <a:r>
               <a:rPr lang="de-DE" dirty="0"/>
-              <a:t>QFD</a:t>
+              <a:t>Zusammenfassung:</a:t>
+            </a:r>
+          </a:p>
+          <a:p>
+            <a:pPr>
+              <a:buFontTx/>
+              <a:buChar char="-"/>
+            </a:pPr>
+            <a:r>
+              <a:rPr lang="de-DE" dirty="0"/>
+              <a:t>Alle technischen Eigenschaften sind wichtig! </a:t>
+            </a:r>
+          </a:p>
+          <a:p>
+            <a:pPr>
+              <a:buFontTx/>
+              <a:buChar char="-"/>
+            </a:pPr>
+            <a:r>
+              <a:rPr lang="de-DE" dirty="0"/>
+              <a:t>Kollisionsvermeidung wurde zuvor unterschätzt</a:t>
+            </a:r>
+          </a:p>
+          <a:p>
+            <a:pPr>
+              <a:buFontTx/>
+              <a:buChar char="-"/>
+            </a:pPr>
+            <a:r>
+              <a:rPr lang="de-DE" dirty="0"/>
+              <a:t>Kundenanforderungen im Vergleich zum Wettbewerb 3,7 von 5  </a:t>
+            </a:r>
+          </a:p>
+          <a:p>
+            <a:pPr>
+              <a:buFontTx/>
+              <a:buChar char="-"/>
+            </a:pPr>
+            <a:r>
+              <a:rPr lang="de-DE" dirty="0"/>
+              <a:t>Kaum Schnittmenge mit Konkurrenz</a:t>
+            </a:r>
+          </a:p>
+          <a:p>
+            <a:pPr>
+              <a:buFontTx/>
+              <a:buChar char="-"/>
+            </a:pPr>
+            <a:r>
+              <a:rPr lang="de-DE" dirty="0"/>
+              <a:t>Arbeiter sind besonders gut im Kundenwünsche erfüllen</a:t>
             </a:r>
           </a:p>
         </p:txBody>
       </p:sp>
       <p:pic>
         <p:nvPicPr>
-          <p:cNvPr id="4" name="Grafik 3">
+          <p:cNvPr id="8" name="Grafik 7">
             <a:extLst>
               <a:ext uri="{FF2B5EF4-FFF2-40B4-BE49-F238E27FC236}">
-                <a16:creationId xmlns:a16="http://schemas.microsoft.com/office/drawing/2014/main" id="{BCD8186F-0225-4428-BD5D-F6BCC0366B8E}"/>
+                <a16:creationId xmlns:a16="http://schemas.microsoft.com/office/drawing/2014/main" id="{96759417-6E7D-4060-A301-90F380035652}"/>
               </a:ext>
             </a:extLst>
           </p:cNvPr>
@@ -4443,12 +4720,42 @@
           <p:nvPr/>
         </p:nvPicPr>
         <p:blipFill>
-          <a:blip r:embed="rId2">
+          <a:blip r:embed="rId2"/>
+          <a:stretch>
+            <a:fillRect/>
+          </a:stretch>
+        </p:blipFill>
+        <p:spPr>
+          <a:xfrm>
+            <a:off x="7801554" y="2495549"/>
+            <a:ext cx="3818945" cy="3782001"/>
+          </a:xfrm>
+          <a:prstGeom prst="rect">
+            <a:avLst/>
+          </a:prstGeom>
+        </p:spPr>
+      </p:pic>
+      <p:pic>
+        <p:nvPicPr>
+          <p:cNvPr id="9" name="Grafik 8">
+            <a:extLst>
+              <a:ext uri="{FF2B5EF4-FFF2-40B4-BE49-F238E27FC236}">
+                <a16:creationId xmlns:a16="http://schemas.microsoft.com/office/drawing/2014/main" id="{180F029D-57EA-4EA7-8361-24F3B1030625}"/>
+              </a:ext>
+            </a:extLst>
+          </p:cNvPr>
+          <p:cNvPicPr>
+            <a:picLocks noChangeAspect="1"/>
+          </p:cNvPicPr>
+          <p:nvPr/>
+        </p:nvPicPr>
+        <p:blipFill>
+          <a:blip r:embed="rId3">
             <a:alphaModFix amt="95000"/>
             <a:extLst>
               <a:ext uri="{BEBA8EAE-BF5A-486C-A8C5-ECC9F3942E4B}">
                 <a14:imgProps xmlns:a14="http://schemas.microsoft.com/office/drawing/2010/main">
-                  <a14:imgLayer r:embed="rId3">
+                  <a14:imgLayer r:embed="rId4">
                     <a14:imgEffect>
                       <a14:sharpenSoften amount="25000"/>
                     </a14:imgEffect>
@@ -4474,7 +4781,7 @@
     </p:spTree>
     <p:extLst>
       <p:ext uri="{BB962C8B-B14F-4D97-AF65-F5344CB8AC3E}">
-        <p14:creationId xmlns:p14="http://schemas.microsoft.com/office/powerpoint/2010/main" val="1869568478"/>
+        <p14:creationId xmlns:p14="http://schemas.microsoft.com/office/powerpoint/2010/main" val="2813531971"/>
       </p:ext>
     </p:extLst>
   </p:cSld>
@@ -4511,7 +4818,7 @@
                                       <p:cBhvr>
                                         <p:cTn id="6" dur="500"/>
                                         <p:tgtEl>
-                                          <p:spTgt spid="4"/>
+                                          <p:spTgt spid="9"/>
                                         </p:tgtEl>
                                       </p:cBhvr>
                                     </p:animEffect>
@@ -4523,7 +4830,7 @@
                                           </p:stCondLst>
                                         </p:cTn>
                                         <p:tgtEl>
-                                          <p:spTgt spid="4"/>
+                                          <p:spTgt spid="9"/>
                                         </p:tgtEl>
                                         <p:attrNameLst>
                                           <p:attrName>style.visibility</p:attrName>
@@ -4570,6 +4877,14 @@
 <file path=ppt/slides/slide13.xml><?xml version="1.0" encoding="utf-8"?>
 <p:sld xmlns:a="http://schemas.openxmlformats.org/drawingml/2006/main" xmlns:r="http://schemas.openxmlformats.org/officeDocument/2006/relationships" xmlns:p="http://schemas.openxmlformats.org/presentationml/2006/main">
   <p:cSld>
+    <p:bg>
+      <p:bgPr>
+        <a:solidFill>
+          <a:srgbClr val="4960A6"/>
+        </a:solidFill>
+        <a:effectLst/>
+      </p:bgPr>
+    </p:bg>
     <p:spTree>
       <p:nvGrpSpPr>
         <p:cNvPr id="1" name=""/>
@@ -4586,45 +4901,449 @@
       </p:grpSpPr>
       <p:sp>
         <p:nvSpPr>
-          <p:cNvPr id="2" name="Textfeld 1">
+          <p:cNvPr id="22" name="Rectangle 21">
             <a:extLst>
               <a:ext uri="{FF2B5EF4-FFF2-40B4-BE49-F238E27FC236}">
-                <a16:creationId xmlns:a16="http://schemas.microsoft.com/office/drawing/2014/main" id="{7135CF50-9DB2-4326-B939-CB698082CBC3}"/>
+                <a16:creationId xmlns:a16="http://schemas.microsoft.com/office/drawing/2014/main" id="{44B3F5F5-166C-4694-B20A-3F8218AF7D03}"/>
+              </a:ext>
+              <a:ext uri="{C183D7F6-B498-43B3-948B-1728B52AA6E4}">
+                <adec:decorative xmlns:adec="http://schemas.microsoft.com/office/drawing/2017/decorative" val="1"/>
               </a:ext>
             </a:extLst>
           </p:cNvPr>
-          <p:cNvSpPr txBox="1"/>
-          <p:nvPr/>
-        </p:nvSpPr>
-        <p:spPr>
-          <a:xfrm>
-            <a:off x="5718845" y="3244334"/>
-            <a:ext cx="754309" cy="369332"/>
+          <p:cNvSpPr>
+            <a:spLocks noGrp="1" noRot="1" noChangeAspect="1" noMove="1" noResize="1" noEditPoints="1" noAdjustHandles="1" noChangeArrowheads="1" noChangeShapeType="1" noTextEdit="1"/>
+          </p:cNvSpPr>
+          <p:nvPr>
+            <p:extLst>
+              <p:ext uri="{386F3935-93C4-4BCD-93E2-E3B085C9AB24}">
+                <p16:designElem xmlns:p16="http://schemas.microsoft.com/office/powerpoint/2015/main" val="1"/>
+              </p:ext>
+            </p:extLst>
+          </p:nvPr>
+        </p:nvSpPr>
+        <p:spPr>
+          <a:xfrm>
+            <a:off x="0" y="0"/>
+            <a:ext cx="12192000" cy="6858000"/>
           </a:xfrm>
           <a:prstGeom prst="rect">
             <a:avLst/>
           </a:prstGeom>
-          <a:noFill/>
-        </p:spPr>
-        <p:txBody>
-          <a:bodyPr wrap="none" rtlCol="0">
-            <a:spAutoFit/>
-          </a:bodyPr>
+          <a:solidFill>
+            <a:schemeClr val="bg2"/>
+          </a:solidFill>
+          <a:ln>
+            <a:noFill/>
+          </a:ln>
+        </p:spPr>
+        <p:style>
+          <a:lnRef idx="2">
+            <a:schemeClr val="accent1">
+              <a:shade val="50000"/>
+            </a:schemeClr>
+          </a:lnRef>
+          <a:fillRef idx="1">
+            <a:schemeClr val="accent1"/>
+          </a:fillRef>
+          <a:effectRef idx="0">
+            <a:schemeClr val="accent1"/>
+          </a:effectRef>
+          <a:fontRef idx="minor">
+            <a:schemeClr val="lt1"/>
+          </a:fontRef>
+        </p:style>
+        <p:txBody>
+          <a:bodyPr rtlCol="0" anchor="ctr"/>
           <a:lstStyle/>
           <a:p>
+            <a:pPr algn="ctr"/>
+            <a:endParaRPr lang="en-US"/>
+          </a:p>
+        </p:txBody>
+      </p:sp>
+      <p:sp>
+        <p:nvSpPr>
+          <p:cNvPr id="24" name="Rectangle 23">
+            <a:extLst>
+              <a:ext uri="{FF2B5EF4-FFF2-40B4-BE49-F238E27FC236}">
+                <a16:creationId xmlns:a16="http://schemas.microsoft.com/office/drawing/2014/main" id="{9E67A204-FB90-4B26-B155-3FA8064AD2DF}"/>
+              </a:ext>
+              <a:ext uri="{C183D7F6-B498-43B3-948B-1728B52AA6E4}">
+                <adec:decorative xmlns:adec="http://schemas.microsoft.com/office/drawing/2017/decorative" val="1"/>
+              </a:ext>
+            </a:extLst>
+          </p:cNvPr>
+          <p:cNvSpPr>
+            <a:spLocks noGrp="1" noRot="1" noChangeAspect="1" noMove="1" noResize="1" noEditPoints="1" noAdjustHandles="1" noChangeArrowheads="1" noChangeShapeType="1" noTextEdit="1"/>
+          </p:cNvSpPr>
+          <p:nvPr>
+            <p:extLst>
+              <p:ext uri="{386F3935-93C4-4BCD-93E2-E3B085C9AB24}">
+                <p16:designElem xmlns:p16="http://schemas.microsoft.com/office/powerpoint/2015/main" val="1"/>
+              </p:ext>
+            </p:extLst>
+          </p:nvPr>
+        </p:nvSpPr>
+        <p:spPr>
+          <a:xfrm>
+            <a:off x="477012" y="480060"/>
+            <a:ext cx="11237976" cy="5897880"/>
+          </a:xfrm>
+          <a:prstGeom prst="rect">
+            <a:avLst/>
+          </a:prstGeom>
+          <a:solidFill>
+            <a:schemeClr val="bg1"/>
+          </a:solidFill>
+          <a:ln w="22225">
+            <a:solidFill>
+              <a:srgbClr val="C17F63"/>
+            </a:solidFill>
+          </a:ln>
+        </p:spPr>
+        <p:style>
+          <a:lnRef idx="2">
+            <a:schemeClr val="accent1">
+              <a:shade val="50000"/>
+            </a:schemeClr>
+          </a:lnRef>
+          <a:fillRef idx="1">
+            <a:schemeClr val="accent1"/>
+          </a:fillRef>
+          <a:effectRef idx="0">
+            <a:schemeClr val="accent1"/>
+          </a:effectRef>
+          <a:fontRef idx="minor">
+            <a:schemeClr val="lt1"/>
+          </a:fontRef>
+        </p:style>
+        <p:txBody>
+          <a:bodyPr rtlCol="0" anchor="ctr"/>
+          <a:lstStyle/>
+          <a:p>
+            <a:pPr algn="ctr"/>
+            <a:endParaRPr lang="en-US"/>
+          </a:p>
+        </p:txBody>
+      </p:sp>
+      <p:sp>
+        <p:nvSpPr>
+          <p:cNvPr id="5" name="Inhaltsplatzhalter 2">
+            <a:extLst>
+              <a:ext uri="{FF2B5EF4-FFF2-40B4-BE49-F238E27FC236}">
+                <a16:creationId xmlns:a16="http://schemas.microsoft.com/office/drawing/2014/main" id="{6EC36F4A-5527-4C0E-AC72-427FC8C033A7}"/>
+              </a:ext>
+            </a:extLst>
+          </p:cNvPr>
+          <p:cNvSpPr txBox="1">
+            <a:spLocks/>
+          </p:cNvSpPr>
+          <p:nvPr/>
+        </p:nvSpPr>
+        <p:spPr>
+          <a:xfrm>
+            <a:off x="1011428" y="3303258"/>
+            <a:ext cx="9720073" cy="4023360"/>
+          </a:xfrm>
+          <a:prstGeom prst="rect">
+            <a:avLst/>
+          </a:prstGeom>
+        </p:spPr>
+        <p:txBody>
+          <a:bodyPr/>
+          <a:lstStyle>
+            <a:lvl1pPr marL="91440" indent="-91440" algn="l" defTabSz="914400" rtl="0" eaLnBrk="1" latinLnBrk="0" hangingPunct="1">
+              <a:lnSpc>
+                <a:spcPct val="90000"/>
+              </a:lnSpc>
+              <a:spcBef>
+                <a:spcPts val="1200"/>
+              </a:spcBef>
+              <a:spcAft>
+                <a:spcPts val="200"/>
+              </a:spcAft>
+              <a:buClr>
+                <a:schemeClr val="accent2"/>
+              </a:buClr>
+              <a:buSzPct val="100000"/>
+              <a:buFont typeface="Tw Cen MT" panose="020B0602020104020603" pitchFamily="34" charset="0"/>
+              <a:buChar char=" "/>
+              <a:defRPr sz="2200" kern="1200">
+                <a:solidFill>
+                  <a:schemeClr val="tx1"/>
+                </a:solidFill>
+                <a:latin typeface="+mn-lt"/>
+                <a:ea typeface="+mn-ea"/>
+                <a:cs typeface="+mn-cs"/>
+              </a:defRPr>
+            </a:lvl1pPr>
+            <a:lvl2pPr marL="265176" indent="-137160" algn="l" defTabSz="914400" rtl="0" eaLnBrk="1" latinLnBrk="0" hangingPunct="1">
+              <a:lnSpc>
+                <a:spcPct val="90000"/>
+              </a:lnSpc>
+              <a:spcBef>
+                <a:spcPts val="200"/>
+              </a:spcBef>
+              <a:spcAft>
+                <a:spcPts val="400"/>
+              </a:spcAft>
+              <a:buClr>
+                <a:schemeClr val="accent2"/>
+              </a:buClr>
+              <a:buFont typeface="Wingdings 3" pitchFamily="18" charset="2"/>
+              <a:buChar char=""/>
+              <a:defRPr sz="1800" kern="1200">
+                <a:solidFill>
+                  <a:schemeClr val="tx1"/>
+                </a:solidFill>
+                <a:latin typeface="+mn-lt"/>
+                <a:ea typeface="+mn-ea"/>
+                <a:cs typeface="+mn-cs"/>
+              </a:defRPr>
+            </a:lvl2pPr>
+            <a:lvl3pPr marL="448056" indent="-137160" algn="l" defTabSz="914400" rtl="0" eaLnBrk="1" latinLnBrk="0" hangingPunct="1">
+              <a:lnSpc>
+                <a:spcPct val="90000"/>
+              </a:lnSpc>
+              <a:spcBef>
+                <a:spcPts val="200"/>
+              </a:spcBef>
+              <a:spcAft>
+                <a:spcPts val="400"/>
+              </a:spcAft>
+              <a:buClr>
+                <a:schemeClr val="accent2"/>
+              </a:buClr>
+              <a:buFont typeface="Wingdings 3" pitchFamily="18" charset="2"/>
+              <a:buChar char=""/>
+              <a:defRPr sz="1400" kern="1200">
+                <a:solidFill>
+                  <a:schemeClr val="tx1"/>
+                </a:solidFill>
+                <a:latin typeface="+mn-lt"/>
+                <a:ea typeface="+mn-ea"/>
+                <a:cs typeface="+mn-cs"/>
+              </a:defRPr>
+            </a:lvl3pPr>
+            <a:lvl4pPr marL="594360" indent="-137160" algn="l" defTabSz="914400" rtl="0" eaLnBrk="1" latinLnBrk="0" hangingPunct="1">
+              <a:lnSpc>
+                <a:spcPct val="90000"/>
+              </a:lnSpc>
+              <a:spcBef>
+                <a:spcPts val="200"/>
+              </a:spcBef>
+              <a:spcAft>
+                <a:spcPts val="400"/>
+              </a:spcAft>
+              <a:buClr>
+                <a:schemeClr val="accent2"/>
+              </a:buClr>
+              <a:buFont typeface="Wingdings 3" pitchFamily="18" charset="2"/>
+              <a:buChar char=""/>
+              <a:defRPr sz="1400" kern="1200">
+                <a:solidFill>
+                  <a:schemeClr val="tx1"/>
+                </a:solidFill>
+                <a:latin typeface="+mn-lt"/>
+                <a:ea typeface="+mn-ea"/>
+                <a:cs typeface="+mn-cs"/>
+              </a:defRPr>
+            </a:lvl4pPr>
+            <a:lvl5pPr marL="777240" indent="-137160" algn="l" defTabSz="914400" rtl="0" eaLnBrk="1" latinLnBrk="0" hangingPunct="1">
+              <a:lnSpc>
+                <a:spcPct val="90000"/>
+              </a:lnSpc>
+              <a:spcBef>
+                <a:spcPts val="200"/>
+              </a:spcBef>
+              <a:spcAft>
+                <a:spcPts val="400"/>
+              </a:spcAft>
+              <a:buClr>
+                <a:schemeClr val="accent2"/>
+              </a:buClr>
+              <a:buFont typeface="Wingdings 3" pitchFamily="18" charset="2"/>
+              <a:buChar char=""/>
+              <a:defRPr sz="1400" kern="1200">
+                <a:solidFill>
+                  <a:schemeClr val="tx1"/>
+                </a:solidFill>
+                <a:latin typeface="+mn-lt"/>
+                <a:ea typeface="+mn-ea"/>
+                <a:cs typeface="+mn-cs"/>
+              </a:defRPr>
+            </a:lvl5pPr>
+            <a:lvl6pPr marL="914400" indent="-137160" algn="l" defTabSz="914400" rtl="0" eaLnBrk="1" latinLnBrk="0" hangingPunct="1">
+              <a:lnSpc>
+                <a:spcPct val="90000"/>
+              </a:lnSpc>
+              <a:spcBef>
+                <a:spcPts val="200"/>
+              </a:spcBef>
+              <a:spcAft>
+                <a:spcPts val="400"/>
+              </a:spcAft>
+              <a:buClr>
+                <a:schemeClr val="accent2"/>
+              </a:buClr>
+              <a:buFont typeface="Wingdings 3" pitchFamily="18" charset="2"/>
+              <a:buChar char=""/>
+              <a:defRPr sz="1400" kern="1200">
+                <a:solidFill>
+                  <a:schemeClr val="tx1"/>
+                </a:solidFill>
+                <a:latin typeface="+mn-lt"/>
+                <a:ea typeface="+mn-ea"/>
+                <a:cs typeface="+mn-cs"/>
+              </a:defRPr>
+            </a:lvl6pPr>
+            <a:lvl7pPr marL="1060704" indent="-137160" algn="l" defTabSz="914400" rtl="0" eaLnBrk="1" latinLnBrk="0" hangingPunct="1">
+              <a:lnSpc>
+                <a:spcPct val="90000"/>
+              </a:lnSpc>
+              <a:spcBef>
+                <a:spcPts val="200"/>
+              </a:spcBef>
+              <a:spcAft>
+                <a:spcPts val="400"/>
+              </a:spcAft>
+              <a:buClr>
+                <a:schemeClr val="accent2"/>
+              </a:buClr>
+              <a:buFont typeface="Wingdings 3" pitchFamily="18" charset="2"/>
+              <a:buChar char=""/>
+              <a:defRPr sz="1400" kern="1200">
+                <a:solidFill>
+                  <a:schemeClr val="tx1"/>
+                </a:solidFill>
+                <a:latin typeface="+mn-lt"/>
+                <a:ea typeface="+mn-ea"/>
+                <a:cs typeface="+mn-cs"/>
+              </a:defRPr>
+            </a:lvl7pPr>
+            <a:lvl8pPr marL="1216152" indent="-137160" algn="l" defTabSz="914400" rtl="0" eaLnBrk="1" latinLnBrk="0" hangingPunct="1">
+              <a:lnSpc>
+                <a:spcPct val="90000"/>
+              </a:lnSpc>
+              <a:spcBef>
+                <a:spcPts val="200"/>
+              </a:spcBef>
+              <a:spcAft>
+                <a:spcPts val="400"/>
+              </a:spcAft>
+              <a:buClr>
+                <a:schemeClr val="accent2"/>
+              </a:buClr>
+              <a:buFont typeface="Wingdings 3" pitchFamily="18" charset="2"/>
+              <a:buChar char=""/>
+              <a:defRPr sz="1400" kern="1200">
+                <a:solidFill>
+                  <a:schemeClr val="tx1"/>
+                </a:solidFill>
+                <a:latin typeface="+mn-lt"/>
+                <a:ea typeface="+mn-ea"/>
+                <a:cs typeface="+mn-cs"/>
+              </a:defRPr>
+            </a:lvl8pPr>
+            <a:lvl9pPr marL="1362456" indent="-137160" algn="l" defTabSz="914400" rtl="0" eaLnBrk="1" latinLnBrk="0" hangingPunct="1">
+              <a:lnSpc>
+                <a:spcPct val="90000"/>
+              </a:lnSpc>
+              <a:spcBef>
+                <a:spcPts val="200"/>
+              </a:spcBef>
+              <a:spcAft>
+                <a:spcPts val="400"/>
+              </a:spcAft>
+              <a:buClr>
+                <a:schemeClr val="accent2"/>
+              </a:buClr>
+              <a:buFont typeface="Wingdings 3" pitchFamily="18" charset="2"/>
+              <a:buChar char=""/>
+              <a:defRPr sz="1400" kern="1200">
+                <a:solidFill>
+                  <a:schemeClr val="tx1"/>
+                </a:solidFill>
+                <a:latin typeface="+mn-lt"/>
+                <a:ea typeface="+mn-ea"/>
+                <a:cs typeface="+mn-cs"/>
+              </a:defRPr>
+            </a:lvl9pPr>
+          </a:lstStyle>
+          <a:p>
+            <a:pPr>
+              <a:buFontTx/>
+              <a:buChar char="-"/>
+            </a:pPr>
             <a:r>
               <a:rPr lang="de-DE" dirty="0"/>
-              <a:t>Patent</a:t>
-            </a:r>
+              <a:t> Anmeldeland: Deutschland (Europa) und China</a:t>
+            </a:r>
+          </a:p>
+          <a:p>
+            <a:pPr>
+              <a:buFontTx/>
+              <a:buChar char="-"/>
+            </a:pPr>
+            <a:r>
+              <a:rPr lang="de-DE" dirty="0"/>
+              <a:t> Kommunikation Unterwasser </a:t>
+            </a:r>
+          </a:p>
+          <a:p>
+            <a:pPr>
+              <a:buFontTx/>
+              <a:buChar char="-"/>
+            </a:pPr>
+            <a:r>
+              <a:rPr lang="de-DE" dirty="0"/>
+              <a:t> Viele Patente für Verarbeitungsprozesse nach der Ernte</a:t>
+            </a:r>
+          </a:p>
+          <a:p>
+            <a:pPr>
+              <a:buFontTx/>
+              <a:buChar char="-"/>
+            </a:pPr>
+            <a:r>
+              <a:rPr lang="de-DE" dirty="0"/>
+              <a:t> Kein Roboter </a:t>
+            </a:r>
+            <a:r>
+              <a:rPr lang="de-DE" dirty="0" err="1"/>
+              <a:t>Säh</a:t>
+            </a:r>
+            <a:r>
+              <a:rPr lang="de-DE" dirty="0"/>
+              <a:t>- oder Ernteverfahren patentiert</a:t>
+            </a:r>
+          </a:p>
+          <a:p>
+            <a:pPr>
+              <a:buFontTx/>
+              <a:buChar char="-"/>
+            </a:pPr>
+            <a:r>
+              <a:rPr lang="de-DE" dirty="0"/>
+              <a:t> Grün und Blaualgen vom Roboter bis zum Sammelverfahren patentiert</a:t>
+            </a:r>
+          </a:p>
+          <a:p>
+            <a:pPr>
+              <a:buFontTx/>
+              <a:buChar char="-"/>
+            </a:pPr>
+            <a:endParaRPr lang="de-DE" dirty="0"/>
           </a:p>
         </p:txBody>
       </p:sp>
       <p:pic>
         <p:nvPicPr>
-          <p:cNvPr id="4" name="Grafik 3">
+          <p:cNvPr id="6" name="Grafik 5">
             <a:extLst>
               <a:ext uri="{FF2B5EF4-FFF2-40B4-BE49-F238E27FC236}">
-                <a16:creationId xmlns:a16="http://schemas.microsoft.com/office/drawing/2014/main" id="{23DE7ED3-3E8F-488E-BA41-0FE07DD2F5DD}"/>
+                <a16:creationId xmlns:a16="http://schemas.microsoft.com/office/drawing/2014/main" id="{16D92467-017B-4596-90C8-2DFF8C5664BB}"/>
               </a:ext>
             </a:extLst>
           </p:cNvPr>
@@ -4634,12 +5353,42 @@
           <p:nvPr/>
         </p:nvPicPr>
         <p:blipFill>
-          <a:blip r:embed="rId2">
+          <a:blip r:embed="rId2"/>
+          <a:stretch>
+            <a:fillRect/>
+          </a:stretch>
+        </p:blipFill>
+        <p:spPr>
+          <a:xfrm>
+            <a:off x="6947390" y="602864"/>
+            <a:ext cx="4642124" cy="3448436"/>
+          </a:xfrm>
+          <a:prstGeom prst="rect">
+            <a:avLst/>
+          </a:prstGeom>
+        </p:spPr>
+      </p:pic>
+      <p:pic>
+        <p:nvPicPr>
+          <p:cNvPr id="4" name="Grafik 3">
+            <a:extLst>
+              <a:ext uri="{FF2B5EF4-FFF2-40B4-BE49-F238E27FC236}">
+                <a16:creationId xmlns:a16="http://schemas.microsoft.com/office/drawing/2014/main" id="{73126409-7586-4150-B51C-A3D26866E7E5}"/>
+              </a:ext>
+            </a:extLst>
+          </p:cNvPr>
+          <p:cNvPicPr>
+            <a:picLocks noChangeAspect="1"/>
+          </p:cNvPicPr>
+          <p:nvPr/>
+        </p:nvPicPr>
+        <p:blipFill>
+          <a:blip r:embed="rId3">
             <a:alphaModFix amt="95000"/>
             <a:extLst>
               <a:ext uri="{BEBA8EAE-BF5A-486C-A8C5-ECC9F3942E4B}">
                 <a14:imgProps xmlns:a14="http://schemas.microsoft.com/office/drawing/2010/main">
-                  <a14:imgLayer r:embed="rId3">
+                  <a14:imgLayer r:embed="rId4">
                     <a14:imgEffect>
                       <a14:sharpenSoften amount="25000"/>
                     </a14:imgEffect>
@@ -4665,7 +5414,7 @@
     </p:spTree>
     <p:extLst>
       <p:ext uri="{BB962C8B-B14F-4D97-AF65-F5344CB8AC3E}">
-        <p14:creationId xmlns:p14="http://schemas.microsoft.com/office/powerpoint/2010/main" val="3214145619"/>
+        <p14:creationId xmlns:p14="http://schemas.microsoft.com/office/powerpoint/2010/main" val="1653052141"/>
       </p:ext>
     </p:extLst>
   </p:cSld>
@@ -8659,6 +9408,364 @@
 <file path=ppt/slides/slide8.xml><?xml version="1.0" encoding="utf-8"?>
 <p:sld xmlns:a="http://schemas.openxmlformats.org/drawingml/2006/main" xmlns:r="http://schemas.openxmlformats.org/officeDocument/2006/relationships" xmlns:p="http://schemas.openxmlformats.org/presentationml/2006/main">
   <p:cSld>
+    <p:bg>
+      <p:bgPr>
+        <a:solidFill>
+          <a:srgbClr val="4960A6"/>
+        </a:solidFill>
+        <a:effectLst/>
+      </p:bgPr>
+    </p:bg>
+    <p:spTree>
+      <p:nvGrpSpPr>
+        <p:cNvPr id="1" name=""/>
+        <p:cNvGrpSpPr/>
+        <p:nvPr/>
+      </p:nvGrpSpPr>
+      <p:grpSpPr>
+        <a:xfrm>
+          <a:off x="0" y="0"/>
+          <a:ext cx="0" cy="0"/>
+          <a:chOff x="0" y="0"/>
+          <a:chExt cx="0" cy="0"/>
+        </a:xfrm>
+      </p:grpSpPr>
+      <p:sp>
+        <p:nvSpPr>
+          <p:cNvPr id="22" name="Rectangle 21">
+            <a:extLst>
+              <a:ext uri="{FF2B5EF4-FFF2-40B4-BE49-F238E27FC236}">
+                <a16:creationId xmlns:a16="http://schemas.microsoft.com/office/drawing/2014/main" id="{44B3F5F5-166C-4694-B20A-3F8218AF7D03}"/>
+              </a:ext>
+              <a:ext uri="{C183D7F6-B498-43B3-948B-1728B52AA6E4}">
+                <adec:decorative xmlns:adec="http://schemas.microsoft.com/office/drawing/2017/decorative" val="1"/>
+              </a:ext>
+            </a:extLst>
+          </p:cNvPr>
+          <p:cNvSpPr>
+            <a:spLocks noGrp="1" noRot="1" noChangeAspect="1" noMove="1" noResize="1" noEditPoints="1" noAdjustHandles="1" noChangeArrowheads="1" noChangeShapeType="1" noTextEdit="1"/>
+          </p:cNvSpPr>
+          <p:nvPr>
+            <p:extLst>
+              <p:ext uri="{386F3935-93C4-4BCD-93E2-E3B085C9AB24}">
+                <p16:designElem xmlns:p16="http://schemas.microsoft.com/office/powerpoint/2015/main" val="1"/>
+              </p:ext>
+            </p:extLst>
+          </p:nvPr>
+        </p:nvSpPr>
+        <p:spPr>
+          <a:xfrm>
+            <a:off x="0" y="0"/>
+            <a:ext cx="12192000" cy="6858000"/>
+          </a:xfrm>
+          <a:prstGeom prst="rect">
+            <a:avLst/>
+          </a:prstGeom>
+          <a:solidFill>
+            <a:schemeClr val="bg2"/>
+          </a:solidFill>
+          <a:ln>
+            <a:noFill/>
+          </a:ln>
+        </p:spPr>
+        <p:style>
+          <a:lnRef idx="2">
+            <a:schemeClr val="accent1">
+              <a:shade val="50000"/>
+            </a:schemeClr>
+          </a:lnRef>
+          <a:fillRef idx="1">
+            <a:schemeClr val="accent1"/>
+          </a:fillRef>
+          <a:effectRef idx="0">
+            <a:schemeClr val="accent1"/>
+          </a:effectRef>
+          <a:fontRef idx="minor">
+            <a:schemeClr val="lt1"/>
+          </a:fontRef>
+        </p:style>
+        <p:txBody>
+          <a:bodyPr rtlCol="0" anchor="ctr"/>
+          <a:lstStyle/>
+          <a:p>
+            <a:pPr algn="ctr"/>
+            <a:endParaRPr lang="en-US"/>
+          </a:p>
+        </p:txBody>
+      </p:sp>
+      <p:sp>
+        <p:nvSpPr>
+          <p:cNvPr id="24" name="Rectangle 23">
+            <a:extLst>
+              <a:ext uri="{FF2B5EF4-FFF2-40B4-BE49-F238E27FC236}">
+                <a16:creationId xmlns:a16="http://schemas.microsoft.com/office/drawing/2014/main" id="{9E67A204-FB90-4B26-B155-3FA8064AD2DF}"/>
+              </a:ext>
+              <a:ext uri="{C183D7F6-B498-43B3-948B-1728B52AA6E4}">
+                <adec:decorative xmlns:adec="http://schemas.microsoft.com/office/drawing/2017/decorative" val="1"/>
+              </a:ext>
+            </a:extLst>
+          </p:cNvPr>
+          <p:cNvSpPr>
+            <a:spLocks noGrp="1" noRot="1" noChangeAspect="1" noMove="1" noResize="1" noEditPoints="1" noAdjustHandles="1" noChangeArrowheads="1" noChangeShapeType="1" noTextEdit="1"/>
+          </p:cNvSpPr>
+          <p:nvPr>
+            <p:extLst>
+              <p:ext uri="{386F3935-93C4-4BCD-93E2-E3B085C9AB24}">
+                <p16:designElem xmlns:p16="http://schemas.microsoft.com/office/powerpoint/2015/main" val="1"/>
+              </p:ext>
+            </p:extLst>
+          </p:nvPr>
+        </p:nvSpPr>
+        <p:spPr>
+          <a:xfrm>
+            <a:off x="477012" y="480060"/>
+            <a:ext cx="11237976" cy="5897880"/>
+          </a:xfrm>
+          <a:prstGeom prst="rect">
+            <a:avLst/>
+          </a:prstGeom>
+          <a:solidFill>
+            <a:schemeClr val="bg1"/>
+          </a:solidFill>
+          <a:ln w="22225">
+            <a:solidFill>
+              <a:srgbClr val="C17F63"/>
+            </a:solidFill>
+          </a:ln>
+        </p:spPr>
+        <p:style>
+          <a:lnRef idx="2">
+            <a:schemeClr val="accent1">
+              <a:shade val="50000"/>
+            </a:schemeClr>
+          </a:lnRef>
+          <a:fillRef idx="1">
+            <a:schemeClr val="accent1"/>
+          </a:fillRef>
+          <a:effectRef idx="0">
+            <a:schemeClr val="accent1"/>
+          </a:effectRef>
+          <a:fontRef idx="minor">
+            <a:schemeClr val="lt1"/>
+          </a:fontRef>
+        </p:style>
+        <p:txBody>
+          <a:bodyPr rtlCol="0" anchor="ctr"/>
+          <a:lstStyle/>
+          <a:p>
+            <a:pPr algn="ctr"/>
+            <a:endParaRPr lang="en-US"/>
+          </a:p>
+        </p:txBody>
+      </p:sp>
+      <p:pic>
+        <p:nvPicPr>
+          <p:cNvPr id="4" name="Grafik 3" descr="Asien mit einfarbiger Füllung">
+            <a:extLst>
+              <a:ext uri="{FF2B5EF4-FFF2-40B4-BE49-F238E27FC236}">
+                <a16:creationId xmlns:a16="http://schemas.microsoft.com/office/drawing/2014/main" id="{C0087850-7846-47A8-A0D2-7CA5EBEC52A4}"/>
+              </a:ext>
+            </a:extLst>
+          </p:cNvPr>
+          <p:cNvPicPr>
+            <a:picLocks noChangeAspect="1"/>
+          </p:cNvPicPr>
+          <p:nvPr/>
+        </p:nvPicPr>
+        <p:blipFill>
+          <a:blip r:embed="rId2">
+            <a:extLst>
+              <a:ext uri="{28A0092B-C50C-407E-A947-70E740481C1C}">
+                <a14:useLocalDpi xmlns:a14="http://schemas.microsoft.com/office/drawing/2010/main" val="0"/>
+              </a:ext>
+              <a:ext uri="{96DAC541-7B7A-43D3-8B79-37D633B846F1}">
+                <asvg:svgBlip xmlns:asvg="http://schemas.microsoft.com/office/drawing/2016/SVG/main" r:embed="rId3"/>
+              </a:ext>
+            </a:extLst>
+          </a:blip>
+          <a:stretch>
+            <a:fillRect/>
+          </a:stretch>
+        </p:blipFill>
+        <p:spPr>
+          <a:xfrm>
+            <a:off x="7353771" y="2053242"/>
+            <a:ext cx="3030632" cy="3030632"/>
+          </a:xfrm>
+          <a:prstGeom prst="rect">
+            <a:avLst/>
+          </a:prstGeom>
+        </p:spPr>
+      </p:pic>
+      <p:pic>
+        <p:nvPicPr>
+          <p:cNvPr id="5" name="Grafik 4" descr="Europa mit einfarbiger Füllung">
+            <a:extLst>
+              <a:ext uri="{FF2B5EF4-FFF2-40B4-BE49-F238E27FC236}">
+                <a16:creationId xmlns:a16="http://schemas.microsoft.com/office/drawing/2014/main" id="{1EBB8EAB-034A-4EE9-A41C-904740C382FA}"/>
+              </a:ext>
+            </a:extLst>
+          </p:cNvPr>
+          <p:cNvPicPr>
+            <a:picLocks noChangeAspect="1"/>
+          </p:cNvPicPr>
+          <p:nvPr/>
+        </p:nvPicPr>
+        <p:blipFill>
+          <a:blip r:embed="rId4">
+            <a:extLst>
+              <a:ext uri="{28A0092B-C50C-407E-A947-70E740481C1C}">
+                <a14:useLocalDpi xmlns:a14="http://schemas.microsoft.com/office/drawing/2010/main" val="0"/>
+              </a:ext>
+              <a:ext uri="{96DAC541-7B7A-43D3-8B79-37D633B846F1}">
+                <asvg:svgBlip xmlns:asvg="http://schemas.microsoft.com/office/drawing/2016/SVG/main" r:embed="rId5"/>
+              </a:ext>
+            </a:extLst>
+          </a:blip>
+          <a:stretch>
+            <a:fillRect/>
+          </a:stretch>
+        </p:blipFill>
+        <p:spPr>
+          <a:xfrm>
+            <a:off x="1456484" y="2121022"/>
+            <a:ext cx="2430516" cy="2430516"/>
+          </a:xfrm>
+          <a:prstGeom prst="rect">
+            <a:avLst/>
+          </a:prstGeom>
+        </p:spPr>
+      </p:pic>
+      <p:sp>
+        <p:nvSpPr>
+          <p:cNvPr id="6" name="Textfeld 5">
+            <a:extLst>
+              <a:ext uri="{FF2B5EF4-FFF2-40B4-BE49-F238E27FC236}">
+                <a16:creationId xmlns:a16="http://schemas.microsoft.com/office/drawing/2014/main" id="{F5E7F1D0-EB5E-4320-92F1-03D76C2BD6BA}"/>
+              </a:ext>
+            </a:extLst>
+          </p:cNvPr>
+          <p:cNvSpPr txBox="1"/>
+          <p:nvPr/>
+        </p:nvSpPr>
+        <p:spPr>
+          <a:xfrm>
+            <a:off x="1807597" y="4545265"/>
+            <a:ext cx="1873857" cy="1077218"/>
+          </a:xfrm>
+          <a:prstGeom prst="rect">
+            <a:avLst/>
+          </a:prstGeom>
+          <a:noFill/>
+        </p:spPr>
+        <p:txBody>
+          <a:bodyPr wrap="square" rtlCol="0">
+            <a:spAutoFit/>
+          </a:bodyPr>
+          <a:lstStyle/>
+          <a:p>
+            <a:r>
+              <a:rPr lang="de-DE" sz="3600" dirty="0"/>
+              <a:t>Europa </a:t>
+            </a:r>
+          </a:p>
+          <a:p>
+            <a:endParaRPr lang="de-DE" sz="2800" dirty="0"/>
+          </a:p>
+        </p:txBody>
+      </p:sp>
+      <p:sp>
+        <p:nvSpPr>
+          <p:cNvPr id="7" name="Textfeld 6">
+            <a:extLst>
+              <a:ext uri="{FF2B5EF4-FFF2-40B4-BE49-F238E27FC236}">
+                <a16:creationId xmlns:a16="http://schemas.microsoft.com/office/drawing/2014/main" id="{636A8B30-5611-4392-8591-A7AB383EE046}"/>
+              </a:ext>
+            </a:extLst>
+          </p:cNvPr>
+          <p:cNvSpPr txBox="1"/>
+          <p:nvPr/>
+        </p:nvSpPr>
+        <p:spPr>
+          <a:xfrm>
+            <a:off x="5923722" y="4545265"/>
+            <a:ext cx="5414837" cy="1077218"/>
+          </a:xfrm>
+          <a:prstGeom prst="rect">
+            <a:avLst/>
+          </a:prstGeom>
+          <a:noFill/>
+        </p:spPr>
+        <p:txBody>
+          <a:bodyPr wrap="square" rtlCol="0">
+            <a:spAutoFit/>
+          </a:bodyPr>
+          <a:lstStyle/>
+          <a:p>
+            <a:r>
+              <a:rPr lang="de-DE" sz="3600" dirty="0"/>
+              <a:t>Asien (insbesondere China) </a:t>
+            </a:r>
+          </a:p>
+          <a:p>
+            <a:endParaRPr lang="de-DE" sz="2800" dirty="0"/>
+          </a:p>
+        </p:txBody>
+      </p:sp>
+      <p:sp>
+        <p:nvSpPr>
+          <p:cNvPr id="8" name="Textfeld 7">
+            <a:extLst>
+              <a:ext uri="{FF2B5EF4-FFF2-40B4-BE49-F238E27FC236}">
+                <a16:creationId xmlns:a16="http://schemas.microsoft.com/office/drawing/2014/main" id="{5F9D31C4-DEF2-405C-8495-A878AEA9930A}"/>
+              </a:ext>
+            </a:extLst>
+          </p:cNvPr>
+          <p:cNvSpPr txBox="1"/>
+          <p:nvPr/>
+        </p:nvSpPr>
+        <p:spPr>
+          <a:xfrm>
+            <a:off x="988315" y="654304"/>
+            <a:ext cx="6251784" cy="1077218"/>
+          </a:xfrm>
+          <a:prstGeom prst="rect">
+            <a:avLst/>
+          </a:prstGeom>
+          <a:noFill/>
+        </p:spPr>
+        <p:txBody>
+          <a:bodyPr wrap="square" rtlCol="0">
+            <a:spAutoFit/>
+          </a:bodyPr>
+          <a:lstStyle/>
+          <a:p>
+            <a:r>
+              <a:rPr lang="de-DE" sz="3600" dirty="0"/>
+              <a:t>Zukünftige Kunden: </a:t>
+            </a:r>
+          </a:p>
+          <a:p>
+            <a:endParaRPr lang="de-DE" sz="2800" dirty="0"/>
+          </a:p>
+        </p:txBody>
+      </p:sp>
+    </p:spTree>
+    <p:extLst>
+      <p:ext uri="{BB962C8B-B14F-4D97-AF65-F5344CB8AC3E}">
+        <p14:creationId xmlns:p14="http://schemas.microsoft.com/office/powerpoint/2010/main" val="2252628431"/>
+      </p:ext>
+    </p:extLst>
+  </p:cSld>
+  <p:clrMapOvr>
+    <a:masterClrMapping/>
+  </p:clrMapOvr>
+</p:sld>
+</file>
+
+<file path=ppt/slides/slide9.xml><?xml version="1.0" encoding="utf-8"?>
+<p:sld xmlns:a="http://schemas.openxmlformats.org/drawingml/2006/main" xmlns:r="http://schemas.openxmlformats.org/officeDocument/2006/relationships" xmlns:p="http://schemas.openxmlformats.org/presentationml/2006/main">
+  <p:cSld>
     <p:spTree>
       <p:nvGrpSpPr>
         <p:cNvPr id="1" name=""/>
@@ -8871,364 +9978,6 @@
       </p:par>
     </p:tnLst>
   </p:timing>
-</p:sld>
-</file>
-
-<file path=ppt/slides/slide9.xml><?xml version="1.0" encoding="utf-8"?>
-<p:sld xmlns:a="http://schemas.openxmlformats.org/drawingml/2006/main" xmlns:r="http://schemas.openxmlformats.org/officeDocument/2006/relationships" xmlns:p="http://schemas.openxmlformats.org/presentationml/2006/main">
-  <p:cSld>
-    <p:bg>
-      <p:bgPr>
-        <a:solidFill>
-          <a:srgbClr val="4960A6"/>
-        </a:solidFill>
-        <a:effectLst/>
-      </p:bgPr>
-    </p:bg>
-    <p:spTree>
-      <p:nvGrpSpPr>
-        <p:cNvPr id="1" name=""/>
-        <p:cNvGrpSpPr/>
-        <p:nvPr/>
-      </p:nvGrpSpPr>
-      <p:grpSpPr>
-        <a:xfrm>
-          <a:off x="0" y="0"/>
-          <a:ext cx="0" cy="0"/>
-          <a:chOff x="0" y="0"/>
-          <a:chExt cx="0" cy="0"/>
-        </a:xfrm>
-      </p:grpSpPr>
-      <p:sp>
-        <p:nvSpPr>
-          <p:cNvPr id="22" name="Rectangle 21">
-            <a:extLst>
-              <a:ext uri="{FF2B5EF4-FFF2-40B4-BE49-F238E27FC236}">
-                <a16:creationId xmlns:a16="http://schemas.microsoft.com/office/drawing/2014/main" id="{44B3F5F5-166C-4694-B20A-3F8218AF7D03}"/>
-              </a:ext>
-              <a:ext uri="{C183D7F6-B498-43B3-948B-1728B52AA6E4}">
-                <adec:decorative xmlns:adec="http://schemas.microsoft.com/office/drawing/2017/decorative" val="1"/>
-              </a:ext>
-            </a:extLst>
-          </p:cNvPr>
-          <p:cNvSpPr>
-            <a:spLocks noGrp="1" noRot="1" noChangeAspect="1" noMove="1" noResize="1" noEditPoints="1" noAdjustHandles="1" noChangeArrowheads="1" noChangeShapeType="1" noTextEdit="1"/>
-          </p:cNvSpPr>
-          <p:nvPr>
-            <p:extLst>
-              <p:ext uri="{386F3935-93C4-4BCD-93E2-E3B085C9AB24}">
-                <p16:designElem xmlns:p16="http://schemas.microsoft.com/office/powerpoint/2015/main" val="1"/>
-              </p:ext>
-            </p:extLst>
-          </p:nvPr>
-        </p:nvSpPr>
-        <p:spPr>
-          <a:xfrm>
-            <a:off x="0" y="0"/>
-            <a:ext cx="12192000" cy="6858000"/>
-          </a:xfrm>
-          <a:prstGeom prst="rect">
-            <a:avLst/>
-          </a:prstGeom>
-          <a:solidFill>
-            <a:schemeClr val="bg2"/>
-          </a:solidFill>
-          <a:ln>
-            <a:noFill/>
-          </a:ln>
-        </p:spPr>
-        <p:style>
-          <a:lnRef idx="2">
-            <a:schemeClr val="accent1">
-              <a:shade val="50000"/>
-            </a:schemeClr>
-          </a:lnRef>
-          <a:fillRef idx="1">
-            <a:schemeClr val="accent1"/>
-          </a:fillRef>
-          <a:effectRef idx="0">
-            <a:schemeClr val="accent1"/>
-          </a:effectRef>
-          <a:fontRef idx="minor">
-            <a:schemeClr val="lt1"/>
-          </a:fontRef>
-        </p:style>
-        <p:txBody>
-          <a:bodyPr rtlCol="0" anchor="ctr"/>
-          <a:lstStyle/>
-          <a:p>
-            <a:pPr algn="ctr"/>
-            <a:endParaRPr lang="en-US"/>
-          </a:p>
-        </p:txBody>
-      </p:sp>
-      <p:sp>
-        <p:nvSpPr>
-          <p:cNvPr id="24" name="Rectangle 23">
-            <a:extLst>
-              <a:ext uri="{FF2B5EF4-FFF2-40B4-BE49-F238E27FC236}">
-                <a16:creationId xmlns:a16="http://schemas.microsoft.com/office/drawing/2014/main" id="{9E67A204-FB90-4B26-B155-3FA8064AD2DF}"/>
-              </a:ext>
-              <a:ext uri="{C183D7F6-B498-43B3-948B-1728B52AA6E4}">
-                <adec:decorative xmlns:adec="http://schemas.microsoft.com/office/drawing/2017/decorative" val="1"/>
-              </a:ext>
-            </a:extLst>
-          </p:cNvPr>
-          <p:cNvSpPr>
-            <a:spLocks noGrp="1" noRot="1" noChangeAspect="1" noMove="1" noResize="1" noEditPoints="1" noAdjustHandles="1" noChangeArrowheads="1" noChangeShapeType="1" noTextEdit="1"/>
-          </p:cNvSpPr>
-          <p:nvPr>
-            <p:extLst>
-              <p:ext uri="{386F3935-93C4-4BCD-93E2-E3B085C9AB24}">
-                <p16:designElem xmlns:p16="http://schemas.microsoft.com/office/powerpoint/2015/main" val="1"/>
-              </p:ext>
-            </p:extLst>
-          </p:nvPr>
-        </p:nvSpPr>
-        <p:spPr>
-          <a:xfrm>
-            <a:off x="477012" y="480060"/>
-            <a:ext cx="11237976" cy="5897880"/>
-          </a:xfrm>
-          <a:prstGeom prst="rect">
-            <a:avLst/>
-          </a:prstGeom>
-          <a:solidFill>
-            <a:schemeClr val="bg1"/>
-          </a:solidFill>
-          <a:ln w="22225">
-            <a:solidFill>
-              <a:srgbClr val="C17F63"/>
-            </a:solidFill>
-          </a:ln>
-        </p:spPr>
-        <p:style>
-          <a:lnRef idx="2">
-            <a:schemeClr val="accent1">
-              <a:shade val="50000"/>
-            </a:schemeClr>
-          </a:lnRef>
-          <a:fillRef idx="1">
-            <a:schemeClr val="accent1"/>
-          </a:fillRef>
-          <a:effectRef idx="0">
-            <a:schemeClr val="accent1"/>
-          </a:effectRef>
-          <a:fontRef idx="minor">
-            <a:schemeClr val="lt1"/>
-          </a:fontRef>
-        </p:style>
-        <p:txBody>
-          <a:bodyPr rtlCol="0" anchor="ctr"/>
-          <a:lstStyle/>
-          <a:p>
-            <a:pPr algn="ctr"/>
-            <a:endParaRPr lang="en-US"/>
-          </a:p>
-        </p:txBody>
-      </p:sp>
-      <p:pic>
-        <p:nvPicPr>
-          <p:cNvPr id="4" name="Grafik 3" descr="Asien mit einfarbiger Füllung">
-            <a:extLst>
-              <a:ext uri="{FF2B5EF4-FFF2-40B4-BE49-F238E27FC236}">
-                <a16:creationId xmlns:a16="http://schemas.microsoft.com/office/drawing/2014/main" id="{C0087850-7846-47A8-A0D2-7CA5EBEC52A4}"/>
-              </a:ext>
-            </a:extLst>
-          </p:cNvPr>
-          <p:cNvPicPr>
-            <a:picLocks noChangeAspect="1"/>
-          </p:cNvPicPr>
-          <p:nvPr/>
-        </p:nvPicPr>
-        <p:blipFill>
-          <a:blip r:embed="rId2">
-            <a:extLst>
-              <a:ext uri="{28A0092B-C50C-407E-A947-70E740481C1C}">
-                <a14:useLocalDpi xmlns:a14="http://schemas.microsoft.com/office/drawing/2010/main" val="0"/>
-              </a:ext>
-              <a:ext uri="{96DAC541-7B7A-43D3-8B79-37D633B846F1}">
-                <asvg:svgBlip xmlns:asvg="http://schemas.microsoft.com/office/drawing/2016/SVG/main" r:embed="rId3"/>
-              </a:ext>
-            </a:extLst>
-          </a:blip>
-          <a:stretch>
-            <a:fillRect/>
-          </a:stretch>
-        </p:blipFill>
-        <p:spPr>
-          <a:xfrm>
-            <a:off x="7353771" y="2053242"/>
-            <a:ext cx="3030632" cy="3030632"/>
-          </a:xfrm>
-          <a:prstGeom prst="rect">
-            <a:avLst/>
-          </a:prstGeom>
-        </p:spPr>
-      </p:pic>
-      <p:pic>
-        <p:nvPicPr>
-          <p:cNvPr id="5" name="Grafik 4" descr="Europa mit einfarbiger Füllung">
-            <a:extLst>
-              <a:ext uri="{FF2B5EF4-FFF2-40B4-BE49-F238E27FC236}">
-                <a16:creationId xmlns:a16="http://schemas.microsoft.com/office/drawing/2014/main" id="{1EBB8EAB-034A-4EE9-A41C-904740C382FA}"/>
-              </a:ext>
-            </a:extLst>
-          </p:cNvPr>
-          <p:cNvPicPr>
-            <a:picLocks noChangeAspect="1"/>
-          </p:cNvPicPr>
-          <p:nvPr/>
-        </p:nvPicPr>
-        <p:blipFill>
-          <a:blip r:embed="rId4">
-            <a:extLst>
-              <a:ext uri="{28A0092B-C50C-407E-A947-70E740481C1C}">
-                <a14:useLocalDpi xmlns:a14="http://schemas.microsoft.com/office/drawing/2010/main" val="0"/>
-              </a:ext>
-              <a:ext uri="{96DAC541-7B7A-43D3-8B79-37D633B846F1}">
-                <asvg:svgBlip xmlns:asvg="http://schemas.microsoft.com/office/drawing/2016/SVG/main" r:embed="rId5"/>
-              </a:ext>
-            </a:extLst>
-          </a:blip>
-          <a:stretch>
-            <a:fillRect/>
-          </a:stretch>
-        </p:blipFill>
-        <p:spPr>
-          <a:xfrm>
-            <a:off x="1456484" y="2121022"/>
-            <a:ext cx="2430516" cy="2430516"/>
-          </a:xfrm>
-          <a:prstGeom prst="rect">
-            <a:avLst/>
-          </a:prstGeom>
-        </p:spPr>
-      </p:pic>
-      <p:sp>
-        <p:nvSpPr>
-          <p:cNvPr id="6" name="Textfeld 5">
-            <a:extLst>
-              <a:ext uri="{FF2B5EF4-FFF2-40B4-BE49-F238E27FC236}">
-                <a16:creationId xmlns:a16="http://schemas.microsoft.com/office/drawing/2014/main" id="{F5E7F1D0-EB5E-4320-92F1-03D76C2BD6BA}"/>
-              </a:ext>
-            </a:extLst>
-          </p:cNvPr>
-          <p:cNvSpPr txBox="1"/>
-          <p:nvPr/>
-        </p:nvSpPr>
-        <p:spPr>
-          <a:xfrm>
-            <a:off x="1807597" y="4545265"/>
-            <a:ext cx="1873857" cy="1077218"/>
-          </a:xfrm>
-          <a:prstGeom prst="rect">
-            <a:avLst/>
-          </a:prstGeom>
-          <a:noFill/>
-        </p:spPr>
-        <p:txBody>
-          <a:bodyPr wrap="square" rtlCol="0">
-            <a:spAutoFit/>
-          </a:bodyPr>
-          <a:lstStyle/>
-          <a:p>
-            <a:r>
-              <a:rPr lang="de-DE" sz="3600" dirty="0"/>
-              <a:t>Europa </a:t>
-            </a:r>
-          </a:p>
-          <a:p>
-            <a:endParaRPr lang="de-DE" sz="2800" dirty="0"/>
-          </a:p>
-        </p:txBody>
-      </p:sp>
-      <p:sp>
-        <p:nvSpPr>
-          <p:cNvPr id="7" name="Textfeld 6">
-            <a:extLst>
-              <a:ext uri="{FF2B5EF4-FFF2-40B4-BE49-F238E27FC236}">
-                <a16:creationId xmlns:a16="http://schemas.microsoft.com/office/drawing/2014/main" id="{636A8B30-5611-4392-8591-A7AB383EE046}"/>
-              </a:ext>
-            </a:extLst>
-          </p:cNvPr>
-          <p:cNvSpPr txBox="1"/>
-          <p:nvPr/>
-        </p:nvSpPr>
-        <p:spPr>
-          <a:xfrm>
-            <a:off x="5923722" y="4545265"/>
-            <a:ext cx="5414837" cy="1077218"/>
-          </a:xfrm>
-          <a:prstGeom prst="rect">
-            <a:avLst/>
-          </a:prstGeom>
-          <a:noFill/>
-        </p:spPr>
-        <p:txBody>
-          <a:bodyPr wrap="square" rtlCol="0">
-            <a:spAutoFit/>
-          </a:bodyPr>
-          <a:lstStyle/>
-          <a:p>
-            <a:r>
-              <a:rPr lang="de-DE" sz="3600" dirty="0"/>
-              <a:t>Asien (insbesondere China) </a:t>
-            </a:r>
-          </a:p>
-          <a:p>
-            <a:endParaRPr lang="de-DE" sz="2800" dirty="0"/>
-          </a:p>
-        </p:txBody>
-      </p:sp>
-      <p:sp>
-        <p:nvSpPr>
-          <p:cNvPr id="8" name="Textfeld 7">
-            <a:extLst>
-              <a:ext uri="{FF2B5EF4-FFF2-40B4-BE49-F238E27FC236}">
-                <a16:creationId xmlns:a16="http://schemas.microsoft.com/office/drawing/2014/main" id="{5F9D31C4-DEF2-405C-8495-A878AEA9930A}"/>
-              </a:ext>
-            </a:extLst>
-          </p:cNvPr>
-          <p:cNvSpPr txBox="1"/>
-          <p:nvPr/>
-        </p:nvSpPr>
-        <p:spPr>
-          <a:xfrm>
-            <a:off x="988315" y="654304"/>
-            <a:ext cx="6251784" cy="1077218"/>
-          </a:xfrm>
-          <a:prstGeom prst="rect">
-            <a:avLst/>
-          </a:prstGeom>
-          <a:noFill/>
-        </p:spPr>
-        <p:txBody>
-          <a:bodyPr wrap="square" rtlCol="0">
-            <a:spAutoFit/>
-          </a:bodyPr>
-          <a:lstStyle/>
-          <a:p>
-            <a:r>
-              <a:rPr lang="de-DE" sz="3600" dirty="0"/>
-              <a:t>Zukünftige Kunden: </a:t>
-            </a:r>
-          </a:p>
-          <a:p>
-            <a:endParaRPr lang="de-DE" sz="2800" dirty="0"/>
-          </a:p>
-        </p:txBody>
-      </p:sp>
-    </p:spTree>
-    <p:extLst>
-      <p:ext uri="{BB962C8B-B14F-4D97-AF65-F5344CB8AC3E}">
-        <p14:creationId xmlns:p14="http://schemas.microsoft.com/office/powerpoint/2010/main" val="2252628431"/>
-      </p:ext>
-    </p:extLst>
-  </p:cSld>
-  <p:clrMapOvr>
-    <a:masterClrMapping/>
-  </p:clrMapOvr>
 </p:sld>
 </file>
 

--- a/Meilenstein 2/Präsentation/Präsentation MS2.pptx
+++ b/Meilenstein 2/Präsentation/Präsentation MS2.pptx
@@ -19,7 +19,7 @@
     <p:sldId id="274" r:id="rId10"/>
     <p:sldId id="288" r:id="rId11"/>
     <p:sldId id="291" r:id="rId12"/>
-    <p:sldId id="298" r:id="rId13"/>
+    <p:sldId id="299" r:id="rId13"/>
     <p:sldId id="296" r:id="rId14"/>
     <p:sldId id="285" r:id="rId15"/>
     <p:sldId id="284" r:id="rId16"/>
@@ -4385,6 +4385,14 @@
 <file path=ppt/slides/slide12.xml><?xml version="1.0" encoding="utf-8"?>
 <p:sld xmlns:a="http://schemas.openxmlformats.org/drawingml/2006/main" xmlns:r="http://schemas.openxmlformats.org/officeDocument/2006/relationships" xmlns:p="http://schemas.openxmlformats.org/presentationml/2006/main">
   <p:cSld>
+    <p:bg>
+      <p:bgPr>
+        <a:solidFill>
+          <a:srgbClr val="4960A6"/>
+        </a:solidFill>
+        <a:effectLst/>
+      </p:bgPr>
+    </p:bg>
     <p:spTree>
       <p:nvGrpSpPr>
         <p:cNvPr id="1" name=""/>
@@ -4401,10 +4409,138 @@
       </p:grpSpPr>
       <p:sp>
         <p:nvSpPr>
-          <p:cNvPr id="7" name="Inhaltsplatzhalter 2">
+          <p:cNvPr id="22" name="Rectangle 21">
             <a:extLst>
               <a:ext uri="{FF2B5EF4-FFF2-40B4-BE49-F238E27FC236}">
-                <a16:creationId xmlns:a16="http://schemas.microsoft.com/office/drawing/2014/main" id="{A58259CC-10AB-4BFB-BD4F-65461D9E5326}"/>
+                <a16:creationId xmlns:a16="http://schemas.microsoft.com/office/drawing/2014/main" id="{44B3F5F5-166C-4694-B20A-3F8218AF7D03}"/>
+              </a:ext>
+              <a:ext uri="{C183D7F6-B498-43B3-948B-1728B52AA6E4}">
+                <adec:decorative xmlns:adec="http://schemas.microsoft.com/office/drawing/2017/decorative" val="1"/>
+              </a:ext>
+            </a:extLst>
+          </p:cNvPr>
+          <p:cNvSpPr>
+            <a:spLocks noGrp="1" noRot="1" noChangeAspect="1" noMove="1" noResize="1" noEditPoints="1" noAdjustHandles="1" noChangeArrowheads="1" noChangeShapeType="1" noTextEdit="1"/>
+          </p:cNvSpPr>
+          <p:nvPr>
+            <p:extLst>
+              <p:ext uri="{386F3935-93C4-4BCD-93E2-E3B085C9AB24}">
+                <p16:designElem xmlns:p16="http://schemas.microsoft.com/office/powerpoint/2015/main" val="1"/>
+              </p:ext>
+            </p:extLst>
+          </p:nvPr>
+        </p:nvSpPr>
+        <p:spPr>
+          <a:xfrm>
+            <a:off x="0" y="0"/>
+            <a:ext cx="12192000" cy="6858000"/>
+          </a:xfrm>
+          <a:prstGeom prst="rect">
+            <a:avLst/>
+          </a:prstGeom>
+          <a:solidFill>
+            <a:schemeClr val="bg2"/>
+          </a:solidFill>
+          <a:ln>
+            <a:noFill/>
+          </a:ln>
+        </p:spPr>
+        <p:style>
+          <a:lnRef idx="2">
+            <a:schemeClr val="accent1">
+              <a:shade val="50000"/>
+            </a:schemeClr>
+          </a:lnRef>
+          <a:fillRef idx="1">
+            <a:schemeClr val="accent1"/>
+          </a:fillRef>
+          <a:effectRef idx="0">
+            <a:schemeClr val="accent1"/>
+          </a:effectRef>
+          <a:fontRef idx="minor">
+            <a:schemeClr val="lt1"/>
+          </a:fontRef>
+        </p:style>
+        <p:txBody>
+          <a:bodyPr rtlCol="0" anchor="ctr"/>
+          <a:lstStyle/>
+          <a:p>
+            <a:pPr algn="ctr"/>
+            <a:endParaRPr lang="en-US"/>
+          </a:p>
+        </p:txBody>
+      </p:sp>
+      <p:sp>
+        <p:nvSpPr>
+          <p:cNvPr id="24" name="Rectangle 23">
+            <a:extLst>
+              <a:ext uri="{FF2B5EF4-FFF2-40B4-BE49-F238E27FC236}">
+                <a16:creationId xmlns:a16="http://schemas.microsoft.com/office/drawing/2014/main" id="{9E67A204-FB90-4B26-B155-3FA8064AD2DF}"/>
+              </a:ext>
+              <a:ext uri="{C183D7F6-B498-43B3-948B-1728B52AA6E4}">
+                <adec:decorative xmlns:adec="http://schemas.microsoft.com/office/drawing/2017/decorative" val="1"/>
+              </a:ext>
+            </a:extLst>
+          </p:cNvPr>
+          <p:cNvSpPr>
+            <a:spLocks noGrp="1" noRot="1" noChangeAspect="1" noMove="1" noResize="1" noEditPoints="1" noAdjustHandles="1" noChangeArrowheads="1" noChangeShapeType="1" noTextEdit="1"/>
+          </p:cNvSpPr>
+          <p:nvPr>
+            <p:extLst>
+              <p:ext uri="{386F3935-93C4-4BCD-93E2-E3B085C9AB24}">
+                <p16:designElem xmlns:p16="http://schemas.microsoft.com/office/powerpoint/2015/main" val="1"/>
+              </p:ext>
+            </p:extLst>
+          </p:nvPr>
+        </p:nvSpPr>
+        <p:spPr>
+          <a:xfrm>
+            <a:off x="477012" y="480060"/>
+            <a:ext cx="11237976" cy="5897880"/>
+          </a:xfrm>
+          <a:prstGeom prst="rect">
+            <a:avLst/>
+          </a:prstGeom>
+          <a:solidFill>
+            <a:schemeClr val="bg1"/>
+          </a:solidFill>
+          <a:ln w="22225">
+            <a:solidFill>
+              <a:srgbClr val="C17F63"/>
+            </a:solidFill>
+          </a:ln>
+        </p:spPr>
+        <p:style>
+          <a:lnRef idx="2">
+            <a:schemeClr val="accent1">
+              <a:shade val="50000"/>
+            </a:schemeClr>
+          </a:lnRef>
+          <a:fillRef idx="1">
+            <a:schemeClr val="accent1"/>
+          </a:fillRef>
+          <a:effectRef idx="0">
+            <a:schemeClr val="accent1"/>
+          </a:effectRef>
+          <a:fontRef idx="minor">
+            <a:schemeClr val="lt1"/>
+          </a:fontRef>
+        </p:style>
+        <p:txBody>
+          <a:bodyPr rtlCol="0" anchor="ctr"/>
+          <a:lstStyle/>
+          <a:p>
+            <a:pPr algn="ctr"/>
+            <a:endParaRPr lang="en-US"/>
+          </a:p>
+        </p:txBody>
+      </p:sp>
+      <p:sp>
+        <p:nvSpPr>
+          <p:cNvPr id="5" name="Inhaltsplatzhalter 2">
+            <a:extLst>
+              <a:ext uri="{FF2B5EF4-FFF2-40B4-BE49-F238E27FC236}">
+                <a16:creationId xmlns:a16="http://schemas.microsoft.com/office/drawing/2014/main" id="{3A4D10FD-D463-48BE-80DC-687735251311}"/>
               </a:ext>
             </a:extLst>
           </p:cNvPr>
@@ -4415,7 +4551,7 @@
         </p:nvSpPr>
         <p:spPr>
           <a:xfrm>
-            <a:off x="709803" y="666750"/>
+            <a:off x="709803" y="653271"/>
             <a:ext cx="9720073" cy="4023360"/>
           </a:xfrm>
           <a:prstGeom prst="rect">
@@ -4707,10 +4843,10 @@
       </p:sp>
       <p:pic>
         <p:nvPicPr>
-          <p:cNvPr id="8" name="Grafik 7">
+          <p:cNvPr id="6" name="Grafik 5">
             <a:extLst>
               <a:ext uri="{FF2B5EF4-FFF2-40B4-BE49-F238E27FC236}">
-                <a16:creationId xmlns:a16="http://schemas.microsoft.com/office/drawing/2014/main" id="{96759417-6E7D-4060-A301-90F380035652}"/>
+                <a16:creationId xmlns:a16="http://schemas.microsoft.com/office/drawing/2014/main" id="{93439B8D-2364-49E2-B5C1-0EF2060AA41D}"/>
               </a:ext>
             </a:extLst>
           </p:cNvPr>
@@ -4727,7 +4863,7 @@
         </p:blipFill>
         <p:spPr>
           <a:xfrm>
-            <a:off x="7801554" y="2495549"/>
+            <a:off x="7801554" y="2482070"/>
             <a:ext cx="3818945" cy="3782001"/>
           </a:xfrm>
           <a:prstGeom prst="rect">
@@ -4737,10 +4873,10 @@
       </p:pic>
       <p:pic>
         <p:nvPicPr>
-          <p:cNvPr id="9" name="Grafik 8">
+          <p:cNvPr id="4" name="Grafik 3">
             <a:extLst>
               <a:ext uri="{FF2B5EF4-FFF2-40B4-BE49-F238E27FC236}">
-                <a16:creationId xmlns:a16="http://schemas.microsoft.com/office/drawing/2014/main" id="{180F029D-57EA-4EA7-8361-24F3B1030625}"/>
+                <a16:creationId xmlns:a16="http://schemas.microsoft.com/office/drawing/2014/main" id="{921D969B-2DFB-483F-BD98-A95ED9DA9694}"/>
               </a:ext>
             </a:extLst>
           </p:cNvPr>
@@ -4770,7 +4906,7 @@
         </p:blipFill>
         <p:spPr>
           <a:xfrm>
-            <a:off x="0" y="13479"/>
+            <a:off x="0" y="0"/>
             <a:ext cx="12192000" cy="6831042"/>
           </a:xfrm>
           <a:prstGeom prst="rect">
@@ -4781,7 +4917,7 @@
     </p:spTree>
     <p:extLst>
       <p:ext uri="{BB962C8B-B14F-4D97-AF65-F5344CB8AC3E}">
-        <p14:creationId xmlns:p14="http://schemas.microsoft.com/office/powerpoint/2010/main" val="2813531971"/>
+        <p14:creationId xmlns:p14="http://schemas.microsoft.com/office/powerpoint/2010/main" val="3101288023"/>
       </p:ext>
     </p:extLst>
   </p:cSld>
@@ -4818,7 +4954,7 @@
                                       <p:cBhvr>
                                         <p:cTn id="6" dur="500"/>
                                         <p:tgtEl>
-                                          <p:spTgt spid="9"/>
+                                          <p:spTgt spid="4"/>
                                         </p:tgtEl>
                                       </p:cBhvr>
                                     </p:animEffect>
@@ -4830,7 +4966,7 @@
                                           </p:stCondLst>
                                         </p:cTn>
                                         <p:tgtEl>
-                                          <p:spTgt spid="9"/>
+                                          <p:spTgt spid="4"/>
                                         </p:tgtEl>
                                         <p:attrNameLst>
                                           <p:attrName>style.visibility</p:attrName>
